--- a/Android/안드로이드 프로그래밍 정복/Chapter12 어댑터뷰.pptx
+++ b/Android/안드로이드 프로그래밍 정복/Chapter12 어댑터뷰.pptx
@@ -18,6 +18,8 @@
     <p:sldId id="267" r:id="rId12"/>
     <p:sldId id="268" r:id="rId13"/>
     <p:sldId id="266" r:id="rId14"/>
+    <p:sldId id="269" r:id="rId15"/>
+    <p:sldId id="270" r:id="rId16"/>
   </p:sldIdLst>
   <p:sldSz cx="9144000" cy="6858000" type="screen4x3"/>
   <p:notesSz cx="6858000" cy="9144000"/>
@@ -3240,11 +3242,7 @@
             </a:pPr>
             <a:r>
               <a:rPr lang="en-US" altLang="ko-KR" dirty="0" smtClean="0"/>
-              <a:t>	</a:t>
-            </a:r>
-            <a:r>
-              <a:rPr lang="en-US" altLang="ko-KR" dirty="0" smtClean="0"/>
-              <a:t>	</a:t>
+              <a:t>		</a:t>
             </a:r>
             <a:r>
               <a:rPr lang="en-US" altLang="ko-KR" dirty="0" err="1" smtClean="0"/>
@@ -3279,11 +3277,7 @@
             </a:pPr>
             <a:r>
               <a:rPr lang="en-US" altLang="ko-KR" dirty="0" smtClean="0"/>
-              <a:t>	</a:t>
-            </a:r>
-            <a:r>
-              <a:rPr lang="en-US" altLang="ko-KR" dirty="0" smtClean="0"/>
-              <a:t>	</a:t>
+              <a:t>		</a:t>
             </a:r>
             <a:r>
               <a:rPr lang="en-US" altLang="ko-KR" dirty="0" err="1" smtClean="0"/>
@@ -3310,11 +3304,7 @@
             </a:pPr>
             <a:r>
               <a:rPr lang="en-US" altLang="ko-KR" dirty="0" smtClean="0"/>
-              <a:t>	</a:t>
-            </a:r>
-            <a:r>
-              <a:rPr lang="en-US" altLang="ko-KR" dirty="0" smtClean="0"/>
-              <a:t>	</a:t>
+              <a:t>		</a:t>
             </a:r>
             <a:r>
               <a:rPr lang="en-US" altLang="ko-KR" dirty="0" err="1" smtClean="0"/>
@@ -3349,11 +3339,7 @@
             </a:pPr>
             <a:r>
               <a:rPr lang="en-US" altLang="ko-KR" dirty="0" smtClean="0"/>
-              <a:t>	</a:t>
-            </a:r>
-            <a:r>
-              <a:rPr lang="en-US" altLang="ko-KR" dirty="0" smtClean="0"/>
-              <a:t>	</a:t>
+              <a:t>		</a:t>
             </a:r>
             <a:r>
               <a:rPr lang="en-US" altLang="ko-KR" dirty="0" err="1" smtClean="0"/>
@@ -3370,11 +3356,7 @@
             </a:pPr>
             <a:r>
               <a:rPr lang="en-US" altLang="ko-KR" dirty="0" smtClean="0"/>
-              <a:t>	</a:t>
-            </a:r>
-            <a:r>
-              <a:rPr lang="en-US" altLang="ko-KR" dirty="0" smtClean="0"/>
-              <a:t>	/&gt;</a:t>
+              <a:t>		/&gt;</a:t>
             </a:r>
           </a:p>
         </p:txBody>
@@ -3384,6 +3366,13 @@
   <p:clrMapOvr>
     <a:masterClrMapping/>
   </p:clrMapOvr>
+  <p:timing>
+    <p:tnLst>
+      <p:par>
+        <p:cTn id="1" dur="indefinite" restart="never" nodeType="tmRoot"/>
+      </p:par>
+    </p:tnLst>
+  </p:timing>
 </p:sld>
 </file>
 
@@ -3496,7 +3485,6 @@
               <a:rPr lang="en-US" altLang="ko-KR" dirty="0" smtClean="0"/>
               <a:t>	</a:t>
             </a:r>
-            <a:endParaRPr lang="en-US" altLang="ko-KR" dirty="0" smtClean="0"/>
           </a:p>
           <a:p>
             <a:pPr>
@@ -3557,7 +3545,6 @@
               <a:rPr lang="en-US" altLang="ko-KR" dirty="0" smtClean="0"/>
               <a:t>	</a:t>
             </a:r>
-            <a:endParaRPr lang="en-US" altLang="ko-KR" dirty="0" smtClean="0"/>
           </a:p>
           <a:p>
             <a:pPr>
@@ -3582,11 +3569,7 @@
             </a:pPr>
             <a:r>
               <a:rPr lang="en-US" altLang="ko-KR" dirty="0" smtClean="0"/>
-              <a:t>	</a:t>
-            </a:r>
-            <a:r>
-              <a:rPr lang="en-US" altLang="ko-KR" dirty="0" smtClean="0"/>
-              <a:t>	</a:t>
+              <a:t>		</a:t>
             </a:r>
             <a:r>
               <a:rPr lang="en-US" altLang="ko-KR" dirty="0" err="1" smtClean="0"/>
@@ -3603,11 +3586,7 @@
             </a:pPr>
             <a:r>
               <a:rPr lang="en-US" altLang="ko-KR" dirty="0" smtClean="0"/>
-              <a:t>	</a:t>
-            </a:r>
-            <a:r>
-              <a:rPr lang="en-US" altLang="ko-KR" dirty="0" smtClean="0"/>
-              <a:t>		public void </a:t>
+              <a:t>			public void </a:t>
             </a:r>
             <a:r>
               <a:rPr lang="en-US" altLang="ko-KR" dirty="0" err="1" smtClean="0"/>
@@ -3624,11 +3603,7 @@
             </a:pPr>
             <a:r>
               <a:rPr lang="en-US" altLang="ko-KR" dirty="0" smtClean="0"/>
-              <a:t>	</a:t>
-            </a:r>
-            <a:r>
-              <a:rPr lang="en-US" altLang="ko-KR" dirty="0" smtClean="0"/>
-              <a:t>		.	.	.</a:t>
+              <a:t>			.	.	.</a:t>
             </a:r>
           </a:p>
           <a:p>
@@ -3650,6 +3625,13 @@
   <p:clrMapOvr>
     <a:masterClrMapping/>
   </p:clrMapOvr>
+  <p:timing>
+    <p:tnLst>
+      <p:par>
+        <p:cTn id="1" dur="indefinite" restart="never" nodeType="tmRoot"/>
+      </p:par>
+    </p:tnLst>
+  </p:timing>
 </p:sld>
 </file>
 
@@ -3727,11 +3709,7 @@
             </a:pPr>
             <a:r>
               <a:rPr lang="en-US" altLang="ko-KR" dirty="0" smtClean="0"/>
-              <a:t>	</a:t>
-            </a:r>
-            <a:r>
-              <a:rPr lang="en-US" altLang="ko-KR" dirty="0" smtClean="0"/>
-              <a:t>class </a:t>
+              <a:t>	class </a:t>
             </a:r>
             <a:r>
               <a:rPr lang="en-US" altLang="ko-KR" dirty="0" err="1" smtClean="0"/>
@@ -3756,11 +3734,7 @@
             </a:pPr>
             <a:r>
               <a:rPr lang="en-US" altLang="ko-KR" dirty="0" smtClean="0"/>
-              <a:t>	</a:t>
-            </a:r>
-            <a:r>
-              <a:rPr lang="en-US" altLang="ko-KR" dirty="0" smtClean="0"/>
-              <a:t>	</a:t>
+              <a:t>		</a:t>
             </a:r>
             <a:r>
               <a:rPr lang="en-US" altLang="ko-KR" dirty="0" err="1" smtClean="0"/>
@@ -3777,11 +3751,7 @@
             </a:pPr>
             <a:r>
               <a:rPr lang="en-US" altLang="ko-KR" dirty="0" smtClean="0"/>
-              <a:t>	</a:t>
-            </a:r>
-            <a:r>
-              <a:rPr lang="en-US" altLang="ko-KR" dirty="0" smtClean="0"/>
-              <a:t>	</a:t>
+              <a:t>		</a:t>
             </a:r>
           </a:p>
           <a:p>
@@ -3790,11 +3760,7 @@
             </a:pPr>
             <a:r>
               <a:rPr lang="en-US" altLang="ko-KR" dirty="0" smtClean="0"/>
-              <a:t>	</a:t>
-            </a:r>
-            <a:r>
-              <a:rPr lang="en-US" altLang="ko-KR" dirty="0" smtClean="0"/>
-              <a:t>	</a:t>
+              <a:t>		</a:t>
             </a:r>
             <a:r>
               <a:rPr lang="en-US" altLang="ko-KR" dirty="0" err="1" smtClean="0"/>
@@ -3819,11 +3785,7 @@
             </a:pPr>
             <a:r>
               <a:rPr lang="en-US" altLang="ko-KR" dirty="0" smtClean="0"/>
-              <a:t>	</a:t>
-            </a:r>
-            <a:r>
-              <a:rPr lang="en-US" altLang="ko-KR" dirty="0" smtClean="0"/>
-              <a:t>	</a:t>
+              <a:t>		</a:t>
             </a:r>
           </a:p>
           <a:p>
@@ -3832,11 +3794,7 @@
             </a:pPr>
             <a:r>
               <a:rPr lang="en-US" altLang="ko-KR" dirty="0" smtClean="0"/>
-              <a:t>	</a:t>
-            </a:r>
-            <a:r>
-              <a:rPr lang="en-US" altLang="ko-KR" dirty="0" smtClean="0"/>
-              <a:t>	</a:t>
+              <a:t>		</a:t>
             </a:r>
             <a:r>
               <a:rPr lang="en-US" altLang="ko-KR" dirty="0" err="1" smtClean="0"/>
@@ -3863,7 +3821,6 @@
               <a:rPr lang="en-US" altLang="ko-KR" dirty="0" smtClean="0"/>
               <a:t>	</a:t>
             </a:r>
-            <a:endParaRPr lang="en-US" altLang="ko-KR" dirty="0" smtClean="0"/>
           </a:p>
           <a:p>
             <a:pPr>
@@ -3871,11 +3828,7 @@
             </a:pPr>
             <a:r>
               <a:rPr lang="en-US" altLang="ko-KR" dirty="0" smtClean="0"/>
-              <a:t>	</a:t>
-            </a:r>
-            <a:r>
-              <a:rPr lang="en-US" altLang="ko-KR" dirty="0" smtClean="0"/>
-              <a:t>	</a:t>
+              <a:t>		</a:t>
             </a:r>
             <a:r>
               <a:rPr lang="en-US" altLang="ko-KR" dirty="0" err="1" smtClean="0"/>
@@ -3894,6 +3847,13 @@
   <p:clrMapOvr>
     <a:masterClrMapping/>
   </p:clrMapOvr>
+  <p:timing>
+    <p:tnLst>
+      <p:par>
+        <p:cTn id="1" dur="indefinite" restart="never" nodeType="tmRoot"/>
+      </p:par>
+    </p:tnLst>
+  </p:timing>
 </p:sld>
 </file>
 
@@ -3953,10 +3913,593 @@
         </p:nvSpPr>
         <p:spPr/>
         <p:txBody>
-          <a:bodyPr/>
-          <a:lstStyle/>
-          <a:p>
-            <a:endParaRPr lang="ko-KR" altLang="en-US"/>
+          <a:bodyPr>
+            <a:normAutofit fontScale="92500" lnSpcReduction="10000"/>
+          </a:bodyPr>
+          <a:lstStyle/>
+          <a:p>
+            <a:r>
+              <a:rPr lang="ko-KR" altLang="en-US" dirty="0" smtClean="0"/>
+              <a:t>중앙에 고정되며 수평으로 스크롤되는 </a:t>
+            </a:r>
+            <a:r>
+              <a:rPr lang="ko-KR" altLang="en-US" dirty="0" err="1" smtClean="0"/>
+              <a:t>어댑터뷰</a:t>
+            </a:r>
+            <a:endParaRPr lang="en-US" altLang="ko-KR" dirty="0" smtClean="0"/>
+          </a:p>
+          <a:p>
+            <a:endParaRPr lang="en-US" altLang="ko-KR" dirty="0" smtClean="0"/>
+          </a:p>
+          <a:p>
+            <a:r>
+              <a:rPr lang="ko-KR" altLang="en-US" dirty="0" smtClean="0"/>
+              <a:t>이미지 </a:t>
+            </a:r>
+            <a:r>
+              <a:rPr lang="ko-KR" altLang="en-US" dirty="0" err="1" smtClean="0"/>
+              <a:t>선택기</a:t>
+            </a:r>
+            <a:endParaRPr lang="en-US" altLang="ko-KR" dirty="0" smtClean="0"/>
+          </a:p>
+          <a:p>
+            <a:endParaRPr lang="en-US" altLang="ko-KR" dirty="0" smtClean="0"/>
+          </a:p>
+          <a:p>
+            <a:r>
+              <a:rPr lang="en-US" altLang="ko-KR" dirty="0" smtClean="0"/>
+              <a:t>layout</a:t>
+            </a:r>
+            <a:endParaRPr lang="en-US" altLang="ko-KR" dirty="0" smtClean="0"/>
+          </a:p>
+          <a:p>
+            <a:pPr>
+              <a:buNone/>
+            </a:pPr>
+            <a:r>
+              <a:rPr lang="en-US" altLang="ko-KR" dirty="0" smtClean="0"/>
+              <a:t>	</a:t>
+            </a:r>
+            <a:r>
+              <a:rPr lang="en-US" altLang="ko-KR" dirty="0" smtClean="0"/>
+              <a:t>&lt;Gallery . . .</a:t>
+            </a:r>
+          </a:p>
+          <a:p>
+            <a:pPr>
+              <a:buNone/>
+            </a:pPr>
+            <a:r>
+              <a:rPr lang="en-US" altLang="ko-KR" dirty="0" smtClean="0"/>
+              <a:t>	</a:t>
+            </a:r>
+            <a:r>
+              <a:rPr lang="en-US" altLang="ko-KR" dirty="0" err="1" smtClean="0"/>
+              <a:t>android:animationDuration</a:t>
+            </a:r>
+            <a:r>
+              <a:rPr lang="en-US" altLang="ko-KR" dirty="0" smtClean="0"/>
+              <a:t>=“1500”</a:t>
+            </a:r>
+          </a:p>
+          <a:p>
+            <a:pPr>
+              <a:buNone/>
+            </a:pPr>
+            <a:r>
+              <a:rPr lang="en-US" altLang="ko-KR" dirty="0" smtClean="0"/>
+              <a:t>	</a:t>
+            </a:r>
+            <a:r>
+              <a:rPr lang="en-US" altLang="ko-KR" dirty="0" smtClean="0"/>
+              <a:t>/&gt;</a:t>
+            </a:r>
+            <a:endParaRPr lang="ko-KR" altLang="en-US" dirty="0"/>
+          </a:p>
+        </p:txBody>
+      </p:sp>
+    </p:spTree>
+  </p:cSld>
+  <p:clrMapOvr>
+    <a:masterClrMapping/>
+  </p:clrMapOvr>
+  <p:timing>
+    <p:tnLst>
+      <p:par>
+        <p:cTn id="1" dur="indefinite" restart="never" nodeType="tmRoot"/>
+      </p:par>
+    </p:tnLst>
+  </p:timing>
+</p:sld>
+</file>
+
+<file path=ppt/slides/slide14.xml><?xml version="1.0" encoding="utf-8"?>
+<p:sld xmlns:a="http://schemas.openxmlformats.org/drawingml/2006/main" xmlns:r="http://schemas.openxmlformats.org/officeDocument/2006/relationships" xmlns:p="http://schemas.openxmlformats.org/presentationml/2006/main">
+  <p:cSld>
+    <p:spTree>
+      <p:nvGrpSpPr>
+        <p:cNvPr id="1" name=""/>
+        <p:cNvGrpSpPr/>
+        <p:nvPr/>
+      </p:nvGrpSpPr>
+      <p:grpSpPr>
+        <a:xfrm>
+          <a:off x="0" y="0"/>
+          <a:ext cx="0" cy="0"/>
+          <a:chOff x="0" y="0"/>
+          <a:chExt cx="0" cy="0"/>
+        </a:xfrm>
+      </p:grpSpPr>
+      <p:sp>
+        <p:nvSpPr>
+          <p:cNvPr id="2" name="제목 1"/>
+          <p:cNvSpPr>
+            <a:spLocks noGrp="1"/>
+          </p:cNvSpPr>
+          <p:nvPr>
+            <p:ph type="title"/>
+          </p:nvPr>
+        </p:nvSpPr>
+        <p:spPr/>
+        <p:txBody>
+          <a:bodyPr/>
+          <a:lstStyle/>
+          <a:p>
+            <a:r>
+              <a:rPr lang="en-US" altLang="ko-KR" dirty="0" smtClean="0"/>
+              <a:t>12.3.3 </a:t>
+            </a:r>
+            <a:r>
+              <a:rPr lang="ko-KR" altLang="en-US" dirty="0" smtClean="0"/>
+              <a:t>갤러리 </a:t>
+            </a:r>
+            <a:r>
+              <a:rPr lang="en-US" altLang="ko-KR" dirty="0" smtClean="0"/>
+              <a:t>2</a:t>
+            </a:r>
+            <a:endParaRPr lang="ko-KR" altLang="en-US" dirty="0"/>
+          </a:p>
+        </p:txBody>
+      </p:sp>
+      <p:sp>
+        <p:nvSpPr>
+          <p:cNvPr id="3" name="내용 개체 틀 2"/>
+          <p:cNvSpPr>
+            <a:spLocks noGrp="1"/>
+          </p:cNvSpPr>
+          <p:nvPr>
+            <p:ph idx="1"/>
+          </p:nvPr>
+        </p:nvSpPr>
+        <p:spPr/>
+        <p:txBody>
+          <a:bodyPr>
+            <a:normAutofit lnSpcReduction="10000"/>
+          </a:bodyPr>
+          <a:lstStyle/>
+          <a:p>
+            <a:pPr>
+              <a:buNone/>
+            </a:pPr>
+            <a:r>
+              <a:rPr lang="en-US" altLang="ko-KR" dirty="0" smtClean="0"/>
+              <a:t>Gallery </a:t>
+            </a:r>
+            <a:r>
+              <a:rPr lang="en-US" altLang="ko-KR" dirty="0" err="1" smtClean="0"/>
+              <a:t>gallery</a:t>
+            </a:r>
+            <a:r>
+              <a:rPr lang="en-US" altLang="ko-KR" dirty="0" smtClean="0"/>
+              <a:t>=(Gallery)</a:t>
+            </a:r>
+            <a:r>
+              <a:rPr lang="en-US" altLang="ko-KR" dirty="0" err="1" smtClean="0"/>
+              <a:t>findViewById</a:t>
+            </a:r>
+            <a:r>
+              <a:rPr lang="en-US" altLang="ko-KR" dirty="0" smtClean="0"/>
+              <a:t>(…</a:t>
+            </a:r>
+          </a:p>
+          <a:p>
+            <a:pPr>
+              <a:buNone/>
+            </a:pPr>
+            <a:endParaRPr lang="en-US" altLang="ko-KR" dirty="0" smtClean="0"/>
+          </a:p>
+          <a:p>
+            <a:pPr>
+              <a:buNone/>
+            </a:pPr>
+            <a:r>
+              <a:rPr lang="en-US" altLang="ko-KR" dirty="0" err="1" smtClean="0"/>
+              <a:t>gallery.setAdapter</a:t>
+            </a:r>
+            <a:r>
+              <a:rPr lang="en-US" altLang="ko-KR" dirty="0" smtClean="0"/>
+              <a:t>(new </a:t>
+            </a:r>
+            <a:r>
+              <a:rPr lang="en-US" altLang="ko-KR" dirty="0" err="1" smtClean="0"/>
+              <a:t>ImageAdapter</a:t>
+            </a:r>
+            <a:r>
+              <a:rPr lang="en-US" altLang="ko-KR" dirty="0" smtClean="0"/>
+              <a:t>(this)) ;</a:t>
+            </a:r>
+          </a:p>
+          <a:p>
+            <a:pPr>
+              <a:buNone/>
+            </a:pPr>
+            <a:endParaRPr lang="en-US" altLang="ko-KR" dirty="0" smtClean="0"/>
+          </a:p>
+          <a:p>
+            <a:pPr>
+              <a:buNone/>
+            </a:pPr>
+            <a:r>
+              <a:rPr lang="en-US" altLang="ko-KR" dirty="0" err="1" smtClean="0"/>
+              <a:t>gallery.setOnItemSelectedListener</a:t>
+            </a:r>
+            <a:r>
+              <a:rPr lang="en-US" altLang="ko-KR" dirty="0" smtClean="0"/>
+              <a:t>(</a:t>
+            </a:r>
+          </a:p>
+          <a:p>
+            <a:pPr>
+              <a:buNone/>
+            </a:pPr>
+            <a:r>
+              <a:rPr lang="en-US" altLang="ko-KR" dirty="0" smtClean="0"/>
+              <a:t> </a:t>
+            </a:r>
+            <a:r>
+              <a:rPr lang="en-US" altLang="ko-KR" dirty="0" smtClean="0"/>
+              <a:t>new </a:t>
+            </a:r>
+            <a:r>
+              <a:rPr lang="en-US" altLang="ko-KR" dirty="0" err="1" smtClean="0"/>
+              <a:t>OnItemSelectedListener</a:t>
+            </a:r>
+            <a:r>
+              <a:rPr lang="en-US" altLang="ko-KR" dirty="0" smtClean="0"/>
+              <a:t>( ) {</a:t>
+            </a:r>
+          </a:p>
+          <a:p>
+            <a:pPr>
+              <a:buNone/>
+            </a:pPr>
+            <a:r>
+              <a:rPr lang="en-US" altLang="ko-KR" dirty="0" smtClean="0"/>
+              <a:t>	</a:t>
+            </a:r>
+            <a:r>
+              <a:rPr lang="en-US" altLang="ko-KR" dirty="0" smtClean="0"/>
+              <a:t>public void </a:t>
+            </a:r>
+            <a:r>
+              <a:rPr lang="en-US" altLang="ko-KR" dirty="0" err="1" smtClean="0"/>
+              <a:t>onItemSelected</a:t>
+            </a:r>
+            <a:r>
+              <a:rPr lang="en-US" altLang="ko-KR" dirty="0" smtClean="0"/>
+              <a:t>( .	.	.</a:t>
+            </a:r>
+            <a:endParaRPr lang="ko-KR" altLang="en-US" dirty="0"/>
+          </a:p>
+        </p:txBody>
+      </p:sp>
+    </p:spTree>
+  </p:cSld>
+  <p:clrMapOvr>
+    <a:masterClrMapping/>
+  </p:clrMapOvr>
+</p:sld>
+</file>
+
+<file path=ppt/slides/slide15.xml><?xml version="1.0" encoding="utf-8"?>
+<p:sld xmlns:a="http://schemas.openxmlformats.org/drawingml/2006/main" xmlns:r="http://schemas.openxmlformats.org/officeDocument/2006/relationships" xmlns:p="http://schemas.openxmlformats.org/presentationml/2006/main">
+  <p:cSld>
+    <p:spTree>
+      <p:nvGrpSpPr>
+        <p:cNvPr id="1" name=""/>
+        <p:cNvGrpSpPr/>
+        <p:nvPr/>
+      </p:nvGrpSpPr>
+      <p:grpSpPr>
+        <a:xfrm>
+          <a:off x="0" y="0"/>
+          <a:ext cx="0" cy="0"/>
+          <a:chOff x="0" y="0"/>
+          <a:chExt cx="0" cy="0"/>
+        </a:xfrm>
+      </p:grpSpPr>
+      <p:sp>
+        <p:nvSpPr>
+          <p:cNvPr id="2" name="제목 1"/>
+          <p:cNvSpPr>
+            <a:spLocks noGrp="1"/>
+          </p:cNvSpPr>
+          <p:nvPr>
+            <p:ph type="title"/>
+          </p:nvPr>
+        </p:nvSpPr>
+        <p:spPr/>
+        <p:txBody>
+          <a:bodyPr/>
+          <a:lstStyle/>
+          <a:p>
+            <a:r>
+              <a:rPr lang="en-US" altLang="ko-KR" dirty="0" smtClean="0"/>
+              <a:t>12.3.3 </a:t>
+            </a:r>
+            <a:r>
+              <a:rPr lang="ko-KR" altLang="en-US" dirty="0" smtClean="0"/>
+              <a:t>갤러리 </a:t>
+            </a:r>
+            <a:r>
+              <a:rPr lang="en-US" altLang="ko-KR" dirty="0" smtClean="0"/>
+              <a:t>3</a:t>
+            </a:r>
+            <a:endParaRPr lang="ko-KR" altLang="en-US" dirty="0"/>
+          </a:p>
+        </p:txBody>
+      </p:sp>
+      <p:sp>
+        <p:nvSpPr>
+          <p:cNvPr id="3" name="내용 개체 틀 2"/>
+          <p:cNvSpPr>
+            <a:spLocks noGrp="1"/>
+          </p:cNvSpPr>
+          <p:nvPr>
+            <p:ph idx="1"/>
+          </p:nvPr>
+        </p:nvSpPr>
+        <p:spPr/>
+        <p:txBody>
+          <a:bodyPr>
+            <a:normAutofit fontScale="70000" lnSpcReduction="20000"/>
+          </a:bodyPr>
+          <a:lstStyle/>
+          <a:p>
+            <a:pPr>
+              <a:buNone/>
+            </a:pPr>
+            <a:r>
+              <a:rPr lang="en-US" altLang="ko-KR" dirty="0" smtClean="0"/>
+              <a:t>Class </a:t>
+            </a:r>
+            <a:r>
+              <a:rPr lang="en-US" altLang="ko-KR" dirty="0" err="1" smtClean="0"/>
+              <a:t>ImageAdapter</a:t>
+            </a:r>
+            <a:r>
+              <a:rPr lang="en-US" altLang="ko-KR" dirty="0" smtClean="0"/>
+              <a:t> </a:t>
+            </a:r>
+            <a:r>
+              <a:rPr lang="en-US" altLang="ko-KR" dirty="0" err="1" smtClean="0"/>
+              <a:t>extens</a:t>
+            </a:r>
+            <a:r>
+              <a:rPr lang="en-US" altLang="ko-KR" dirty="0" smtClean="0"/>
+              <a:t> </a:t>
+            </a:r>
+            <a:r>
+              <a:rPr lang="en-US" altLang="ko-KR" dirty="0" err="1" smtClean="0"/>
+              <a:t>BaseAdapter</a:t>
+            </a:r>
+            <a:r>
+              <a:rPr lang="en-US" altLang="ko-KR" dirty="0" smtClean="0"/>
+              <a:t> {</a:t>
+            </a:r>
+          </a:p>
+          <a:p>
+            <a:pPr>
+              <a:buNone/>
+            </a:pPr>
+            <a:r>
+              <a:rPr lang="en-US" altLang="ko-KR" dirty="0" smtClean="0"/>
+              <a:t>	</a:t>
+            </a:r>
+            <a:r>
+              <a:rPr lang="en-US" altLang="ko-KR" dirty="0" err="1" smtClean="0"/>
+              <a:t>getCount</a:t>
+            </a:r>
+            <a:r>
+              <a:rPr lang="en-US" altLang="ko-KR" dirty="0" smtClean="0"/>
+              <a:t>( ) { .	.	.</a:t>
+            </a:r>
+          </a:p>
+          <a:p>
+            <a:pPr>
+              <a:buNone/>
+            </a:pPr>
+            <a:r>
+              <a:rPr lang="en-US" altLang="ko-KR" dirty="0" smtClean="0"/>
+              <a:t>	</a:t>
+            </a:r>
+            <a:endParaRPr lang="en-US" altLang="ko-KR" dirty="0" smtClean="0"/>
+          </a:p>
+          <a:p>
+            <a:pPr>
+              <a:buNone/>
+            </a:pPr>
+            <a:r>
+              <a:rPr lang="en-US" altLang="ko-KR" dirty="0" smtClean="0"/>
+              <a:t>	</a:t>
+            </a:r>
+            <a:r>
+              <a:rPr lang="en-US" altLang="ko-KR" dirty="0" err="1" smtClean="0"/>
+              <a:t>getItem</a:t>
+            </a:r>
+            <a:r>
+              <a:rPr lang="en-US" altLang="ko-KR" dirty="0" smtClean="0"/>
+              <a:t>(</a:t>
+            </a:r>
+            <a:r>
+              <a:rPr lang="en-US" altLang="ko-KR" dirty="0" err="1" smtClean="0"/>
+              <a:t>int</a:t>
+            </a:r>
+            <a:r>
+              <a:rPr lang="en-US" altLang="ko-KR" dirty="0" smtClean="0"/>
+              <a:t> pos) {	.	.	.</a:t>
+            </a:r>
+          </a:p>
+          <a:p>
+            <a:pPr>
+              <a:buNone/>
+            </a:pPr>
+            <a:r>
+              <a:rPr lang="en-US" altLang="ko-KR" dirty="0" smtClean="0"/>
+              <a:t>	</a:t>
+            </a:r>
+            <a:endParaRPr lang="en-US" altLang="ko-KR" dirty="0" smtClean="0"/>
+          </a:p>
+          <a:p>
+            <a:pPr>
+              <a:buNone/>
+            </a:pPr>
+            <a:r>
+              <a:rPr lang="en-US" altLang="ko-KR" dirty="0" smtClean="0"/>
+              <a:t>	</a:t>
+            </a:r>
+            <a:r>
+              <a:rPr lang="en-US" altLang="ko-KR" dirty="0" err="1" smtClean="0"/>
+              <a:t>getItemId</a:t>
+            </a:r>
+            <a:r>
+              <a:rPr lang="en-US" altLang="ko-KR" dirty="0" smtClean="0"/>
+              <a:t>(</a:t>
+            </a:r>
+            <a:r>
+              <a:rPr lang="en-US" altLang="ko-KR" dirty="0" err="1" smtClean="0"/>
+              <a:t>int</a:t>
+            </a:r>
+            <a:r>
+              <a:rPr lang="en-US" altLang="ko-KR" dirty="0" smtClean="0"/>
+              <a:t> pos) { .	.	.</a:t>
+            </a:r>
+          </a:p>
+          <a:p>
+            <a:pPr>
+              <a:buNone/>
+            </a:pPr>
+            <a:endParaRPr lang="en-US" altLang="ko-KR" dirty="0" smtClean="0"/>
+          </a:p>
+          <a:p>
+            <a:pPr>
+              <a:buNone/>
+            </a:pPr>
+            <a:r>
+              <a:rPr lang="en-US" altLang="ko-KR" dirty="0" smtClean="0"/>
+              <a:t>	</a:t>
+            </a:r>
+            <a:r>
+              <a:rPr lang="en-US" altLang="ko-KR" dirty="0" err="1" smtClean="0"/>
+              <a:t>getView</a:t>
+            </a:r>
+            <a:r>
+              <a:rPr lang="en-US" altLang="ko-KR" dirty="0" smtClean="0"/>
+              <a:t>(</a:t>
+            </a:r>
+            <a:r>
+              <a:rPr lang="en-US" altLang="ko-KR" dirty="0" err="1" smtClean="0"/>
+              <a:t>int</a:t>
+            </a:r>
+            <a:r>
+              <a:rPr lang="en-US" altLang="ko-KR" dirty="0" smtClean="0"/>
+              <a:t> p, View v, </a:t>
+            </a:r>
+            <a:r>
+              <a:rPr lang="en-US" altLang="ko-KR" dirty="0" err="1" smtClean="0"/>
+              <a:t>ViewGroup</a:t>
+            </a:r>
+            <a:r>
+              <a:rPr lang="en-US" altLang="ko-KR" dirty="0" smtClean="0"/>
+              <a:t> vg){</a:t>
+            </a:r>
+          </a:p>
+          <a:p>
+            <a:pPr>
+              <a:buNone/>
+            </a:pPr>
+            <a:r>
+              <a:rPr lang="en-US" altLang="ko-KR" dirty="0" smtClean="0"/>
+              <a:t>		</a:t>
+            </a:r>
+            <a:r>
+              <a:rPr lang="en-US" altLang="ko-KR" dirty="0" smtClean="0"/>
+              <a:t>.	.	.</a:t>
+            </a:r>
+          </a:p>
+          <a:p>
+            <a:pPr>
+              <a:buNone/>
+            </a:pPr>
+            <a:r>
+              <a:rPr lang="en-US" altLang="ko-KR" dirty="0" smtClean="0"/>
+              <a:t>	</a:t>
+            </a:r>
+            <a:r>
+              <a:rPr lang="en-US" altLang="ko-KR" dirty="0" smtClean="0"/>
+              <a:t>	</a:t>
+            </a:r>
+            <a:r>
+              <a:rPr lang="en-US" altLang="ko-KR" dirty="0" err="1" smtClean="0"/>
+              <a:t>iv.setImageResource</a:t>
+            </a:r>
+            <a:r>
+              <a:rPr lang="en-US" altLang="ko-KR" dirty="0" smtClean="0"/>
+              <a:t>(	.	.	.</a:t>
+            </a:r>
+          </a:p>
+          <a:p>
+            <a:pPr>
+              <a:buNone/>
+            </a:pPr>
+            <a:r>
+              <a:rPr lang="en-US" altLang="ko-KR" dirty="0" smtClean="0"/>
+              <a:t>	</a:t>
+            </a:r>
+            <a:r>
+              <a:rPr lang="en-US" altLang="ko-KR" dirty="0" smtClean="0"/>
+              <a:t>	</a:t>
+            </a:r>
+            <a:r>
+              <a:rPr lang="en-US" altLang="ko-KR" dirty="0" err="1" smtClean="0"/>
+              <a:t>iv.setScaleType</a:t>
+            </a:r>
+            <a:r>
+              <a:rPr lang="en-US" altLang="ko-KR" dirty="0" smtClean="0"/>
+              <a:t>(	.	.	.</a:t>
+            </a:r>
+          </a:p>
+          <a:p>
+            <a:pPr>
+              <a:buNone/>
+            </a:pPr>
+            <a:r>
+              <a:rPr lang="en-US" altLang="ko-KR" dirty="0" smtClean="0"/>
+              <a:t>	</a:t>
+            </a:r>
+            <a:r>
+              <a:rPr lang="en-US" altLang="ko-KR" dirty="0" smtClean="0"/>
+              <a:t>	</a:t>
+            </a:r>
+            <a:r>
+              <a:rPr lang="en-US" altLang="ko-KR" dirty="0" err="1" smtClean="0"/>
+              <a:t>iv.setLayoutParams</a:t>
+            </a:r>
+            <a:r>
+              <a:rPr lang="en-US" altLang="ko-KR" dirty="0" smtClean="0"/>
+              <a:t>(	.	.	.</a:t>
+            </a:r>
+            <a:endParaRPr lang="ko-KR" altLang="en-US" dirty="0"/>
           </a:p>
         </p:txBody>
       </p:sp>

--- a/Android/안드로이드 프로그래밍 정복/Chapter12 어댑터뷰.pptx
+++ b/Android/안드로이드 프로그래밍 정복/Chapter12 어댑터뷰.pptx
@@ -17,9 +17,10 @@
     <p:sldId id="265" r:id="rId11"/>
     <p:sldId id="267" r:id="rId12"/>
     <p:sldId id="268" r:id="rId13"/>
-    <p:sldId id="266" r:id="rId14"/>
-    <p:sldId id="269" r:id="rId15"/>
-    <p:sldId id="270" r:id="rId16"/>
+    <p:sldId id="271" r:id="rId14"/>
+    <p:sldId id="266" r:id="rId15"/>
+    <p:sldId id="269" r:id="rId16"/>
+    <p:sldId id="270" r:id="rId17"/>
   </p:sldIdLst>
   <p:sldSz cx="9144000" cy="6858000" type="screen4x3"/>
   <p:notesSz cx="6858000" cy="9144000"/>
@@ -3891,11 +3892,19 @@
           <a:p>
             <a:r>
               <a:rPr lang="en-US" altLang="ko-KR" dirty="0" smtClean="0"/>
-              <a:t>12.3.3 </a:t>
+              <a:t>13.3.2 </a:t>
+            </a:r>
+            <a:r>
+              <a:rPr lang="ko-KR" altLang="en-US" dirty="0" err="1" smtClean="0"/>
+              <a:t>그리드뷰</a:t>
             </a:r>
             <a:r>
               <a:rPr lang="ko-KR" altLang="en-US" dirty="0" smtClean="0"/>
-              <a:t>갤러리</a:t>
+              <a:t> </a:t>
+            </a:r>
+            <a:r>
+              <a:rPr lang="en-US" altLang="ko-KR" dirty="0" smtClean="0"/>
+              <a:t>4</a:t>
             </a:r>
             <a:endParaRPr lang="ko-KR" altLang="en-US" dirty="0"/>
           </a:p>
@@ -3914,45 +3923,236 @@
         <p:spPr/>
         <p:txBody>
           <a:bodyPr>
-            <a:normAutofit fontScale="92500" lnSpcReduction="10000"/>
+            <a:normAutofit fontScale="62500" lnSpcReduction="20000"/>
           </a:bodyPr>
           <a:lstStyle/>
           <a:p>
-            <a:r>
-              <a:rPr lang="ko-KR" altLang="en-US" dirty="0" smtClean="0"/>
-              <a:t>중앙에 고정되며 수평으로 스크롤되는 </a:t>
-            </a:r>
-            <a:r>
-              <a:rPr lang="ko-KR" altLang="en-US" dirty="0" err="1" smtClean="0"/>
-              <a:t>어댑터뷰</a:t>
+            <a:pPr>
+              <a:buNone/>
+            </a:pPr>
+            <a:r>
+              <a:rPr lang="en-US" altLang="ko-KR" dirty="0" err="1" smtClean="0"/>
+              <a:t>ImageAdapter.getView</a:t>
+            </a:r>
+            <a:r>
+              <a:rPr lang="en-US" altLang="ko-KR" dirty="0" smtClean="0"/>
+              <a:t>(</a:t>
             </a:r>
             <a:endParaRPr lang="en-US" altLang="ko-KR" dirty="0" smtClean="0"/>
           </a:p>
           <a:p>
+            <a:pPr>
+              <a:buNone/>
+            </a:pPr>
+            <a:r>
+              <a:rPr lang="en-US" altLang="ko-KR" dirty="0" smtClean="0"/>
+              <a:t>	</a:t>
+            </a:r>
+            <a:r>
+              <a:rPr lang="en-US" altLang="ko-KR" dirty="0" err="1" smtClean="0"/>
+              <a:t>int</a:t>
+            </a:r>
+            <a:r>
+              <a:rPr lang="en-US" altLang="ko-KR" dirty="0" smtClean="0"/>
+              <a:t> pos, View </a:t>
+            </a:r>
+            <a:r>
+              <a:rPr lang="en-US" altLang="ko-KR" dirty="0" err="1" smtClean="0"/>
+              <a:t>cv</a:t>
+            </a:r>
+            <a:r>
+              <a:rPr lang="en-US" altLang="ko-KR" dirty="0" smtClean="0"/>
+              <a:t>, </a:t>
+            </a:r>
+            <a:r>
+              <a:rPr lang="en-US" altLang="ko-KR" dirty="0" err="1" smtClean="0"/>
+              <a:t>ViewGroup</a:t>
+            </a:r>
+            <a:r>
+              <a:rPr lang="en-US" altLang="ko-KR" dirty="0" smtClean="0"/>
+              <a:t> vg) {</a:t>
+            </a:r>
+          </a:p>
+          <a:p>
+            <a:pPr>
+              <a:buNone/>
+            </a:pPr>
+            <a:r>
+              <a:rPr lang="en-US" altLang="ko-KR" dirty="0" smtClean="0"/>
+              <a:t>	</a:t>
+            </a:r>
+            <a:r>
+              <a:rPr lang="en-US" altLang="ko-KR" dirty="0" smtClean="0"/>
+              <a:t>if(</a:t>
+            </a:r>
+            <a:r>
+              <a:rPr lang="en-US" altLang="ko-KR" dirty="0" err="1" smtClean="0"/>
+              <a:t>cv</a:t>
+            </a:r>
+            <a:r>
+              <a:rPr lang="en-US" altLang="ko-KR" dirty="0" smtClean="0"/>
+              <a:t>==null) {</a:t>
+            </a:r>
+          </a:p>
+          <a:p>
+            <a:pPr>
+              <a:buNone/>
+            </a:pPr>
+            <a:r>
+              <a:rPr lang="en-US" altLang="ko-KR" dirty="0" smtClean="0"/>
+              <a:t>	</a:t>
+            </a:r>
+            <a:r>
+              <a:rPr lang="en-US" altLang="ko-KR" dirty="0" smtClean="0"/>
+              <a:t>	.	.	.</a:t>
+            </a:r>
+          </a:p>
+          <a:p>
+            <a:pPr>
+              <a:buNone/>
+            </a:pPr>
+            <a:r>
+              <a:rPr lang="en-US" altLang="ko-KR" dirty="0" smtClean="0"/>
+              <a:t>	</a:t>
+            </a:r>
+            <a:r>
+              <a:rPr lang="en-US" altLang="ko-KR" dirty="0" smtClean="0"/>
+              <a:t>	</a:t>
+            </a:r>
+            <a:r>
+              <a:rPr lang="en-US" altLang="ko-KR" dirty="0" err="1" smtClean="0"/>
+              <a:t>iv.setLayoutParams</a:t>
+            </a:r>
+            <a:r>
+              <a:rPr lang="en-US" altLang="ko-KR" dirty="0" smtClean="0"/>
+              <a:t>(new </a:t>
+            </a:r>
+            <a:r>
+              <a:rPr lang="en-US" altLang="ko-KR" dirty="0" err="1" smtClean="0"/>
+              <a:t>GriedView.LayoutParams</a:t>
+            </a:r>
+            <a:r>
+              <a:rPr lang="en-US" altLang="ko-KR" dirty="0" smtClean="0"/>
+              <a:t>(80,60) ;</a:t>
+            </a:r>
+          </a:p>
+          <a:p>
+            <a:pPr>
+              <a:buNone/>
+            </a:pPr>
+            <a:r>
+              <a:rPr lang="en-US" altLang="ko-KR" dirty="0" smtClean="0"/>
+              <a:t>	</a:t>
+            </a:r>
+            <a:r>
+              <a:rPr lang="en-US" altLang="ko-KR" dirty="0" smtClean="0"/>
+              <a:t>	</a:t>
+            </a:r>
+            <a:r>
+              <a:rPr lang="en-US" altLang="ko-KR" dirty="0" err="1" smtClean="0"/>
+              <a:t>iv.setAdjustViewBounds</a:t>
+            </a:r>
+            <a:r>
+              <a:rPr lang="en-US" altLang="ko-KR" dirty="0" smtClean="0"/>
+              <a:t>(false) ;	</a:t>
+            </a:r>
+            <a:r>
+              <a:rPr lang="en-US" altLang="ko-KR" dirty="0" err="1" smtClean="0"/>
+              <a:t>iv.setScaleType</a:t>
+            </a:r>
+            <a:r>
+              <a:rPr lang="en-US" altLang="ko-KR" dirty="0" smtClean="0"/>
+              <a:t>(</a:t>
+            </a:r>
+            <a:r>
+              <a:rPr lang="en-US" altLang="ko-KR" dirty="0" err="1" smtClean="0"/>
+              <a:t>ImageView.ScaleType.CENTER_CROP</a:t>
+            </a:r>
+            <a:r>
+              <a:rPr lang="en-US" altLang="ko-KR" dirty="0" smtClean="0"/>
+              <a:t>);</a:t>
+            </a:r>
+          </a:p>
+          <a:p>
+            <a:pPr>
+              <a:buNone/>
+            </a:pPr>
+            <a:r>
+              <a:rPr lang="en-US" altLang="ko-KR" dirty="0" smtClean="0"/>
+              <a:t>	</a:t>
+            </a:r>
+            <a:r>
+              <a:rPr lang="en-US" altLang="ko-KR" dirty="0" smtClean="0"/>
+              <a:t>}  else {</a:t>
+            </a:r>
+          </a:p>
+          <a:p>
+            <a:pPr>
+              <a:buNone/>
+            </a:pPr>
+            <a:r>
+              <a:rPr lang="en-US" altLang="ko-KR" dirty="0" smtClean="0"/>
+              <a:t>	</a:t>
+            </a:r>
+            <a:r>
+              <a:rPr lang="en-US" altLang="ko-KR" dirty="0" smtClean="0"/>
+              <a:t>	iv = (</a:t>
+            </a:r>
+            <a:r>
+              <a:rPr lang="en-US" altLang="ko-KR" dirty="0" err="1" smtClean="0"/>
+              <a:t>ImageView</a:t>
+            </a:r>
+            <a:r>
+              <a:rPr lang="en-US" altLang="ko-KR" dirty="0" smtClean="0"/>
+              <a:t>)</a:t>
+            </a:r>
+            <a:r>
+              <a:rPr lang="en-US" altLang="ko-KR" dirty="0" err="1" smtClean="0"/>
+              <a:t>cv</a:t>
+            </a:r>
+            <a:r>
+              <a:rPr lang="en-US" altLang="ko-KR" dirty="0" smtClean="0"/>
+              <a:t> ; }</a:t>
+            </a:r>
+          </a:p>
+          <a:p>
+            <a:pPr>
+              <a:buNone/>
+            </a:pPr>
+            <a:r>
+              <a:rPr lang="en-US" altLang="ko-KR" dirty="0" smtClean="0"/>
+              <a:t>	</a:t>
+            </a:r>
             <a:endParaRPr lang="en-US" altLang="ko-KR" dirty="0" smtClean="0"/>
           </a:p>
           <a:p>
-            <a:r>
-              <a:rPr lang="ko-KR" altLang="en-US" dirty="0" smtClean="0"/>
-              <a:t>이미지 </a:t>
-            </a:r>
-            <a:r>
-              <a:rPr lang="ko-KR" altLang="en-US" dirty="0" err="1" smtClean="0"/>
-              <a:t>선택기</a:t>
+            <a:pPr>
+              <a:buNone/>
+            </a:pPr>
+            <a:r>
+              <a:rPr lang="en-US" altLang="ko-KR" dirty="0" smtClean="0"/>
+              <a:t>	</a:t>
+            </a:r>
+            <a:r>
+              <a:rPr lang="en-US" altLang="ko-KR" dirty="0" err="1" smtClean="0"/>
+              <a:t>iv.setImageResource</a:t>
+            </a:r>
+            <a:r>
+              <a:rPr lang="en-US" altLang="ko-KR" dirty="0" smtClean="0"/>
+              <a:t>(picture[pos % 5 ]) ;</a:t>
+            </a:r>
+          </a:p>
+          <a:p>
+            <a:pPr>
+              <a:buNone/>
+            </a:pPr>
+            <a:r>
+              <a:rPr lang="en-US" altLang="ko-KR" dirty="0" smtClean="0"/>
+              <a:t>	</a:t>
             </a:r>
             <a:endParaRPr lang="en-US" altLang="ko-KR" dirty="0" smtClean="0"/>
           </a:p>
           <a:p>
-            <a:endParaRPr lang="en-US" altLang="ko-KR" dirty="0" smtClean="0"/>
-          </a:p>
-          <a:p>
-            <a:r>
-              <a:rPr lang="en-US" altLang="ko-KR" dirty="0" smtClean="0"/>
-              <a:t>layout</a:t>
-            </a:r>
-            <a:endParaRPr lang="en-US" altLang="ko-KR" dirty="0" smtClean="0"/>
-          </a:p>
-          <a:p>
             <a:pPr>
               <a:buNone/>
             </a:pPr>
@@ -3962,37 +4162,16 @@
             </a:r>
             <a:r>
               <a:rPr lang="en-US" altLang="ko-KR" dirty="0" smtClean="0"/>
-              <a:t>&lt;Gallery . . .</a:t>
-            </a:r>
-          </a:p>
-          <a:p>
-            <a:pPr>
-              <a:buNone/>
-            </a:pPr>
-            <a:r>
-              <a:rPr lang="en-US" altLang="ko-KR" dirty="0" smtClean="0"/>
-              <a:t>	</a:t>
-            </a:r>
-            <a:r>
-              <a:rPr lang="en-US" altLang="ko-KR" dirty="0" err="1" smtClean="0"/>
-              <a:t>android:animationDuration</a:t>
-            </a:r>
-            <a:r>
-              <a:rPr lang="en-US" altLang="ko-KR" dirty="0" smtClean="0"/>
-              <a:t>=“1500”</a:t>
-            </a:r>
-          </a:p>
-          <a:p>
-            <a:pPr>
-              <a:buNone/>
-            </a:pPr>
-            <a:r>
-              <a:rPr lang="en-US" altLang="ko-KR" dirty="0" smtClean="0"/>
-              <a:t>	</a:t>
-            </a:r>
-            <a:r>
-              <a:rPr lang="en-US" altLang="ko-KR" dirty="0" smtClean="0"/>
-              <a:t>/&gt;</a:t>
+              <a:t>return iv ;</a:t>
+            </a:r>
+          </a:p>
+          <a:p>
+            <a:pPr>
+              <a:buNone/>
+            </a:pPr>
+            <a:r>
+              <a:rPr lang="en-US" altLang="ko-KR" dirty="0" smtClean="0"/>
+              <a:t>}</a:t>
             </a:r>
             <a:endParaRPr lang="ko-KR" altLang="en-US" dirty="0"/>
           </a:p>
@@ -4003,13 +4182,6 @@
   <p:clrMapOvr>
     <a:masterClrMapping/>
   </p:clrMapOvr>
-  <p:timing>
-    <p:tnLst>
-      <p:par>
-        <p:cTn id="1" dur="indefinite" restart="never" nodeType="tmRoot"/>
-      </p:par>
-    </p:tnLst>
-  </p:timing>
 </p:sld>
 </file>
 
@@ -4051,6 +4223,162 @@
             </a:r>
             <a:r>
               <a:rPr lang="ko-KR" altLang="en-US" dirty="0" smtClean="0"/>
+              <a:t>갤러리</a:t>
+            </a:r>
+            <a:endParaRPr lang="ko-KR" altLang="en-US" dirty="0"/>
+          </a:p>
+        </p:txBody>
+      </p:sp>
+      <p:sp>
+        <p:nvSpPr>
+          <p:cNvPr id="3" name="내용 개체 틀 2"/>
+          <p:cNvSpPr>
+            <a:spLocks noGrp="1"/>
+          </p:cNvSpPr>
+          <p:nvPr>
+            <p:ph idx="1"/>
+          </p:nvPr>
+        </p:nvSpPr>
+        <p:spPr/>
+        <p:txBody>
+          <a:bodyPr>
+            <a:normAutofit fontScale="92500" lnSpcReduction="10000"/>
+          </a:bodyPr>
+          <a:lstStyle/>
+          <a:p>
+            <a:r>
+              <a:rPr lang="ko-KR" altLang="en-US" dirty="0" smtClean="0"/>
+              <a:t>중앙에 고정되며 수평으로 스크롤되는 </a:t>
+            </a:r>
+            <a:r>
+              <a:rPr lang="ko-KR" altLang="en-US" dirty="0" err="1" smtClean="0"/>
+              <a:t>어댑터뷰</a:t>
+            </a:r>
+            <a:endParaRPr lang="en-US" altLang="ko-KR" dirty="0" smtClean="0"/>
+          </a:p>
+          <a:p>
+            <a:endParaRPr lang="en-US" altLang="ko-KR" dirty="0" smtClean="0"/>
+          </a:p>
+          <a:p>
+            <a:r>
+              <a:rPr lang="ko-KR" altLang="en-US" dirty="0" smtClean="0"/>
+              <a:t>이미지 </a:t>
+            </a:r>
+            <a:r>
+              <a:rPr lang="ko-KR" altLang="en-US" dirty="0" err="1" smtClean="0"/>
+              <a:t>선택기</a:t>
+            </a:r>
+            <a:endParaRPr lang="en-US" altLang="ko-KR" dirty="0" smtClean="0"/>
+          </a:p>
+          <a:p>
+            <a:endParaRPr lang="en-US" altLang="ko-KR" dirty="0" smtClean="0"/>
+          </a:p>
+          <a:p>
+            <a:r>
+              <a:rPr lang="en-US" altLang="ko-KR" dirty="0" smtClean="0"/>
+              <a:t>layout</a:t>
+            </a:r>
+            <a:endParaRPr lang="en-US" altLang="ko-KR" dirty="0" smtClean="0"/>
+          </a:p>
+          <a:p>
+            <a:pPr>
+              <a:buNone/>
+            </a:pPr>
+            <a:r>
+              <a:rPr lang="en-US" altLang="ko-KR" dirty="0" smtClean="0"/>
+              <a:t>	</a:t>
+            </a:r>
+            <a:r>
+              <a:rPr lang="en-US" altLang="ko-KR" dirty="0" smtClean="0"/>
+              <a:t>&lt;Gallery . . .</a:t>
+            </a:r>
+          </a:p>
+          <a:p>
+            <a:pPr>
+              <a:buNone/>
+            </a:pPr>
+            <a:r>
+              <a:rPr lang="en-US" altLang="ko-KR" dirty="0" smtClean="0"/>
+              <a:t>	</a:t>
+            </a:r>
+            <a:r>
+              <a:rPr lang="en-US" altLang="ko-KR" dirty="0" err="1" smtClean="0"/>
+              <a:t>android:animationDuration</a:t>
+            </a:r>
+            <a:r>
+              <a:rPr lang="en-US" altLang="ko-KR" dirty="0" smtClean="0"/>
+              <a:t>=“1500”</a:t>
+            </a:r>
+          </a:p>
+          <a:p>
+            <a:pPr>
+              <a:buNone/>
+            </a:pPr>
+            <a:r>
+              <a:rPr lang="en-US" altLang="ko-KR" dirty="0" smtClean="0"/>
+              <a:t>	</a:t>
+            </a:r>
+            <a:r>
+              <a:rPr lang="en-US" altLang="ko-KR" dirty="0" smtClean="0"/>
+              <a:t>/&gt;</a:t>
+            </a:r>
+            <a:endParaRPr lang="ko-KR" altLang="en-US" dirty="0"/>
+          </a:p>
+        </p:txBody>
+      </p:sp>
+    </p:spTree>
+  </p:cSld>
+  <p:clrMapOvr>
+    <a:masterClrMapping/>
+  </p:clrMapOvr>
+  <p:timing>
+    <p:tnLst>
+      <p:par>
+        <p:cTn id="1" dur="indefinite" restart="never" nodeType="tmRoot"/>
+      </p:par>
+    </p:tnLst>
+  </p:timing>
+</p:sld>
+</file>
+
+<file path=ppt/slides/slide15.xml><?xml version="1.0" encoding="utf-8"?>
+<p:sld xmlns:a="http://schemas.openxmlformats.org/drawingml/2006/main" xmlns:r="http://schemas.openxmlformats.org/officeDocument/2006/relationships" xmlns:p="http://schemas.openxmlformats.org/presentationml/2006/main">
+  <p:cSld>
+    <p:spTree>
+      <p:nvGrpSpPr>
+        <p:cNvPr id="1" name=""/>
+        <p:cNvGrpSpPr/>
+        <p:nvPr/>
+      </p:nvGrpSpPr>
+      <p:grpSpPr>
+        <a:xfrm>
+          <a:off x="0" y="0"/>
+          <a:ext cx="0" cy="0"/>
+          <a:chOff x="0" y="0"/>
+          <a:chExt cx="0" cy="0"/>
+        </a:xfrm>
+      </p:grpSpPr>
+      <p:sp>
+        <p:nvSpPr>
+          <p:cNvPr id="2" name="제목 1"/>
+          <p:cNvSpPr>
+            <a:spLocks noGrp="1"/>
+          </p:cNvSpPr>
+          <p:nvPr>
+            <p:ph type="title"/>
+          </p:nvPr>
+        </p:nvSpPr>
+        <p:spPr/>
+        <p:txBody>
+          <a:bodyPr/>
+          <a:lstStyle/>
+          <a:p>
+            <a:r>
+              <a:rPr lang="en-US" altLang="ko-KR" dirty="0" smtClean="0"/>
+              <a:t>12.3.3 </a:t>
+            </a:r>
+            <a:r>
+              <a:rPr lang="ko-KR" altLang="en-US" dirty="0" smtClean="0"/>
               <a:t>갤러리 </a:t>
             </a:r>
             <a:r>
@@ -4201,7 +4529,7 @@
 </p:sld>
 </file>
 
-<file path=ppt/slides/slide15.xml><?xml version="1.0" encoding="utf-8"?>
+<file path=ppt/slides/slide16.xml><?xml version="1.0" encoding="utf-8"?>
 <p:sld xmlns:a="http://schemas.openxmlformats.org/drawingml/2006/main" xmlns:r="http://schemas.openxmlformats.org/officeDocument/2006/relationships" xmlns:p="http://schemas.openxmlformats.org/presentationml/2006/main">
   <p:cSld>
     <p:spTree>

--- a/Android/안드로이드 프로그래밍 정복/Chapter12 어댑터뷰.pptx
+++ b/Android/안드로이드 프로그래밍 정복/Chapter12 어댑터뷰.pptx
@@ -8,19 +8,24 @@
     <p:sldId id="256" r:id="rId2"/>
     <p:sldId id="257" r:id="rId3"/>
     <p:sldId id="260" r:id="rId4"/>
-    <p:sldId id="261" r:id="rId5"/>
-    <p:sldId id="262" r:id="rId6"/>
-    <p:sldId id="263" r:id="rId7"/>
-    <p:sldId id="258" r:id="rId8"/>
-    <p:sldId id="259" r:id="rId9"/>
-    <p:sldId id="264" r:id="rId10"/>
-    <p:sldId id="265" r:id="rId11"/>
-    <p:sldId id="267" r:id="rId12"/>
-    <p:sldId id="268" r:id="rId13"/>
-    <p:sldId id="271" r:id="rId14"/>
-    <p:sldId id="266" r:id="rId15"/>
-    <p:sldId id="269" r:id="rId16"/>
-    <p:sldId id="270" r:id="rId17"/>
+    <p:sldId id="272" r:id="rId5"/>
+    <p:sldId id="273" r:id="rId6"/>
+    <p:sldId id="274" r:id="rId7"/>
+    <p:sldId id="261" r:id="rId8"/>
+    <p:sldId id="275" r:id="rId9"/>
+    <p:sldId id="276" r:id="rId10"/>
+    <p:sldId id="262" r:id="rId11"/>
+    <p:sldId id="263" r:id="rId12"/>
+    <p:sldId id="258" r:id="rId13"/>
+    <p:sldId id="259" r:id="rId14"/>
+    <p:sldId id="264" r:id="rId15"/>
+    <p:sldId id="265" r:id="rId16"/>
+    <p:sldId id="267" r:id="rId17"/>
+    <p:sldId id="268" r:id="rId18"/>
+    <p:sldId id="271" r:id="rId19"/>
+    <p:sldId id="266" r:id="rId20"/>
+    <p:sldId id="269" r:id="rId21"/>
+    <p:sldId id="270" r:id="rId22"/>
   </p:sldIdLst>
   <p:sldSz cx="9144000" cy="6858000" type="screen4x3"/>
   <p:notesSz cx="6858000" cy="9144000"/>
@@ -304,7 +309,7 @@
             <a:fld id="{FB30EDBD-1C2D-4C1E-B459-B60219FAB484}" type="datetimeFigureOut">
               <a:rPr lang="ko-KR" altLang="en-US" smtClean="0"/>
               <a:pPr/>
-              <a:t>2016-12-17</a:t>
+              <a:t>2016-12-18</a:t>
             </a:fld>
             <a:endParaRPr lang="ko-KR" altLang="en-US"/>
           </a:p>
@@ -471,7 +476,7 @@
             <a:fld id="{FB30EDBD-1C2D-4C1E-B459-B60219FAB484}" type="datetimeFigureOut">
               <a:rPr lang="ko-KR" altLang="en-US" smtClean="0"/>
               <a:pPr/>
-              <a:t>2016-12-17</a:t>
+              <a:t>2016-12-18</a:t>
             </a:fld>
             <a:endParaRPr lang="ko-KR" altLang="en-US"/>
           </a:p>
@@ -648,7 +653,7 @@
             <a:fld id="{FB30EDBD-1C2D-4C1E-B459-B60219FAB484}" type="datetimeFigureOut">
               <a:rPr lang="ko-KR" altLang="en-US" smtClean="0"/>
               <a:pPr/>
-              <a:t>2016-12-17</a:t>
+              <a:t>2016-12-18</a:t>
             </a:fld>
             <a:endParaRPr lang="ko-KR" altLang="en-US"/>
           </a:p>
@@ -815,7 +820,7 @@
             <a:fld id="{FB30EDBD-1C2D-4C1E-B459-B60219FAB484}" type="datetimeFigureOut">
               <a:rPr lang="ko-KR" altLang="en-US" smtClean="0"/>
               <a:pPr/>
-              <a:t>2016-12-17</a:t>
+              <a:t>2016-12-18</a:t>
             </a:fld>
             <a:endParaRPr lang="ko-KR" altLang="en-US"/>
           </a:p>
@@ -1058,7 +1063,7 @@
             <a:fld id="{FB30EDBD-1C2D-4C1E-B459-B60219FAB484}" type="datetimeFigureOut">
               <a:rPr lang="ko-KR" altLang="en-US" smtClean="0"/>
               <a:pPr/>
-              <a:t>2016-12-17</a:t>
+              <a:t>2016-12-18</a:t>
             </a:fld>
             <a:endParaRPr lang="ko-KR" altLang="en-US"/>
           </a:p>
@@ -1343,7 +1348,7 @@
             <a:fld id="{FB30EDBD-1C2D-4C1E-B459-B60219FAB484}" type="datetimeFigureOut">
               <a:rPr lang="ko-KR" altLang="en-US" smtClean="0"/>
               <a:pPr/>
-              <a:t>2016-12-17</a:t>
+              <a:t>2016-12-18</a:t>
             </a:fld>
             <a:endParaRPr lang="ko-KR" altLang="en-US"/>
           </a:p>
@@ -1762,7 +1767,7 @@
             <a:fld id="{FB30EDBD-1C2D-4C1E-B459-B60219FAB484}" type="datetimeFigureOut">
               <a:rPr lang="ko-KR" altLang="en-US" smtClean="0"/>
               <a:pPr/>
-              <a:t>2016-12-17</a:t>
+              <a:t>2016-12-18</a:t>
             </a:fld>
             <a:endParaRPr lang="ko-KR" altLang="en-US"/>
           </a:p>
@@ -1877,7 +1882,7 @@
             <a:fld id="{FB30EDBD-1C2D-4C1E-B459-B60219FAB484}" type="datetimeFigureOut">
               <a:rPr lang="ko-KR" altLang="en-US" smtClean="0"/>
               <a:pPr/>
-              <a:t>2016-12-17</a:t>
+              <a:t>2016-12-18</a:t>
             </a:fld>
             <a:endParaRPr lang="ko-KR" altLang="en-US"/>
           </a:p>
@@ -1969,7 +1974,7 @@
             <a:fld id="{FB30EDBD-1C2D-4C1E-B459-B60219FAB484}" type="datetimeFigureOut">
               <a:rPr lang="ko-KR" altLang="en-US" smtClean="0"/>
               <a:pPr/>
-              <a:t>2016-12-17</a:t>
+              <a:t>2016-12-18</a:t>
             </a:fld>
             <a:endParaRPr lang="ko-KR" altLang="en-US"/>
           </a:p>
@@ -2243,7 +2248,7 @@
             <a:fld id="{FB30EDBD-1C2D-4C1E-B459-B60219FAB484}" type="datetimeFigureOut">
               <a:rPr lang="ko-KR" altLang="en-US" smtClean="0"/>
               <a:pPr/>
-              <a:t>2016-12-17</a:t>
+              <a:t>2016-12-18</a:t>
             </a:fld>
             <a:endParaRPr lang="ko-KR" altLang="en-US"/>
           </a:p>
@@ -2493,7 +2498,7 @@
             <a:fld id="{FB30EDBD-1C2D-4C1E-B459-B60219FAB484}" type="datetimeFigureOut">
               <a:rPr lang="ko-KR" altLang="en-US" smtClean="0"/>
               <a:pPr/>
-              <a:t>2016-12-17</a:t>
+              <a:t>2016-12-18</a:t>
             </a:fld>
             <a:endParaRPr lang="ko-KR" altLang="en-US"/>
           </a:p>
@@ -2703,7 +2708,7 @@
             <a:fld id="{FB30EDBD-1C2D-4C1E-B459-B60219FAB484}" type="datetimeFigureOut">
               <a:rPr lang="ko-KR" altLang="en-US" smtClean="0"/>
               <a:pPr/>
-              <a:t>2016-12-17</a:t>
+              <a:t>2016-12-18</a:t>
             </a:fld>
             <a:endParaRPr lang="ko-KR" altLang="en-US"/>
           </a:p>
@@ -3086,18 +3091,20 @@
         </p:nvSpPr>
         <p:spPr/>
         <p:txBody>
-          <a:bodyPr/>
-          <a:lstStyle/>
-          <a:p>
-            <a:r>
-              <a:rPr lang="en-US" altLang="ko-KR" dirty="0" smtClean="0"/>
+          <a:bodyPr>
+            <a:normAutofit/>
+          </a:bodyPr>
+          <a:lstStyle/>
+          <a:p>
+            <a:r>
+              <a:rPr lang="en-US" altLang="ko-KR" sz="6000" dirty="0" smtClean="0"/>
               <a:t>Chapter 12 </a:t>
             </a:r>
             <a:r>
-              <a:rPr lang="ko-KR" altLang="en-US" dirty="0" err="1" smtClean="0"/>
+              <a:rPr lang="ko-KR" altLang="en-US" sz="6000" dirty="0" err="1" smtClean="0"/>
               <a:t>어댑터뷰</a:t>
             </a:r>
-            <a:endParaRPr lang="ko-KR" altLang="en-US" dirty="0"/>
+            <a:endParaRPr lang="ko-KR" altLang="en-US" sz="6000" dirty="0"/>
           </a:p>
         </p:txBody>
       </p:sp>
@@ -3162,11 +3169,11 @@
           <a:p>
             <a:r>
               <a:rPr lang="en-US" altLang="ko-KR" dirty="0" smtClean="0"/>
-              <a:t>12.3.2 </a:t>
-            </a:r>
-            <a:r>
-              <a:rPr lang="ko-KR" altLang="en-US" dirty="0" err="1" smtClean="0"/>
-              <a:t>그리드뷰</a:t>
+              <a:t>12.1.3 </a:t>
+            </a:r>
+            <a:r>
+              <a:rPr lang="ko-KR" altLang="en-US" dirty="0" smtClean="0"/>
+              <a:t>항목 선택</a:t>
             </a:r>
             <a:endParaRPr lang="ko-KR" altLang="en-US" dirty="0"/>
           </a:p>
@@ -3184,181 +3191,10 @@
         </p:nvSpPr>
         <p:spPr/>
         <p:txBody>
-          <a:bodyPr>
-            <a:normAutofit fontScale="92500" lnSpcReduction="10000"/>
-          </a:bodyPr>
-          <a:lstStyle/>
-          <a:p>
-            <a:r>
-              <a:rPr lang="ko-KR" altLang="en-US" dirty="0" smtClean="0"/>
-              <a:t>항목을 </a:t>
-            </a:r>
-            <a:r>
-              <a:rPr lang="en-US" altLang="ko-KR" dirty="0" smtClean="0"/>
-              <a:t>2</a:t>
-            </a:r>
-            <a:r>
-              <a:rPr lang="ko-KR" altLang="en-US" dirty="0" smtClean="0"/>
-              <a:t>차원 표 형태로 출력하는 </a:t>
-            </a:r>
-            <a:r>
-              <a:rPr lang="ko-KR" altLang="en-US" dirty="0" err="1" smtClean="0"/>
-              <a:t>위젯</a:t>
-            </a:r>
-            <a:endParaRPr lang="en-US" altLang="ko-KR" dirty="0" smtClean="0"/>
-          </a:p>
-          <a:p>
-            <a:endParaRPr lang="en-US" altLang="ko-KR" dirty="0" smtClean="0"/>
-          </a:p>
-          <a:p>
-            <a:r>
-              <a:rPr lang="en-US" altLang="ko-KR" dirty="0" smtClean="0"/>
-              <a:t>Layout </a:t>
-            </a:r>
-          </a:p>
-          <a:p>
-            <a:pPr lvl="1"/>
-            <a:r>
-              <a:rPr lang="en-US" altLang="ko-KR" dirty="0" smtClean="0"/>
-              <a:t>&lt;</a:t>
-            </a:r>
-            <a:r>
-              <a:rPr lang="en-US" altLang="ko-KR" b="1" dirty="0" err="1" smtClean="0">
-                <a:solidFill>
-                  <a:schemeClr val="accent6">
-                    <a:lumMod val="75000"/>
-                  </a:schemeClr>
-                </a:solidFill>
-              </a:rPr>
-              <a:t>GridView</a:t>
-            </a:r>
-            <a:r>
-              <a:rPr lang="en-US" altLang="ko-KR" dirty="0" smtClean="0"/>
-              <a:t> . . .</a:t>
-            </a:r>
-          </a:p>
-          <a:p>
-            <a:pPr>
-              <a:buNone/>
-            </a:pPr>
-            <a:r>
-              <a:rPr lang="en-US" altLang="ko-KR" dirty="0" smtClean="0"/>
-              <a:t>		</a:t>
-            </a:r>
-            <a:r>
-              <a:rPr lang="en-US" altLang="ko-KR" dirty="0" err="1" smtClean="0"/>
-              <a:t>android:</a:t>
-            </a:r>
-            <a:r>
-              <a:rPr lang="en-US" altLang="ko-KR" b="1" dirty="0" err="1" smtClean="0">
-                <a:solidFill>
-                  <a:schemeClr val="accent3">
-                    <a:lumMod val="50000"/>
-                  </a:schemeClr>
-                </a:solidFill>
-              </a:rPr>
-              <a:t>numColumns</a:t>
-            </a:r>
-            <a:r>
-              <a:rPr lang="en-US" altLang="ko-KR" dirty="0" smtClean="0"/>
-              <a:t>=“</a:t>
-            </a:r>
-            <a:r>
-              <a:rPr lang="en-US" altLang="ko-KR" dirty="0" err="1" smtClean="0"/>
-              <a:t>auto_fit</a:t>
-            </a:r>
-            <a:r>
-              <a:rPr lang="en-US" altLang="ko-KR" dirty="0" smtClean="0"/>
-              <a:t>”</a:t>
-            </a:r>
-          </a:p>
-          <a:p>
-            <a:pPr>
-              <a:buNone/>
-            </a:pPr>
-            <a:r>
-              <a:rPr lang="en-US" altLang="ko-KR" dirty="0" smtClean="0"/>
-              <a:t>		</a:t>
-            </a:r>
-            <a:r>
-              <a:rPr lang="en-US" altLang="ko-KR" dirty="0" err="1" smtClean="0"/>
-              <a:t>android:</a:t>
-            </a:r>
-            <a:r>
-              <a:rPr lang="en-US" altLang="ko-KR" b="1" dirty="0" err="1" smtClean="0">
-                <a:solidFill>
-                  <a:schemeClr val="accent3">
-                    <a:lumMod val="50000"/>
-                  </a:schemeClr>
-                </a:solidFill>
-              </a:rPr>
-              <a:t>columnWidth</a:t>
-            </a:r>
-            <a:r>
-              <a:rPr lang="en-US" altLang="ko-KR" dirty="0" smtClean="0"/>
-              <a:t>=“72dip”</a:t>
-            </a:r>
-          </a:p>
-          <a:p>
-            <a:pPr>
-              <a:buNone/>
-            </a:pPr>
-            <a:r>
-              <a:rPr lang="en-US" altLang="ko-KR" dirty="0" smtClean="0"/>
-              <a:t>		</a:t>
-            </a:r>
-            <a:r>
-              <a:rPr lang="en-US" altLang="ko-KR" dirty="0" err="1" smtClean="0"/>
-              <a:t>android:</a:t>
-            </a:r>
-            <a:r>
-              <a:rPr lang="en-US" altLang="ko-KR" b="1" dirty="0" err="1" smtClean="0">
-                <a:solidFill>
-                  <a:schemeClr val="accent3">
-                    <a:lumMod val="50000"/>
-                  </a:schemeClr>
-                </a:solidFill>
-              </a:rPr>
-              <a:t>stretchMode</a:t>
-            </a:r>
-            <a:r>
-              <a:rPr lang="en-US" altLang="ko-KR" dirty="0" smtClean="0"/>
-              <a:t>=“</a:t>
-            </a:r>
-            <a:r>
-              <a:rPr lang="en-US" altLang="ko-KR" dirty="0" err="1" smtClean="0"/>
-              <a:t>columnWidth</a:t>
-            </a:r>
-            <a:r>
-              <a:rPr lang="en-US" altLang="ko-KR" dirty="0" smtClean="0"/>
-              <a:t>”</a:t>
-            </a:r>
-          </a:p>
-          <a:p>
-            <a:pPr>
-              <a:buNone/>
-            </a:pPr>
-            <a:r>
-              <a:rPr lang="en-US" altLang="ko-KR" dirty="0" smtClean="0"/>
-              <a:t>		</a:t>
-            </a:r>
-            <a:r>
-              <a:rPr lang="en-US" altLang="ko-KR" dirty="0" err="1" smtClean="0"/>
-              <a:t>android:gravity</a:t>
-            </a:r>
-            <a:r>
-              <a:rPr lang="en-US" altLang="ko-KR" dirty="0" smtClean="0"/>
-              <a:t>=“center”</a:t>
-            </a:r>
-          </a:p>
-          <a:p>
-            <a:pPr>
-              <a:buNone/>
-            </a:pPr>
-            <a:r>
-              <a:rPr lang="en-US" altLang="ko-KR" dirty="0" smtClean="0"/>
-              <a:t>		/&gt;</a:t>
-            </a:r>
+          <a:bodyPr/>
+          <a:lstStyle/>
+          <a:p>
+            <a:endParaRPr lang="ko-KR" altLang="en-US"/>
           </a:p>
         </p:txBody>
       </p:sp>
@@ -3367,13 +3203,6 @@
   <p:clrMapOvr>
     <a:masterClrMapping/>
   </p:clrMapOvr>
-  <p:timing>
-    <p:tnLst>
-      <p:par>
-        <p:cTn id="1" dur="indefinite" restart="never" nodeType="tmRoot"/>
-      </p:par>
-    </p:tnLst>
-  </p:timing>
 </p:sld>
 </file>
 
@@ -3411,19 +3240,11 @@
           <a:p>
             <a:r>
               <a:rPr lang="en-US" altLang="ko-KR" dirty="0" smtClean="0"/>
-              <a:t>13.3.2 </a:t>
-            </a:r>
-            <a:r>
-              <a:rPr lang="ko-KR" altLang="en-US" dirty="0" err="1" smtClean="0"/>
-              <a:t>그리드뷰</a:t>
+              <a:t>12.1.4 </a:t>
             </a:r>
             <a:r>
               <a:rPr lang="ko-KR" altLang="en-US" dirty="0" smtClean="0"/>
-              <a:t> </a:t>
-            </a:r>
-            <a:r>
-              <a:rPr lang="en-US" altLang="ko-KR" dirty="0" smtClean="0"/>
-              <a:t>2</a:t>
+              <a:t>항목 편집</a:t>
             </a:r>
             <a:endParaRPr lang="ko-KR" altLang="en-US" dirty="0"/>
           </a:p>
@@ -3441,182 +3262,9 @@
         </p:nvSpPr>
         <p:spPr/>
         <p:txBody>
-          <a:bodyPr>
-            <a:normAutofit fontScale="85000" lnSpcReduction="20000"/>
-          </a:bodyPr>
-          <a:lstStyle/>
-          <a:p>
-            <a:pPr>
-              <a:buNone/>
-            </a:pPr>
-            <a:r>
-              <a:rPr lang="en-US" altLang="ko-KR" dirty="0" smtClean="0"/>
-              <a:t>	</a:t>
-            </a:r>
-            <a:r>
-              <a:rPr lang="en-US" altLang="ko-KR" dirty="0" err="1" smtClean="0"/>
-              <a:t>GridView</a:t>
-            </a:r>
-            <a:r>
-              <a:rPr lang="en-US" altLang="ko-KR" dirty="0" smtClean="0"/>
-              <a:t> grid=(</a:t>
-            </a:r>
-            <a:r>
-              <a:rPr lang="en-US" altLang="ko-KR" dirty="0" err="1" smtClean="0"/>
-              <a:t>GridView</a:t>
-            </a:r>
-            <a:r>
-              <a:rPr lang="en-US" altLang="ko-KR" dirty="0" smtClean="0"/>
-              <a:t>)</a:t>
-            </a:r>
-            <a:r>
-              <a:rPr lang="en-US" altLang="ko-KR" dirty="0" err="1" smtClean="0"/>
-              <a:t>findViewByID</a:t>
-            </a:r>
-            <a:r>
-              <a:rPr lang="en-US" altLang="ko-KR" dirty="0" smtClean="0"/>
-              <a:t>(…</a:t>
-            </a:r>
-          </a:p>
-          <a:p>
-            <a:pPr>
-              <a:buNone/>
-            </a:pPr>
-            <a:r>
-              <a:rPr lang="en-US" altLang="ko-KR" dirty="0" smtClean="0"/>
-              <a:t>	</a:t>
-            </a:r>
-          </a:p>
-          <a:p>
-            <a:pPr>
-              <a:buNone/>
-            </a:pPr>
-            <a:r>
-              <a:rPr lang="en-US" altLang="ko-KR" dirty="0" smtClean="0"/>
-              <a:t>	</a:t>
-            </a:r>
-            <a:r>
-              <a:rPr lang="en-US" altLang="ko-KR" dirty="0" err="1" smtClean="0"/>
-              <a:t>ImageAdapter</a:t>
-            </a:r>
-            <a:r>
-              <a:rPr lang="en-US" altLang="ko-KR" dirty="0" smtClean="0"/>
-              <a:t> adapter=new </a:t>
-            </a:r>
-            <a:r>
-              <a:rPr lang="en-US" altLang="ko-KR" dirty="0" err="1" smtClean="0"/>
-              <a:t>ImageAdapter</a:t>
-            </a:r>
-            <a:r>
-              <a:rPr lang="en-US" altLang="ko-KR" dirty="0" smtClean="0"/>
-              <a:t>(this)</a:t>
-            </a:r>
-          </a:p>
-          <a:p>
-            <a:pPr>
-              <a:buNone/>
-            </a:pPr>
-            <a:r>
-              <a:rPr lang="en-US" altLang="ko-KR" dirty="0" smtClean="0"/>
-              <a:t>	</a:t>
-            </a:r>
-          </a:p>
-          <a:p>
-            <a:pPr>
-              <a:buNone/>
-            </a:pPr>
-            <a:r>
-              <a:rPr lang="en-US" altLang="ko-KR" dirty="0" smtClean="0"/>
-              <a:t>	</a:t>
-            </a:r>
-            <a:r>
-              <a:rPr lang="en-US" altLang="ko-KR" dirty="0" err="1" smtClean="0"/>
-              <a:t>grid.setAdapter</a:t>
-            </a:r>
-            <a:r>
-              <a:rPr lang="en-US" altLang="ko-KR" dirty="0" smtClean="0"/>
-              <a:t>( adapter )</a:t>
-            </a:r>
-          </a:p>
-          <a:p>
-            <a:pPr>
-              <a:buNone/>
-            </a:pPr>
-            <a:r>
-              <a:rPr lang="en-US" altLang="ko-KR" dirty="0" smtClean="0"/>
-              <a:t>	</a:t>
-            </a:r>
-          </a:p>
-          <a:p>
-            <a:pPr>
-              <a:buNone/>
-            </a:pPr>
-            <a:r>
-              <a:rPr lang="en-US" altLang="ko-KR" dirty="0" smtClean="0"/>
-              <a:t>	</a:t>
-            </a:r>
-            <a:r>
-              <a:rPr lang="en-US" altLang="ko-KR" dirty="0" err="1" smtClean="0"/>
-              <a:t>grid.setOnItemClickListener</a:t>
-            </a:r>
-            <a:r>
-              <a:rPr lang="en-US" altLang="ko-KR" dirty="0" smtClean="0"/>
-              <a:t>(new</a:t>
-            </a:r>
-          </a:p>
-          <a:p>
-            <a:pPr>
-              <a:buNone/>
-            </a:pPr>
-            <a:r>
-              <a:rPr lang="en-US" altLang="ko-KR" dirty="0" smtClean="0"/>
-              <a:t>		</a:t>
-            </a:r>
-            <a:r>
-              <a:rPr lang="en-US" altLang="ko-KR" dirty="0" err="1" smtClean="0"/>
-              <a:t>OnItemClickListener</a:t>
-            </a:r>
-            <a:r>
-              <a:rPr lang="en-US" altLang="ko-KR" dirty="0" smtClean="0"/>
-              <a:t>( ) {</a:t>
-            </a:r>
-          </a:p>
-          <a:p>
-            <a:pPr>
-              <a:buNone/>
-            </a:pPr>
-            <a:r>
-              <a:rPr lang="en-US" altLang="ko-KR" dirty="0" smtClean="0"/>
-              <a:t>			public void </a:t>
-            </a:r>
-            <a:r>
-              <a:rPr lang="en-US" altLang="ko-KR" dirty="0" err="1" smtClean="0"/>
-              <a:t>onItemClick</a:t>
-            </a:r>
-            <a:r>
-              <a:rPr lang="en-US" altLang="ko-KR" dirty="0" smtClean="0"/>
-              <a:t>( . . . ) {</a:t>
-            </a:r>
-          </a:p>
-          <a:p>
-            <a:pPr>
-              <a:buNone/>
-            </a:pPr>
-            <a:r>
-              <a:rPr lang="en-US" altLang="ko-KR" dirty="0" smtClean="0"/>
-              <a:t>			.	.	.</a:t>
-            </a:r>
-          </a:p>
-          <a:p>
-            <a:pPr>
-              <a:buNone/>
-            </a:pPr>
-            <a:endParaRPr lang="en-US" altLang="ko-KR" dirty="0" smtClean="0"/>
-          </a:p>
-          <a:p>
-            <a:pPr>
-              <a:buNone/>
-            </a:pPr>
+          <a:bodyPr/>
+          <a:lstStyle/>
+          <a:p>
             <a:endParaRPr lang="ko-KR" altLang="en-US" dirty="0"/>
           </a:p>
         </p:txBody>
@@ -3626,13 +3274,6 @@
   <p:clrMapOvr>
     <a:masterClrMapping/>
   </p:clrMapOvr>
-  <p:timing>
-    <p:tnLst>
-      <p:par>
-        <p:cTn id="1" dur="indefinite" restart="never" nodeType="tmRoot"/>
-      </p:par>
-    </p:tnLst>
-  </p:timing>
 </p:sld>
 </file>
 
@@ -3670,19 +3311,15 @@
           <a:p>
             <a:r>
               <a:rPr lang="en-US" altLang="ko-KR" dirty="0" smtClean="0"/>
-              <a:t>13.3.2 </a:t>
+              <a:t>12.2 </a:t>
+            </a:r>
+            <a:r>
+              <a:rPr lang="ko-KR" altLang="en-US" dirty="0" smtClean="0"/>
+              <a:t>항목 </a:t>
             </a:r>
             <a:r>
               <a:rPr lang="ko-KR" altLang="en-US" dirty="0" err="1" smtClean="0"/>
-              <a:t>그리드뷰</a:t>
-            </a:r>
-            <a:r>
-              <a:rPr lang="ko-KR" altLang="en-US" dirty="0" smtClean="0"/>
-              <a:t> </a:t>
-            </a:r>
-            <a:r>
-              <a:rPr lang="en-US" altLang="ko-KR" dirty="0" smtClean="0"/>
-              <a:t>3</a:t>
+              <a:t>뷰</a:t>
             </a:r>
             <a:endParaRPr lang="ko-KR" altLang="en-US" dirty="0"/>
           </a:p>
@@ -3700,146 +3337,10 @@
         </p:nvSpPr>
         <p:spPr/>
         <p:txBody>
-          <a:bodyPr>
-            <a:normAutofit fontScale="92500"/>
-          </a:bodyPr>
-          <a:lstStyle/>
-          <a:p>
-            <a:pPr>
-              <a:buNone/>
-            </a:pPr>
-            <a:r>
-              <a:rPr lang="en-US" altLang="ko-KR" dirty="0" smtClean="0"/>
-              <a:t>	class </a:t>
-            </a:r>
-            <a:r>
-              <a:rPr lang="en-US" altLang="ko-KR" dirty="0" err="1" smtClean="0"/>
-              <a:t>ImageAdapter</a:t>
-            </a:r>
-            <a:r>
-              <a:rPr lang="en-US" altLang="ko-KR" dirty="0" smtClean="0"/>
-              <a:t> extends </a:t>
-            </a:r>
-            <a:r>
-              <a:rPr lang="en-US" altLang="ko-KR" dirty="0" err="1" smtClean="0"/>
-              <a:t>BaseAdapter</a:t>
-            </a:r>
-            <a:r>
-              <a:rPr lang="en-US" altLang="ko-KR" dirty="0" smtClean="0"/>
-              <a:t> {</a:t>
-            </a:r>
-          </a:p>
-          <a:p>
-            <a:pPr>
-              <a:buNone/>
-            </a:pPr>
-            <a:r>
-              <a:rPr lang="en-US" altLang="ko-KR" dirty="0" smtClean="0"/>
-              <a:t>		</a:t>
-            </a:r>
-            <a:r>
-              <a:rPr lang="en-US" altLang="ko-KR" dirty="0" err="1" smtClean="0"/>
-              <a:t>getCount</a:t>
-            </a:r>
-            <a:r>
-              <a:rPr lang="en-US" altLang="ko-KR" dirty="0" smtClean="0"/>
-              <a:t>( ) { 	.	.	.</a:t>
-            </a:r>
-          </a:p>
-          <a:p>
-            <a:pPr>
-              <a:buNone/>
-            </a:pPr>
-            <a:r>
-              <a:rPr lang="en-US" altLang="ko-KR" dirty="0" smtClean="0"/>
-              <a:t>		</a:t>
-            </a:r>
-          </a:p>
-          <a:p>
-            <a:pPr>
-              <a:buNone/>
-            </a:pPr>
-            <a:r>
-              <a:rPr lang="en-US" altLang="ko-KR" dirty="0" smtClean="0"/>
-              <a:t>		</a:t>
-            </a:r>
-            <a:r>
-              <a:rPr lang="en-US" altLang="ko-KR" dirty="0" err="1" smtClean="0"/>
-              <a:t>getItem</a:t>
-            </a:r>
-            <a:r>
-              <a:rPr lang="en-US" altLang="ko-KR" dirty="0" smtClean="0"/>
-              <a:t>( </a:t>
-            </a:r>
-            <a:r>
-              <a:rPr lang="en-US" altLang="ko-KR" dirty="0" err="1" smtClean="0"/>
-              <a:t>int</a:t>
-            </a:r>
-            <a:r>
-              <a:rPr lang="en-US" altLang="ko-KR" dirty="0" smtClean="0"/>
-              <a:t> pos ) {	.	.	.</a:t>
-            </a:r>
-          </a:p>
-          <a:p>
-            <a:pPr>
-              <a:buNone/>
-            </a:pPr>
-            <a:r>
-              <a:rPr lang="en-US" altLang="ko-KR" dirty="0" smtClean="0"/>
-              <a:t>		</a:t>
-            </a:r>
-          </a:p>
-          <a:p>
-            <a:pPr>
-              <a:buNone/>
-            </a:pPr>
-            <a:r>
-              <a:rPr lang="en-US" altLang="ko-KR" dirty="0" smtClean="0"/>
-              <a:t>		</a:t>
-            </a:r>
-            <a:r>
-              <a:rPr lang="en-US" altLang="ko-KR" dirty="0" err="1" smtClean="0"/>
-              <a:t>getItemId</a:t>
-            </a:r>
-            <a:r>
-              <a:rPr lang="en-US" altLang="ko-KR" dirty="0" smtClean="0"/>
-              <a:t>( </a:t>
-            </a:r>
-            <a:r>
-              <a:rPr lang="en-US" altLang="ko-KR" dirty="0" err="1" smtClean="0"/>
-              <a:t>int</a:t>
-            </a:r>
-            <a:r>
-              <a:rPr lang="en-US" altLang="ko-KR" dirty="0" smtClean="0"/>
-              <a:t> pos ) { .	.	.</a:t>
-            </a:r>
-          </a:p>
-          <a:p>
-            <a:pPr>
-              <a:buNone/>
-            </a:pPr>
-            <a:r>
-              <a:rPr lang="en-US" altLang="ko-KR" dirty="0" smtClean="0"/>
-              <a:t>	</a:t>
-            </a:r>
-          </a:p>
-          <a:p>
-            <a:pPr>
-              <a:buNone/>
-            </a:pPr>
-            <a:r>
-              <a:rPr lang="en-US" altLang="ko-KR" dirty="0" smtClean="0"/>
-              <a:t>		</a:t>
-            </a:r>
-            <a:r>
-              <a:rPr lang="en-US" altLang="ko-KR" dirty="0" err="1" smtClean="0"/>
-              <a:t>getView</a:t>
-            </a:r>
-            <a:r>
-              <a:rPr lang="en-US" altLang="ko-KR" dirty="0" smtClean="0"/>
-              <a:t>(	.	.	.</a:t>
-            </a:r>
-            <a:endParaRPr lang="ko-KR" altLang="en-US" dirty="0" smtClean="0"/>
+          <a:bodyPr/>
+          <a:lstStyle/>
+          <a:p>
+            <a:endParaRPr lang="ko-KR" altLang="en-US"/>
           </a:p>
         </p:txBody>
       </p:sp>
@@ -3848,13 +3349,6 @@
   <p:clrMapOvr>
     <a:masterClrMapping/>
   </p:clrMapOvr>
-  <p:timing>
-    <p:tnLst>
-      <p:par>
-        <p:cTn id="1" dur="indefinite" restart="never" nodeType="tmRoot"/>
-      </p:par>
-    </p:tnLst>
-  </p:timing>
 </p:sld>
 </file>
 
@@ -3892,19 +3386,11 @@
           <a:p>
             <a:r>
               <a:rPr lang="en-US" altLang="ko-KR" dirty="0" smtClean="0"/>
-              <a:t>13.3.2 </a:t>
+              <a:t>12.3 </a:t>
             </a:r>
             <a:r>
               <a:rPr lang="ko-KR" altLang="en-US" dirty="0" err="1" smtClean="0"/>
-              <a:t>그리드뷰</a:t>
-            </a:r>
-            <a:r>
-              <a:rPr lang="ko-KR" altLang="en-US" dirty="0" smtClean="0"/>
-              <a:t> </a:t>
-            </a:r>
-            <a:r>
-              <a:rPr lang="en-US" altLang="ko-KR" dirty="0" smtClean="0"/>
-              <a:t>4</a:t>
+              <a:t>어댑터뷰</a:t>
             </a:r>
             <a:endParaRPr lang="ko-KR" altLang="en-US" dirty="0"/>
           </a:p>
@@ -3922,258 +3408,10 @@
         </p:nvSpPr>
         <p:spPr/>
         <p:txBody>
-          <a:bodyPr>
-            <a:normAutofit fontScale="62500" lnSpcReduction="20000"/>
-          </a:bodyPr>
-          <a:lstStyle/>
-          <a:p>
-            <a:pPr>
-              <a:buNone/>
-            </a:pPr>
-            <a:r>
-              <a:rPr lang="en-US" altLang="ko-KR" dirty="0" err="1" smtClean="0"/>
-              <a:t>ImageAdapter.getView</a:t>
-            </a:r>
-            <a:r>
-              <a:rPr lang="en-US" altLang="ko-KR" dirty="0" smtClean="0"/>
-              <a:t>(</a:t>
-            </a:r>
-            <a:endParaRPr lang="en-US" altLang="ko-KR" dirty="0" smtClean="0"/>
-          </a:p>
-          <a:p>
-            <a:pPr>
-              <a:buNone/>
-            </a:pPr>
-            <a:r>
-              <a:rPr lang="en-US" altLang="ko-KR" dirty="0" smtClean="0"/>
-              <a:t>	</a:t>
-            </a:r>
-            <a:r>
-              <a:rPr lang="en-US" altLang="ko-KR" dirty="0" err="1" smtClean="0"/>
-              <a:t>int</a:t>
-            </a:r>
-            <a:r>
-              <a:rPr lang="en-US" altLang="ko-KR" dirty="0" smtClean="0"/>
-              <a:t> pos, View </a:t>
-            </a:r>
-            <a:r>
-              <a:rPr lang="en-US" altLang="ko-KR" dirty="0" err="1" smtClean="0"/>
-              <a:t>cv</a:t>
-            </a:r>
-            <a:r>
-              <a:rPr lang="en-US" altLang="ko-KR" dirty="0" smtClean="0"/>
-              <a:t>, </a:t>
-            </a:r>
-            <a:r>
-              <a:rPr lang="en-US" altLang="ko-KR" dirty="0" err="1" smtClean="0"/>
-              <a:t>ViewGroup</a:t>
-            </a:r>
-            <a:r>
-              <a:rPr lang="en-US" altLang="ko-KR" dirty="0" smtClean="0"/>
-              <a:t> vg) {</a:t>
-            </a:r>
-          </a:p>
-          <a:p>
-            <a:pPr>
-              <a:buNone/>
-            </a:pPr>
-            <a:r>
-              <a:rPr lang="en-US" altLang="ko-KR" dirty="0" smtClean="0"/>
-              <a:t>	</a:t>
-            </a:r>
-            <a:r>
-              <a:rPr lang="en-US" altLang="ko-KR" dirty="0" smtClean="0"/>
-              <a:t>if(</a:t>
-            </a:r>
-            <a:r>
-              <a:rPr lang="en-US" altLang="ko-KR" dirty="0" err="1" smtClean="0"/>
-              <a:t>cv</a:t>
-            </a:r>
-            <a:r>
-              <a:rPr lang="en-US" altLang="ko-KR" dirty="0" smtClean="0"/>
-              <a:t>==null) {</a:t>
-            </a:r>
-          </a:p>
-          <a:p>
-            <a:pPr>
-              <a:buNone/>
-            </a:pPr>
-            <a:r>
-              <a:rPr lang="en-US" altLang="ko-KR" dirty="0" smtClean="0"/>
-              <a:t>	</a:t>
-            </a:r>
-            <a:r>
-              <a:rPr lang="en-US" altLang="ko-KR" dirty="0" smtClean="0"/>
-              <a:t>	.	.	.</a:t>
-            </a:r>
-          </a:p>
-          <a:p>
-            <a:pPr>
-              <a:buNone/>
-            </a:pPr>
-            <a:r>
-              <a:rPr lang="en-US" altLang="ko-KR" dirty="0" smtClean="0"/>
-              <a:t>	</a:t>
-            </a:r>
-            <a:r>
-              <a:rPr lang="en-US" altLang="ko-KR" dirty="0" smtClean="0"/>
-              <a:t>	</a:t>
-            </a:r>
-            <a:r>
-              <a:rPr lang="en-US" altLang="ko-KR" dirty="0" err="1" smtClean="0"/>
-              <a:t>iv.setLayoutParams</a:t>
-            </a:r>
-            <a:r>
-              <a:rPr lang="en-US" altLang="ko-KR" dirty="0" smtClean="0"/>
-              <a:t>(new </a:t>
-            </a:r>
-            <a:r>
-              <a:rPr lang="en-US" altLang="ko-KR" dirty="0" err="1" smtClean="0"/>
-              <a:t>GriedView.LayoutParams</a:t>
-            </a:r>
-            <a:r>
-              <a:rPr lang="en-US" altLang="ko-KR" dirty="0" smtClean="0"/>
-              <a:t>(80,60) ;</a:t>
-            </a:r>
-          </a:p>
-          <a:p>
-            <a:pPr>
-              <a:buNone/>
-            </a:pPr>
-            <a:r>
-              <a:rPr lang="en-US" altLang="ko-KR" dirty="0" smtClean="0"/>
-              <a:t>	</a:t>
-            </a:r>
-            <a:r>
-              <a:rPr lang="en-US" altLang="ko-KR" dirty="0" smtClean="0"/>
-              <a:t>	</a:t>
-            </a:r>
-            <a:r>
-              <a:rPr lang="en-US" altLang="ko-KR" dirty="0" err="1" smtClean="0"/>
-              <a:t>iv.setAdjustViewBounds</a:t>
-            </a:r>
-            <a:r>
-              <a:rPr lang="en-US" altLang="ko-KR" dirty="0" smtClean="0"/>
-              <a:t>(false) ;	</a:t>
-            </a:r>
-            <a:r>
-              <a:rPr lang="en-US" altLang="ko-KR" dirty="0" err="1" smtClean="0"/>
-              <a:t>iv.setScaleType</a:t>
-            </a:r>
-            <a:r>
-              <a:rPr lang="en-US" altLang="ko-KR" dirty="0" smtClean="0"/>
-              <a:t>(</a:t>
-            </a:r>
-            <a:r>
-              <a:rPr lang="en-US" altLang="ko-KR" dirty="0" err="1" smtClean="0"/>
-              <a:t>ImageView.ScaleType.CENTER_CROP</a:t>
-            </a:r>
-            <a:r>
-              <a:rPr lang="en-US" altLang="ko-KR" dirty="0" smtClean="0"/>
-              <a:t>);</a:t>
-            </a:r>
-          </a:p>
-          <a:p>
-            <a:pPr>
-              <a:buNone/>
-            </a:pPr>
-            <a:r>
-              <a:rPr lang="en-US" altLang="ko-KR" dirty="0" smtClean="0"/>
-              <a:t>	</a:t>
-            </a:r>
-            <a:r>
-              <a:rPr lang="en-US" altLang="ko-KR" dirty="0" smtClean="0"/>
-              <a:t>}  else {</a:t>
-            </a:r>
-          </a:p>
-          <a:p>
-            <a:pPr>
-              <a:buNone/>
-            </a:pPr>
-            <a:r>
-              <a:rPr lang="en-US" altLang="ko-KR" dirty="0" smtClean="0"/>
-              <a:t>	</a:t>
-            </a:r>
-            <a:r>
-              <a:rPr lang="en-US" altLang="ko-KR" dirty="0" smtClean="0"/>
-              <a:t>	iv = (</a:t>
-            </a:r>
-            <a:r>
-              <a:rPr lang="en-US" altLang="ko-KR" dirty="0" err="1" smtClean="0"/>
-              <a:t>ImageView</a:t>
-            </a:r>
-            <a:r>
-              <a:rPr lang="en-US" altLang="ko-KR" dirty="0" smtClean="0"/>
-              <a:t>)</a:t>
-            </a:r>
-            <a:r>
-              <a:rPr lang="en-US" altLang="ko-KR" dirty="0" err="1" smtClean="0"/>
-              <a:t>cv</a:t>
-            </a:r>
-            <a:r>
-              <a:rPr lang="en-US" altLang="ko-KR" dirty="0" smtClean="0"/>
-              <a:t> ; }</a:t>
-            </a:r>
-          </a:p>
-          <a:p>
-            <a:pPr>
-              <a:buNone/>
-            </a:pPr>
-            <a:r>
-              <a:rPr lang="en-US" altLang="ko-KR" dirty="0" smtClean="0"/>
-              <a:t>	</a:t>
-            </a:r>
-            <a:endParaRPr lang="en-US" altLang="ko-KR" dirty="0" smtClean="0"/>
-          </a:p>
-          <a:p>
-            <a:pPr>
-              <a:buNone/>
-            </a:pPr>
-            <a:r>
-              <a:rPr lang="en-US" altLang="ko-KR" dirty="0" smtClean="0"/>
-              <a:t>	</a:t>
-            </a:r>
-            <a:r>
-              <a:rPr lang="en-US" altLang="ko-KR" dirty="0" err="1" smtClean="0"/>
-              <a:t>iv.setImageResource</a:t>
-            </a:r>
-            <a:r>
-              <a:rPr lang="en-US" altLang="ko-KR" dirty="0" smtClean="0"/>
-              <a:t>(picture[pos % 5 ]) ;</a:t>
-            </a:r>
-          </a:p>
-          <a:p>
-            <a:pPr>
-              <a:buNone/>
-            </a:pPr>
-            <a:r>
-              <a:rPr lang="en-US" altLang="ko-KR" dirty="0" smtClean="0"/>
-              <a:t>	</a:t>
-            </a:r>
-            <a:endParaRPr lang="en-US" altLang="ko-KR" dirty="0" smtClean="0"/>
-          </a:p>
-          <a:p>
-            <a:pPr>
-              <a:buNone/>
-            </a:pPr>
-            <a:r>
-              <a:rPr lang="en-US" altLang="ko-KR" dirty="0" smtClean="0"/>
-              <a:t>	</a:t>
-            </a:r>
-            <a:r>
-              <a:rPr lang="en-US" altLang="ko-KR" dirty="0" smtClean="0"/>
-              <a:t>return iv ;</a:t>
-            </a:r>
-          </a:p>
-          <a:p>
-            <a:pPr>
-              <a:buNone/>
-            </a:pPr>
-            <a:r>
-              <a:rPr lang="en-US" altLang="ko-KR" dirty="0" smtClean="0"/>
-              <a:t>}</a:t>
-            </a:r>
-            <a:endParaRPr lang="ko-KR" altLang="en-US" dirty="0"/>
+          <a:bodyPr/>
+          <a:lstStyle/>
+          <a:p>
+            <a:endParaRPr lang="ko-KR" altLang="en-US"/>
           </a:p>
         </p:txBody>
       </p:sp>
@@ -4219,11 +3457,11 @@
           <a:p>
             <a:r>
               <a:rPr lang="en-US" altLang="ko-KR" dirty="0" smtClean="0"/>
-              <a:t>12.3.3 </a:t>
-            </a:r>
-            <a:r>
-              <a:rPr lang="ko-KR" altLang="en-US" dirty="0" smtClean="0"/>
-              <a:t>갤러리</a:t>
+              <a:t>12.3.1 </a:t>
+            </a:r>
+            <a:r>
+              <a:rPr lang="ko-KR" altLang="en-US" dirty="0" err="1" smtClean="0"/>
+              <a:t>스피너</a:t>
             </a:r>
             <a:endParaRPr lang="ko-KR" altLang="en-US" dirty="0"/>
           </a:p>
@@ -4241,88 +3479,10 @@
         </p:nvSpPr>
         <p:spPr/>
         <p:txBody>
-          <a:bodyPr>
-            <a:normAutofit fontScale="92500" lnSpcReduction="10000"/>
-          </a:bodyPr>
-          <a:lstStyle/>
-          <a:p>
-            <a:r>
-              <a:rPr lang="ko-KR" altLang="en-US" dirty="0" smtClean="0"/>
-              <a:t>중앙에 고정되며 수평으로 스크롤되는 </a:t>
-            </a:r>
-            <a:r>
-              <a:rPr lang="ko-KR" altLang="en-US" dirty="0" err="1" smtClean="0"/>
-              <a:t>어댑터뷰</a:t>
-            </a:r>
-            <a:endParaRPr lang="en-US" altLang="ko-KR" dirty="0" smtClean="0"/>
-          </a:p>
-          <a:p>
-            <a:endParaRPr lang="en-US" altLang="ko-KR" dirty="0" smtClean="0"/>
-          </a:p>
-          <a:p>
-            <a:r>
-              <a:rPr lang="ko-KR" altLang="en-US" dirty="0" smtClean="0"/>
-              <a:t>이미지 </a:t>
-            </a:r>
-            <a:r>
-              <a:rPr lang="ko-KR" altLang="en-US" dirty="0" err="1" smtClean="0"/>
-              <a:t>선택기</a:t>
-            </a:r>
-            <a:endParaRPr lang="en-US" altLang="ko-KR" dirty="0" smtClean="0"/>
-          </a:p>
-          <a:p>
-            <a:endParaRPr lang="en-US" altLang="ko-KR" dirty="0" smtClean="0"/>
-          </a:p>
-          <a:p>
-            <a:r>
-              <a:rPr lang="en-US" altLang="ko-KR" dirty="0" smtClean="0"/>
-              <a:t>layout</a:t>
-            </a:r>
-            <a:endParaRPr lang="en-US" altLang="ko-KR" dirty="0" smtClean="0"/>
-          </a:p>
-          <a:p>
-            <a:pPr>
-              <a:buNone/>
-            </a:pPr>
-            <a:r>
-              <a:rPr lang="en-US" altLang="ko-KR" dirty="0" smtClean="0"/>
-              <a:t>	</a:t>
-            </a:r>
-            <a:r>
-              <a:rPr lang="en-US" altLang="ko-KR" dirty="0" smtClean="0"/>
-              <a:t>&lt;Gallery . . .</a:t>
-            </a:r>
-          </a:p>
-          <a:p>
-            <a:pPr>
-              <a:buNone/>
-            </a:pPr>
-            <a:r>
-              <a:rPr lang="en-US" altLang="ko-KR" dirty="0" smtClean="0"/>
-              <a:t>	</a:t>
-            </a:r>
-            <a:r>
-              <a:rPr lang="en-US" altLang="ko-KR" dirty="0" err="1" smtClean="0"/>
-              <a:t>android:animationDuration</a:t>
-            </a:r>
-            <a:r>
-              <a:rPr lang="en-US" altLang="ko-KR" dirty="0" smtClean="0"/>
-              <a:t>=“1500”</a:t>
-            </a:r>
-          </a:p>
-          <a:p>
-            <a:pPr>
-              <a:buNone/>
-            </a:pPr>
-            <a:r>
-              <a:rPr lang="en-US" altLang="ko-KR" dirty="0" smtClean="0"/>
-              <a:t>	</a:t>
-            </a:r>
-            <a:r>
-              <a:rPr lang="en-US" altLang="ko-KR" dirty="0" smtClean="0"/>
-              <a:t>/&gt;</a:t>
-            </a:r>
-            <a:endParaRPr lang="ko-KR" altLang="en-US" dirty="0"/>
+          <a:bodyPr/>
+          <a:lstStyle/>
+          <a:p>
+            <a:endParaRPr lang="ko-KR" altLang="en-US"/>
           </a:p>
         </p:txBody>
       </p:sp>
@@ -4331,13 +3491,6 @@
   <p:clrMapOvr>
     <a:masterClrMapping/>
   </p:clrMapOvr>
-  <p:timing>
-    <p:tnLst>
-      <p:par>
-        <p:cTn id="1" dur="indefinite" restart="never" nodeType="tmRoot"/>
-      </p:par>
-    </p:tnLst>
-  </p:timing>
 </p:sld>
 </file>
 
@@ -4375,149 +3528,203 @@
           <a:p>
             <a:r>
               <a:rPr lang="en-US" altLang="ko-KR" dirty="0" smtClean="0"/>
-              <a:t>12.3.3 </a:t>
-            </a:r>
+              <a:t>12.3.2 </a:t>
+            </a:r>
+            <a:r>
+              <a:rPr lang="ko-KR" altLang="en-US" dirty="0" err="1" smtClean="0"/>
+              <a:t>그리드뷰</a:t>
+            </a:r>
+            <a:endParaRPr lang="ko-KR" altLang="en-US" dirty="0"/>
+          </a:p>
+        </p:txBody>
+      </p:sp>
+      <p:sp>
+        <p:nvSpPr>
+          <p:cNvPr id="3" name="내용 개체 틀 2"/>
+          <p:cNvSpPr>
+            <a:spLocks noGrp="1"/>
+          </p:cNvSpPr>
+          <p:nvPr>
+            <p:ph idx="1"/>
+          </p:nvPr>
+        </p:nvSpPr>
+        <p:spPr/>
+        <p:txBody>
+          <a:bodyPr>
+            <a:normAutofit fontScale="92500" lnSpcReduction="10000"/>
+          </a:bodyPr>
+          <a:lstStyle/>
+          <a:p>
             <a:r>
               <a:rPr lang="ko-KR" altLang="en-US" dirty="0" smtClean="0"/>
-              <a:t>갤러리 </a:t>
+              <a:t>항목을 </a:t>
             </a:r>
             <a:r>
               <a:rPr lang="en-US" altLang="ko-KR" dirty="0" smtClean="0"/>
               <a:t>2</a:t>
             </a:r>
-            <a:endParaRPr lang="ko-KR" altLang="en-US" dirty="0"/>
-          </a:p>
-        </p:txBody>
-      </p:sp>
-      <p:sp>
-        <p:nvSpPr>
-          <p:cNvPr id="3" name="내용 개체 틀 2"/>
-          <p:cNvSpPr>
-            <a:spLocks noGrp="1"/>
-          </p:cNvSpPr>
-          <p:nvPr>
-            <p:ph idx="1"/>
-          </p:nvPr>
-        </p:nvSpPr>
-        <p:spPr/>
-        <p:txBody>
-          <a:bodyPr>
-            <a:normAutofit lnSpcReduction="10000"/>
-          </a:bodyPr>
-          <a:lstStyle/>
-          <a:p>
-            <a:pPr>
-              <a:buNone/>
-            </a:pPr>
-            <a:r>
-              <a:rPr lang="en-US" altLang="ko-KR" dirty="0" smtClean="0"/>
-              <a:t>Gallery </a:t>
-            </a:r>
-            <a:r>
-              <a:rPr lang="en-US" altLang="ko-KR" dirty="0" err="1" smtClean="0"/>
-              <a:t>gallery</a:t>
-            </a:r>
-            <a:r>
-              <a:rPr lang="en-US" altLang="ko-KR" dirty="0" smtClean="0"/>
-              <a:t>=(Gallery)</a:t>
-            </a:r>
-            <a:r>
-              <a:rPr lang="en-US" altLang="ko-KR" dirty="0" err="1" smtClean="0"/>
-              <a:t>findViewById</a:t>
-            </a:r>
-            <a:r>
-              <a:rPr lang="en-US" altLang="ko-KR" dirty="0" smtClean="0"/>
-              <a:t>(…</a:t>
-            </a:r>
-          </a:p>
-          <a:p>
-            <a:pPr>
-              <a:buNone/>
-            </a:pPr>
+            <a:r>
+              <a:rPr lang="ko-KR" altLang="en-US" dirty="0" smtClean="0"/>
+              <a:t>차원 표 형태로 출력하는 </a:t>
+            </a:r>
+            <a:r>
+              <a:rPr lang="ko-KR" altLang="en-US" dirty="0" err="1" smtClean="0"/>
+              <a:t>위젯</a:t>
+            </a:r>
             <a:endParaRPr lang="en-US" altLang="ko-KR" dirty="0" smtClean="0"/>
           </a:p>
           <a:p>
-            <a:pPr>
-              <a:buNone/>
-            </a:pPr>
-            <a:r>
-              <a:rPr lang="en-US" altLang="ko-KR" dirty="0" err="1" smtClean="0"/>
-              <a:t>gallery.setAdapter</a:t>
-            </a:r>
-            <a:r>
-              <a:rPr lang="en-US" altLang="ko-KR" dirty="0" smtClean="0"/>
-              <a:t>(new </a:t>
-            </a:r>
-            <a:r>
-              <a:rPr lang="en-US" altLang="ko-KR" dirty="0" err="1" smtClean="0"/>
-              <a:t>ImageAdapter</a:t>
-            </a:r>
-            <a:r>
-              <a:rPr lang="en-US" altLang="ko-KR" dirty="0" smtClean="0"/>
-              <a:t>(this)) ;</a:t>
-            </a:r>
-          </a:p>
-          <a:p>
-            <a:pPr>
-              <a:buNone/>
-            </a:pPr>
             <a:endParaRPr lang="en-US" altLang="ko-KR" dirty="0" smtClean="0"/>
           </a:p>
           <a:p>
-            <a:pPr>
-              <a:buNone/>
-            </a:pPr>
-            <a:r>
-              <a:rPr lang="en-US" altLang="ko-KR" dirty="0" err="1" smtClean="0"/>
-              <a:t>gallery.setOnItemSelectedListener</a:t>
-            </a:r>
-            <a:r>
-              <a:rPr lang="en-US" altLang="ko-KR" dirty="0" smtClean="0"/>
-              <a:t>(</a:t>
-            </a:r>
-          </a:p>
-          <a:p>
-            <a:pPr>
-              <a:buNone/>
-            </a:pPr>
-            <a:r>
-              <a:rPr lang="en-US" altLang="ko-KR" dirty="0" smtClean="0"/>
-              <a:t> </a:t>
-            </a:r>
-            <a:r>
-              <a:rPr lang="en-US" altLang="ko-KR" dirty="0" smtClean="0"/>
-              <a:t>new </a:t>
-            </a:r>
-            <a:r>
-              <a:rPr lang="en-US" altLang="ko-KR" dirty="0" err="1" smtClean="0"/>
-              <a:t>OnItemSelectedListener</a:t>
-            </a:r>
-            <a:r>
-              <a:rPr lang="en-US" altLang="ko-KR" dirty="0" smtClean="0"/>
-              <a:t>( ) {</a:t>
-            </a:r>
-          </a:p>
-          <a:p>
-            <a:pPr>
-              <a:buNone/>
-            </a:pPr>
-            <a:r>
-              <a:rPr lang="en-US" altLang="ko-KR" dirty="0" smtClean="0"/>
-              <a:t>	</a:t>
-            </a:r>
-            <a:r>
-              <a:rPr lang="en-US" altLang="ko-KR" dirty="0" smtClean="0"/>
-              <a:t>public void </a:t>
-            </a:r>
-            <a:r>
-              <a:rPr lang="en-US" altLang="ko-KR" dirty="0" err="1" smtClean="0"/>
-              <a:t>onItemSelected</a:t>
-            </a:r>
-            <a:r>
-              <a:rPr lang="en-US" altLang="ko-KR" dirty="0" smtClean="0"/>
-              <a:t>( .	.	.</a:t>
-            </a:r>
-            <a:endParaRPr lang="ko-KR" altLang="en-US" dirty="0"/>
+            <a:r>
+              <a:rPr lang="en-US" altLang="ko-KR" dirty="0" smtClean="0"/>
+              <a:t>Layout </a:t>
+            </a:r>
+          </a:p>
+          <a:p>
+            <a:pPr lvl="1"/>
+            <a:r>
+              <a:rPr lang="en-US" altLang="ko-KR" dirty="0" smtClean="0"/>
+              <a:t>&lt;</a:t>
+            </a:r>
+            <a:r>
+              <a:rPr lang="en-US" altLang="ko-KR" b="1" dirty="0" err="1" smtClean="0">
+                <a:solidFill>
+                  <a:schemeClr val="accent6">
+                    <a:lumMod val="75000"/>
+                  </a:schemeClr>
+                </a:solidFill>
+              </a:rPr>
+              <a:t>GridView</a:t>
+            </a:r>
+            <a:r>
+              <a:rPr lang="en-US" altLang="ko-KR" dirty="0" smtClean="0"/>
+              <a:t> . . .</a:t>
+            </a:r>
+          </a:p>
+          <a:p>
+            <a:pPr>
+              <a:buNone/>
+            </a:pPr>
+            <a:r>
+              <a:rPr lang="en-US" altLang="ko-KR" dirty="0" smtClean="0"/>
+              <a:t>		</a:t>
+            </a:r>
+            <a:r>
+              <a:rPr lang="en-US" altLang="ko-KR" dirty="0" err="1" smtClean="0"/>
+              <a:t>android:</a:t>
+            </a:r>
+            <a:r>
+              <a:rPr lang="en-US" altLang="ko-KR" b="1" dirty="0" err="1" smtClean="0">
+                <a:solidFill>
+                  <a:schemeClr val="accent3">
+                    <a:lumMod val="50000"/>
+                  </a:schemeClr>
+                </a:solidFill>
+              </a:rPr>
+              <a:t>numColumns</a:t>
+            </a:r>
+            <a:r>
+              <a:rPr lang="en-US" altLang="ko-KR" dirty="0" smtClean="0"/>
+              <a:t>=“</a:t>
+            </a:r>
+            <a:r>
+              <a:rPr lang="en-US" altLang="ko-KR" dirty="0" err="1" smtClean="0"/>
+              <a:t>auto_fit</a:t>
+            </a:r>
+            <a:r>
+              <a:rPr lang="en-US" altLang="ko-KR" dirty="0" smtClean="0"/>
+              <a:t>”</a:t>
+            </a:r>
+          </a:p>
+          <a:p>
+            <a:pPr>
+              <a:buNone/>
+            </a:pPr>
+            <a:r>
+              <a:rPr lang="en-US" altLang="ko-KR" dirty="0" smtClean="0"/>
+              <a:t>		</a:t>
+            </a:r>
+            <a:r>
+              <a:rPr lang="en-US" altLang="ko-KR" dirty="0" err="1" smtClean="0"/>
+              <a:t>android:</a:t>
+            </a:r>
+            <a:r>
+              <a:rPr lang="en-US" altLang="ko-KR" b="1" dirty="0" err="1" smtClean="0">
+                <a:solidFill>
+                  <a:schemeClr val="accent3">
+                    <a:lumMod val="50000"/>
+                  </a:schemeClr>
+                </a:solidFill>
+              </a:rPr>
+              <a:t>columnWidth</a:t>
+            </a:r>
+            <a:r>
+              <a:rPr lang="en-US" altLang="ko-KR" dirty="0" smtClean="0"/>
+              <a:t>=“72dip”</a:t>
+            </a:r>
+          </a:p>
+          <a:p>
+            <a:pPr>
+              <a:buNone/>
+            </a:pPr>
+            <a:r>
+              <a:rPr lang="en-US" altLang="ko-KR" dirty="0" smtClean="0"/>
+              <a:t>		</a:t>
+            </a:r>
+            <a:r>
+              <a:rPr lang="en-US" altLang="ko-KR" dirty="0" err="1" smtClean="0"/>
+              <a:t>android:</a:t>
+            </a:r>
+            <a:r>
+              <a:rPr lang="en-US" altLang="ko-KR" b="1" dirty="0" err="1" smtClean="0">
+                <a:solidFill>
+                  <a:schemeClr val="accent3">
+                    <a:lumMod val="50000"/>
+                  </a:schemeClr>
+                </a:solidFill>
+              </a:rPr>
+              <a:t>stretchMode</a:t>
+            </a:r>
+            <a:r>
+              <a:rPr lang="en-US" altLang="ko-KR" dirty="0" smtClean="0"/>
+              <a:t>=“</a:t>
+            </a:r>
+            <a:r>
+              <a:rPr lang="en-US" altLang="ko-KR" dirty="0" err="1" smtClean="0"/>
+              <a:t>columnWidth</a:t>
+            </a:r>
+            <a:r>
+              <a:rPr lang="en-US" altLang="ko-KR" dirty="0" smtClean="0"/>
+              <a:t>”</a:t>
+            </a:r>
+          </a:p>
+          <a:p>
+            <a:pPr>
+              <a:buNone/>
+            </a:pPr>
+            <a:r>
+              <a:rPr lang="en-US" altLang="ko-KR" dirty="0" smtClean="0"/>
+              <a:t>		</a:t>
+            </a:r>
+            <a:r>
+              <a:rPr lang="en-US" altLang="ko-KR" dirty="0" err="1" smtClean="0"/>
+              <a:t>android:gravity</a:t>
+            </a:r>
+            <a:r>
+              <a:rPr lang="en-US" altLang="ko-KR" dirty="0" smtClean="0"/>
+              <a:t>=“center”</a:t>
+            </a:r>
+          </a:p>
+          <a:p>
+            <a:pPr>
+              <a:buNone/>
+            </a:pPr>
+            <a:r>
+              <a:rPr lang="en-US" altLang="ko-KR" dirty="0" smtClean="0"/>
+              <a:t>		/&gt;</a:t>
+            </a:r>
           </a:p>
         </p:txBody>
       </p:sp>
@@ -4526,6 +3733,13 @@
   <p:clrMapOvr>
     <a:masterClrMapping/>
   </p:clrMapOvr>
+  <p:timing>
+    <p:tnLst>
+      <p:par>
+        <p:cTn id="1" dur="indefinite" restart="never" nodeType="tmRoot"/>
+      </p:par>
+    </p:tnLst>
+  </p:timing>
 </p:sld>
 </file>
 
@@ -4563,15 +3777,19 @@
           <a:p>
             <a:r>
               <a:rPr lang="en-US" altLang="ko-KR" dirty="0" smtClean="0"/>
-              <a:t>12.3.3 </a:t>
+              <a:t>13.3.2 </a:t>
+            </a:r>
+            <a:r>
+              <a:rPr lang="ko-KR" altLang="en-US" dirty="0" err="1" smtClean="0"/>
+              <a:t>그리드뷰</a:t>
             </a:r>
             <a:r>
               <a:rPr lang="ko-KR" altLang="en-US" dirty="0" smtClean="0"/>
-              <a:t>갤러리 </a:t>
-            </a:r>
-            <a:r>
-              <a:rPr lang="en-US" altLang="ko-KR" dirty="0" smtClean="0"/>
-              <a:t>3</a:t>
+              <a:t> </a:t>
+            </a:r>
+            <a:r>
+              <a:rPr lang="en-US" altLang="ko-KR" dirty="0" smtClean="0"/>
+              <a:t>2</a:t>
             </a:r>
             <a:endParaRPr lang="ko-KR" altLang="en-US" dirty="0"/>
           </a:p>
@@ -4590,7 +3808,7 @@
         <p:spPr/>
         <p:txBody>
           <a:bodyPr>
-            <a:normAutofit fontScale="70000" lnSpcReduction="20000"/>
+            <a:normAutofit fontScale="85000" lnSpcReduction="20000"/>
           </a:bodyPr>
           <a:lstStyle/>
           <a:p>
@@ -4599,7 +3817,49 @@
             </a:pPr>
             <a:r>
               <a:rPr lang="en-US" altLang="ko-KR" dirty="0" smtClean="0"/>
-              <a:t>Class </a:t>
+              <a:t>	</a:t>
+            </a:r>
+            <a:r>
+              <a:rPr lang="en-US" altLang="ko-KR" dirty="0" err="1" smtClean="0"/>
+              <a:t>GridView</a:t>
+            </a:r>
+            <a:r>
+              <a:rPr lang="en-US" altLang="ko-KR" dirty="0" smtClean="0"/>
+              <a:t> grid=(</a:t>
+            </a:r>
+            <a:r>
+              <a:rPr lang="en-US" altLang="ko-KR" dirty="0" err="1" smtClean="0"/>
+              <a:t>GridView</a:t>
+            </a:r>
+            <a:r>
+              <a:rPr lang="en-US" altLang="ko-KR" dirty="0" smtClean="0"/>
+              <a:t>)</a:t>
+            </a:r>
+            <a:r>
+              <a:rPr lang="en-US" altLang="ko-KR" dirty="0" err="1" smtClean="0"/>
+              <a:t>findViewByID</a:t>
+            </a:r>
+            <a:r>
+              <a:rPr lang="en-US" altLang="ko-KR" dirty="0" smtClean="0"/>
+              <a:t>(…</a:t>
+            </a:r>
+          </a:p>
+          <a:p>
+            <a:pPr>
+              <a:buNone/>
+            </a:pPr>
+            <a:r>
+              <a:rPr lang="en-US" altLang="ko-KR" dirty="0" smtClean="0"/>
+              <a:t>	</a:t>
+            </a:r>
+          </a:p>
+          <a:p>
+            <a:pPr>
+              <a:buNone/>
+            </a:pPr>
+            <a:r>
+              <a:rPr lang="en-US" altLang="ko-KR" dirty="0" smtClean="0"/>
+              <a:t>	</a:t>
             </a:r>
             <a:r>
               <a:rPr lang="en-US" altLang="ko-KR" dirty="0" err="1" smtClean="0"/>
@@ -4607,23 +3867,15 @@
             </a:r>
             <a:r>
               <a:rPr lang="en-US" altLang="ko-KR" dirty="0" smtClean="0"/>
-              <a:t> </a:t>
-            </a:r>
-            <a:r>
-              <a:rPr lang="en-US" altLang="ko-KR" dirty="0" err="1" smtClean="0"/>
-              <a:t>extens</a:t>
-            </a:r>
-            <a:r>
-              <a:rPr lang="en-US" altLang="ko-KR" dirty="0" smtClean="0"/>
-              <a:t> </a:t>
-            </a:r>
-            <a:r>
-              <a:rPr lang="en-US" altLang="ko-KR" dirty="0" err="1" smtClean="0"/>
-              <a:t>BaseAdapter</a:t>
-            </a:r>
-            <a:r>
-              <a:rPr lang="en-US" altLang="ko-KR" dirty="0" smtClean="0"/>
-              <a:t> {</a:t>
+              <a:t> adapter=new </a:t>
+            </a:r>
+            <a:r>
+              <a:rPr lang="en-US" altLang="ko-KR" dirty="0" err="1" smtClean="0"/>
+              <a:t>ImageAdapter</a:t>
+            </a:r>
+            <a:r>
+              <a:rPr lang="en-US" altLang="ko-KR" dirty="0" smtClean="0"/>
+              <a:t>(this)</a:t>
             </a:r>
           </a:p>
           <a:p>
@@ -4634,14 +3886,6 @@
               <a:rPr lang="en-US" altLang="ko-KR" dirty="0" smtClean="0"/>
               <a:t>	</a:t>
             </a:r>
-            <a:r>
-              <a:rPr lang="en-US" altLang="ko-KR" dirty="0" err="1" smtClean="0"/>
-              <a:t>getCount</a:t>
-            </a:r>
-            <a:r>
-              <a:rPr lang="en-US" altLang="ko-KR" dirty="0" smtClean="0"/>
-              <a:t>( ) { .	.	.</a:t>
-            </a:r>
           </a:p>
           <a:p>
             <a:pPr>
@@ -4651,182 +3895,94 @@
               <a:rPr lang="en-US" altLang="ko-KR" dirty="0" smtClean="0"/>
               <a:t>	</a:t>
             </a:r>
+            <a:r>
+              <a:rPr lang="en-US" altLang="ko-KR" dirty="0" err="1" smtClean="0"/>
+              <a:t>grid.setAdapter</a:t>
+            </a:r>
+            <a:r>
+              <a:rPr lang="en-US" altLang="ko-KR" dirty="0" smtClean="0"/>
+              <a:t>( adapter )</a:t>
+            </a:r>
+          </a:p>
+          <a:p>
+            <a:pPr>
+              <a:buNone/>
+            </a:pPr>
+            <a:r>
+              <a:rPr lang="en-US" altLang="ko-KR" dirty="0" smtClean="0"/>
+              <a:t>	</a:t>
+            </a:r>
+          </a:p>
+          <a:p>
+            <a:pPr>
+              <a:buNone/>
+            </a:pPr>
+            <a:r>
+              <a:rPr lang="en-US" altLang="ko-KR" dirty="0" smtClean="0"/>
+              <a:t>	</a:t>
+            </a:r>
+            <a:r>
+              <a:rPr lang="en-US" altLang="ko-KR" dirty="0" err="1" smtClean="0"/>
+              <a:t>grid.setOnItemClickListener</a:t>
+            </a:r>
+            <a:r>
+              <a:rPr lang="en-US" altLang="ko-KR" dirty="0" smtClean="0"/>
+              <a:t>(new</a:t>
+            </a:r>
+          </a:p>
+          <a:p>
+            <a:pPr>
+              <a:buNone/>
+            </a:pPr>
+            <a:r>
+              <a:rPr lang="en-US" altLang="ko-KR" dirty="0" smtClean="0"/>
+              <a:t>		</a:t>
+            </a:r>
+            <a:r>
+              <a:rPr lang="en-US" altLang="ko-KR" dirty="0" err="1" smtClean="0"/>
+              <a:t>OnItemClickListener</a:t>
+            </a:r>
+            <a:r>
+              <a:rPr lang="en-US" altLang="ko-KR" dirty="0" smtClean="0"/>
+              <a:t>( ) {</a:t>
+            </a:r>
+          </a:p>
+          <a:p>
+            <a:pPr>
+              <a:buNone/>
+            </a:pPr>
+            <a:r>
+              <a:rPr lang="en-US" altLang="ko-KR" dirty="0" smtClean="0"/>
+              <a:t>			public void </a:t>
+            </a:r>
+            <a:r>
+              <a:rPr lang="en-US" altLang="ko-KR" dirty="0" err="1" smtClean="0"/>
+              <a:t>onItemClick</a:t>
+            </a:r>
+            <a:r>
+              <a:rPr lang="en-US" altLang="ko-KR" dirty="0" smtClean="0"/>
+              <a:t>( . . . ) {</a:t>
+            </a:r>
+          </a:p>
+          <a:p>
+            <a:pPr>
+              <a:buNone/>
+            </a:pPr>
+            <a:r>
+              <a:rPr lang="en-US" altLang="ko-KR" dirty="0" smtClean="0"/>
+              <a:t>			.	.	.</a:t>
+            </a:r>
+          </a:p>
+          <a:p>
+            <a:pPr>
+              <a:buNone/>
+            </a:pPr>
             <a:endParaRPr lang="en-US" altLang="ko-KR" dirty="0" smtClean="0"/>
           </a:p>
           <a:p>
             <a:pPr>
               <a:buNone/>
             </a:pPr>
-            <a:r>
-              <a:rPr lang="en-US" altLang="ko-KR" dirty="0" smtClean="0"/>
-              <a:t>	</a:t>
-            </a:r>
-            <a:r>
-              <a:rPr lang="en-US" altLang="ko-KR" dirty="0" err="1" smtClean="0"/>
-              <a:t>getItem</a:t>
-            </a:r>
-            <a:r>
-              <a:rPr lang="en-US" altLang="ko-KR" dirty="0" smtClean="0"/>
-              <a:t>(</a:t>
-            </a:r>
-            <a:r>
-              <a:rPr lang="en-US" altLang="ko-KR" dirty="0" err="1" smtClean="0"/>
-              <a:t>int</a:t>
-            </a:r>
-            <a:r>
-              <a:rPr lang="en-US" altLang="ko-KR" dirty="0" smtClean="0"/>
-              <a:t> pos) {	.	.	.</a:t>
-            </a:r>
-          </a:p>
-          <a:p>
-            <a:pPr>
-              <a:buNone/>
-            </a:pPr>
-            <a:r>
-              <a:rPr lang="en-US" altLang="ko-KR" dirty="0" smtClean="0"/>
-              <a:t>	</a:t>
-            </a:r>
-            <a:endParaRPr lang="en-US" altLang="ko-KR" dirty="0" smtClean="0"/>
-          </a:p>
-          <a:p>
-            <a:pPr>
-              <a:buNone/>
-            </a:pPr>
-            <a:r>
-              <a:rPr lang="en-US" altLang="ko-KR" dirty="0" smtClean="0"/>
-              <a:t>	</a:t>
-            </a:r>
-            <a:r>
-              <a:rPr lang="en-US" altLang="ko-KR" dirty="0" err="1" smtClean="0"/>
-              <a:t>getItemId</a:t>
-            </a:r>
-            <a:r>
-              <a:rPr lang="en-US" altLang="ko-KR" dirty="0" smtClean="0"/>
-              <a:t>(</a:t>
-            </a:r>
-            <a:r>
-              <a:rPr lang="en-US" altLang="ko-KR" dirty="0" err="1" smtClean="0"/>
-              <a:t>int</a:t>
-            </a:r>
-            <a:r>
-              <a:rPr lang="en-US" altLang="ko-KR" dirty="0" smtClean="0"/>
-              <a:t> pos) { .	.	.</a:t>
-            </a:r>
-          </a:p>
-          <a:p>
-            <a:pPr>
-              <a:buNone/>
-            </a:pPr>
-            <a:endParaRPr lang="en-US" altLang="ko-KR" dirty="0" smtClean="0"/>
-          </a:p>
-          <a:p>
-            <a:pPr>
-              <a:buNone/>
-            </a:pPr>
-            <a:r>
-              <a:rPr lang="en-US" altLang="ko-KR" dirty="0" smtClean="0"/>
-              <a:t>	</a:t>
-            </a:r>
-            <a:r>
-              <a:rPr lang="en-US" altLang="ko-KR" dirty="0" err="1" smtClean="0"/>
-              <a:t>getView</a:t>
-            </a:r>
-            <a:r>
-              <a:rPr lang="en-US" altLang="ko-KR" dirty="0" smtClean="0"/>
-              <a:t>(</a:t>
-            </a:r>
-            <a:r>
-              <a:rPr lang="en-US" altLang="ko-KR" dirty="0" err="1" smtClean="0"/>
-              <a:t>int</a:t>
-            </a:r>
-            <a:r>
-              <a:rPr lang="en-US" altLang="ko-KR" dirty="0" smtClean="0"/>
-              <a:t> p, View v, </a:t>
-            </a:r>
-            <a:r>
-              <a:rPr lang="en-US" altLang="ko-KR" dirty="0" err="1" smtClean="0"/>
-              <a:t>ViewGroup</a:t>
-            </a:r>
-            <a:r>
-              <a:rPr lang="en-US" altLang="ko-KR" dirty="0" smtClean="0"/>
-              <a:t> vg){</a:t>
-            </a:r>
-          </a:p>
-          <a:p>
-            <a:pPr>
-              <a:buNone/>
-            </a:pPr>
-            <a:r>
-              <a:rPr lang="en-US" altLang="ko-KR" dirty="0" smtClean="0"/>
-              <a:t>		</a:t>
-            </a:r>
-            <a:r>
-              <a:rPr lang="en-US" altLang="ko-KR" dirty="0" smtClean="0"/>
-              <a:t>.	.	.</a:t>
-            </a:r>
-          </a:p>
-          <a:p>
-            <a:pPr>
-              <a:buNone/>
-            </a:pPr>
-            <a:r>
-              <a:rPr lang="en-US" altLang="ko-KR" dirty="0" smtClean="0"/>
-              <a:t>	</a:t>
-            </a:r>
-            <a:r>
-              <a:rPr lang="en-US" altLang="ko-KR" dirty="0" smtClean="0"/>
-              <a:t>	</a:t>
-            </a:r>
-            <a:r>
-              <a:rPr lang="en-US" altLang="ko-KR" dirty="0" err="1" smtClean="0"/>
-              <a:t>iv.setImageResource</a:t>
-            </a:r>
-            <a:r>
-              <a:rPr lang="en-US" altLang="ko-KR" dirty="0" smtClean="0"/>
-              <a:t>(	.	.	.</a:t>
-            </a:r>
-          </a:p>
-          <a:p>
-            <a:pPr>
-              <a:buNone/>
-            </a:pPr>
-            <a:r>
-              <a:rPr lang="en-US" altLang="ko-KR" dirty="0" smtClean="0"/>
-              <a:t>	</a:t>
-            </a:r>
-            <a:r>
-              <a:rPr lang="en-US" altLang="ko-KR" dirty="0" smtClean="0"/>
-              <a:t>	</a:t>
-            </a:r>
-            <a:r>
-              <a:rPr lang="en-US" altLang="ko-KR" dirty="0" err="1" smtClean="0"/>
-              <a:t>iv.setScaleType</a:t>
-            </a:r>
-            <a:r>
-              <a:rPr lang="en-US" altLang="ko-KR" dirty="0" smtClean="0"/>
-              <a:t>(	.	.	.</a:t>
-            </a:r>
-          </a:p>
-          <a:p>
-            <a:pPr>
-              <a:buNone/>
-            </a:pPr>
-            <a:r>
-              <a:rPr lang="en-US" altLang="ko-KR" dirty="0" smtClean="0"/>
-              <a:t>	</a:t>
-            </a:r>
-            <a:r>
-              <a:rPr lang="en-US" altLang="ko-KR" dirty="0" smtClean="0"/>
-              <a:t>	</a:t>
-            </a:r>
-            <a:r>
-              <a:rPr lang="en-US" altLang="ko-KR" dirty="0" err="1" smtClean="0"/>
-              <a:t>iv.setLayoutParams</a:t>
-            </a:r>
-            <a:r>
-              <a:rPr lang="en-US" altLang="ko-KR" dirty="0" smtClean="0"/>
-              <a:t>(	.	.	.</a:t>
-            </a:r>
             <a:endParaRPr lang="ko-KR" altLang="en-US" dirty="0"/>
           </a:p>
         </p:txBody>
@@ -4836,6 +3992,678 @@
   <p:clrMapOvr>
     <a:masterClrMapping/>
   </p:clrMapOvr>
+  <p:timing>
+    <p:tnLst>
+      <p:par>
+        <p:cTn id="1" dur="indefinite" restart="never" nodeType="tmRoot"/>
+      </p:par>
+    </p:tnLst>
+  </p:timing>
+</p:sld>
+</file>
+
+<file path=ppt/slides/slide17.xml><?xml version="1.0" encoding="utf-8"?>
+<p:sld xmlns:a="http://schemas.openxmlformats.org/drawingml/2006/main" xmlns:r="http://schemas.openxmlformats.org/officeDocument/2006/relationships" xmlns:p="http://schemas.openxmlformats.org/presentationml/2006/main">
+  <p:cSld>
+    <p:spTree>
+      <p:nvGrpSpPr>
+        <p:cNvPr id="1" name=""/>
+        <p:cNvGrpSpPr/>
+        <p:nvPr/>
+      </p:nvGrpSpPr>
+      <p:grpSpPr>
+        <a:xfrm>
+          <a:off x="0" y="0"/>
+          <a:ext cx="0" cy="0"/>
+          <a:chOff x="0" y="0"/>
+          <a:chExt cx="0" cy="0"/>
+        </a:xfrm>
+      </p:grpSpPr>
+      <p:sp>
+        <p:nvSpPr>
+          <p:cNvPr id="2" name="제목 1"/>
+          <p:cNvSpPr>
+            <a:spLocks noGrp="1"/>
+          </p:cNvSpPr>
+          <p:nvPr>
+            <p:ph type="title"/>
+          </p:nvPr>
+        </p:nvSpPr>
+        <p:spPr/>
+        <p:txBody>
+          <a:bodyPr/>
+          <a:lstStyle/>
+          <a:p>
+            <a:r>
+              <a:rPr lang="en-US" altLang="ko-KR" dirty="0" smtClean="0"/>
+              <a:t>13.3.2 </a:t>
+            </a:r>
+            <a:r>
+              <a:rPr lang="ko-KR" altLang="en-US" dirty="0" err="1" smtClean="0"/>
+              <a:t>그리드뷰</a:t>
+            </a:r>
+            <a:r>
+              <a:rPr lang="ko-KR" altLang="en-US" dirty="0" smtClean="0"/>
+              <a:t> </a:t>
+            </a:r>
+            <a:r>
+              <a:rPr lang="en-US" altLang="ko-KR" dirty="0" smtClean="0"/>
+              <a:t>3</a:t>
+            </a:r>
+            <a:endParaRPr lang="ko-KR" altLang="en-US" dirty="0"/>
+          </a:p>
+        </p:txBody>
+      </p:sp>
+      <p:sp>
+        <p:nvSpPr>
+          <p:cNvPr id="3" name="내용 개체 틀 2"/>
+          <p:cNvSpPr>
+            <a:spLocks noGrp="1"/>
+          </p:cNvSpPr>
+          <p:nvPr>
+            <p:ph idx="1"/>
+          </p:nvPr>
+        </p:nvSpPr>
+        <p:spPr/>
+        <p:txBody>
+          <a:bodyPr>
+            <a:normAutofit fontScale="92500"/>
+          </a:bodyPr>
+          <a:lstStyle/>
+          <a:p>
+            <a:pPr>
+              <a:buNone/>
+            </a:pPr>
+            <a:r>
+              <a:rPr lang="en-US" altLang="ko-KR" dirty="0" smtClean="0"/>
+              <a:t>	class </a:t>
+            </a:r>
+            <a:r>
+              <a:rPr lang="en-US" altLang="ko-KR" dirty="0" err="1" smtClean="0"/>
+              <a:t>ImageAdapter</a:t>
+            </a:r>
+            <a:r>
+              <a:rPr lang="en-US" altLang="ko-KR" dirty="0" smtClean="0"/>
+              <a:t> extends </a:t>
+            </a:r>
+            <a:r>
+              <a:rPr lang="en-US" altLang="ko-KR" dirty="0" err="1" smtClean="0"/>
+              <a:t>BaseAdapter</a:t>
+            </a:r>
+            <a:r>
+              <a:rPr lang="en-US" altLang="ko-KR" dirty="0" smtClean="0"/>
+              <a:t> {</a:t>
+            </a:r>
+          </a:p>
+          <a:p>
+            <a:pPr>
+              <a:buNone/>
+            </a:pPr>
+            <a:r>
+              <a:rPr lang="en-US" altLang="ko-KR" dirty="0" smtClean="0"/>
+              <a:t>		</a:t>
+            </a:r>
+            <a:r>
+              <a:rPr lang="en-US" altLang="ko-KR" dirty="0" err="1" smtClean="0"/>
+              <a:t>getCount</a:t>
+            </a:r>
+            <a:r>
+              <a:rPr lang="en-US" altLang="ko-KR" dirty="0" smtClean="0"/>
+              <a:t>( ) { 	.	.	.</a:t>
+            </a:r>
+          </a:p>
+          <a:p>
+            <a:pPr>
+              <a:buNone/>
+            </a:pPr>
+            <a:r>
+              <a:rPr lang="en-US" altLang="ko-KR" dirty="0" smtClean="0"/>
+              <a:t>		</a:t>
+            </a:r>
+          </a:p>
+          <a:p>
+            <a:pPr>
+              <a:buNone/>
+            </a:pPr>
+            <a:r>
+              <a:rPr lang="en-US" altLang="ko-KR" dirty="0" smtClean="0"/>
+              <a:t>		</a:t>
+            </a:r>
+            <a:r>
+              <a:rPr lang="en-US" altLang="ko-KR" dirty="0" err="1" smtClean="0"/>
+              <a:t>getItem</a:t>
+            </a:r>
+            <a:r>
+              <a:rPr lang="en-US" altLang="ko-KR" dirty="0" smtClean="0"/>
+              <a:t>( </a:t>
+            </a:r>
+            <a:r>
+              <a:rPr lang="en-US" altLang="ko-KR" dirty="0" err="1" smtClean="0"/>
+              <a:t>int</a:t>
+            </a:r>
+            <a:r>
+              <a:rPr lang="en-US" altLang="ko-KR" dirty="0" smtClean="0"/>
+              <a:t> pos ) {	.	.	.</a:t>
+            </a:r>
+          </a:p>
+          <a:p>
+            <a:pPr>
+              <a:buNone/>
+            </a:pPr>
+            <a:r>
+              <a:rPr lang="en-US" altLang="ko-KR" dirty="0" smtClean="0"/>
+              <a:t>		</a:t>
+            </a:r>
+          </a:p>
+          <a:p>
+            <a:pPr>
+              <a:buNone/>
+            </a:pPr>
+            <a:r>
+              <a:rPr lang="en-US" altLang="ko-KR" dirty="0" smtClean="0"/>
+              <a:t>		</a:t>
+            </a:r>
+            <a:r>
+              <a:rPr lang="en-US" altLang="ko-KR" dirty="0" err="1" smtClean="0"/>
+              <a:t>getItemId</a:t>
+            </a:r>
+            <a:r>
+              <a:rPr lang="en-US" altLang="ko-KR" dirty="0" smtClean="0"/>
+              <a:t>( </a:t>
+            </a:r>
+            <a:r>
+              <a:rPr lang="en-US" altLang="ko-KR" dirty="0" err="1" smtClean="0"/>
+              <a:t>int</a:t>
+            </a:r>
+            <a:r>
+              <a:rPr lang="en-US" altLang="ko-KR" dirty="0" smtClean="0"/>
+              <a:t> pos ) { .	.	.</a:t>
+            </a:r>
+          </a:p>
+          <a:p>
+            <a:pPr>
+              <a:buNone/>
+            </a:pPr>
+            <a:r>
+              <a:rPr lang="en-US" altLang="ko-KR" dirty="0" smtClean="0"/>
+              <a:t>	</a:t>
+            </a:r>
+          </a:p>
+          <a:p>
+            <a:pPr>
+              <a:buNone/>
+            </a:pPr>
+            <a:r>
+              <a:rPr lang="en-US" altLang="ko-KR" dirty="0" smtClean="0"/>
+              <a:t>		</a:t>
+            </a:r>
+            <a:r>
+              <a:rPr lang="en-US" altLang="ko-KR" dirty="0" err="1" smtClean="0"/>
+              <a:t>getView</a:t>
+            </a:r>
+            <a:r>
+              <a:rPr lang="en-US" altLang="ko-KR" dirty="0" smtClean="0"/>
+              <a:t>(	.	.	.</a:t>
+            </a:r>
+            <a:endParaRPr lang="ko-KR" altLang="en-US" dirty="0" smtClean="0"/>
+          </a:p>
+        </p:txBody>
+      </p:sp>
+    </p:spTree>
+  </p:cSld>
+  <p:clrMapOvr>
+    <a:masterClrMapping/>
+  </p:clrMapOvr>
+  <p:timing>
+    <p:tnLst>
+      <p:par>
+        <p:cTn id="1" dur="indefinite" restart="never" nodeType="tmRoot"/>
+      </p:par>
+    </p:tnLst>
+  </p:timing>
+</p:sld>
+</file>
+
+<file path=ppt/slides/slide18.xml><?xml version="1.0" encoding="utf-8"?>
+<p:sld xmlns:a="http://schemas.openxmlformats.org/drawingml/2006/main" xmlns:r="http://schemas.openxmlformats.org/officeDocument/2006/relationships" xmlns:p="http://schemas.openxmlformats.org/presentationml/2006/main">
+  <p:cSld>
+    <p:spTree>
+      <p:nvGrpSpPr>
+        <p:cNvPr id="1" name=""/>
+        <p:cNvGrpSpPr/>
+        <p:nvPr/>
+      </p:nvGrpSpPr>
+      <p:grpSpPr>
+        <a:xfrm>
+          <a:off x="0" y="0"/>
+          <a:ext cx="0" cy="0"/>
+          <a:chOff x="0" y="0"/>
+          <a:chExt cx="0" cy="0"/>
+        </a:xfrm>
+      </p:grpSpPr>
+      <p:sp>
+        <p:nvSpPr>
+          <p:cNvPr id="2" name="제목 1"/>
+          <p:cNvSpPr>
+            <a:spLocks noGrp="1"/>
+          </p:cNvSpPr>
+          <p:nvPr>
+            <p:ph type="title"/>
+          </p:nvPr>
+        </p:nvSpPr>
+        <p:spPr/>
+        <p:txBody>
+          <a:bodyPr/>
+          <a:lstStyle/>
+          <a:p>
+            <a:r>
+              <a:rPr lang="en-US" altLang="ko-KR" dirty="0" smtClean="0"/>
+              <a:t>13.3.2 </a:t>
+            </a:r>
+            <a:r>
+              <a:rPr lang="ko-KR" altLang="en-US" dirty="0" err="1" smtClean="0"/>
+              <a:t>그리드뷰</a:t>
+            </a:r>
+            <a:r>
+              <a:rPr lang="ko-KR" altLang="en-US" dirty="0" smtClean="0"/>
+              <a:t> </a:t>
+            </a:r>
+            <a:r>
+              <a:rPr lang="en-US" altLang="ko-KR" dirty="0" smtClean="0"/>
+              <a:t>4</a:t>
+            </a:r>
+            <a:endParaRPr lang="ko-KR" altLang="en-US" dirty="0"/>
+          </a:p>
+        </p:txBody>
+      </p:sp>
+      <p:sp>
+        <p:nvSpPr>
+          <p:cNvPr id="3" name="내용 개체 틀 2"/>
+          <p:cNvSpPr>
+            <a:spLocks noGrp="1"/>
+          </p:cNvSpPr>
+          <p:nvPr>
+            <p:ph idx="1"/>
+          </p:nvPr>
+        </p:nvSpPr>
+        <p:spPr/>
+        <p:txBody>
+          <a:bodyPr>
+            <a:normAutofit fontScale="62500" lnSpcReduction="20000"/>
+          </a:bodyPr>
+          <a:lstStyle/>
+          <a:p>
+            <a:pPr>
+              <a:buNone/>
+            </a:pPr>
+            <a:r>
+              <a:rPr lang="en-US" altLang="ko-KR" dirty="0" err="1" smtClean="0"/>
+              <a:t>ImageAdapter.getView</a:t>
+            </a:r>
+            <a:r>
+              <a:rPr lang="en-US" altLang="ko-KR" dirty="0" smtClean="0"/>
+              <a:t>(</a:t>
+            </a:r>
+          </a:p>
+          <a:p>
+            <a:pPr>
+              <a:buNone/>
+            </a:pPr>
+            <a:r>
+              <a:rPr lang="en-US" altLang="ko-KR" dirty="0" smtClean="0"/>
+              <a:t>	</a:t>
+            </a:r>
+            <a:r>
+              <a:rPr lang="en-US" altLang="ko-KR" dirty="0" err="1" smtClean="0"/>
+              <a:t>int</a:t>
+            </a:r>
+            <a:r>
+              <a:rPr lang="en-US" altLang="ko-KR" dirty="0" smtClean="0"/>
+              <a:t> pos, View </a:t>
+            </a:r>
+            <a:r>
+              <a:rPr lang="en-US" altLang="ko-KR" dirty="0" err="1" smtClean="0"/>
+              <a:t>cv</a:t>
+            </a:r>
+            <a:r>
+              <a:rPr lang="en-US" altLang="ko-KR" dirty="0" smtClean="0"/>
+              <a:t>, </a:t>
+            </a:r>
+            <a:r>
+              <a:rPr lang="en-US" altLang="ko-KR" dirty="0" err="1" smtClean="0"/>
+              <a:t>ViewGroup</a:t>
+            </a:r>
+            <a:r>
+              <a:rPr lang="en-US" altLang="ko-KR" dirty="0" smtClean="0"/>
+              <a:t> vg) {</a:t>
+            </a:r>
+          </a:p>
+          <a:p>
+            <a:pPr>
+              <a:buNone/>
+            </a:pPr>
+            <a:r>
+              <a:rPr lang="en-US" altLang="ko-KR" dirty="0" smtClean="0"/>
+              <a:t>	if(</a:t>
+            </a:r>
+            <a:r>
+              <a:rPr lang="en-US" altLang="ko-KR" dirty="0" err="1" smtClean="0"/>
+              <a:t>cv</a:t>
+            </a:r>
+            <a:r>
+              <a:rPr lang="en-US" altLang="ko-KR" dirty="0" smtClean="0"/>
+              <a:t>==null) {</a:t>
+            </a:r>
+          </a:p>
+          <a:p>
+            <a:pPr>
+              <a:buNone/>
+            </a:pPr>
+            <a:r>
+              <a:rPr lang="en-US" altLang="ko-KR" dirty="0" smtClean="0"/>
+              <a:t>		.	.	.</a:t>
+            </a:r>
+          </a:p>
+          <a:p>
+            <a:pPr>
+              <a:buNone/>
+            </a:pPr>
+            <a:r>
+              <a:rPr lang="en-US" altLang="ko-KR" dirty="0" smtClean="0"/>
+              <a:t>		</a:t>
+            </a:r>
+            <a:r>
+              <a:rPr lang="en-US" altLang="ko-KR" dirty="0" err="1" smtClean="0"/>
+              <a:t>iv.setLayoutParams</a:t>
+            </a:r>
+            <a:r>
+              <a:rPr lang="en-US" altLang="ko-KR" dirty="0" smtClean="0"/>
+              <a:t>(new </a:t>
+            </a:r>
+            <a:r>
+              <a:rPr lang="en-US" altLang="ko-KR" dirty="0" err="1" smtClean="0"/>
+              <a:t>GriedView.LayoutParams</a:t>
+            </a:r>
+            <a:r>
+              <a:rPr lang="en-US" altLang="ko-KR" dirty="0" smtClean="0"/>
+              <a:t>(80,60) ;</a:t>
+            </a:r>
+          </a:p>
+          <a:p>
+            <a:pPr>
+              <a:buNone/>
+            </a:pPr>
+            <a:r>
+              <a:rPr lang="en-US" altLang="ko-KR" dirty="0" smtClean="0"/>
+              <a:t>		</a:t>
+            </a:r>
+            <a:r>
+              <a:rPr lang="en-US" altLang="ko-KR" dirty="0" err="1" smtClean="0"/>
+              <a:t>iv.setAdjustViewBounds</a:t>
+            </a:r>
+            <a:r>
+              <a:rPr lang="en-US" altLang="ko-KR" dirty="0" smtClean="0"/>
+              <a:t>(false) ;	</a:t>
+            </a:r>
+            <a:r>
+              <a:rPr lang="en-US" altLang="ko-KR" dirty="0" err="1" smtClean="0"/>
+              <a:t>iv.setScaleType</a:t>
+            </a:r>
+            <a:r>
+              <a:rPr lang="en-US" altLang="ko-KR" dirty="0" smtClean="0"/>
+              <a:t>(</a:t>
+            </a:r>
+            <a:r>
+              <a:rPr lang="en-US" altLang="ko-KR" dirty="0" err="1" smtClean="0"/>
+              <a:t>ImageView.ScaleType.CENTER_CROP</a:t>
+            </a:r>
+            <a:r>
+              <a:rPr lang="en-US" altLang="ko-KR" dirty="0" smtClean="0"/>
+              <a:t>);</a:t>
+            </a:r>
+          </a:p>
+          <a:p>
+            <a:pPr>
+              <a:buNone/>
+            </a:pPr>
+            <a:r>
+              <a:rPr lang="en-US" altLang="ko-KR" dirty="0" smtClean="0"/>
+              <a:t>	}  else {</a:t>
+            </a:r>
+          </a:p>
+          <a:p>
+            <a:pPr>
+              <a:buNone/>
+            </a:pPr>
+            <a:r>
+              <a:rPr lang="en-US" altLang="ko-KR" dirty="0" smtClean="0"/>
+              <a:t>		iv = (</a:t>
+            </a:r>
+            <a:r>
+              <a:rPr lang="en-US" altLang="ko-KR" dirty="0" err="1" smtClean="0"/>
+              <a:t>ImageView</a:t>
+            </a:r>
+            <a:r>
+              <a:rPr lang="en-US" altLang="ko-KR" dirty="0" smtClean="0"/>
+              <a:t>)</a:t>
+            </a:r>
+            <a:r>
+              <a:rPr lang="en-US" altLang="ko-KR" dirty="0" err="1" smtClean="0"/>
+              <a:t>cv</a:t>
+            </a:r>
+            <a:r>
+              <a:rPr lang="en-US" altLang="ko-KR" dirty="0" smtClean="0"/>
+              <a:t> ; }</a:t>
+            </a:r>
+          </a:p>
+          <a:p>
+            <a:pPr>
+              <a:buNone/>
+            </a:pPr>
+            <a:r>
+              <a:rPr lang="en-US" altLang="ko-KR" dirty="0" smtClean="0"/>
+              <a:t>	</a:t>
+            </a:r>
+          </a:p>
+          <a:p>
+            <a:pPr>
+              <a:buNone/>
+            </a:pPr>
+            <a:r>
+              <a:rPr lang="en-US" altLang="ko-KR" dirty="0" smtClean="0"/>
+              <a:t>	</a:t>
+            </a:r>
+            <a:r>
+              <a:rPr lang="en-US" altLang="ko-KR" dirty="0" err="1" smtClean="0"/>
+              <a:t>iv.setImageResource</a:t>
+            </a:r>
+            <a:r>
+              <a:rPr lang="en-US" altLang="ko-KR" dirty="0" smtClean="0"/>
+              <a:t>(picture[pos % 5 ]) ;</a:t>
+            </a:r>
+          </a:p>
+          <a:p>
+            <a:pPr>
+              <a:buNone/>
+            </a:pPr>
+            <a:r>
+              <a:rPr lang="en-US" altLang="ko-KR" dirty="0" smtClean="0"/>
+              <a:t>	</a:t>
+            </a:r>
+          </a:p>
+          <a:p>
+            <a:pPr>
+              <a:buNone/>
+            </a:pPr>
+            <a:r>
+              <a:rPr lang="en-US" altLang="ko-KR" dirty="0" smtClean="0"/>
+              <a:t>	return iv ;</a:t>
+            </a:r>
+          </a:p>
+          <a:p>
+            <a:pPr>
+              <a:buNone/>
+            </a:pPr>
+            <a:r>
+              <a:rPr lang="en-US" altLang="ko-KR" dirty="0" smtClean="0"/>
+              <a:t>}</a:t>
+            </a:r>
+            <a:endParaRPr lang="ko-KR" altLang="en-US" dirty="0"/>
+          </a:p>
+        </p:txBody>
+      </p:sp>
+    </p:spTree>
+  </p:cSld>
+  <p:clrMapOvr>
+    <a:masterClrMapping/>
+  </p:clrMapOvr>
+</p:sld>
+</file>
+
+<file path=ppt/slides/slide19.xml><?xml version="1.0" encoding="utf-8"?>
+<p:sld xmlns:a="http://schemas.openxmlformats.org/drawingml/2006/main" xmlns:r="http://schemas.openxmlformats.org/officeDocument/2006/relationships" xmlns:p="http://schemas.openxmlformats.org/presentationml/2006/main">
+  <p:cSld>
+    <p:spTree>
+      <p:nvGrpSpPr>
+        <p:cNvPr id="1" name=""/>
+        <p:cNvGrpSpPr/>
+        <p:nvPr/>
+      </p:nvGrpSpPr>
+      <p:grpSpPr>
+        <a:xfrm>
+          <a:off x="0" y="0"/>
+          <a:ext cx="0" cy="0"/>
+          <a:chOff x="0" y="0"/>
+          <a:chExt cx="0" cy="0"/>
+        </a:xfrm>
+      </p:grpSpPr>
+      <p:sp>
+        <p:nvSpPr>
+          <p:cNvPr id="2" name="제목 1"/>
+          <p:cNvSpPr>
+            <a:spLocks noGrp="1"/>
+          </p:cNvSpPr>
+          <p:nvPr>
+            <p:ph type="title"/>
+          </p:nvPr>
+        </p:nvSpPr>
+        <p:spPr/>
+        <p:txBody>
+          <a:bodyPr/>
+          <a:lstStyle/>
+          <a:p>
+            <a:r>
+              <a:rPr lang="en-US" altLang="ko-KR" dirty="0" smtClean="0"/>
+              <a:t>12.3.3 </a:t>
+            </a:r>
+            <a:r>
+              <a:rPr lang="ko-KR" altLang="en-US" dirty="0" smtClean="0"/>
+              <a:t>갤러리</a:t>
+            </a:r>
+            <a:endParaRPr lang="ko-KR" altLang="en-US" dirty="0"/>
+          </a:p>
+        </p:txBody>
+      </p:sp>
+      <p:sp>
+        <p:nvSpPr>
+          <p:cNvPr id="3" name="내용 개체 틀 2"/>
+          <p:cNvSpPr>
+            <a:spLocks noGrp="1"/>
+          </p:cNvSpPr>
+          <p:nvPr>
+            <p:ph idx="1"/>
+          </p:nvPr>
+        </p:nvSpPr>
+        <p:spPr/>
+        <p:txBody>
+          <a:bodyPr>
+            <a:normAutofit fontScale="92500" lnSpcReduction="10000"/>
+          </a:bodyPr>
+          <a:lstStyle/>
+          <a:p>
+            <a:r>
+              <a:rPr lang="ko-KR" altLang="en-US" dirty="0" smtClean="0"/>
+              <a:t>중앙에 고정되며 수평으로 스크롤되는 </a:t>
+            </a:r>
+            <a:r>
+              <a:rPr lang="ko-KR" altLang="en-US" dirty="0" err="1" smtClean="0"/>
+              <a:t>어댑터뷰</a:t>
+            </a:r>
+            <a:endParaRPr lang="en-US" altLang="ko-KR" dirty="0" smtClean="0"/>
+          </a:p>
+          <a:p>
+            <a:endParaRPr lang="en-US" altLang="ko-KR" dirty="0" smtClean="0"/>
+          </a:p>
+          <a:p>
+            <a:r>
+              <a:rPr lang="ko-KR" altLang="en-US" dirty="0" smtClean="0"/>
+              <a:t>이미지 </a:t>
+            </a:r>
+            <a:r>
+              <a:rPr lang="ko-KR" altLang="en-US" dirty="0" err="1" smtClean="0"/>
+              <a:t>선택기</a:t>
+            </a:r>
+            <a:endParaRPr lang="en-US" altLang="ko-KR" dirty="0" smtClean="0"/>
+          </a:p>
+          <a:p>
+            <a:endParaRPr lang="en-US" altLang="ko-KR" dirty="0" smtClean="0"/>
+          </a:p>
+          <a:p>
+            <a:r>
+              <a:rPr lang="en-US" altLang="ko-KR" dirty="0" smtClean="0"/>
+              <a:t>layout</a:t>
+            </a:r>
+          </a:p>
+          <a:p>
+            <a:pPr>
+              <a:buNone/>
+            </a:pPr>
+            <a:r>
+              <a:rPr lang="en-US" altLang="ko-KR" dirty="0" smtClean="0"/>
+              <a:t>	&lt;Gallery . . .</a:t>
+            </a:r>
+          </a:p>
+          <a:p>
+            <a:pPr>
+              <a:buNone/>
+            </a:pPr>
+            <a:r>
+              <a:rPr lang="en-US" altLang="ko-KR" dirty="0" smtClean="0"/>
+              <a:t>	</a:t>
+            </a:r>
+            <a:r>
+              <a:rPr lang="en-US" altLang="ko-KR" dirty="0" err="1" smtClean="0"/>
+              <a:t>android:animationDuration</a:t>
+            </a:r>
+            <a:r>
+              <a:rPr lang="en-US" altLang="ko-KR" dirty="0" smtClean="0"/>
+              <a:t>=“1500”</a:t>
+            </a:r>
+          </a:p>
+          <a:p>
+            <a:pPr>
+              <a:buNone/>
+            </a:pPr>
+            <a:r>
+              <a:rPr lang="en-US" altLang="ko-KR" dirty="0" smtClean="0"/>
+              <a:t>	/&gt;</a:t>
+            </a:r>
+            <a:endParaRPr lang="ko-KR" altLang="en-US" dirty="0"/>
+          </a:p>
+        </p:txBody>
+      </p:sp>
+    </p:spTree>
+  </p:cSld>
+  <p:clrMapOvr>
+    <a:masterClrMapping/>
+  </p:clrMapOvr>
+  <p:timing>
+    <p:tnLst>
+      <p:par>
+        <p:cTn id="1" dur="indefinite" restart="never" nodeType="tmRoot"/>
+      </p:par>
+    </p:tnLst>
+  </p:timing>
 </p:sld>
 </file>
 
@@ -4898,6 +4726,518 @@
           <a:bodyPr/>
           <a:lstStyle/>
           <a:p>
+            <a:r>
+              <a:rPr lang="ko-KR" altLang="en-US" dirty="0" smtClean="0"/>
+              <a:t>여러 개의 항목을 수직으로 표시하는 </a:t>
+            </a:r>
+            <a:r>
+              <a:rPr lang="ko-KR" altLang="en-US" dirty="0" err="1" smtClean="0"/>
+              <a:t>위젯</a:t>
+            </a:r>
+            <a:endParaRPr lang="en-US" altLang="ko-KR" dirty="0" smtClean="0"/>
+          </a:p>
+          <a:p>
+            <a:endParaRPr lang="en-US" altLang="ko-KR" dirty="0" smtClean="0"/>
+          </a:p>
+          <a:p>
+            <a:r>
+              <a:rPr lang="ko-KR" altLang="en-US" dirty="0" smtClean="0"/>
+              <a:t>어댑터 </a:t>
+            </a:r>
+            <a:r>
+              <a:rPr lang="ko-KR" altLang="en-US" dirty="0" err="1" smtClean="0"/>
+              <a:t>뷰</a:t>
+            </a:r>
+            <a:endParaRPr lang="en-US" altLang="ko-KR" dirty="0" smtClean="0"/>
+          </a:p>
+          <a:p>
+            <a:endParaRPr lang="en-US" altLang="ko-KR" dirty="0" smtClean="0"/>
+          </a:p>
+          <a:p>
+            <a:r>
+              <a:rPr lang="ko-KR" altLang="en-US" dirty="0" smtClean="0"/>
+              <a:t>리스트 </a:t>
+            </a:r>
+            <a:r>
+              <a:rPr lang="ko-KR" altLang="en-US" dirty="0" err="1" smtClean="0"/>
+              <a:t>뷰</a:t>
+            </a:r>
+            <a:endParaRPr lang="ko-KR" altLang="en-US" dirty="0" smtClean="0"/>
+          </a:p>
+          <a:p>
+            <a:endParaRPr lang="ko-KR" altLang="en-US" dirty="0"/>
+          </a:p>
+        </p:txBody>
+      </p:sp>
+    </p:spTree>
+  </p:cSld>
+  <p:clrMapOvr>
+    <a:masterClrMapping/>
+  </p:clrMapOvr>
+</p:sld>
+</file>
+
+<file path=ppt/slides/slide20.xml><?xml version="1.0" encoding="utf-8"?>
+<p:sld xmlns:a="http://schemas.openxmlformats.org/drawingml/2006/main" xmlns:r="http://schemas.openxmlformats.org/officeDocument/2006/relationships" xmlns:p="http://schemas.openxmlformats.org/presentationml/2006/main">
+  <p:cSld>
+    <p:spTree>
+      <p:nvGrpSpPr>
+        <p:cNvPr id="1" name=""/>
+        <p:cNvGrpSpPr/>
+        <p:nvPr/>
+      </p:nvGrpSpPr>
+      <p:grpSpPr>
+        <a:xfrm>
+          <a:off x="0" y="0"/>
+          <a:ext cx="0" cy="0"/>
+          <a:chOff x="0" y="0"/>
+          <a:chExt cx="0" cy="0"/>
+        </a:xfrm>
+      </p:grpSpPr>
+      <p:sp>
+        <p:nvSpPr>
+          <p:cNvPr id="2" name="제목 1"/>
+          <p:cNvSpPr>
+            <a:spLocks noGrp="1"/>
+          </p:cNvSpPr>
+          <p:nvPr>
+            <p:ph type="title"/>
+          </p:nvPr>
+        </p:nvSpPr>
+        <p:spPr/>
+        <p:txBody>
+          <a:bodyPr/>
+          <a:lstStyle/>
+          <a:p>
+            <a:r>
+              <a:rPr lang="en-US" altLang="ko-KR" dirty="0" smtClean="0"/>
+              <a:t>12.3.3 </a:t>
+            </a:r>
+            <a:r>
+              <a:rPr lang="ko-KR" altLang="en-US" dirty="0" smtClean="0"/>
+              <a:t>갤러리 </a:t>
+            </a:r>
+            <a:r>
+              <a:rPr lang="en-US" altLang="ko-KR" dirty="0" smtClean="0"/>
+              <a:t>2</a:t>
+            </a:r>
+            <a:endParaRPr lang="ko-KR" altLang="en-US" dirty="0"/>
+          </a:p>
+        </p:txBody>
+      </p:sp>
+      <p:sp>
+        <p:nvSpPr>
+          <p:cNvPr id="3" name="내용 개체 틀 2"/>
+          <p:cNvSpPr>
+            <a:spLocks noGrp="1"/>
+          </p:cNvSpPr>
+          <p:nvPr>
+            <p:ph idx="1"/>
+          </p:nvPr>
+        </p:nvSpPr>
+        <p:spPr/>
+        <p:txBody>
+          <a:bodyPr>
+            <a:normAutofit lnSpcReduction="10000"/>
+          </a:bodyPr>
+          <a:lstStyle/>
+          <a:p>
+            <a:pPr>
+              <a:buNone/>
+            </a:pPr>
+            <a:r>
+              <a:rPr lang="en-US" altLang="ko-KR" dirty="0" smtClean="0"/>
+              <a:t>Gallery </a:t>
+            </a:r>
+            <a:r>
+              <a:rPr lang="en-US" altLang="ko-KR" dirty="0" err="1" smtClean="0"/>
+              <a:t>gallery</a:t>
+            </a:r>
+            <a:r>
+              <a:rPr lang="en-US" altLang="ko-KR" dirty="0" smtClean="0"/>
+              <a:t>=(Gallery)</a:t>
+            </a:r>
+            <a:r>
+              <a:rPr lang="en-US" altLang="ko-KR" dirty="0" err="1" smtClean="0"/>
+              <a:t>findViewById</a:t>
+            </a:r>
+            <a:r>
+              <a:rPr lang="en-US" altLang="ko-KR" dirty="0" smtClean="0"/>
+              <a:t>(…</a:t>
+            </a:r>
+          </a:p>
+          <a:p>
+            <a:pPr>
+              <a:buNone/>
+            </a:pPr>
+            <a:endParaRPr lang="en-US" altLang="ko-KR" dirty="0" smtClean="0"/>
+          </a:p>
+          <a:p>
+            <a:pPr>
+              <a:buNone/>
+            </a:pPr>
+            <a:r>
+              <a:rPr lang="en-US" altLang="ko-KR" dirty="0" err="1" smtClean="0"/>
+              <a:t>gallery.setAdapter</a:t>
+            </a:r>
+            <a:r>
+              <a:rPr lang="en-US" altLang="ko-KR" dirty="0" smtClean="0"/>
+              <a:t>(new </a:t>
+            </a:r>
+            <a:r>
+              <a:rPr lang="en-US" altLang="ko-KR" dirty="0" err="1" smtClean="0"/>
+              <a:t>ImageAdapter</a:t>
+            </a:r>
+            <a:r>
+              <a:rPr lang="en-US" altLang="ko-KR" dirty="0" smtClean="0"/>
+              <a:t>(this)) ;</a:t>
+            </a:r>
+          </a:p>
+          <a:p>
+            <a:pPr>
+              <a:buNone/>
+            </a:pPr>
+            <a:endParaRPr lang="en-US" altLang="ko-KR" dirty="0" smtClean="0"/>
+          </a:p>
+          <a:p>
+            <a:pPr>
+              <a:buNone/>
+            </a:pPr>
+            <a:r>
+              <a:rPr lang="en-US" altLang="ko-KR" dirty="0" err="1" smtClean="0"/>
+              <a:t>gallery.setOnItemSelectedListener</a:t>
+            </a:r>
+            <a:r>
+              <a:rPr lang="en-US" altLang="ko-KR" dirty="0" smtClean="0"/>
+              <a:t>(</a:t>
+            </a:r>
+          </a:p>
+          <a:p>
+            <a:pPr>
+              <a:buNone/>
+            </a:pPr>
+            <a:r>
+              <a:rPr lang="en-US" altLang="ko-KR" dirty="0" smtClean="0"/>
+              <a:t> new </a:t>
+            </a:r>
+            <a:r>
+              <a:rPr lang="en-US" altLang="ko-KR" dirty="0" err="1" smtClean="0"/>
+              <a:t>OnItemSelectedListener</a:t>
+            </a:r>
+            <a:r>
+              <a:rPr lang="en-US" altLang="ko-KR" dirty="0" smtClean="0"/>
+              <a:t>( ) {</a:t>
+            </a:r>
+          </a:p>
+          <a:p>
+            <a:pPr>
+              <a:buNone/>
+            </a:pPr>
+            <a:r>
+              <a:rPr lang="en-US" altLang="ko-KR" dirty="0" smtClean="0"/>
+              <a:t>	public void </a:t>
+            </a:r>
+            <a:r>
+              <a:rPr lang="en-US" altLang="ko-KR" dirty="0" err="1" smtClean="0"/>
+              <a:t>onItemSelected</a:t>
+            </a:r>
+            <a:r>
+              <a:rPr lang="en-US" altLang="ko-KR" dirty="0" smtClean="0"/>
+              <a:t>( .	.	.</a:t>
+            </a:r>
+            <a:endParaRPr lang="ko-KR" altLang="en-US" dirty="0"/>
+          </a:p>
+        </p:txBody>
+      </p:sp>
+    </p:spTree>
+  </p:cSld>
+  <p:clrMapOvr>
+    <a:masterClrMapping/>
+  </p:clrMapOvr>
+</p:sld>
+</file>
+
+<file path=ppt/slides/slide21.xml><?xml version="1.0" encoding="utf-8"?>
+<p:sld xmlns:a="http://schemas.openxmlformats.org/drawingml/2006/main" xmlns:r="http://schemas.openxmlformats.org/officeDocument/2006/relationships" xmlns:p="http://schemas.openxmlformats.org/presentationml/2006/main">
+  <p:cSld>
+    <p:spTree>
+      <p:nvGrpSpPr>
+        <p:cNvPr id="1" name=""/>
+        <p:cNvGrpSpPr/>
+        <p:nvPr/>
+      </p:nvGrpSpPr>
+      <p:grpSpPr>
+        <a:xfrm>
+          <a:off x="0" y="0"/>
+          <a:ext cx="0" cy="0"/>
+          <a:chOff x="0" y="0"/>
+          <a:chExt cx="0" cy="0"/>
+        </a:xfrm>
+      </p:grpSpPr>
+      <p:sp>
+        <p:nvSpPr>
+          <p:cNvPr id="2" name="제목 1"/>
+          <p:cNvSpPr>
+            <a:spLocks noGrp="1"/>
+          </p:cNvSpPr>
+          <p:nvPr>
+            <p:ph type="title"/>
+          </p:nvPr>
+        </p:nvSpPr>
+        <p:spPr/>
+        <p:txBody>
+          <a:bodyPr/>
+          <a:lstStyle/>
+          <a:p>
+            <a:r>
+              <a:rPr lang="en-US" altLang="ko-KR" dirty="0" smtClean="0"/>
+              <a:t>12.3.3 </a:t>
+            </a:r>
+            <a:r>
+              <a:rPr lang="ko-KR" altLang="en-US" dirty="0" smtClean="0"/>
+              <a:t>갤러리 </a:t>
+            </a:r>
+            <a:r>
+              <a:rPr lang="en-US" altLang="ko-KR" dirty="0" smtClean="0"/>
+              <a:t>3</a:t>
+            </a:r>
+            <a:endParaRPr lang="ko-KR" altLang="en-US" dirty="0"/>
+          </a:p>
+        </p:txBody>
+      </p:sp>
+      <p:sp>
+        <p:nvSpPr>
+          <p:cNvPr id="3" name="내용 개체 틀 2"/>
+          <p:cNvSpPr>
+            <a:spLocks noGrp="1"/>
+          </p:cNvSpPr>
+          <p:nvPr>
+            <p:ph idx="1"/>
+          </p:nvPr>
+        </p:nvSpPr>
+        <p:spPr/>
+        <p:txBody>
+          <a:bodyPr>
+            <a:normAutofit fontScale="70000" lnSpcReduction="20000"/>
+          </a:bodyPr>
+          <a:lstStyle/>
+          <a:p>
+            <a:pPr>
+              <a:buNone/>
+            </a:pPr>
+            <a:r>
+              <a:rPr lang="en-US" altLang="ko-KR" dirty="0" smtClean="0"/>
+              <a:t>Class </a:t>
+            </a:r>
+            <a:r>
+              <a:rPr lang="en-US" altLang="ko-KR" dirty="0" err="1" smtClean="0"/>
+              <a:t>ImageAdapter</a:t>
+            </a:r>
+            <a:r>
+              <a:rPr lang="en-US" altLang="ko-KR" dirty="0" smtClean="0"/>
+              <a:t> </a:t>
+            </a:r>
+            <a:r>
+              <a:rPr lang="en-US" altLang="ko-KR" dirty="0" err="1" smtClean="0"/>
+              <a:t>extens</a:t>
+            </a:r>
+            <a:r>
+              <a:rPr lang="en-US" altLang="ko-KR" dirty="0" smtClean="0"/>
+              <a:t> </a:t>
+            </a:r>
+            <a:r>
+              <a:rPr lang="en-US" altLang="ko-KR" dirty="0" err="1" smtClean="0"/>
+              <a:t>BaseAdapter</a:t>
+            </a:r>
+            <a:r>
+              <a:rPr lang="en-US" altLang="ko-KR" dirty="0" smtClean="0"/>
+              <a:t> {</a:t>
+            </a:r>
+          </a:p>
+          <a:p>
+            <a:pPr>
+              <a:buNone/>
+            </a:pPr>
+            <a:r>
+              <a:rPr lang="en-US" altLang="ko-KR" dirty="0" smtClean="0"/>
+              <a:t>	</a:t>
+            </a:r>
+            <a:r>
+              <a:rPr lang="en-US" altLang="ko-KR" dirty="0" err="1" smtClean="0"/>
+              <a:t>getCount</a:t>
+            </a:r>
+            <a:r>
+              <a:rPr lang="en-US" altLang="ko-KR" dirty="0" smtClean="0"/>
+              <a:t>( ) { </a:t>
+            </a:r>
+          </a:p>
+          <a:p>
+            <a:pPr>
+              <a:buNone/>
+            </a:pPr>
+            <a:r>
+              <a:rPr lang="en-US" altLang="ko-KR" dirty="0" smtClean="0"/>
+              <a:t>	</a:t>
+            </a:r>
+          </a:p>
+          <a:p>
+            <a:pPr>
+              <a:buNone/>
+            </a:pPr>
+            <a:r>
+              <a:rPr lang="en-US" altLang="ko-KR" dirty="0" smtClean="0"/>
+              <a:t>	</a:t>
+            </a:r>
+            <a:r>
+              <a:rPr lang="en-US" altLang="ko-KR" dirty="0" err="1" smtClean="0"/>
+              <a:t>getItem</a:t>
+            </a:r>
+            <a:r>
+              <a:rPr lang="en-US" altLang="ko-KR" dirty="0" smtClean="0"/>
+              <a:t>(</a:t>
+            </a:r>
+            <a:r>
+              <a:rPr lang="en-US" altLang="ko-KR" dirty="0" err="1" smtClean="0"/>
+              <a:t>int</a:t>
+            </a:r>
+            <a:r>
+              <a:rPr lang="en-US" altLang="ko-KR" dirty="0" smtClean="0"/>
+              <a:t> pos) {	</a:t>
+            </a:r>
+          </a:p>
+          <a:p>
+            <a:pPr>
+              <a:buNone/>
+            </a:pPr>
+            <a:r>
+              <a:rPr lang="en-US" altLang="ko-KR" dirty="0" smtClean="0"/>
+              <a:t>	</a:t>
+            </a:r>
+          </a:p>
+          <a:p>
+            <a:pPr>
+              <a:buNone/>
+            </a:pPr>
+            <a:r>
+              <a:rPr lang="en-US" altLang="ko-KR" dirty="0" smtClean="0"/>
+              <a:t>	</a:t>
+            </a:r>
+            <a:r>
+              <a:rPr lang="en-US" altLang="ko-KR" dirty="0" err="1" smtClean="0"/>
+              <a:t>getItemId</a:t>
+            </a:r>
+            <a:r>
+              <a:rPr lang="en-US" altLang="ko-KR" dirty="0" smtClean="0"/>
+              <a:t>(</a:t>
+            </a:r>
+            <a:r>
+              <a:rPr lang="en-US" altLang="ko-KR" dirty="0" err="1" smtClean="0"/>
+              <a:t>int</a:t>
+            </a:r>
+            <a:r>
+              <a:rPr lang="en-US" altLang="ko-KR" dirty="0" smtClean="0"/>
+              <a:t> pos) { </a:t>
+            </a:r>
+          </a:p>
+          <a:p>
+            <a:pPr>
+              <a:buNone/>
+            </a:pPr>
+            <a:endParaRPr lang="en-US" altLang="ko-KR" dirty="0" smtClean="0"/>
+          </a:p>
+          <a:p>
+            <a:pPr>
+              <a:buNone/>
+            </a:pPr>
+            <a:r>
+              <a:rPr lang="en-US" altLang="ko-KR" dirty="0" smtClean="0"/>
+              <a:t>	</a:t>
+            </a:r>
+            <a:r>
+              <a:rPr lang="en-US" altLang="ko-KR" dirty="0" err="1" smtClean="0"/>
+              <a:t>getView</a:t>
+            </a:r>
+            <a:r>
+              <a:rPr lang="en-US" altLang="ko-KR" dirty="0" smtClean="0"/>
+              <a:t>(</a:t>
+            </a:r>
+            <a:r>
+              <a:rPr lang="en-US" altLang="ko-KR" dirty="0" err="1" smtClean="0"/>
+              <a:t>int</a:t>
+            </a:r>
+            <a:r>
+              <a:rPr lang="en-US" altLang="ko-KR" dirty="0" smtClean="0"/>
+              <a:t> p, View v, </a:t>
+            </a:r>
+            <a:r>
+              <a:rPr lang="en-US" altLang="ko-KR" dirty="0" err="1" smtClean="0"/>
+              <a:t>ViewGroup</a:t>
+            </a:r>
+            <a:r>
+              <a:rPr lang="en-US" altLang="ko-KR" dirty="0" smtClean="0"/>
+              <a:t> vg){</a:t>
+            </a:r>
+          </a:p>
+          <a:p>
+            <a:pPr>
+              <a:buNone/>
+            </a:pPr>
+            <a:r>
+              <a:rPr lang="en-US" altLang="ko-KR" dirty="0" smtClean="0"/>
+              <a:t>		.	.	.</a:t>
+            </a:r>
+          </a:p>
+          <a:p>
+            <a:pPr>
+              <a:buNone/>
+            </a:pPr>
+            <a:r>
+              <a:rPr lang="en-US" altLang="ko-KR" dirty="0" smtClean="0"/>
+              <a:t>		</a:t>
+            </a:r>
+            <a:r>
+              <a:rPr lang="en-US" altLang="ko-KR" dirty="0" err="1" smtClean="0"/>
+              <a:t>iv.setImageResource</a:t>
+            </a:r>
+            <a:r>
+              <a:rPr lang="en-US" altLang="ko-KR" dirty="0" smtClean="0"/>
+              <a:t>(</a:t>
+            </a:r>
+            <a:endParaRPr lang="en-US" altLang="ko-KR" dirty="0" smtClean="0"/>
+          </a:p>
+          <a:p>
+            <a:pPr>
+              <a:buNone/>
+            </a:pPr>
+            <a:r>
+              <a:rPr lang="en-US" altLang="ko-KR" dirty="0" smtClean="0"/>
+              <a:t>		</a:t>
+            </a:r>
+            <a:r>
+              <a:rPr lang="en-US" altLang="ko-KR" dirty="0" err="1" smtClean="0"/>
+              <a:t>iv.setScaleType</a:t>
+            </a:r>
+            <a:r>
+              <a:rPr lang="en-US" altLang="ko-KR" dirty="0" smtClean="0"/>
+              <a:t>(	</a:t>
+            </a:r>
+          </a:p>
+          <a:p>
+            <a:pPr>
+              <a:buNone/>
+            </a:pPr>
+            <a:r>
+              <a:rPr lang="en-US" altLang="ko-KR" dirty="0" smtClean="0"/>
+              <a:t>		</a:t>
+            </a:r>
+            <a:r>
+              <a:rPr lang="en-US" altLang="ko-KR" dirty="0" err="1" smtClean="0"/>
+              <a:t>iv.setLayoutParams</a:t>
+            </a:r>
+            <a:r>
+              <a:rPr lang="en-US" altLang="ko-KR" dirty="0" smtClean="0"/>
+              <a:t>(	</a:t>
+            </a:r>
             <a:endParaRPr lang="ko-KR" altLang="en-US" dirty="0"/>
           </a:p>
         </p:txBody>
@@ -4954,22 +5294,60 @@
           </a:p>
         </p:txBody>
       </p:sp>
-      <p:sp>
-        <p:nvSpPr>
-          <p:cNvPr id="3" name="내용 개체 틀 2"/>
-          <p:cNvSpPr>
-            <a:spLocks noGrp="1"/>
-          </p:cNvSpPr>
+      <p:pic>
+        <p:nvPicPr>
+          <p:cNvPr id="4" name="내용 개체 틀 3" descr="SmartSelectImage_2016-12-18-13-48-22"/>
+          <p:cNvPicPr>
+            <a:picLocks noGrp="1" noChangeAspect="1"/>
+          </p:cNvPicPr>
           <p:nvPr>
             <p:ph idx="1"/>
           </p:nvPr>
-        </p:nvSpPr>
-        <p:spPr/>
-        <p:txBody>
-          <a:bodyPr/>
-          <a:lstStyle/>
-          <a:p>
-            <a:endParaRPr lang="ko-KR" altLang="en-US"/>
+        </p:nvPicPr>
+        <p:blipFill>
+          <a:blip r:embed="rId2"/>
+          <a:stretch>
+            <a:fillRect/>
+          </a:stretch>
+        </p:blipFill>
+        <p:spPr>
+          <a:xfrm>
+            <a:off x="457200" y="2292706"/>
+            <a:ext cx="8229600" cy="3140951"/>
+          </a:xfrm>
+        </p:spPr>
+      </p:pic>
+      <p:sp>
+        <p:nvSpPr>
+          <p:cNvPr id="5" name="TextBox 4"/>
+          <p:cNvSpPr txBox="1"/>
+          <p:nvPr/>
+        </p:nvSpPr>
+        <p:spPr>
+          <a:xfrm>
+            <a:off x="428596" y="1643050"/>
+            <a:ext cx="5072098" cy="369332"/>
+          </a:xfrm>
+          <a:prstGeom prst="rect">
+            <a:avLst/>
+          </a:prstGeom>
+          <a:noFill/>
+        </p:spPr>
+        <p:txBody>
+          <a:bodyPr wrap="square" rtlCol="0">
+            <a:spAutoFit/>
+          </a:bodyPr>
+          <a:lstStyle/>
+          <a:p>
+            <a:r>
+              <a:rPr lang="ko-KR" altLang="en-US" dirty="0" err="1" smtClean="0"/>
+              <a:t>위젯</a:t>
+            </a:r>
+            <a:r>
+              <a:rPr lang="ko-KR" altLang="en-US" dirty="0" smtClean="0"/>
+              <a:t> 계층도</a:t>
+            </a:r>
+            <a:endParaRPr lang="ko-KR" altLang="en-US" dirty="0"/>
           </a:p>
         </p:txBody>
       </p:sp>
@@ -5015,32 +5393,160 @@
           <a:p>
             <a:r>
               <a:rPr lang="en-US" altLang="ko-KR" dirty="0" smtClean="0"/>
-              <a:t>12.1.2 </a:t>
+              <a:t>12.1.1 </a:t>
             </a:r>
             <a:r>
               <a:rPr lang="ko-KR" altLang="en-US" dirty="0" err="1" smtClean="0"/>
+              <a:t>어댑터뷰</a:t>
+            </a:r>
+            <a:r>
+              <a:rPr lang="ko-KR" altLang="en-US" dirty="0" smtClean="0"/>
+              <a:t> </a:t>
+            </a:r>
+            <a:r>
+              <a:rPr lang="en-US" altLang="ko-KR" dirty="0" smtClean="0"/>
+              <a:t>2</a:t>
+            </a:r>
+            <a:endParaRPr lang="ko-KR" altLang="en-US" dirty="0"/>
+          </a:p>
+        </p:txBody>
+      </p:sp>
+      <p:sp>
+        <p:nvSpPr>
+          <p:cNvPr id="3" name="내용 개체 틀 2"/>
+          <p:cNvSpPr>
+            <a:spLocks noGrp="1"/>
+          </p:cNvSpPr>
+          <p:nvPr>
+            <p:ph idx="1"/>
+          </p:nvPr>
+        </p:nvSpPr>
+        <p:spPr/>
+        <p:txBody>
+          <a:bodyPr/>
+          <a:lstStyle/>
+          <a:p>
+            <a:r>
+              <a:rPr lang="ko-KR" altLang="en-US" b="1" dirty="0" err="1" smtClean="0">
+                <a:solidFill>
+                  <a:schemeClr val="accent6">
+                    <a:lumMod val="75000"/>
+                  </a:schemeClr>
+                </a:solidFill>
+              </a:rPr>
               <a:t>리스트뷰</a:t>
             </a:r>
+            <a:r>
+              <a:rPr lang="en-US" altLang="ko-KR" dirty="0" smtClean="0"/>
+              <a:t>, </a:t>
+            </a:r>
+            <a:r>
+              <a:rPr lang="ko-KR" altLang="en-US" b="1" dirty="0" err="1" smtClean="0">
+                <a:solidFill>
+                  <a:schemeClr val="accent6">
+                    <a:lumMod val="75000"/>
+                  </a:schemeClr>
+                </a:solidFill>
+              </a:rPr>
+              <a:t>그리드뷰</a:t>
+            </a:r>
+            <a:r>
+              <a:rPr lang="en-US" altLang="ko-KR" dirty="0" smtClean="0"/>
+              <a:t>, </a:t>
+            </a:r>
+            <a:r>
+              <a:rPr lang="ko-KR" altLang="en-US" b="1" dirty="0" err="1" smtClean="0">
+                <a:solidFill>
+                  <a:schemeClr val="accent6">
+                    <a:lumMod val="75000"/>
+                  </a:schemeClr>
+                </a:solidFill>
+              </a:rPr>
+              <a:t>스피너</a:t>
+            </a:r>
+            <a:r>
+              <a:rPr lang="en-US" altLang="ko-KR" dirty="0" smtClean="0"/>
+              <a:t>, </a:t>
+            </a:r>
+            <a:r>
+              <a:rPr lang="ko-KR" altLang="en-US" b="1" dirty="0" smtClean="0">
+                <a:solidFill>
+                  <a:schemeClr val="accent6">
+                    <a:lumMod val="75000"/>
+                  </a:schemeClr>
+                </a:solidFill>
+              </a:rPr>
+              <a:t>갤러리</a:t>
+            </a:r>
+            <a:r>
+              <a:rPr lang="ko-KR" altLang="en-US" dirty="0" smtClean="0"/>
+              <a:t> 등이 모두 항목 집합을 표시하며 이를 묶어서 </a:t>
+            </a:r>
+            <a:r>
+              <a:rPr lang="ko-KR" altLang="en-US" b="1" dirty="0" err="1" smtClean="0">
+                <a:solidFill>
+                  <a:schemeClr val="accent6">
+                    <a:lumMod val="50000"/>
+                  </a:schemeClr>
+                </a:solidFill>
+              </a:rPr>
+              <a:t>어댑터뷰</a:t>
+            </a:r>
+            <a:r>
+              <a:rPr lang="ko-KR" altLang="en-US" dirty="0" err="1" smtClean="0"/>
+              <a:t>이라</a:t>
+            </a:r>
+            <a:r>
+              <a:rPr lang="ko-KR" altLang="en-US" dirty="0" smtClean="0"/>
+              <a:t> 함</a:t>
+            </a:r>
+            <a:r>
+              <a:rPr lang="en-US" altLang="ko-KR" dirty="0" smtClean="0"/>
+              <a:t>.</a:t>
+            </a:r>
+          </a:p>
+          <a:p>
+            <a:endParaRPr lang="en-US" altLang="ko-KR" dirty="0" smtClean="0"/>
+          </a:p>
+          <a:p>
+            <a:r>
+              <a:rPr lang="ko-KR" altLang="en-US" dirty="0" smtClean="0"/>
+              <a:t>이들이 </a:t>
+            </a:r>
+            <a:r>
+              <a:rPr lang="ko-KR" altLang="en-US" dirty="0" err="1" smtClean="0"/>
+              <a:t>어댑터뷰으로</a:t>
+            </a:r>
+            <a:r>
+              <a:rPr lang="ko-KR" altLang="en-US" dirty="0" smtClean="0"/>
+              <a:t> 불린 이유는 데이터를 </a:t>
+            </a:r>
+            <a:r>
+              <a:rPr lang="en-US" altLang="ko-KR" dirty="0" smtClean="0"/>
+              <a:t>Adapter </a:t>
+            </a:r>
+            <a:r>
+              <a:rPr lang="ko-KR" altLang="en-US" dirty="0" smtClean="0"/>
+              <a:t>개체로 </a:t>
+            </a:r>
+            <a:r>
+              <a:rPr lang="ko-KR" altLang="en-US" dirty="0" err="1" smtClean="0"/>
+              <a:t>부터</a:t>
+            </a:r>
+            <a:r>
+              <a:rPr lang="ko-KR" altLang="en-US" dirty="0" smtClean="0"/>
+              <a:t> 공급받음</a:t>
+            </a:r>
+            <a:r>
+              <a:rPr lang="en-US" altLang="ko-KR" dirty="0" smtClean="0"/>
+              <a:t>.</a:t>
+            </a:r>
+          </a:p>
+          <a:p>
+            <a:endParaRPr lang="en-US" altLang="ko-KR" dirty="0" smtClean="0"/>
+          </a:p>
+          <a:p>
             <a:endParaRPr lang="ko-KR" altLang="en-US" dirty="0"/>
-          </a:p>
-        </p:txBody>
-      </p:sp>
-      <p:sp>
-        <p:nvSpPr>
-          <p:cNvPr id="3" name="내용 개체 틀 2"/>
-          <p:cNvSpPr>
-            <a:spLocks noGrp="1"/>
-          </p:cNvSpPr>
-          <p:nvPr>
-            <p:ph idx="1"/>
-          </p:nvPr>
-        </p:nvSpPr>
-        <p:spPr/>
-        <p:txBody>
-          <a:bodyPr/>
-          <a:lstStyle/>
-          <a:p>
-            <a:endParaRPr lang="ko-KR" altLang="en-US"/>
           </a:p>
         </p:txBody>
       </p:sp>
@@ -5086,35 +5592,47 @@
           <a:p>
             <a:r>
               <a:rPr lang="en-US" altLang="ko-KR" dirty="0" smtClean="0"/>
-              <a:t>12.1.3 </a:t>
+              <a:t>12.1.1 </a:t>
+            </a:r>
+            <a:r>
+              <a:rPr lang="ko-KR" altLang="en-US" dirty="0" err="1" smtClean="0"/>
+              <a:t>어댑터뷰</a:t>
             </a:r>
             <a:r>
               <a:rPr lang="ko-KR" altLang="en-US" dirty="0" smtClean="0"/>
-              <a:t>항목 선택</a:t>
+              <a:t> </a:t>
+            </a:r>
+            <a:r>
+              <a:rPr lang="en-US" altLang="ko-KR" dirty="0" smtClean="0"/>
+              <a:t>3</a:t>
             </a:r>
             <a:endParaRPr lang="ko-KR" altLang="en-US" dirty="0"/>
           </a:p>
         </p:txBody>
       </p:sp>
-      <p:sp>
-        <p:nvSpPr>
-          <p:cNvPr id="3" name="내용 개체 틀 2"/>
-          <p:cNvSpPr>
-            <a:spLocks noGrp="1"/>
-          </p:cNvSpPr>
+      <p:pic>
+        <p:nvPicPr>
+          <p:cNvPr id="4" name="내용 개체 틀 3" descr="SmartSelectImage_2016-12-18-13-59-48"/>
+          <p:cNvPicPr>
+            <a:picLocks noGrp="1" noChangeAspect="1"/>
+          </p:cNvPicPr>
           <p:nvPr>
             <p:ph idx="1"/>
           </p:nvPr>
-        </p:nvSpPr>
-        <p:spPr/>
-        <p:txBody>
-          <a:bodyPr/>
-          <a:lstStyle/>
-          <a:p>
-            <a:endParaRPr lang="ko-KR" altLang="en-US"/>
-          </a:p>
-        </p:txBody>
-      </p:sp>
+        </p:nvPicPr>
+        <p:blipFill>
+          <a:blip r:embed="rId2"/>
+          <a:stretch>
+            <a:fillRect/>
+          </a:stretch>
+        </p:blipFill>
+        <p:spPr>
+          <a:xfrm>
+            <a:off x="457200" y="1746852"/>
+            <a:ext cx="8229600" cy="4232659"/>
+          </a:xfrm>
+        </p:spPr>
+      </p:pic>
     </p:spTree>
   </p:cSld>
   <p:clrMapOvr>
@@ -5157,11 +5675,19 @@
           <a:p>
             <a:r>
               <a:rPr lang="en-US" altLang="ko-KR" dirty="0" smtClean="0"/>
-              <a:t>12.1.4 </a:t>
+              <a:t>12.1.1 </a:t>
+            </a:r>
+            <a:r>
+              <a:rPr lang="ko-KR" altLang="en-US" dirty="0" err="1" smtClean="0"/>
+              <a:t>어댑터뷰</a:t>
             </a:r>
             <a:r>
               <a:rPr lang="ko-KR" altLang="en-US" dirty="0" smtClean="0"/>
-              <a:t>항목 편집</a:t>
+              <a:t> </a:t>
+            </a:r>
+            <a:r>
+              <a:rPr lang="en-US" altLang="ko-KR" dirty="0" smtClean="0"/>
+              <a:t>4</a:t>
             </a:r>
             <a:endParaRPr lang="ko-KR" altLang="en-US" dirty="0"/>
           </a:p>
@@ -5179,9 +5705,64 @@
         </p:nvSpPr>
         <p:spPr/>
         <p:txBody>
-          <a:bodyPr/>
-          <a:lstStyle/>
-          <a:p>
+          <a:bodyPr>
+            <a:normAutofit fontScale="92500" lnSpcReduction="10000"/>
+          </a:bodyPr>
+          <a:lstStyle/>
+          <a:p>
+            <a:r>
+              <a:rPr lang="en-US" altLang="ko-KR" dirty="0" err="1" smtClean="0"/>
+              <a:t>BaseAdapter</a:t>
+            </a:r>
+            <a:r>
+              <a:rPr lang="en-US" altLang="ko-KR" dirty="0" smtClean="0"/>
+              <a:t> </a:t>
+            </a:r>
+          </a:p>
+          <a:p>
+            <a:endParaRPr lang="en-US" altLang="ko-KR" dirty="0" smtClean="0"/>
+          </a:p>
+          <a:p>
+            <a:r>
+              <a:rPr lang="en-US" altLang="ko-KR" dirty="0" err="1" smtClean="0"/>
+              <a:t>ArrayAdapter</a:t>
+            </a:r>
+            <a:r>
+              <a:rPr lang="ko-KR" altLang="en-US" dirty="0" smtClean="0"/>
+              <a:t> </a:t>
+            </a:r>
+            <a:endParaRPr lang="en-US" altLang="ko-KR" dirty="0" smtClean="0"/>
+          </a:p>
+          <a:p>
+            <a:pPr lvl="1"/>
+            <a:r>
+              <a:rPr lang="ko-KR" altLang="en-US" dirty="0" smtClean="0"/>
+              <a:t> 객체 배열이나 리소스에 정의된 배열로부터 데이터를 가져온다</a:t>
+            </a:r>
+            <a:r>
+              <a:rPr lang="en-US" altLang="ko-KR" dirty="0" smtClean="0"/>
+              <a:t>.</a:t>
+            </a:r>
+          </a:p>
+          <a:p>
+            <a:endParaRPr lang="en-US" altLang="ko-KR" dirty="0" smtClean="0"/>
+          </a:p>
+          <a:p>
+            <a:r>
+              <a:rPr lang="en-US" altLang="ko-KR" dirty="0" err="1" smtClean="0"/>
+              <a:t>CursorAdapter</a:t>
+            </a:r>
+            <a:endParaRPr lang="en-US" altLang="ko-KR" dirty="0" smtClean="0"/>
+          </a:p>
+          <a:p>
+            <a:pPr lvl="1"/>
+            <a:endParaRPr lang="en-US" altLang="ko-KR" dirty="0" smtClean="0"/>
+          </a:p>
+          <a:p>
+            <a:r>
+              <a:rPr lang="en-US" altLang="ko-KR" dirty="0" err="1" smtClean="0"/>
+              <a:t>SimpleAdapter</a:t>
+            </a:r>
             <a:endParaRPr lang="ko-KR" altLang="en-US" dirty="0"/>
           </a:p>
         </p:txBody>
@@ -5228,15 +5809,11 @@
           <a:p>
             <a:r>
               <a:rPr lang="en-US" altLang="ko-KR" dirty="0" smtClean="0"/>
-              <a:t>12.2 </a:t>
-            </a:r>
-            <a:r>
-              <a:rPr lang="ko-KR" altLang="en-US" dirty="0" smtClean="0"/>
-              <a:t>항목 </a:t>
+              <a:t>12.1.2 </a:t>
             </a:r>
             <a:r>
               <a:rPr lang="ko-KR" altLang="en-US" dirty="0" err="1" smtClean="0"/>
-              <a:t>뷰</a:t>
+              <a:t>리스트뷰</a:t>
             </a:r>
             <a:endParaRPr lang="ko-KR" altLang="en-US" dirty="0"/>
           </a:p>
@@ -5257,7 +5834,99 @@
           <a:bodyPr/>
           <a:lstStyle/>
           <a:p>
-            <a:endParaRPr lang="ko-KR" altLang="en-US"/>
+            <a:r>
+              <a:rPr lang="en-US" altLang="ko-KR" dirty="0" smtClean="0"/>
+              <a:t>Layout</a:t>
+            </a:r>
+          </a:p>
+          <a:p>
+            <a:pPr>
+              <a:buNone/>
+            </a:pPr>
+            <a:r>
+              <a:rPr lang="en-US" altLang="ko-KR" dirty="0" smtClean="0"/>
+              <a:t>	</a:t>
+            </a:r>
+            <a:r>
+              <a:rPr lang="en-US" altLang="ko-KR" dirty="0" smtClean="0"/>
+              <a:t>&lt;</a:t>
+            </a:r>
+            <a:r>
+              <a:rPr lang="en-US" altLang="ko-KR" dirty="0" err="1" smtClean="0"/>
+              <a:t>LinearLayout</a:t>
+            </a:r>
+            <a:endParaRPr lang="en-US" altLang="ko-KR" dirty="0" smtClean="0"/>
+          </a:p>
+          <a:p>
+            <a:pPr>
+              <a:buNone/>
+            </a:pPr>
+            <a:r>
+              <a:rPr lang="en-US" altLang="ko-KR" dirty="0" smtClean="0"/>
+              <a:t>	</a:t>
+            </a:r>
+            <a:r>
+              <a:rPr lang="en-US" altLang="ko-KR" dirty="0" smtClean="0"/>
+              <a:t>	.	.	.</a:t>
+            </a:r>
+          </a:p>
+          <a:p>
+            <a:pPr>
+              <a:buNone/>
+            </a:pPr>
+            <a:r>
+              <a:rPr lang="en-US" altLang="ko-KR" dirty="0" smtClean="0"/>
+              <a:t>	</a:t>
+            </a:r>
+            <a:r>
+              <a:rPr lang="en-US" altLang="ko-KR" dirty="0" smtClean="0"/>
+              <a:t>	&lt;</a:t>
+            </a:r>
+            <a:r>
+              <a:rPr lang="en-US" altLang="ko-KR" dirty="0" err="1" smtClean="0"/>
+              <a:t>ListView</a:t>
+            </a:r>
+            <a:endParaRPr lang="en-US" altLang="ko-KR" dirty="0" smtClean="0"/>
+          </a:p>
+          <a:p>
+            <a:pPr>
+              <a:buNone/>
+            </a:pPr>
+            <a:r>
+              <a:rPr lang="en-US" altLang="ko-KR" dirty="0" smtClean="0"/>
+              <a:t>	</a:t>
+            </a:r>
+            <a:r>
+              <a:rPr lang="en-US" altLang="ko-KR" dirty="0" smtClean="0"/>
+              <a:t>		</a:t>
+            </a:r>
+            <a:r>
+              <a:rPr lang="en-US" altLang="ko-KR" dirty="0" err="1" smtClean="0"/>
+              <a:t>android:id</a:t>
+            </a:r>
+            <a:r>
+              <a:rPr lang="en-US" altLang="ko-KR" dirty="0" smtClean="0"/>
+              <a:t>=“@+id/list”</a:t>
+            </a:r>
+          </a:p>
+          <a:p>
+            <a:pPr>
+              <a:buNone/>
+            </a:pPr>
+            <a:r>
+              <a:rPr lang="en-US" altLang="ko-KR" dirty="0" smtClean="0"/>
+              <a:t>	</a:t>
+            </a:r>
+            <a:r>
+              <a:rPr lang="en-US" altLang="ko-KR" dirty="0" smtClean="0"/>
+              <a:t>		.	.	.</a:t>
+            </a:r>
+          </a:p>
+          <a:p>
+            <a:pPr>
+              <a:buNone/>
+            </a:pPr>
+            <a:endParaRPr lang="en-US" altLang="ko-KR" dirty="0" smtClean="0"/>
           </a:p>
         </p:txBody>
       </p:sp>
@@ -5303,11 +5972,19 @@
           <a:p>
             <a:r>
               <a:rPr lang="en-US" altLang="ko-KR" dirty="0" smtClean="0"/>
-              <a:t>12.3 </a:t>
+              <a:t>12.1.2 </a:t>
             </a:r>
             <a:r>
               <a:rPr lang="ko-KR" altLang="en-US" dirty="0" err="1" smtClean="0"/>
-              <a:t>어댑터뷰</a:t>
+              <a:t>리스트뷰</a:t>
+            </a:r>
+            <a:r>
+              <a:rPr lang="ko-KR" altLang="en-US" dirty="0" smtClean="0"/>
+              <a:t> </a:t>
+            </a:r>
+            <a:r>
+              <a:rPr lang="en-US" altLang="ko-KR" dirty="0" smtClean="0"/>
+              <a:t>2</a:t>
             </a:r>
             <a:endParaRPr lang="ko-KR" altLang="en-US" dirty="0"/>
           </a:p>
@@ -5325,10 +6002,219 @@
         </p:nvSpPr>
         <p:spPr/>
         <p:txBody>
-          <a:bodyPr/>
-          <a:lstStyle/>
-          <a:p>
-            <a:endParaRPr lang="ko-KR" altLang="en-US"/>
+          <a:bodyPr>
+            <a:normAutofit fontScale="70000" lnSpcReduction="20000"/>
+          </a:bodyPr>
+          <a:lstStyle/>
+          <a:p>
+            <a:r>
+              <a:rPr lang="en-US" altLang="ko-KR" dirty="0" smtClean="0"/>
+              <a:t>Code</a:t>
+            </a:r>
+          </a:p>
+          <a:p>
+            <a:pPr>
+              <a:buNone/>
+            </a:pPr>
+            <a:r>
+              <a:rPr lang="en-US" altLang="ko-KR" dirty="0" smtClean="0"/>
+              <a:t>	</a:t>
+            </a:r>
+            <a:r>
+              <a:rPr lang="en-US" altLang="ko-KR" dirty="0" smtClean="0"/>
+              <a:t>// $Data</a:t>
+            </a:r>
+          </a:p>
+          <a:p>
+            <a:pPr>
+              <a:buNone/>
+            </a:pPr>
+            <a:r>
+              <a:rPr lang="en-US" altLang="ko-KR" dirty="0" smtClean="0"/>
+              <a:t>	</a:t>
+            </a:r>
+            <a:r>
+              <a:rPr lang="en-US" altLang="ko-KR" dirty="0" err="1" smtClean="0"/>
+              <a:t>ArrayList</a:t>
+            </a:r>
+            <a:r>
+              <a:rPr lang="en-US" altLang="ko-KR" dirty="0" smtClean="0"/>
+              <a:t>&lt;String&gt; list = new </a:t>
+            </a:r>
+            <a:r>
+              <a:rPr lang="en-US" altLang="ko-KR" dirty="0" err="1" smtClean="0"/>
+              <a:t>ArrayList</a:t>
+            </a:r>
+            <a:r>
+              <a:rPr lang="en-US" altLang="ko-KR" dirty="0" smtClean="0"/>
+              <a:t>&lt;String&gt;( ) ;</a:t>
+            </a:r>
+          </a:p>
+          <a:p>
+            <a:pPr>
+              <a:buNone/>
+            </a:pPr>
+            <a:r>
+              <a:rPr lang="en-US" altLang="ko-KR" dirty="0" smtClean="0"/>
+              <a:t>	</a:t>
+            </a:r>
+            <a:r>
+              <a:rPr lang="en-US" altLang="ko-KR" dirty="0" err="1" smtClean="0"/>
+              <a:t>list.add</a:t>
+            </a:r>
+            <a:r>
+              <a:rPr lang="en-US" altLang="ko-KR" dirty="0" smtClean="0"/>
+              <a:t>( “item1” ) ;</a:t>
+            </a:r>
+          </a:p>
+          <a:p>
+            <a:pPr>
+              <a:buNone/>
+            </a:pPr>
+            <a:r>
+              <a:rPr lang="en-US" altLang="ko-KR" dirty="0" smtClean="0"/>
+              <a:t>	</a:t>
+            </a:r>
+            <a:r>
+              <a:rPr lang="en-US" altLang="ko-KR" dirty="0" smtClean="0"/>
+              <a:t>.	.	.</a:t>
+            </a:r>
+          </a:p>
+          <a:p>
+            <a:pPr>
+              <a:buNone/>
+            </a:pPr>
+            <a:r>
+              <a:rPr lang="en-US" altLang="ko-KR" dirty="0" smtClean="0"/>
+              <a:t>	</a:t>
+            </a:r>
+            <a:r>
+              <a:rPr lang="en-US" altLang="ko-KR" dirty="0" smtClean="0"/>
+              <a:t>// $Adapter</a:t>
+            </a:r>
+          </a:p>
+          <a:p>
+            <a:pPr>
+              <a:buNone/>
+            </a:pPr>
+            <a:r>
+              <a:rPr lang="en-US" altLang="ko-KR" dirty="0" smtClean="0"/>
+              <a:t>	</a:t>
+            </a:r>
+            <a:r>
+              <a:rPr lang="en-US" altLang="ko-KR" dirty="0" err="1" smtClean="0"/>
+              <a:t>ArrayAdapter</a:t>
+            </a:r>
+            <a:r>
+              <a:rPr lang="en-US" altLang="ko-KR" dirty="0" smtClean="0"/>
+              <a:t>&lt;String&gt; adapter =</a:t>
+            </a:r>
+          </a:p>
+          <a:p>
+            <a:pPr>
+              <a:buNone/>
+            </a:pPr>
+            <a:r>
+              <a:rPr lang="en-US" altLang="ko-KR" dirty="0" smtClean="0"/>
+              <a:t>	</a:t>
+            </a:r>
+            <a:r>
+              <a:rPr lang="en-US" altLang="ko-KR" dirty="0" smtClean="0"/>
+              <a:t> new </a:t>
+            </a:r>
+            <a:r>
+              <a:rPr lang="en-US" altLang="ko-KR" dirty="0" err="1" smtClean="0"/>
+              <a:t>ArrayAdapter</a:t>
+            </a:r>
+            <a:r>
+              <a:rPr lang="en-US" altLang="ko-KR" dirty="0" smtClean="0"/>
+              <a:t>&lt;String&gt;( this, 	Android.R.layout.simple_list_item_1, list ) ;</a:t>
+            </a:r>
+          </a:p>
+          <a:p>
+            <a:pPr>
+              <a:buNone/>
+            </a:pPr>
+            <a:endParaRPr lang="en-US" altLang="ko-KR" dirty="0" smtClean="0"/>
+          </a:p>
+          <a:p>
+            <a:pPr>
+              <a:buNone/>
+            </a:pPr>
+            <a:r>
+              <a:rPr lang="en-US" altLang="ko-KR" dirty="0" smtClean="0"/>
+              <a:t>	</a:t>
+            </a:r>
+            <a:r>
+              <a:rPr lang="en-US" altLang="ko-KR" dirty="0" smtClean="0"/>
+              <a:t>// Connect $Adapter to $Data</a:t>
+            </a:r>
+          </a:p>
+          <a:p>
+            <a:pPr>
+              <a:buNone/>
+            </a:pPr>
+            <a:r>
+              <a:rPr lang="en-US" altLang="ko-KR" dirty="0" smtClean="0"/>
+              <a:t>	</a:t>
+            </a:r>
+            <a:r>
+              <a:rPr lang="en-US" altLang="ko-KR" dirty="0" err="1" smtClean="0"/>
+              <a:t>ListView</a:t>
+            </a:r>
+            <a:r>
+              <a:rPr lang="en-US" altLang="ko-KR" dirty="0" smtClean="0"/>
+              <a:t> </a:t>
+            </a:r>
+            <a:r>
+              <a:rPr lang="en-US" altLang="ko-KR" dirty="0" err="1" smtClean="0"/>
+              <a:t>listView</a:t>
+            </a:r>
+            <a:r>
+              <a:rPr lang="en-US" altLang="ko-KR" dirty="0" smtClean="0"/>
+              <a:t>=(</a:t>
+            </a:r>
+            <a:r>
+              <a:rPr lang="en-US" altLang="ko-KR" dirty="0" err="1" smtClean="0"/>
+              <a:t>ListView</a:t>
+            </a:r>
+            <a:r>
+              <a:rPr lang="en-US" altLang="ko-KR" dirty="0" smtClean="0"/>
+              <a:t>)</a:t>
+            </a:r>
+            <a:r>
+              <a:rPr lang="en-US" altLang="ko-KR" dirty="0" err="1" smtClean="0"/>
+              <a:t>findViewById</a:t>
+            </a:r>
+            <a:r>
+              <a:rPr lang="en-US" altLang="ko-KR" dirty="0" smtClean="0"/>
+              <a:t>(</a:t>
+            </a:r>
+            <a:r>
+              <a:rPr lang="en-US" altLang="ko-KR" dirty="0" err="1" smtClean="0"/>
+              <a:t>R.id.list</a:t>
+            </a:r>
+            <a:r>
+              <a:rPr lang="en-US" altLang="ko-KR" dirty="0" smtClean="0"/>
+              <a:t>);</a:t>
+            </a:r>
+          </a:p>
+          <a:p>
+            <a:pPr>
+              <a:buNone/>
+            </a:pPr>
+            <a:r>
+              <a:rPr lang="en-US" altLang="ko-KR" dirty="0" smtClean="0"/>
+              <a:t>	</a:t>
+            </a:r>
+            <a:r>
+              <a:rPr lang="en-US" altLang="ko-KR" dirty="0" err="1" smtClean="0"/>
+              <a:t>listView.setAdapter</a:t>
+            </a:r>
+            <a:r>
+              <a:rPr lang="en-US" altLang="ko-KR" dirty="0" smtClean="0"/>
+              <a:t>( adapter ) ;</a:t>
+            </a:r>
           </a:p>
         </p:txBody>
       </p:sp>
@@ -5374,11 +6260,19 @@
           <a:p>
             <a:r>
               <a:rPr lang="en-US" altLang="ko-KR" dirty="0" smtClean="0"/>
-              <a:t>12.3.1 </a:t>
+              <a:t>12.1.2 </a:t>
             </a:r>
             <a:r>
               <a:rPr lang="ko-KR" altLang="en-US" dirty="0" err="1" smtClean="0"/>
-              <a:t>스피너</a:t>
+              <a:t>리스트뷰</a:t>
+            </a:r>
+            <a:r>
+              <a:rPr lang="ko-KR" altLang="en-US" dirty="0" smtClean="0"/>
+              <a:t> </a:t>
+            </a:r>
+            <a:r>
+              <a:rPr lang="en-US" altLang="ko-KR" dirty="0" smtClean="0"/>
+              <a:t>3</a:t>
             </a:r>
             <a:endParaRPr lang="ko-KR" altLang="en-US" dirty="0"/>
           </a:p>
@@ -5399,7 +6293,85 @@
           <a:bodyPr/>
           <a:lstStyle/>
           <a:p>
-            <a:endParaRPr lang="ko-KR" altLang="en-US"/>
+            <a:r>
+              <a:rPr lang="en-US" altLang="ko-KR" dirty="0" err="1" smtClean="0"/>
+              <a:t>ArrayAdapter</a:t>
+            </a:r>
+            <a:r>
+              <a:rPr lang="en-US" altLang="ko-KR" dirty="0" smtClean="0"/>
+              <a:t>(Context </a:t>
+            </a:r>
+            <a:r>
+              <a:rPr lang="en-US" altLang="ko-KR" dirty="0" err="1" smtClean="0"/>
+              <a:t>context</a:t>
+            </a:r>
+            <a:r>
+              <a:rPr lang="en-US" altLang="ko-KR" dirty="0" smtClean="0"/>
+              <a:t>, </a:t>
+            </a:r>
+            <a:r>
+              <a:rPr lang="en-US" altLang="ko-KR" dirty="0" err="1" smtClean="0"/>
+              <a:t>int</a:t>
+            </a:r>
+            <a:r>
+              <a:rPr lang="en-US" altLang="ko-KR" dirty="0" smtClean="0"/>
+              <a:t> </a:t>
+            </a:r>
+            <a:r>
+              <a:rPr lang="en-US" altLang="ko-KR" dirty="0" err="1" smtClean="0"/>
+              <a:t>rcId</a:t>
+            </a:r>
+            <a:r>
+              <a:rPr lang="en-US" altLang="ko-KR" dirty="0" smtClean="0"/>
+              <a:t>, List&lt;T&gt;/T[ ] objects )</a:t>
+            </a:r>
+          </a:p>
+          <a:p>
+            <a:pPr lvl="1"/>
+            <a:r>
+              <a:rPr lang="en-US" altLang="ko-KR" dirty="0" smtClean="0"/>
+              <a:t> </a:t>
+            </a:r>
+            <a:r>
+              <a:rPr lang="en-US" altLang="ko-KR" dirty="0" smtClean="0"/>
+              <a:t>context : Activity</a:t>
+            </a:r>
+          </a:p>
+          <a:p>
+            <a:pPr lvl="1"/>
+            <a:r>
+              <a:rPr lang="en-US" altLang="ko-KR" dirty="0" smtClean="0"/>
+              <a:t> </a:t>
+            </a:r>
+            <a:r>
+              <a:rPr lang="en-US" altLang="ko-KR" dirty="0" err="1" smtClean="0"/>
+              <a:t>rcId</a:t>
+            </a:r>
+            <a:r>
+              <a:rPr lang="en-US" altLang="ko-KR" dirty="0" smtClean="0"/>
+              <a:t> : System-defined layout resource ID</a:t>
+            </a:r>
+          </a:p>
+          <a:p>
+            <a:pPr lvl="1"/>
+            <a:r>
+              <a:rPr lang="en-US" altLang="ko-KR" dirty="0" smtClean="0"/>
+              <a:t> </a:t>
+            </a:r>
+            <a:r>
+              <a:rPr lang="en-US" altLang="ko-KR" dirty="0" smtClean="0"/>
+              <a:t>objects </a:t>
+            </a:r>
+            <a:r>
+              <a:rPr lang="en-US" altLang="ko-KR" smtClean="0"/>
+              <a:t>: Data</a:t>
+            </a:r>
+          </a:p>
+          <a:p>
+            <a:pPr>
+              <a:buNone/>
+            </a:pPr>
+            <a:endParaRPr lang="en-US" altLang="ko-KR" smtClean="0"/>
           </a:p>
         </p:txBody>
       </p:sp>

--- a/Android/안드로이드 프로그래밍 정복/Chapter12 어댑터뷰.pptx
+++ b/Android/안드로이드 프로그래밍 정복/Chapter12 어댑터뷰.pptx
@@ -14,18 +14,20 @@
     <p:sldId id="261" r:id="rId8"/>
     <p:sldId id="275" r:id="rId9"/>
     <p:sldId id="276" r:id="rId10"/>
-    <p:sldId id="262" r:id="rId11"/>
-    <p:sldId id="263" r:id="rId12"/>
-    <p:sldId id="258" r:id="rId13"/>
-    <p:sldId id="259" r:id="rId14"/>
-    <p:sldId id="264" r:id="rId15"/>
-    <p:sldId id="265" r:id="rId16"/>
-    <p:sldId id="267" r:id="rId17"/>
-    <p:sldId id="268" r:id="rId18"/>
-    <p:sldId id="271" r:id="rId19"/>
-    <p:sldId id="266" r:id="rId20"/>
-    <p:sldId id="269" r:id="rId21"/>
-    <p:sldId id="270" r:id="rId22"/>
+    <p:sldId id="277" r:id="rId11"/>
+    <p:sldId id="278" r:id="rId12"/>
+    <p:sldId id="262" r:id="rId13"/>
+    <p:sldId id="263" r:id="rId14"/>
+    <p:sldId id="258" r:id="rId15"/>
+    <p:sldId id="259" r:id="rId16"/>
+    <p:sldId id="264" r:id="rId17"/>
+    <p:sldId id="265" r:id="rId18"/>
+    <p:sldId id="267" r:id="rId19"/>
+    <p:sldId id="268" r:id="rId20"/>
+    <p:sldId id="271" r:id="rId21"/>
+    <p:sldId id="266" r:id="rId22"/>
+    <p:sldId id="269" r:id="rId23"/>
+    <p:sldId id="270" r:id="rId24"/>
   </p:sldIdLst>
   <p:sldSz cx="9144000" cy="6858000" type="screen4x3"/>
   <p:notesSz cx="6858000" cy="9144000"/>
@@ -3169,11 +3171,19 @@
           <a:p>
             <a:r>
               <a:rPr lang="en-US" altLang="ko-KR" dirty="0" smtClean="0"/>
-              <a:t>12.1.3 </a:t>
+              <a:t>12.1.2 </a:t>
+            </a:r>
+            <a:r>
+              <a:rPr lang="ko-KR" altLang="en-US" dirty="0" err="1" smtClean="0"/>
+              <a:t>리스트뷰</a:t>
             </a:r>
             <a:r>
               <a:rPr lang="ko-KR" altLang="en-US" dirty="0" smtClean="0"/>
-              <a:t>항목 선택</a:t>
+              <a:t> </a:t>
+            </a:r>
+            <a:r>
+              <a:rPr lang="en-US" altLang="ko-KR" dirty="0" smtClean="0"/>
+              <a:t>4</a:t>
             </a:r>
             <a:endParaRPr lang="ko-KR" altLang="en-US" dirty="0"/>
           </a:p>
@@ -3194,7 +3204,15 @@
           <a:bodyPr/>
           <a:lstStyle/>
           <a:p>
-            <a:endParaRPr lang="ko-KR" altLang="en-US"/>
+            <a:r>
+              <a:rPr lang="en-US" altLang="ko-KR" dirty="0" smtClean="0"/>
+              <a:t>XML </a:t>
+            </a:r>
+            <a:r>
+              <a:rPr lang="ko-KR" altLang="en-US" dirty="0" smtClean="0"/>
+              <a:t>데이터 읽어오기</a:t>
+            </a:r>
+            <a:endParaRPr lang="ko-KR" altLang="en-US" dirty="0"/>
           </a:p>
         </p:txBody>
       </p:sp>
@@ -3240,11 +3258,19 @@
           <a:p>
             <a:r>
               <a:rPr lang="en-US" altLang="ko-KR" dirty="0" smtClean="0"/>
-              <a:t>12.1.4 </a:t>
+              <a:t>12.1.2 </a:t>
+            </a:r>
+            <a:r>
+              <a:rPr lang="ko-KR" altLang="en-US" dirty="0" err="1" smtClean="0"/>
+              <a:t>리스트뷰</a:t>
             </a:r>
             <a:r>
               <a:rPr lang="ko-KR" altLang="en-US" dirty="0" smtClean="0"/>
-              <a:t>항목 편집</a:t>
+              <a:t> </a:t>
+            </a:r>
+            <a:r>
+              <a:rPr lang="en-US" altLang="ko-KR" dirty="0" smtClean="0"/>
+              <a:t>5</a:t>
             </a:r>
             <a:endParaRPr lang="ko-KR" altLang="en-US" dirty="0"/>
           </a:p>
@@ -3265,6 +3291,14 @@
           <a:bodyPr/>
           <a:lstStyle/>
           <a:p>
+            <a:r>
+              <a:rPr lang="ko-KR" altLang="en-US" dirty="0" err="1" smtClean="0"/>
+              <a:t>리스트뷰의</a:t>
+            </a:r>
+            <a:r>
+              <a:rPr lang="ko-KR" altLang="en-US" dirty="0" smtClean="0"/>
+              <a:t> 속성</a:t>
+            </a:r>
             <a:endParaRPr lang="ko-KR" altLang="en-US" dirty="0"/>
           </a:p>
         </p:txBody>
@@ -3311,15 +3345,11 @@
           <a:p>
             <a:r>
               <a:rPr lang="en-US" altLang="ko-KR" dirty="0" smtClean="0"/>
-              <a:t>12.2 </a:t>
+              <a:t>12.1.3 </a:t>
             </a:r>
             <a:r>
               <a:rPr lang="ko-KR" altLang="en-US" dirty="0" smtClean="0"/>
-              <a:t>항목 </a:t>
-            </a:r>
-            <a:r>
-              <a:rPr lang="ko-KR" altLang="en-US" dirty="0" err="1" smtClean="0"/>
-              <a:t>뷰</a:t>
+              <a:t>항목 선택</a:t>
             </a:r>
             <a:endParaRPr lang="ko-KR" altLang="en-US" dirty="0"/>
           </a:p>
@@ -3386,11 +3416,11 @@
           <a:p>
             <a:r>
               <a:rPr lang="en-US" altLang="ko-KR" dirty="0" smtClean="0"/>
-              <a:t>12.3 </a:t>
-            </a:r>
-            <a:r>
-              <a:rPr lang="ko-KR" altLang="en-US" dirty="0" err="1" smtClean="0"/>
-              <a:t>어댑터뷰</a:t>
+              <a:t>12.1.4 </a:t>
+            </a:r>
+            <a:r>
+              <a:rPr lang="ko-KR" altLang="en-US" dirty="0" smtClean="0"/>
+              <a:t>항목 편집</a:t>
             </a:r>
             <a:endParaRPr lang="ko-KR" altLang="en-US" dirty="0"/>
           </a:p>
@@ -3411,7 +3441,7 @@
           <a:bodyPr/>
           <a:lstStyle/>
           <a:p>
-            <a:endParaRPr lang="ko-KR" altLang="en-US"/>
+            <a:endParaRPr lang="ko-KR" altLang="en-US" dirty="0"/>
           </a:p>
         </p:txBody>
       </p:sp>
@@ -3457,11 +3487,15 @@
           <a:p>
             <a:r>
               <a:rPr lang="en-US" altLang="ko-KR" dirty="0" smtClean="0"/>
-              <a:t>12.3.1 </a:t>
+              <a:t>12.2 </a:t>
+            </a:r>
+            <a:r>
+              <a:rPr lang="ko-KR" altLang="en-US" dirty="0" smtClean="0"/>
+              <a:t>항목 </a:t>
             </a:r>
             <a:r>
               <a:rPr lang="ko-KR" altLang="en-US" dirty="0" err="1" smtClean="0"/>
-              <a:t>스피너</a:t>
+              <a:t>뷰</a:t>
             </a:r>
             <a:endParaRPr lang="ko-KR" altLang="en-US" dirty="0"/>
           </a:p>
@@ -3528,11 +3562,11 @@
           <a:p>
             <a:r>
               <a:rPr lang="en-US" altLang="ko-KR" dirty="0" smtClean="0"/>
-              <a:t>12.3.2 </a:t>
+              <a:t>12.3 </a:t>
             </a:r>
             <a:r>
               <a:rPr lang="ko-KR" altLang="en-US" dirty="0" err="1" smtClean="0"/>
-              <a:t>그리드뷰</a:t>
+              <a:t>어댑터뷰</a:t>
             </a:r>
             <a:endParaRPr lang="ko-KR" altLang="en-US" dirty="0"/>
           </a:p>
@@ -3550,181 +3584,10 @@
         </p:nvSpPr>
         <p:spPr/>
         <p:txBody>
-          <a:bodyPr>
-            <a:normAutofit fontScale="92500" lnSpcReduction="10000"/>
-          </a:bodyPr>
-          <a:lstStyle/>
-          <a:p>
-            <a:r>
-              <a:rPr lang="ko-KR" altLang="en-US" dirty="0" smtClean="0"/>
-              <a:t>항목을 </a:t>
-            </a:r>
-            <a:r>
-              <a:rPr lang="en-US" altLang="ko-KR" dirty="0" smtClean="0"/>
-              <a:t>2</a:t>
-            </a:r>
-            <a:r>
-              <a:rPr lang="ko-KR" altLang="en-US" dirty="0" smtClean="0"/>
-              <a:t>차원 표 형태로 출력하는 </a:t>
-            </a:r>
-            <a:r>
-              <a:rPr lang="ko-KR" altLang="en-US" dirty="0" err="1" smtClean="0"/>
-              <a:t>위젯</a:t>
-            </a:r>
-            <a:endParaRPr lang="en-US" altLang="ko-KR" dirty="0" smtClean="0"/>
-          </a:p>
-          <a:p>
-            <a:endParaRPr lang="en-US" altLang="ko-KR" dirty="0" smtClean="0"/>
-          </a:p>
-          <a:p>
-            <a:r>
-              <a:rPr lang="en-US" altLang="ko-KR" dirty="0" smtClean="0"/>
-              <a:t>Layout </a:t>
-            </a:r>
-          </a:p>
-          <a:p>
-            <a:pPr lvl="1"/>
-            <a:r>
-              <a:rPr lang="en-US" altLang="ko-KR" dirty="0" smtClean="0"/>
-              <a:t>&lt;</a:t>
-            </a:r>
-            <a:r>
-              <a:rPr lang="en-US" altLang="ko-KR" b="1" dirty="0" err="1" smtClean="0">
-                <a:solidFill>
-                  <a:schemeClr val="accent6">
-                    <a:lumMod val="75000"/>
-                  </a:schemeClr>
-                </a:solidFill>
-              </a:rPr>
-              <a:t>GridView</a:t>
-            </a:r>
-            <a:r>
-              <a:rPr lang="en-US" altLang="ko-KR" dirty="0" smtClean="0"/>
-              <a:t> . . .</a:t>
-            </a:r>
-          </a:p>
-          <a:p>
-            <a:pPr>
-              <a:buNone/>
-            </a:pPr>
-            <a:r>
-              <a:rPr lang="en-US" altLang="ko-KR" dirty="0" smtClean="0"/>
-              <a:t>		</a:t>
-            </a:r>
-            <a:r>
-              <a:rPr lang="en-US" altLang="ko-KR" dirty="0" err="1" smtClean="0"/>
-              <a:t>android:</a:t>
-            </a:r>
-            <a:r>
-              <a:rPr lang="en-US" altLang="ko-KR" b="1" dirty="0" err="1" smtClean="0">
-                <a:solidFill>
-                  <a:schemeClr val="accent3">
-                    <a:lumMod val="50000"/>
-                  </a:schemeClr>
-                </a:solidFill>
-              </a:rPr>
-              <a:t>numColumns</a:t>
-            </a:r>
-            <a:r>
-              <a:rPr lang="en-US" altLang="ko-KR" dirty="0" smtClean="0"/>
-              <a:t>=“</a:t>
-            </a:r>
-            <a:r>
-              <a:rPr lang="en-US" altLang="ko-KR" dirty="0" err="1" smtClean="0"/>
-              <a:t>auto_fit</a:t>
-            </a:r>
-            <a:r>
-              <a:rPr lang="en-US" altLang="ko-KR" dirty="0" smtClean="0"/>
-              <a:t>”</a:t>
-            </a:r>
-          </a:p>
-          <a:p>
-            <a:pPr>
-              <a:buNone/>
-            </a:pPr>
-            <a:r>
-              <a:rPr lang="en-US" altLang="ko-KR" dirty="0" smtClean="0"/>
-              <a:t>		</a:t>
-            </a:r>
-            <a:r>
-              <a:rPr lang="en-US" altLang="ko-KR" dirty="0" err="1" smtClean="0"/>
-              <a:t>android:</a:t>
-            </a:r>
-            <a:r>
-              <a:rPr lang="en-US" altLang="ko-KR" b="1" dirty="0" err="1" smtClean="0">
-                <a:solidFill>
-                  <a:schemeClr val="accent3">
-                    <a:lumMod val="50000"/>
-                  </a:schemeClr>
-                </a:solidFill>
-              </a:rPr>
-              <a:t>columnWidth</a:t>
-            </a:r>
-            <a:r>
-              <a:rPr lang="en-US" altLang="ko-KR" dirty="0" smtClean="0"/>
-              <a:t>=“72dip”</a:t>
-            </a:r>
-          </a:p>
-          <a:p>
-            <a:pPr>
-              <a:buNone/>
-            </a:pPr>
-            <a:r>
-              <a:rPr lang="en-US" altLang="ko-KR" dirty="0" smtClean="0"/>
-              <a:t>		</a:t>
-            </a:r>
-            <a:r>
-              <a:rPr lang="en-US" altLang="ko-KR" dirty="0" err="1" smtClean="0"/>
-              <a:t>android:</a:t>
-            </a:r>
-            <a:r>
-              <a:rPr lang="en-US" altLang="ko-KR" b="1" dirty="0" err="1" smtClean="0">
-                <a:solidFill>
-                  <a:schemeClr val="accent3">
-                    <a:lumMod val="50000"/>
-                  </a:schemeClr>
-                </a:solidFill>
-              </a:rPr>
-              <a:t>stretchMode</a:t>
-            </a:r>
-            <a:r>
-              <a:rPr lang="en-US" altLang="ko-KR" dirty="0" smtClean="0"/>
-              <a:t>=“</a:t>
-            </a:r>
-            <a:r>
-              <a:rPr lang="en-US" altLang="ko-KR" dirty="0" err="1" smtClean="0"/>
-              <a:t>columnWidth</a:t>
-            </a:r>
-            <a:r>
-              <a:rPr lang="en-US" altLang="ko-KR" dirty="0" smtClean="0"/>
-              <a:t>”</a:t>
-            </a:r>
-          </a:p>
-          <a:p>
-            <a:pPr>
-              <a:buNone/>
-            </a:pPr>
-            <a:r>
-              <a:rPr lang="en-US" altLang="ko-KR" dirty="0" smtClean="0"/>
-              <a:t>		</a:t>
-            </a:r>
-            <a:r>
-              <a:rPr lang="en-US" altLang="ko-KR" dirty="0" err="1" smtClean="0"/>
-              <a:t>android:gravity</a:t>
-            </a:r>
-            <a:r>
-              <a:rPr lang="en-US" altLang="ko-KR" dirty="0" smtClean="0"/>
-              <a:t>=“center”</a:t>
-            </a:r>
-          </a:p>
-          <a:p>
-            <a:pPr>
-              <a:buNone/>
-            </a:pPr>
-            <a:r>
-              <a:rPr lang="en-US" altLang="ko-KR" dirty="0" smtClean="0"/>
-              <a:t>		/&gt;</a:t>
-            </a:r>
+          <a:bodyPr/>
+          <a:lstStyle/>
+          <a:p>
+            <a:endParaRPr lang="ko-KR" altLang="en-US"/>
           </a:p>
         </p:txBody>
       </p:sp>
@@ -3733,13 +3596,6 @@
   <p:clrMapOvr>
     <a:masterClrMapping/>
   </p:clrMapOvr>
-  <p:timing>
-    <p:tnLst>
-      <p:par>
-        <p:cTn id="1" dur="indefinite" restart="never" nodeType="tmRoot"/>
-      </p:par>
-    </p:tnLst>
-  </p:timing>
 </p:sld>
 </file>
 
@@ -3777,19 +3633,11 @@
           <a:p>
             <a:r>
               <a:rPr lang="en-US" altLang="ko-KR" dirty="0" smtClean="0"/>
-              <a:t>13.3.2 </a:t>
+              <a:t>12.3.1 </a:t>
             </a:r>
             <a:r>
               <a:rPr lang="ko-KR" altLang="en-US" dirty="0" err="1" smtClean="0"/>
-              <a:t>그리드뷰</a:t>
-            </a:r>
-            <a:r>
-              <a:rPr lang="ko-KR" altLang="en-US" dirty="0" smtClean="0"/>
-              <a:t> </a:t>
-            </a:r>
-            <a:r>
-              <a:rPr lang="en-US" altLang="ko-KR" dirty="0" smtClean="0"/>
-              <a:t>2</a:t>
+              <a:t>스피너</a:t>
             </a:r>
             <a:endParaRPr lang="ko-KR" altLang="en-US" dirty="0"/>
           </a:p>
@@ -3807,183 +3655,10 @@
         </p:nvSpPr>
         <p:spPr/>
         <p:txBody>
-          <a:bodyPr>
-            <a:normAutofit fontScale="85000" lnSpcReduction="20000"/>
-          </a:bodyPr>
-          <a:lstStyle/>
-          <a:p>
-            <a:pPr>
-              <a:buNone/>
-            </a:pPr>
-            <a:r>
-              <a:rPr lang="en-US" altLang="ko-KR" dirty="0" smtClean="0"/>
-              <a:t>	</a:t>
-            </a:r>
-            <a:r>
-              <a:rPr lang="en-US" altLang="ko-KR" dirty="0" err="1" smtClean="0"/>
-              <a:t>GridView</a:t>
-            </a:r>
-            <a:r>
-              <a:rPr lang="en-US" altLang="ko-KR" dirty="0" smtClean="0"/>
-              <a:t> grid=(</a:t>
-            </a:r>
-            <a:r>
-              <a:rPr lang="en-US" altLang="ko-KR" dirty="0" err="1" smtClean="0"/>
-              <a:t>GridView</a:t>
-            </a:r>
-            <a:r>
-              <a:rPr lang="en-US" altLang="ko-KR" dirty="0" smtClean="0"/>
-              <a:t>)</a:t>
-            </a:r>
-            <a:r>
-              <a:rPr lang="en-US" altLang="ko-KR" dirty="0" err="1" smtClean="0"/>
-              <a:t>findViewByID</a:t>
-            </a:r>
-            <a:r>
-              <a:rPr lang="en-US" altLang="ko-KR" dirty="0" smtClean="0"/>
-              <a:t>(…</a:t>
-            </a:r>
-          </a:p>
-          <a:p>
-            <a:pPr>
-              <a:buNone/>
-            </a:pPr>
-            <a:r>
-              <a:rPr lang="en-US" altLang="ko-KR" dirty="0" smtClean="0"/>
-              <a:t>	</a:t>
-            </a:r>
-          </a:p>
-          <a:p>
-            <a:pPr>
-              <a:buNone/>
-            </a:pPr>
-            <a:r>
-              <a:rPr lang="en-US" altLang="ko-KR" dirty="0" smtClean="0"/>
-              <a:t>	</a:t>
-            </a:r>
-            <a:r>
-              <a:rPr lang="en-US" altLang="ko-KR" dirty="0" err="1" smtClean="0"/>
-              <a:t>ImageAdapter</a:t>
-            </a:r>
-            <a:r>
-              <a:rPr lang="en-US" altLang="ko-KR" dirty="0" smtClean="0"/>
-              <a:t> adapter=new </a:t>
-            </a:r>
-            <a:r>
-              <a:rPr lang="en-US" altLang="ko-KR" dirty="0" err="1" smtClean="0"/>
-              <a:t>ImageAdapter</a:t>
-            </a:r>
-            <a:r>
-              <a:rPr lang="en-US" altLang="ko-KR" dirty="0" smtClean="0"/>
-              <a:t>(this)</a:t>
-            </a:r>
-          </a:p>
-          <a:p>
-            <a:pPr>
-              <a:buNone/>
-            </a:pPr>
-            <a:r>
-              <a:rPr lang="en-US" altLang="ko-KR" dirty="0" smtClean="0"/>
-              <a:t>	</a:t>
-            </a:r>
-          </a:p>
-          <a:p>
-            <a:pPr>
-              <a:buNone/>
-            </a:pPr>
-            <a:r>
-              <a:rPr lang="en-US" altLang="ko-KR" dirty="0" smtClean="0"/>
-              <a:t>	</a:t>
-            </a:r>
-            <a:r>
-              <a:rPr lang="en-US" altLang="ko-KR" dirty="0" err="1" smtClean="0"/>
-              <a:t>grid.setAdapter</a:t>
-            </a:r>
-            <a:r>
-              <a:rPr lang="en-US" altLang="ko-KR" dirty="0" smtClean="0"/>
-              <a:t>( adapter )</a:t>
-            </a:r>
-          </a:p>
-          <a:p>
-            <a:pPr>
-              <a:buNone/>
-            </a:pPr>
-            <a:r>
-              <a:rPr lang="en-US" altLang="ko-KR" dirty="0" smtClean="0"/>
-              <a:t>	</a:t>
-            </a:r>
-          </a:p>
-          <a:p>
-            <a:pPr>
-              <a:buNone/>
-            </a:pPr>
-            <a:r>
-              <a:rPr lang="en-US" altLang="ko-KR" dirty="0" smtClean="0"/>
-              <a:t>	</a:t>
-            </a:r>
-            <a:r>
-              <a:rPr lang="en-US" altLang="ko-KR" dirty="0" err="1" smtClean="0"/>
-              <a:t>grid.setOnItemClickListener</a:t>
-            </a:r>
-            <a:r>
-              <a:rPr lang="en-US" altLang="ko-KR" dirty="0" smtClean="0"/>
-              <a:t>(new</a:t>
-            </a:r>
-          </a:p>
-          <a:p>
-            <a:pPr>
-              <a:buNone/>
-            </a:pPr>
-            <a:r>
-              <a:rPr lang="en-US" altLang="ko-KR" dirty="0" smtClean="0"/>
-              <a:t>		</a:t>
-            </a:r>
-            <a:r>
-              <a:rPr lang="en-US" altLang="ko-KR" dirty="0" err="1" smtClean="0"/>
-              <a:t>OnItemClickListener</a:t>
-            </a:r>
-            <a:r>
-              <a:rPr lang="en-US" altLang="ko-KR" dirty="0" smtClean="0"/>
-              <a:t>( ) {</a:t>
-            </a:r>
-          </a:p>
-          <a:p>
-            <a:pPr>
-              <a:buNone/>
-            </a:pPr>
-            <a:r>
-              <a:rPr lang="en-US" altLang="ko-KR" dirty="0" smtClean="0"/>
-              <a:t>			public void </a:t>
-            </a:r>
-            <a:r>
-              <a:rPr lang="en-US" altLang="ko-KR" dirty="0" err="1" smtClean="0"/>
-              <a:t>onItemClick</a:t>
-            </a:r>
-            <a:r>
-              <a:rPr lang="en-US" altLang="ko-KR" dirty="0" smtClean="0"/>
-              <a:t>( . . . ) {</a:t>
-            </a:r>
-          </a:p>
-          <a:p>
-            <a:pPr>
-              <a:buNone/>
-            </a:pPr>
-            <a:r>
-              <a:rPr lang="en-US" altLang="ko-KR" dirty="0" smtClean="0"/>
-              <a:t>			.	.	.</a:t>
-            </a:r>
-          </a:p>
-          <a:p>
-            <a:pPr>
-              <a:buNone/>
-            </a:pPr>
-            <a:endParaRPr lang="en-US" altLang="ko-KR" dirty="0" smtClean="0"/>
-          </a:p>
-          <a:p>
-            <a:pPr>
-              <a:buNone/>
-            </a:pPr>
-            <a:endParaRPr lang="ko-KR" altLang="en-US" dirty="0"/>
+          <a:bodyPr/>
+          <a:lstStyle/>
+          <a:p>
+            <a:endParaRPr lang="ko-KR" altLang="en-US"/>
           </a:p>
         </p:txBody>
       </p:sp>
@@ -3992,13 +3667,6 @@
   <p:clrMapOvr>
     <a:masterClrMapping/>
   </p:clrMapOvr>
-  <p:timing>
-    <p:tnLst>
-      <p:par>
-        <p:cTn id="1" dur="indefinite" restart="never" nodeType="tmRoot"/>
-      </p:par>
-    </p:tnLst>
-  </p:timing>
 </p:sld>
 </file>
 
@@ -4036,63 +3704,79 @@
           <a:p>
             <a:r>
               <a:rPr lang="en-US" altLang="ko-KR" dirty="0" smtClean="0"/>
-              <a:t>13.3.2 </a:t>
+              <a:t>12.3.2 </a:t>
             </a:r>
             <a:r>
               <a:rPr lang="ko-KR" altLang="en-US" dirty="0" err="1" smtClean="0"/>
               <a:t>그리드뷰</a:t>
             </a:r>
+            <a:endParaRPr lang="ko-KR" altLang="en-US" dirty="0"/>
+          </a:p>
+        </p:txBody>
+      </p:sp>
+      <p:sp>
+        <p:nvSpPr>
+          <p:cNvPr id="3" name="내용 개체 틀 2"/>
+          <p:cNvSpPr>
+            <a:spLocks noGrp="1"/>
+          </p:cNvSpPr>
+          <p:nvPr>
+            <p:ph idx="1"/>
+          </p:nvPr>
+        </p:nvSpPr>
+        <p:spPr/>
+        <p:txBody>
+          <a:bodyPr>
+            <a:normAutofit fontScale="92500" lnSpcReduction="10000"/>
+          </a:bodyPr>
+          <a:lstStyle/>
+          <a:p>
             <a:r>
               <a:rPr lang="ko-KR" altLang="en-US" dirty="0" smtClean="0"/>
-              <a:t> </a:t>
-            </a:r>
-            <a:r>
-              <a:rPr lang="en-US" altLang="ko-KR" dirty="0" smtClean="0"/>
-              <a:t>3</a:t>
-            </a:r>
-            <a:endParaRPr lang="ko-KR" altLang="en-US" dirty="0"/>
-          </a:p>
-        </p:txBody>
-      </p:sp>
-      <p:sp>
-        <p:nvSpPr>
-          <p:cNvPr id="3" name="내용 개체 틀 2"/>
-          <p:cNvSpPr>
-            <a:spLocks noGrp="1"/>
-          </p:cNvSpPr>
-          <p:nvPr>
-            <p:ph idx="1"/>
-          </p:nvPr>
-        </p:nvSpPr>
-        <p:spPr/>
-        <p:txBody>
-          <a:bodyPr>
-            <a:normAutofit fontScale="92500"/>
-          </a:bodyPr>
-          <a:lstStyle/>
-          <a:p>
-            <a:pPr>
-              <a:buNone/>
-            </a:pPr>
-            <a:r>
-              <a:rPr lang="en-US" altLang="ko-KR" dirty="0" smtClean="0"/>
-              <a:t>	class </a:t>
-            </a:r>
-            <a:r>
-              <a:rPr lang="en-US" altLang="ko-KR" dirty="0" err="1" smtClean="0"/>
-              <a:t>ImageAdapter</a:t>
-            </a:r>
-            <a:r>
-              <a:rPr lang="en-US" altLang="ko-KR" dirty="0" smtClean="0"/>
-              <a:t> extends </a:t>
-            </a:r>
-            <a:r>
-              <a:rPr lang="en-US" altLang="ko-KR" dirty="0" err="1" smtClean="0"/>
-              <a:t>BaseAdapter</a:t>
-            </a:r>
-            <a:r>
-              <a:rPr lang="en-US" altLang="ko-KR" dirty="0" smtClean="0"/>
-              <a:t> {</a:t>
+              <a:t>항목을 </a:t>
+            </a:r>
+            <a:r>
+              <a:rPr lang="en-US" altLang="ko-KR" dirty="0" smtClean="0"/>
+              <a:t>2</a:t>
+            </a:r>
+            <a:r>
+              <a:rPr lang="ko-KR" altLang="en-US" dirty="0" smtClean="0"/>
+              <a:t>차원 표 형태로 출력하는 </a:t>
+            </a:r>
+            <a:r>
+              <a:rPr lang="ko-KR" altLang="en-US" dirty="0" err="1" smtClean="0"/>
+              <a:t>위젯</a:t>
+            </a:r>
+            <a:endParaRPr lang="en-US" altLang="ko-KR" dirty="0" smtClean="0"/>
+          </a:p>
+          <a:p>
+            <a:endParaRPr lang="en-US" altLang="ko-KR" dirty="0" smtClean="0"/>
+          </a:p>
+          <a:p>
+            <a:r>
+              <a:rPr lang="en-US" altLang="ko-KR" dirty="0" smtClean="0"/>
+              <a:t>Layout </a:t>
+            </a:r>
+          </a:p>
+          <a:p>
+            <a:pPr lvl="1"/>
+            <a:r>
+              <a:rPr lang="en-US" altLang="ko-KR" dirty="0" smtClean="0"/>
+              <a:t>&lt;</a:t>
+            </a:r>
+            <a:r>
+              <a:rPr lang="en-US" altLang="ko-KR" b="1" dirty="0" err="1" smtClean="0">
+                <a:solidFill>
+                  <a:schemeClr val="accent6">
+                    <a:lumMod val="75000"/>
+                  </a:schemeClr>
+                </a:solidFill>
+              </a:rPr>
+              <a:t>GridView</a:t>
+            </a:r>
+            <a:r>
+              <a:rPr lang="en-US" altLang="ko-KR" dirty="0" smtClean="0"/>
+              <a:t> . . .</a:t>
             </a:r>
           </a:p>
           <a:p>
@@ -4105,11 +3789,29 @@
             </a:r>
             <a:r>
               <a:rPr lang="en-US" altLang="ko-KR" dirty="0" err="1" smtClean="0"/>
-              <a:t>getCount</a:t>
-            </a:r>
-            <a:r>
-              <a:rPr lang="en-US" altLang="ko-KR" dirty="0" smtClean="0"/>
-              <a:t>( ) { 	.	.	.</a:t>
+              <a:t>android:</a:t>
+            </a:r>
+            <a:r>
+              <a:rPr lang="en-US" altLang="ko-KR" b="1" dirty="0" err="1" smtClean="0">
+                <a:solidFill>
+                  <a:schemeClr val="accent3">
+                    <a:lumMod val="50000"/>
+                  </a:schemeClr>
+                </a:solidFill>
+              </a:rPr>
+              <a:t>numColumns</a:t>
+            </a:r>
+            <a:r>
+              <a:rPr lang="en-US" altLang="ko-KR" dirty="0" smtClean="0"/>
+              <a:t>=“</a:t>
+            </a:r>
+            <a:r>
+              <a:rPr lang="en-US" altLang="ko-KR" dirty="0" err="1" smtClean="0"/>
+              <a:t>auto_fit</a:t>
+            </a:r>
+            <a:r>
+              <a:rPr lang="en-US" altLang="ko-KR" dirty="0" smtClean="0"/>
+              <a:t>”</a:t>
             </a:r>
           </a:p>
           <a:p>
@@ -4120,6 +3822,24 @@
               <a:rPr lang="en-US" altLang="ko-KR" dirty="0" smtClean="0"/>
               <a:t>		</a:t>
             </a:r>
+            <a:r>
+              <a:rPr lang="en-US" altLang="ko-KR" dirty="0" err="1" smtClean="0"/>
+              <a:t>android:</a:t>
+            </a:r>
+            <a:r>
+              <a:rPr lang="en-US" altLang="ko-KR" b="1" dirty="0" err="1" smtClean="0">
+                <a:solidFill>
+                  <a:schemeClr val="accent3">
+                    <a:lumMod val="50000"/>
+                  </a:schemeClr>
+                </a:solidFill>
+              </a:rPr>
+              <a:t>columnWidth</a:t>
+            </a:r>
+            <a:r>
+              <a:rPr lang="en-US" altLang="ko-KR" dirty="0" smtClean="0"/>
+              <a:t>=“72dip”</a:t>
+            </a:r>
           </a:p>
           <a:p>
             <a:pPr>
@@ -4131,19 +3851,29 @@
             </a:r>
             <a:r>
               <a:rPr lang="en-US" altLang="ko-KR" dirty="0" err="1" smtClean="0"/>
-              <a:t>getItem</a:t>
-            </a:r>
-            <a:r>
-              <a:rPr lang="en-US" altLang="ko-KR" dirty="0" smtClean="0"/>
-              <a:t>( </a:t>
-            </a:r>
-            <a:r>
-              <a:rPr lang="en-US" altLang="ko-KR" dirty="0" err="1" smtClean="0"/>
-              <a:t>int</a:t>
-            </a:r>
-            <a:r>
-              <a:rPr lang="en-US" altLang="ko-KR" dirty="0" smtClean="0"/>
-              <a:t> pos ) {	.	.	.</a:t>
+              <a:t>android:</a:t>
+            </a:r>
+            <a:r>
+              <a:rPr lang="en-US" altLang="ko-KR" b="1" dirty="0" err="1" smtClean="0">
+                <a:solidFill>
+                  <a:schemeClr val="accent3">
+                    <a:lumMod val="50000"/>
+                  </a:schemeClr>
+                </a:solidFill>
+              </a:rPr>
+              <a:t>stretchMode</a:t>
+            </a:r>
+            <a:r>
+              <a:rPr lang="en-US" altLang="ko-KR" dirty="0" smtClean="0"/>
+              <a:t>=“</a:t>
+            </a:r>
+            <a:r>
+              <a:rPr lang="en-US" altLang="ko-KR" dirty="0" err="1" smtClean="0"/>
+              <a:t>columnWidth</a:t>
+            </a:r>
+            <a:r>
+              <a:rPr lang="en-US" altLang="ko-KR" dirty="0" smtClean="0"/>
+              <a:t>”</a:t>
             </a:r>
           </a:p>
           <a:p>
@@ -4154,58 +3884,23 @@
               <a:rPr lang="en-US" altLang="ko-KR" dirty="0" smtClean="0"/>
               <a:t>		</a:t>
             </a:r>
-          </a:p>
-          <a:p>
-            <a:pPr>
-              <a:buNone/>
-            </a:pPr>
-            <a:r>
-              <a:rPr lang="en-US" altLang="ko-KR" dirty="0" smtClean="0"/>
-              <a:t>		</a:t>
-            </a:r>
-            <a:r>
-              <a:rPr lang="en-US" altLang="ko-KR" dirty="0" err="1" smtClean="0"/>
-              <a:t>getItemId</a:t>
-            </a:r>
-            <a:r>
-              <a:rPr lang="en-US" altLang="ko-KR" dirty="0" smtClean="0"/>
-              <a:t>( </a:t>
-            </a:r>
-            <a:r>
-              <a:rPr lang="en-US" altLang="ko-KR" dirty="0" err="1" smtClean="0"/>
-              <a:t>int</a:t>
-            </a:r>
-            <a:r>
-              <a:rPr lang="en-US" altLang="ko-KR" dirty="0" smtClean="0"/>
-              <a:t> pos ) { .	.	.</a:t>
-            </a:r>
-          </a:p>
-          <a:p>
-            <a:pPr>
-              <a:buNone/>
-            </a:pPr>
-            <a:r>
-              <a:rPr lang="en-US" altLang="ko-KR" dirty="0" smtClean="0"/>
-              <a:t>	</a:t>
-            </a:r>
-          </a:p>
-          <a:p>
-            <a:pPr>
-              <a:buNone/>
-            </a:pPr>
-            <a:r>
-              <a:rPr lang="en-US" altLang="ko-KR" dirty="0" smtClean="0"/>
-              <a:t>		</a:t>
-            </a:r>
-            <a:r>
-              <a:rPr lang="en-US" altLang="ko-KR" dirty="0" err="1" smtClean="0"/>
-              <a:t>getView</a:t>
-            </a:r>
-            <a:r>
-              <a:rPr lang="en-US" altLang="ko-KR" dirty="0" smtClean="0"/>
-              <a:t>(	.	.	.</a:t>
-            </a:r>
-            <a:endParaRPr lang="ko-KR" altLang="en-US" dirty="0" smtClean="0"/>
+            <a:r>
+              <a:rPr lang="en-US" altLang="ko-KR" dirty="0" err="1" smtClean="0"/>
+              <a:t>android:gravity</a:t>
+            </a:r>
+            <a:r>
+              <a:rPr lang="en-US" altLang="ko-KR" dirty="0" smtClean="0"/>
+              <a:t>=“center”</a:t>
+            </a:r>
+          </a:p>
+          <a:p>
+            <a:pPr>
+              <a:buNone/>
+            </a:pPr>
+            <a:r>
+              <a:rPr lang="en-US" altLang="ko-KR" dirty="0" smtClean="0"/>
+              <a:t>		/&gt;</a:t>
+            </a:r>
           </a:p>
         </p:txBody>
       </p:sp>
@@ -4270,7 +3965,7 @@
             </a:r>
             <a:r>
               <a:rPr lang="en-US" altLang="ko-KR" dirty="0" smtClean="0"/>
-              <a:t>4</a:t>
+              <a:t>2</a:t>
             </a:r>
             <a:endParaRPr lang="ko-KR" altLang="en-US" dirty="0"/>
           </a:p>
@@ -4289,7 +3984,7 @@
         <p:spPr/>
         <p:txBody>
           <a:bodyPr>
-            <a:normAutofit fontScale="62500" lnSpcReduction="20000"/>
+            <a:normAutofit fontScale="85000" lnSpcReduction="20000"/>
           </a:bodyPr>
           <a:lstStyle/>
           <a:p>
@@ -4297,71 +3992,118 @@
               <a:buNone/>
             </a:pPr>
             <a:r>
-              <a:rPr lang="en-US" altLang="ko-KR" dirty="0" err="1" smtClean="0"/>
-              <a:t>ImageAdapter.getView</a:t>
-            </a:r>
-            <a:r>
-              <a:rPr lang="en-US" altLang="ko-KR" dirty="0" smtClean="0"/>
-              <a:t>(</a:t>
-            </a:r>
-          </a:p>
-          <a:p>
-            <a:pPr>
-              <a:buNone/>
-            </a:pPr>
-            <a:r>
               <a:rPr lang="en-US" altLang="ko-KR" dirty="0" smtClean="0"/>
               <a:t>	</a:t>
             </a:r>
             <a:r>
               <a:rPr lang="en-US" altLang="ko-KR" dirty="0" err="1" smtClean="0"/>
-              <a:t>int</a:t>
-            </a:r>
-            <a:r>
-              <a:rPr lang="en-US" altLang="ko-KR" dirty="0" smtClean="0"/>
-              <a:t> pos, View </a:t>
-            </a:r>
-            <a:r>
-              <a:rPr lang="en-US" altLang="ko-KR" dirty="0" err="1" smtClean="0"/>
-              <a:t>cv</a:t>
-            </a:r>
-            <a:r>
-              <a:rPr lang="en-US" altLang="ko-KR" dirty="0" smtClean="0"/>
-              <a:t>, </a:t>
-            </a:r>
-            <a:r>
-              <a:rPr lang="en-US" altLang="ko-KR" dirty="0" err="1" smtClean="0"/>
-              <a:t>ViewGroup</a:t>
-            </a:r>
-            <a:r>
-              <a:rPr lang="en-US" altLang="ko-KR" dirty="0" smtClean="0"/>
-              <a:t> vg) {</a:t>
-            </a:r>
-          </a:p>
-          <a:p>
-            <a:pPr>
-              <a:buNone/>
-            </a:pPr>
-            <a:r>
-              <a:rPr lang="en-US" altLang="ko-KR" dirty="0" smtClean="0"/>
-              <a:t>	if(</a:t>
-            </a:r>
-            <a:r>
-              <a:rPr lang="en-US" altLang="ko-KR" dirty="0" err="1" smtClean="0"/>
-              <a:t>cv</a:t>
-            </a:r>
-            <a:r>
-              <a:rPr lang="en-US" altLang="ko-KR" dirty="0" smtClean="0"/>
-              <a:t>==null) {</a:t>
-            </a:r>
-          </a:p>
-          <a:p>
-            <a:pPr>
-              <a:buNone/>
-            </a:pPr>
-            <a:r>
-              <a:rPr lang="en-US" altLang="ko-KR" dirty="0" smtClean="0"/>
-              <a:t>		.	.	.</a:t>
+              <a:t>GridView</a:t>
+            </a:r>
+            <a:r>
+              <a:rPr lang="en-US" altLang="ko-KR" dirty="0" smtClean="0"/>
+              <a:t> grid=(</a:t>
+            </a:r>
+            <a:r>
+              <a:rPr lang="en-US" altLang="ko-KR" dirty="0" err="1" smtClean="0"/>
+              <a:t>GridView</a:t>
+            </a:r>
+            <a:r>
+              <a:rPr lang="en-US" altLang="ko-KR" dirty="0" smtClean="0"/>
+              <a:t>)</a:t>
+            </a:r>
+            <a:r>
+              <a:rPr lang="en-US" altLang="ko-KR" dirty="0" err="1" smtClean="0"/>
+              <a:t>findViewByID</a:t>
+            </a:r>
+            <a:r>
+              <a:rPr lang="en-US" altLang="ko-KR" dirty="0" smtClean="0"/>
+              <a:t>(…</a:t>
+            </a:r>
+          </a:p>
+          <a:p>
+            <a:pPr>
+              <a:buNone/>
+            </a:pPr>
+            <a:r>
+              <a:rPr lang="en-US" altLang="ko-KR" dirty="0" smtClean="0"/>
+              <a:t>	</a:t>
+            </a:r>
+          </a:p>
+          <a:p>
+            <a:pPr>
+              <a:buNone/>
+            </a:pPr>
+            <a:r>
+              <a:rPr lang="en-US" altLang="ko-KR" dirty="0" smtClean="0"/>
+              <a:t>	</a:t>
+            </a:r>
+            <a:r>
+              <a:rPr lang="en-US" altLang="ko-KR" dirty="0" err="1" smtClean="0"/>
+              <a:t>ImageAdapter</a:t>
+            </a:r>
+            <a:r>
+              <a:rPr lang="en-US" altLang="ko-KR" dirty="0" smtClean="0"/>
+              <a:t> adapter=new </a:t>
+            </a:r>
+            <a:r>
+              <a:rPr lang="en-US" altLang="ko-KR" dirty="0" err="1" smtClean="0"/>
+              <a:t>ImageAdapter</a:t>
+            </a:r>
+            <a:r>
+              <a:rPr lang="en-US" altLang="ko-KR" dirty="0" smtClean="0"/>
+              <a:t>(this)</a:t>
+            </a:r>
+          </a:p>
+          <a:p>
+            <a:pPr>
+              <a:buNone/>
+            </a:pPr>
+            <a:r>
+              <a:rPr lang="en-US" altLang="ko-KR" dirty="0" smtClean="0"/>
+              <a:t>	</a:t>
+            </a:r>
+          </a:p>
+          <a:p>
+            <a:pPr>
+              <a:buNone/>
+            </a:pPr>
+            <a:r>
+              <a:rPr lang="en-US" altLang="ko-KR" dirty="0" smtClean="0"/>
+              <a:t>	</a:t>
+            </a:r>
+            <a:r>
+              <a:rPr lang="en-US" altLang="ko-KR" dirty="0" err="1" smtClean="0"/>
+              <a:t>grid.setAdapter</a:t>
+            </a:r>
+            <a:r>
+              <a:rPr lang="en-US" altLang="ko-KR" dirty="0" smtClean="0"/>
+              <a:t>( adapter )</a:t>
+            </a:r>
+          </a:p>
+          <a:p>
+            <a:pPr>
+              <a:buNone/>
+            </a:pPr>
+            <a:r>
+              <a:rPr lang="en-US" altLang="ko-KR" dirty="0" smtClean="0"/>
+              <a:t>	</a:t>
+            </a:r>
+          </a:p>
+          <a:p>
+            <a:pPr>
+              <a:buNone/>
+            </a:pPr>
+            <a:r>
+              <a:rPr lang="en-US" altLang="ko-KR" dirty="0" smtClean="0"/>
+              <a:t>	</a:t>
+            </a:r>
+            <a:r>
+              <a:rPr lang="en-US" altLang="ko-KR" dirty="0" err="1" smtClean="0"/>
+              <a:t>grid.setOnItemClickListener</a:t>
+            </a:r>
+            <a:r>
+              <a:rPr lang="en-US" altLang="ko-KR" dirty="0" smtClean="0"/>
+              <a:t>(new</a:t>
             </a:r>
           </a:p>
           <a:p>
@@ -4374,140 +4116,49 @@
             </a:r>
             <a:r>
               <a:rPr lang="en-US" altLang="ko-KR" dirty="0" err="1" smtClean="0"/>
-              <a:t>iv.setLayoutParams</a:t>
-            </a:r>
-            <a:r>
-              <a:rPr lang="en-US" altLang="ko-KR" dirty="0" smtClean="0"/>
-              <a:t>(new </a:t>
-            </a:r>
-            <a:r>
-              <a:rPr lang="en-US" altLang="ko-KR" dirty="0" err="1" smtClean="0"/>
-              <a:t>GriedView.LayoutParams</a:t>
-            </a:r>
-            <a:r>
-              <a:rPr lang="en-US" altLang="ko-KR" dirty="0" smtClean="0"/>
-              <a:t>(80,60) ;</a:t>
-            </a:r>
-          </a:p>
-          <a:p>
-            <a:pPr>
-              <a:buNone/>
-            </a:pPr>
-            <a:r>
-              <a:rPr lang="en-US" altLang="ko-KR" dirty="0" smtClean="0"/>
-              <a:t>		</a:t>
-            </a:r>
-            <a:r>
-              <a:rPr lang="en-US" altLang="ko-KR" dirty="0" err="1" smtClean="0"/>
-              <a:t>iv.setAdjustViewBounds</a:t>
-            </a:r>
-            <a:r>
-              <a:rPr lang="en-US" altLang="ko-KR" dirty="0" smtClean="0"/>
-              <a:t>(false) ;	</a:t>
-            </a:r>
-            <a:r>
-              <a:rPr lang="en-US" altLang="ko-KR" dirty="0" err="1" smtClean="0"/>
-              <a:t>iv.setScaleType</a:t>
-            </a:r>
-            <a:r>
-              <a:rPr lang="en-US" altLang="ko-KR" dirty="0" smtClean="0"/>
-              <a:t>(</a:t>
-            </a:r>
-            <a:r>
-              <a:rPr lang="en-US" altLang="ko-KR" dirty="0" err="1" smtClean="0"/>
-              <a:t>ImageView.ScaleType.CENTER_CROP</a:t>
-            </a:r>
-            <a:r>
-              <a:rPr lang="en-US" altLang="ko-KR" dirty="0" smtClean="0"/>
-              <a:t>);</a:t>
-            </a:r>
-          </a:p>
-          <a:p>
-            <a:pPr>
-              <a:buNone/>
-            </a:pPr>
-            <a:r>
-              <a:rPr lang="en-US" altLang="ko-KR" dirty="0" smtClean="0"/>
-              <a:t>	}  else {</a:t>
-            </a:r>
-          </a:p>
-          <a:p>
-            <a:pPr>
-              <a:buNone/>
-            </a:pPr>
-            <a:r>
-              <a:rPr lang="en-US" altLang="ko-KR" dirty="0" smtClean="0"/>
-              <a:t>		iv = (</a:t>
-            </a:r>
-            <a:r>
-              <a:rPr lang="en-US" altLang="ko-KR" dirty="0" err="1" smtClean="0"/>
-              <a:t>ImageView</a:t>
-            </a:r>
-            <a:r>
-              <a:rPr lang="en-US" altLang="ko-KR" dirty="0" smtClean="0"/>
-              <a:t>)</a:t>
-            </a:r>
-            <a:r>
-              <a:rPr lang="en-US" altLang="ko-KR" dirty="0" err="1" smtClean="0"/>
-              <a:t>cv</a:t>
-            </a:r>
-            <a:r>
-              <a:rPr lang="en-US" altLang="ko-KR" dirty="0" smtClean="0"/>
-              <a:t> ; }</a:t>
-            </a:r>
-          </a:p>
-          <a:p>
-            <a:pPr>
-              <a:buNone/>
-            </a:pPr>
-            <a:r>
-              <a:rPr lang="en-US" altLang="ko-KR" dirty="0" smtClean="0"/>
-              <a:t>	</a:t>
-            </a:r>
-          </a:p>
-          <a:p>
-            <a:pPr>
-              <a:buNone/>
-            </a:pPr>
-            <a:r>
-              <a:rPr lang="en-US" altLang="ko-KR" dirty="0" smtClean="0"/>
-              <a:t>	</a:t>
-            </a:r>
-            <a:r>
-              <a:rPr lang="en-US" altLang="ko-KR" dirty="0" err="1" smtClean="0"/>
-              <a:t>iv.setImageResource</a:t>
-            </a:r>
-            <a:r>
-              <a:rPr lang="en-US" altLang="ko-KR" dirty="0" smtClean="0"/>
-              <a:t>(picture[pos % 5 ]) ;</a:t>
-            </a:r>
-          </a:p>
-          <a:p>
-            <a:pPr>
-              <a:buNone/>
-            </a:pPr>
-            <a:r>
-              <a:rPr lang="en-US" altLang="ko-KR" dirty="0" smtClean="0"/>
-              <a:t>	</a:t>
-            </a:r>
-          </a:p>
-          <a:p>
-            <a:pPr>
-              <a:buNone/>
-            </a:pPr>
-            <a:r>
-              <a:rPr lang="en-US" altLang="ko-KR" dirty="0" smtClean="0"/>
-              <a:t>	return iv ;</a:t>
-            </a:r>
-          </a:p>
-          <a:p>
-            <a:pPr>
-              <a:buNone/>
-            </a:pPr>
-            <a:r>
-              <a:rPr lang="en-US" altLang="ko-KR" dirty="0" smtClean="0"/>
-              <a:t>}</a:t>
-            </a:r>
+              <a:t>OnItemClickListener</a:t>
+            </a:r>
+            <a:r>
+              <a:rPr lang="en-US" altLang="ko-KR" dirty="0" smtClean="0"/>
+              <a:t>( ) {</a:t>
+            </a:r>
+          </a:p>
+          <a:p>
+            <a:pPr>
+              <a:buNone/>
+            </a:pPr>
+            <a:r>
+              <a:rPr lang="en-US" altLang="ko-KR" dirty="0" smtClean="0"/>
+              <a:t>			public void </a:t>
+            </a:r>
+            <a:r>
+              <a:rPr lang="en-US" altLang="ko-KR" dirty="0" err="1" smtClean="0"/>
+              <a:t>onItemClick</a:t>
+            </a:r>
+            <a:r>
+              <a:rPr lang="en-US" altLang="ko-KR" dirty="0" smtClean="0"/>
+              <a:t>( . . . ) {</a:t>
+            </a:r>
+          </a:p>
+          <a:p>
+            <a:pPr>
+              <a:buNone/>
+            </a:pPr>
+            <a:r>
+              <a:rPr lang="en-US" altLang="ko-KR" dirty="0" smtClean="0"/>
+              <a:t>			.	.	.</a:t>
+            </a:r>
+          </a:p>
+          <a:p>
+            <a:pPr>
+              <a:buNone/>
+            </a:pPr>
+            <a:endParaRPr lang="en-US" altLang="ko-KR" dirty="0" smtClean="0"/>
+          </a:p>
+          <a:p>
+            <a:pPr>
+              <a:buNone/>
+            </a:pPr>
             <a:endParaRPr lang="ko-KR" altLang="en-US" dirty="0"/>
           </a:p>
         </p:txBody>
@@ -4517,6 +4168,13 @@
   <p:clrMapOvr>
     <a:masterClrMapping/>
   </p:clrMapOvr>
+  <p:timing>
+    <p:tnLst>
+      <p:par>
+        <p:cTn id="1" dur="indefinite" restart="never" nodeType="tmRoot"/>
+      </p:par>
+    </p:tnLst>
+  </p:timing>
 </p:sld>
 </file>
 
@@ -4554,11 +4212,19 @@
           <a:p>
             <a:r>
               <a:rPr lang="en-US" altLang="ko-KR" dirty="0" smtClean="0"/>
-              <a:t>12.3.3 </a:t>
+              <a:t>13.3.2 </a:t>
+            </a:r>
+            <a:r>
+              <a:rPr lang="ko-KR" altLang="en-US" dirty="0" err="1" smtClean="0"/>
+              <a:t>그리드뷰</a:t>
             </a:r>
             <a:r>
               <a:rPr lang="ko-KR" altLang="en-US" dirty="0" smtClean="0"/>
-              <a:t>갤러리</a:t>
+              <a:t> </a:t>
+            </a:r>
+            <a:r>
+              <a:rPr lang="en-US" altLang="ko-KR" dirty="0" smtClean="0"/>
+              <a:t>3</a:t>
             </a:r>
             <a:endParaRPr lang="ko-KR" altLang="en-US" dirty="0"/>
           </a:p>
@@ -4577,50 +4243,117 @@
         <p:spPr/>
         <p:txBody>
           <a:bodyPr>
-            <a:normAutofit fontScale="92500" lnSpcReduction="10000"/>
+            <a:normAutofit fontScale="92500"/>
           </a:bodyPr>
           <a:lstStyle/>
           <a:p>
-            <a:r>
-              <a:rPr lang="ko-KR" altLang="en-US" dirty="0" smtClean="0"/>
-              <a:t>중앙에 고정되며 수평으로 스크롤되는 </a:t>
-            </a:r>
-            <a:r>
-              <a:rPr lang="ko-KR" altLang="en-US" dirty="0" err="1" smtClean="0"/>
-              <a:t>어댑터뷰</a:t>
-            </a:r>
-            <a:endParaRPr lang="en-US" altLang="ko-KR" dirty="0" smtClean="0"/>
-          </a:p>
-          <a:p>
-            <a:endParaRPr lang="en-US" altLang="ko-KR" dirty="0" smtClean="0"/>
-          </a:p>
-          <a:p>
-            <a:r>
-              <a:rPr lang="ko-KR" altLang="en-US" dirty="0" smtClean="0"/>
-              <a:t>이미지 </a:t>
-            </a:r>
-            <a:r>
-              <a:rPr lang="ko-KR" altLang="en-US" dirty="0" err="1" smtClean="0"/>
-              <a:t>선택기</a:t>
-            </a:r>
-            <a:endParaRPr lang="en-US" altLang="ko-KR" dirty="0" smtClean="0"/>
-          </a:p>
-          <a:p>
-            <a:endParaRPr lang="en-US" altLang="ko-KR" dirty="0" smtClean="0"/>
-          </a:p>
-          <a:p>
-            <a:r>
-              <a:rPr lang="en-US" altLang="ko-KR" dirty="0" smtClean="0"/>
-              <a:t>layout</a:t>
-            </a:r>
-          </a:p>
-          <a:p>
-            <a:pPr>
-              <a:buNone/>
-            </a:pPr>
-            <a:r>
-              <a:rPr lang="en-US" altLang="ko-KR" dirty="0" smtClean="0"/>
-              <a:t>	&lt;Gallery . . .</a:t>
+            <a:pPr>
+              <a:buNone/>
+            </a:pPr>
+            <a:r>
+              <a:rPr lang="en-US" altLang="ko-KR" dirty="0" smtClean="0"/>
+              <a:t>	class </a:t>
+            </a:r>
+            <a:r>
+              <a:rPr lang="en-US" altLang="ko-KR" dirty="0" err="1" smtClean="0"/>
+              <a:t>ImageAdapter</a:t>
+            </a:r>
+            <a:r>
+              <a:rPr lang="en-US" altLang="ko-KR" dirty="0" smtClean="0"/>
+              <a:t> extends </a:t>
+            </a:r>
+            <a:r>
+              <a:rPr lang="en-US" altLang="ko-KR" dirty="0" err="1" smtClean="0"/>
+              <a:t>BaseAdapter</a:t>
+            </a:r>
+            <a:r>
+              <a:rPr lang="en-US" altLang="ko-KR" dirty="0" smtClean="0"/>
+              <a:t> {</a:t>
+            </a:r>
+          </a:p>
+          <a:p>
+            <a:pPr>
+              <a:buNone/>
+            </a:pPr>
+            <a:r>
+              <a:rPr lang="en-US" altLang="ko-KR" dirty="0" smtClean="0"/>
+              <a:t>		</a:t>
+            </a:r>
+            <a:r>
+              <a:rPr lang="en-US" altLang="ko-KR" dirty="0" err="1" smtClean="0"/>
+              <a:t>getCount</a:t>
+            </a:r>
+            <a:r>
+              <a:rPr lang="en-US" altLang="ko-KR" dirty="0" smtClean="0"/>
+              <a:t>( ) { 	.	.	.</a:t>
+            </a:r>
+          </a:p>
+          <a:p>
+            <a:pPr>
+              <a:buNone/>
+            </a:pPr>
+            <a:r>
+              <a:rPr lang="en-US" altLang="ko-KR" dirty="0" smtClean="0"/>
+              <a:t>		</a:t>
+            </a:r>
+          </a:p>
+          <a:p>
+            <a:pPr>
+              <a:buNone/>
+            </a:pPr>
+            <a:r>
+              <a:rPr lang="en-US" altLang="ko-KR" dirty="0" smtClean="0"/>
+              <a:t>		</a:t>
+            </a:r>
+            <a:r>
+              <a:rPr lang="en-US" altLang="ko-KR" dirty="0" err="1" smtClean="0"/>
+              <a:t>getItem</a:t>
+            </a:r>
+            <a:r>
+              <a:rPr lang="en-US" altLang="ko-KR" dirty="0" smtClean="0"/>
+              <a:t>( </a:t>
+            </a:r>
+            <a:r>
+              <a:rPr lang="en-US" altLang="ko-KR" dirty="0" err="1" smtClean="0"/>
+              <a:t>int</a:t>
+            </a:r>
+            <a:r>
+              <a:rPr lang="en-US" altLang="ko-KR" dirty="0" smtClean="0"/>
+              <a:t> pos ) {	.	.	.</a:t>
+            </a:r>
+          </a:p>
+          <a:p>
+            <a:pPr>
+              <a:buNone/>
+            </a:pPr>
+            <a:r>
+              <a:rPr lang="en-US" altLang="ko-KR" dirty="0" smtClean="0"/>
+              <a:t>		</a:t>
+            </a:r>
+          </a:p>
+          <a:p>
+            <a:pPr>
+              <a:buNone/>
+            </a:pPr>
+            <a:r>
+              <a:rPr lang="en-US" altLang="ko-KR" dirty="0" smtClean="0"/>
+              <a:t>		</a:t>
+            </a:r>
+            <a:r>
+              <a:rPr lang="en-US" altLang="ko-KR" dirty="0" err="1" smtClean="0"/>
+              <a:t>getItemId</a:t>
+            </a:r>
+            <a:r>
+              <a:rPr lang="en-US" altLang="ko-KR" dirty="0" smtClean="0"/>
+              <a:t>( </a:t>
+            </a:r>
+            <a:r>
+              <a:rPr lang="en-US" altLang="ko-KR" dirty="0" err="1" smtClean="0"/>
+              <a:t>int</a:t>
+            </a:r>
+            <a:r>
+              <a:rPr lang="en-US" altLang="ko-KR" dirty="0" smtClean="0"/>
+              <a:t> pos ) { .	.	.</a:t>
             </a:r>
           </a:p>
           <a:p>
@@ -4631,24 +4364,24 @@
               <a:rPr lang="en-US" altLang="ko-KR" dirty="0" smtClean="0"/>
               <a:t>	</a:t>
             </a:r>
-            <a:r>
-              <a:rPr lang="en-US" altLang="ko-KR" dirty="0" err="1" smtClean="0"/>
-              <a:t>android:animationDuration</a:t>
-            </a:r>
-            <a:r>
-              <a:rPr lang="en-US" altLang="ko-KR" dirty="0" smtClean="0"/>
-              <a:t>=“1500”</a:t>
-            </a:r>
-          </a:p>
-          <a:p>
-            <a:pPr>
-              <a:buNone/>
-            </a:pPr>
-            <a:r>
-              <a:rPr lang="en-US" altLang="ko-KR" dirty="0" smtClean="0"/>
-              <a:t>	/&gt;</a:t>
-            </a:r>
-            <a:endParaRPr lang="ko-KR" altLang="en-US" dirty="0"/>
+          </a:p>
+          <a:p>
+            <a:pPr>
+              <a:buNone/>
+            </a:pPr>
+            <a:r>
+              <a:rPr lang="en-US" altLang="ko-KR" dirty="0" smtClean="0"/>
+              <a:t>		</a:t>
+            </a:r>
+            <a:r>
+              <a:rPr lang="en-US" altLang="ko-KR" dirty="0" err="1" smtClean="0"/>
+              <a:t>getView</a:t>
+            </a:r>
+            <a:r>
+              <a:rPr lang="en-US" altLang="ko-KR" dirty="0" smtClean="0"/>
+              <a:t>(	.	.	.</a:t>
+            </a:r>
+            <a:endParaRPr lang="ko-KR" altLang="en-US" dirty="0" smtClean="0"/>
           </a:p>
         </p:txBody>
       </p:sp>
@@ -4811,15 +4544,19 @@
           <a:p>
             <a:r>
               <a:rPr lang="en-US" altLang="ko-KR" dirty="0" smtClean="0"/>
-              <a:t>12.3.3 </a:t>
+              <a:t>13.3.2 </a:t>
+            </a:r>
+            <a:r>
+              <a:rPr lang="ko-KR" altLang="en-US" dirty="0" err="1" smtClean="0"/>
+              <a:t>그리드뷰</a:t>
             </a:r>
             <a:r>
               <a:rPr lang="ko-KR" altLang="en-US" dirty="0" smtClean="0"/>
-              <a:t>갤러리 </a:t>
-            </a:r>
-            <a:r>
-              <a:rPr lang="en-US" altLang="ko-KR" dirty="0" smtClean="0"/>
-              <a:t>2</a:t>
+              <a:t> </a:t>
+            </a:r>
+            <a:r>
+              <a:rPr lang="en-US" altLang="ko-KR" dirty="0" smtClean="0"/>
+              <a:t>4</a:t>
             </a:r>
             <a:endParaRPr lang="ko-KR" altLang="en-US" dirty="0"/>
           </a:p>
@@ -4838,7 +4575,7 @@
         <p:spPr/>
         <p:txBody>
           <a:bodyPr>
-            <a:normAutofit lnSpcReduction="10000"/>
+            <a:normAutofit fontScale="62500" lnSpcReduction="20000"/>
           </a:bodyPr>
           <a:lstStyle/>
           <a:p>
@@ -4846,39 +4583,84 @@
               <a:buNone/>
             </a:pPr>
             <a:r>
-              <a:rPr lang="en-US" altLang="ko-KR" dirty="0" smtClean="0"/>
-              <a:t>Gallery </a:t>
-            </a:r>
-            <a:r>
-              <a:rPr lang="en-US" altLang="ko-KR" dirty="0" err="1" smtClean="0"/>
-              <a:t>gallery</a:t>
-            </a:r>
-            <a:r>
-              <a:rPr lang="en-US" altLang="ko-KR" dirty="0" smtClean="0"/>
-              <a:t>=(Gallery)</a:t>
-            </a:r>
-            <a:r>
-              <a:rPr lang="en-US" altLang="ko-KR" dirty="0" err="1" smtClean="0"/>
-              <a:t>findViewById</a:t>
-            </a:r>
-            <a:r>
-              <a:rPr lang="en-US" altLang="ko-KR" dirty="0" smtClean="0"/>
-              <a:t>(…</a:t>
-            </a:r>
-          </a:p>
-          <a:p>
-            <a:pPr>
-              <a:buNone/>
-            </a:pPr>
-            <a:endParaRPr lang="en-US" altLang="ko-KR" dirty="0" smtClean="0"/>
-          </a:p>
-          <a:p>
-            <a:pPr>
-              <a:buNone/>
-            </a:pPr>
-            <a:r>
-              <a:rPr lang="en-US" altLang="ko-KR" dirty="0" err="1" smtClean="0"/>
-              <a:t>gallery.setAdapter</a:t>
+              <a:rPr lang="en-US" altLang="ko-KR" dirty="0" err="1" smtClean="0"/>
+              <a:t>ImageAdapter.getView</a:t>
+            </a:r>
+            <a:r>
+              <a:rPr lang="en-US" altLang="ko-KR" dirty="0" smtClean="0"/>
+              <a:t>(</a:t>
+            </a:r>
+          </a:p>
+          <a:p>
+            <a:pPr>
+              <a:buNone/>
+            </a:pPr>
+            <a:r>
+              <a:rPr lang="en-US" altLang="ko-KR" dirty="0" smtClean="0"/>
+              <a:t>	</a:t>
+            </a:r>
+            <a:r>
+              <a:rPr lang="en-US" altLang="ko-KR" dirty="0" err="1" smtClean="0"/>
+              <a:t>int</a:t>
+            </a:r>
+            <a:r>
+              <a:rPr lang="en-US" altLang="ko-KR" dirty="0" smtClean="0"/>
+              <a:t> pos, View </a:t>
+            </a:r>
+            <a:r>
+              <a:rPr lang="en-US" altLang="ko-KR" dirty="0" err="1" smtClean="0"/>
+              <a:t>cv</a:t>
+            </a:r>
+            <a:r>
+              <a:rPr lang="en-US" altLang="ko-KR" dirty="0" smtClean="0"/>
+              <a:t>, </a:t>
+            </a:r>
+            <a:r>
+              <a:rPr lang="en-US" altLang="ko-KR" dirty="0" err="1" smtClean="0"/>
+              <a:t>ViewGroup</a:t>
+            </a:r>
+            <a:r>
+              <a:rPr lang="en-US" altLang="ko-KR" dirty="0" smtClean="0"/>
+              <a:t> vg) {</a:t>
+            </a:r>
+          </a:p>
+          <a:p>
+            <a:pPr>
+              <a:buNone/>
+            </a:pPr>
+            <a:r>
+              <a:rPr lang="en-US" altLang="ko-KR" dirty="0" smtClean="0"/>
+              <a:t>	if(</a:t>
+            </a:r>
+            <a:r>
+              <a:rPr lang="en-US" altLang="ko-KR" dirty="0" err="1" smtClean="0"/>
+              <a:t>cv</a:t>
+            </a:r>
+            <a:r>
+              <a:rPr lang="en-US" altLang="ko-KR" dirty="0" smtClean="0"/>
+              <a:t>==null) {</a:t>
+            </a:r>
+          </a:p>
+          <a:p>
+            <a:pPr>
+              <a:buNone/>
+            </a:pPr>
+            <a:r>
+              <a:rPr lang="en-US" altLang="ko-KR" dirty="0" smtClean="0"/>
+              <a:t>		.	.	.</a:t>
+            </a:r>
+          </a:p>
+          <a:p>
+            <a:pPr>
+              <a:buNone/>
+            </a:pPr>
+            <a:r>
+              <a:rPr lang="en-US" altLang="ko-KR" dirty="0" smtClean="0"/>
+              <a:t>		</a:t>
+            </a:r>
+            <a:r>
+              <a:rPr lang="en-US" altLang="ko-KR" dirty="0" err="1" smtClean="0"/>
+              <a:t>iv.setLayoutParams</a:t>
             </a:r>
             <a:r>
               <a:rPr lang="en-US" altLang="ko-KR" dirty="0" smtClean="0"/>
@@ -4886,64 +4668,131 @@
             </a:r>
             <a:r>
               <a:rPr lang="en-US" altLang="ko-KR" dirty="0" err="1" smtClean="0"/>
-              <a:t>ImageAdapter</a:t>
-            </a:r>
-            <a:r>
-              <a:rPr lang="en-US" altLang="ko-KR" dirty="0" smtClean="0"/>
-              <a:t>(this)) ;</a:t>
-            </a:r>
-          </a:p>
-          <a:p>
-            <a:pPr>
-              <a:buNone/>
-            </a:pPr>
-            <a:endParaRPr lang="en-US" altLang="ko-KR" dirty="0" smtClean="0"/>
-          </a:p>
-          <a:p>
-            <a:pPr>
-              <a:buNone/>
-            </a:pPr>
-            <a:r>
-              <a:rPr lang="en-US" altLang="ko-KR" dirty="0" err="1" smtClean="0"/>
-              <a:t>gallery.setOnItemSelectedListener</a:t>
+              <a:t>GriedView.LayoutParams</a:t>
+            </a:r>
+            <a:r>
+              <a:rPr lang="en-US" altLang="ko-KR" dirty="0" smtClean="0"/>
+              <a:t>(80,60) ;</a:t>
+            </a:r>
+          </a:p>
+          <a:p>
+            <a:pPr>
+              <a:buNone/>
+            </a:pPr>
+            <a:r>
+              <a:rPr lang="en-US" altLang="ko-KR" dirty="0" smtClean="0"/>
+              <a:t>		</a:t>
+            </a:r>
+            <a:r>
+              <a:rPr lang="en-US" altLang="ko-KR" dirty="0" err="1" smtClean="0"/>
+              <a:t>iv.setAdjustViewBounds</a:t>
+            </a:r>
+            <a:r>
+              <a:rPr lang="en-US" altLang="ko-KR" dirty="0" smtClean="0"/>
+              <a:t>(false) ;	</a:t>
+            </a:r>
+            <a:r>
+              <a:rPr lang="en-US" altLang="ko-KR" dirty="0" err="1" smtClean="0"/>
+              <a:t>iv.setScaleType</a:t>
             </a:r>
             <a:r>
               <a:rPr lang="en-US" altLang="ko-KR" dirty="0" smtClean="0"/>
               <a:t>(</a:t>
             </a:r>
-          </a:p>
-          <a:p>
-            <a:pPr>
-              <a:buNone/>
-            </a:pPr>
-            <a:r>
-              <a:rPr lang="en-US" altLang="ko-KR" dirty="0" smtClean="0"/>
-              <a:t> new </a:t>
-            </a:r>
-            <a:r>
-              <a:rPr lang="en-US" altLang="ko-KR" dirty="0" err="1" smtClean="0"/>
-              <a:t>OnItemSelectedListener</a:t>
-            </a:r>
-            <a:r>
-              <a:rPr lang="en-US" altLang="ko-KR" dirty="0" smtClean="0"/>
-              <a:t>( ) {</a:t>
-            </a:r>
-          </a:p>
-          <a:p>
-            <a:pPr>
-              <a:buNone/>
-            </a:pPr>
-            <a:r>
-              <a:rPr lang="en-US" altLang="ko-KR" dirty="0" smtClean="0"/>
-              <a:t>	public void </a:t>
-            </a:r>
-            <a:r>
-              <a:rPr lang="en-US" altLang="ko-KR" dirty="0" err="1" smtClean="0"/>
-              <a:t>onItemSelected</a:t>
-            </a:r>
-            <a:r>
-              <a:rPr lang="en-US" altLang="ko-KR" dirty="0" smtClean="0"/>
-              <a:t>( .	.	.</a:t>
+            <a:r>
+              <a:rPr lang="en-US" altLang="ko-KR" dirty="0" err="1" smtClean="0"/>
+              <a:t>ImageView.ScaleType.CENTER_CROP</a:t>
+            </a:r>
+            <a:r>
+              <a:rPr lang="en-US" altLang="ko-KR" dirty="0" smtClean="0"/>
+              <a:t>);</a:t>
+            </a:r>
+          </a:p>
+          <a:p>
+            <a:pPr>
+              <a:buNone/>
+            </a:pPr>
+            <a:r>
+              <a:rPr lang="en-US" altLang="ko-KR" dirty="0" smtClean="0"/>
+              <a:t>	}  else {</a:t>
+            </a:r>
+          </a:p>
+          <a:p>
+            <a:pPr>
+              <a:buNone/>
+            </a:pPr>
+            <a:r>
+              <a:rPr lang="en-US" altLang="ko-KR" dirty="0" smtClean="0"/>
+              <a:t>		iv = (</a:t>
+            </a:r>
+            <a:r>
+              <a:rPr lang="en-US" altLang="ko-KR" dirty="0" err="1" smtClean="0"/>
+              <a:t>ImageView</a:t>
+            </a:r>
+            <a:r>
+              <a:rPr lang="en-US" altLang="ko-KR" dirty="0" smtClean="0"/>
+              <a:t>)</a:t>
+            </a:r>
+            <a:r>
+              <a:rPr lang="en-US" altLang="ko-KR" dirty="0" err="1" smtClean="0"/>
+              <a:t>cv</a:t>
+            </a:r>
+            <a:r>
+              <a:rPr lang="en-US" altLang="ko-KR" dirty="0" smtClean="0"/>
+              <a:t> ; }</a:t>
+            </a:r>
+          </a:p>
+          <a:p>
+            <a:pPr>
+              <a:buNone/>
+            </a:pPr>
+            <a:r>
+              <a:rPr lang="en-US" altLang="ko-KR" dirty="0" smtClean="0"/>
+              <a:t>	</a:t>
+            </a:r>
+          </a:p>
+          <a:p>
+            <a:pPr>
+              <a:buNone/>
+            </a:pPr>
+            <a:r>
+              <a:rPr lang="en-US" altLang="ko-KR" dirty="0" smtClean="0"/>
+              <a:t>	</a:t>
+            </a:r>
+            <a:r>
+              <a:rPr lang="en-US" altLang="ko-KR" dirty="0" err="1" smtClean="0"/>
+              <a:t>iv.setImageResource</a:t>
+            </a:r>
+            <a:r>
+              <a:rPr lang="en-US" altLang="ko-KR" dirty="0" smtClean="0"/>
+              <a:t>(picture[pos % 5 ]) ;</a:t>
+            </a:r>
+          </a:p>
+          <a:p>
+            <a:pPr>
+              <a:buNone/>
+            </a:pPr>
+            <a:r>
+              <a:rPr lang="en-US" altLang="ko-KR" dirty="0" smtClean="0"/>
+              <a:t>	</a:t>
+            </a:r>
+          </a:p>
+          <a:p>
+            <a:pPr>
+              <a:buNone/>
+            </a:pPr>
+            <a:r>
+              <a:rPr lang="en-US" altLang="ko-KR" dirty="0" smtClean="0"/>
+              <a:t>	return iv ;</a:t>
+            </a:r>
+          </a:p>
+          <a:p>
+            <a:pPr>
+              <a:buNone/>
+            </a:pPr>
+            <a:r>
+              <a:rPr lang="en-US" altLang="ko-KR" dirty="0" smtClean="0"/>
+              <a:t>}</a:t>
             </a:r>
             <a:endParaRPr lang="ko-KR" altLang="en-US" dirty="0"/>
           </a:p>
@@ -4958,6 +4807,333 @@
 </file>
 
 <file path=ppt/slides/slide21.xml><?xml version="1.0" encoding="utf-8"?>
+<p:sld xmlns:a="http://schemas.openxmlformats.org/drawingml/2006/main" xmlns:r="http://schemas.openxmlformats.org/officeDocument/2006/relationships" xmlns:p="http://schemas.openxmlformats.org/presentationml/2006/main">
+  <p:cSld>
+    <p:spTree>
+      <p:nvGrpSpPr>
+        <p:cNvPr id="1" name=""/>
+        <p:cNvGrpSpPr/>
+        <p:nvPr/>
+      </p:nvGrpSpPr>
+      <p:grpSpPr>
+        <a:xfrm>
+          <a:off x="0" y="0"/>
+          <a:ext cx="0" cy="0"/>
+          <a:chOff x="0" y="0"/>
+          <a:chExt cx="0" cy="0"/>
+        </a:xfrm>
+      </p:grpSpPr>
+      <p:sp>
+        <p:nvSpPr>
+          <p:cNvPr id="2" name="제목 1"/>
+          <p:cNvSpPr>
+            <a:spLocks noGrp="1"/>
+          </p:cNvSpPr>
+          <p:nvPr>
+            <p:ph type="title"/>
+          </p:nvPr>
+        </p:nvSpPr>
+        <p:spPr/>
+        <p:txBody>
+          <a:bodyPr/>
+          <a:lstStyle/>
+          <a:p>
+            <a:r>
+              <a:rPr lang="en-US" altLang="ko-KR" dirty="0" smtClean="0"/>
+              <a:t>12.3.3 </a:t>
+            </a:r>
+            <a:r>
+              <a:rPr lang="ko-KR" altLang="en-US" dirty="0" smtClean="0"/>
+              <a:t>갤러리</a:t>
+            </a:r>
+            <a:endParaRPr lang="ko-KR" altLang="en-US" dirty="0"/>
+          </a:p>
+        </p:txBody>
+      </p:sp>
+      <p:sp>
+        <p:nvSpPr>
+          <p:cNvPr id="3" name="내용 개체 틀 2"/>
+          <p:cNvSpPr>
+            <a:spLocks noGrp="1"/>
+          </p:cNvSpPr>
+          <p:nvPr>
+            <p:ph idx="1"/>
+          </p:nvPr>
+        </p:nvSpPr>
+        <p:spPr/>
+        <p:txBody>
+          <a:bodyPr>
+            <a:normAutofit fontScale="92500" lnSpcReduction="10000"/>
+          </a:bodyPr>
+          <a:lstStyle/>
+          <a:p>
+            <a:r>
+              <a:rPr lang="ko-KR" altLang="en-US" dirty="0" smtClean="0"/>
+              <a:t>중앙에 고정되며 수평으로 스크롤되는 </a:t>
+            </a:r>
+            <a:r>
+              <a:rPr lang="ko-KR" altLang="en-US" dirty="0" err="1" smtClean="0"/>
+              <a:t>어댑터뷰</a:t>
+            </a:r>
+            <a:endParaRPr lang="en-US" altLang="ko-KR" dirty="0" smtClean="0"/>
+          </a:p>
+          <a:p>
+            <a:endParaRPr lang="en-US" altLang="ko-KR" dirty="0" smtClean="0"/>
+          </a:p>
+          <a:p>
+            <a:r>
+              <a:rPr lang="ko-KR" altLang="en-US" dirty="0" smtClean="0"/>
+              <a:t>이미지 </a:t>
+            </a:r>
+            <a:r>
+              <a:rPr lang="ko-KR" altLang="en-US" dirty="0" err="1" smtClean="0"/>
+              <a:t>선택기</a:t>
+            </a:r>
+            <a:endParaRPr lang="en-US" altLang="ko-KR" dirty="0" smtClean="0"/>
+          </a:p>
+          <a:p>
+            <a:endParaRPr lang="en-US" altLang="ko-KR" dirty="0" smtClean="0"/>
+          </a:p>
+          <a:p>
+            <a:r>
+              <a:rPr lang="en-US" altLang="ko-KR" dirty="0" smtClean="0"/>
+              <a:t>layout</a:t>
+            </a:r>
+          </a:p>
+          <a:p>
+            <a:pPr>
+              <a:buNone/>
+            </a:pPr>
+            <a:r>
+              <a:rPr lang="en-US" altLang="ko-KR" dirty="0" smtClean="0"/>
+              <a:t>	&lt;Gallery . . .</a:t>
+            </a:r>
+          </a:p>
+          <a:p>
+            <a:pPr>
+              <a:buNone/>
+            </a:pPr>
+            <a:r>
+              <a:rPr lang="en-US" altLang="ko-KR" dirty="0" smtClean="0"/>
+              <a:t>	</a:t>
+            </a:r>
+            <a:r>
+              <a:rPr lang="en-US" altLang="ko-KR" dirty="0" err="1" smtClean="0"/>
+              <a:t>android:animationDuration</a:t>
+            </a:r>
+            <a:r>
+              <a:rPr lang="en-US" altLang="ko-KR" dirty="0" smtClean="0"/>
+              <a:t>=“1500”</a:t>
+            </a:r>
+          </a:p>
+          <a:p>
+            <a:pPr>
+              <a:buNone/>
+            </a:pPr>
+            <a:r>
+              <a:rPr lang="en-US" altLang="ko-KR" dirty="0" smtClean="0"/>
+              <a:t>	/&gt;</a:t>
+            </a:r>
+            <a:endParaRPr lang="ko-KR" altLang="en-US" dirty="0"/>
+          </a:p>
+        </p:txBody>
+      </p:sp>
+    </p:spTree>
+  </p:cSld>
+  <p:clrMapOvr>
+    <a:masterClrMapping/>
+  </p:clrMapOvr>
+  <p:timing>
+    <p:tnLst>
+      <p:par>
+        <p:cTn id="1" dur="indefinite" restart="never" nodeType="tmRoot"/>
+      </p:par>
+    </p:tnLst>
+  </p:timing>
+</p:sld>
+</file>
+
+<file path=ppt/slides/slide22.xml><?xml version="1.0" encoding="utf-8"?>
+<p:sld xmlns:a="http://schemas.openxmlformats.org/drawingml/2006/main" xmlns:r="http://schemas.openxmlformats.org/officeDocument/2006/relationships" xmlns:p="http://schemas.openxmlformats.org/presentationml/2006/main">
+  <p:cSld>
+    <p:spTree>
+      <p:nvGrpSpPr>
+        <p:cNvPr id="1" name=""/>
+        <p:cNvGrpSpPr/>
+        <p:nvPr/>
+      </p:nvGrpSpPr>
+      <p:grpSpPr>
+        <a:xfrm>
+          <a:off x="0" y="0"/>
+          <a:ext cx="0" cy="0"/>
+          <a:chOff x="0" y="0"/>
+          <a:chExt cx="0" cy="0"/>
+        </a:xfrm>
+      </p:grpSpPr>
+      <p:sp>
+        <p:nvSpPr>
+          <p:cNvPr id="2" name="제목 1"/>
+          <p:cNvSpPr>
+            <a:spLocks noGrp="1"/>
+          </p:cNvSpPr>
+          <p:nvPr>
+            <p:ph type="title"/>
+          </p:nvPr>
+        </p:nvSpPr>
+        <p:spPr/>
+        <p:txBody>
+          <a:bodyPr/>
+          <a:lstStyle/>
+          <a:p>
+            <a:r>
+              <a:rPr lang="en-US" altLang="ko-KR" dirty="0" smtClean="0"/>
+              <a:t>12.3.3 </a:t>
+            </a:r>
+            <a:r>
+              <a:rPr lang="ko-KR" altLang="en-US" dirty="0" smtClean="0"/>
+              <a:t>갤러리 </a:t>
+            </a:r>
+            <a:r>
+              <a:rPr lang="en-US" altLang="ko-KR" dirty="0" smtClean="0"/>
+              <a:t>2</a:t>
+            </a:r>
+            <a:endParaRPr lang="ko-KR" altLang="en-US" dirty="0"/>
+          </a:p>
+        </p:txBody>
+      </p:sp>
+      <p:sp>
+        <p:nvSpPr>
+          <p:cNvPr id="3" name="내용 개체 틀 2"/>
+          <p:cNvSpPr>
+            <a:spLocks noGrp="1"/>
+          </p:cNvSpPr>
+          <p:nvPr>
+            <p:ph idx="1"/>
+          </p:nvPr>
+        </p:nvSpPr>
+        <p:spPr/>
+        <p:txBody>
+          <a:bodyPr>
+            <a:normAutofit lnSpcReduction="10000"/>
+          </a:bodyPr>
+          <a:lstStyle/>
+          <a:p>
+            <a:pPr>
+              <a:buNone/>
+            </a:pPr>
+            <a:r>
+              <a:rPr lang="en-US" altLang="ko-KR" dirty="0" smtClean="0"/>
+              <a:t>Gallery </a:t>
+            </a:r>
+            <a:r>
+              <a:rPr lang="en-US" altLang="ko-KR" dirty="0" err="1" smtClean="0"/>
+              <a:t>gallery</a:t>
+            </a:r>
+            <a:r>
+              <a:rPr lang="en-US" altLang="ko-KR" dirty="0" smtClean="0"/>
+              <a:t>=(Gallery)</a:t>
+            </a:r>
+            <a:r>
+              <a:rPr lang="en-US" altLang="ko-KR" dirty="0" err="1" smtClean="0"/>
+              <a:t>findViewById</a:t>
+            </a:r>
+            <a:r>
+              <a:rPr lang="en-US" altLang="ko-KR" dirty="0" smtClean="0"/>
+              <a:t>(…</a:t>
+            </a:r>
+          </a:p>
+          <a:p>
+            <a:pPr>
+              <a:buNone/>
+            </a:pPr>
+            <a:endParaRPr lang="en-US" altLang="ko-KR" dirty="0" smtClean="0"/>
+          </a:p>
+          <a:p>
+            <a:pPr>
+              <a:buNone/>
+            </a:pPr>
+            <a:r>
+              <a:rPr lang="en-US" altLang="ko-KR" dirty="0" err="1" smtClean="0"/>
+              <a:t>gallery.setAdapter</a:t>
+            </a:r>
+            <a:r>
+              <a:rPr lang="en-US" altLang="ko-KR" dirty="0" smtClean="0"/>
+              <a:t>(new </a:t>
+            </a:r>
+            <a:r>
+              <a:rPr lang="en-US" altLang="ko-KR" dirty="0" err="1" smtClean="0"/>
+              <a:t>ImageAdapter</a:t>
+            </a:r>
+            <a:r>
+              <a:rPr lang="en-US" altLang="ko-KR" dirty="0" smtClean="0"/>
+              <a:t>(this)) ;</a:t>
+            </a:r>
+          </a:p>
+          <a:p>
+            <a:pPr>
+              <a:buNone/>
+            </a:pPr>
+            <a:endParaRPr lang="en-US" altLang="ko-KR" dirty="0" smtClean="0"/>
+          </a:p>
+          <a:p>
+            <a:pPr>
+              <a:buNone/>
+            </a:pPr>
+            <a:r>
+              <a:rPr lang="en-US" altLang="ko-KR" dirty="0" err="1" smtClean="0"/>
+              <a:t>gallery.setOnItemSelectedListener</a:t>
+            </a:r>
+            <a:r>
+              <a:rPr lang="en-US" altLang="ko-KR" dirty="0" smtClean="0"/>
+              <a:t>(</a:t>
+            </a:r>
+          </a:p>
+          <a:p>
+            <a:pPr>
+              <a:buNone/>
+            </a:pPr>
+            <a:r>
+              <a:rPr lang="en-US" altLang="ko-KR" dirty="0" smtClean="0"/>
+              <a:t> new </a:t>
+            </a:r>
+            <a:r>
+              <a:rPr lang="en-US" altLang="ko-KR" dirty="0" err="1" smtClean="0"/>
+              <a:t>OnItemSelectedListener</a:t>
+            </a:r>
+            <a:r>
+              <a:rPr lang="en-US" altLang="ko-KR" dirty="0" smtClean="0"/>
+              <a:t>( ) {</a:t>
+            </a:r>
+          </a:p>
+          <a:p>
+            <a:pPr>
+              <a:buNone/>
+            </a:pPr>
+            <a:r>
+              <a:rPr lang="en-US" altLang="ko-KR" dirty="0" smtClean="0"/>
+              <a:t>	public void </a:t>
+            </a:r>
+            <a:r>
+              <a:rPr lang="en-US" altLang="ko-KR" dirty="0" err="1" smtClean="0"/>
+              <a:t>onItemSelected</a:t>
+            </a:r>
+            <a:r>
+              <a:rPr lang="en-US" altLang="ko-KR" dirty="0" smtClean="0"/>
+              <a:t>( .	.	.</a:t>
+            </a:r>
+            <a:endParaRPr lang="ko-KR" altLang="en-US" dirty="0"/>
+          </a:p>
+        </p:txBody>
+      </p:sp>
+    </p:spTree>
+  </p:cSld>
+  <p:clrMapOvr>
+    <a:masterClrMapping/>
+  </p:clrMapOvr>
+</p:sld>
+</file>
+
+<file path=ppt/slides/slide23.xml><?xml version="1.0" encoding="utf-8"?>
 <p:sld xmlns:a="http://schemas.openxmlformats.org/drawingml/2006/main" xmlns:r="http://schemas.openxmlformats.org/officeDocument/2006/relationships" xmlns:p="http://schemas.openxmlformats.org/presentationml/2006/main">
   <p:cSld>
     <p:spTree>
@@ -6360,18 +6536,14 @@
             </a:r>
             <a:r>
               <a:rPr lang="en-US" altLang="ko-KR" dirty="0" smtClean="0"/>
-              <a:t>objects </a:t>
-            </a:r>
-            <a:r>
-              <a:rPr lang="en-US" altLang="ko-KR" smtClean="0"/>
-              <a:t>: Data</a:t>
-            </a:r>
-          </a:p>
-          <a:p>
-            <a:pPr>
-              <a:buNone/>
-            </a:pPr>
-            <a:endParaRPr lang="en-US" altLang="ko-KR" smtClean="0"/>
+              <a:t>objects : Data</a:t>
+            </a:r>
+          </a:p>
+          <a:p>
+            <a:pPr>
+              <a:buNone/>
+            </a:pPr>
+            <a:endParaRPr lang="en-US" altLang="ko-KR" dirty="0" smtClean="0"/>
           </a:p>
         </p:txBody>
       </p:sp>

--- a/Android/안드로이드 프로그래밍 정복/Chapter12 어댑터뷰.pptx
+++ b/Android/안드로이드 프로그래밍 정복/Chapter12 어댑터뷰.pptx
@@ -3134,6 +3134,13 @@
   <p:clrMapOvr>
     <a:masterClrMapping/>
   </p:clrMapOvr>
+  <p:timing>
+    <p:tnLst>
+      <p:par>
+        <p:cTn id="1" dur="indefinite" restart="never" nodeType="tmRoot"/>
+      </p:par>
+    </p:tnLst>
+  </p:timing>
 </p:sld>
 </file>
 
@@ -3221,6 +3228,13 @@
   <p:clrMapOvr>
     <a:masterClrMapping/>
   </p:clrMapOvr>
+  <p:timing>
+    <p:tnLst>
+      <p:par>
+        <p:cTn id="1" dur="indefinite" restart="never" nodeType="tmRoot"/>
+      </p:par>
+    </p:tnLst>
+  </p:timing>
 </p:sld>
 </file>
 
@@ -3308,6 +3322,13 @@
   <p:clrMapOvr>
     <a:masterClrMapping/>
   </p:clrMapOvr>
+  <p:timing>
+    <p:tnLst>
+      <p:par>
+        <p:cTn id="1" dur="indefinite" restart="never" nodeType="tmRoot"/>
+      </p:par>
+    </p:tnLst>
+  </p:timing>
 </p:sld>
 </file>
 
@@ -3379,6 +3400,13 @@
   <p:clrMapOvr>
     <a:masterClrMapping/>
   </p:clrMapOvr>
+  <p:timing>
+    <p:tnLst>
+      <p:par>
+        <p:cTn id="1" dur="indefinite" restart="never" nodeType="tmRoot"/>
+      </p:par>
+    </p:tnLst>
+  </p:timing>
 </p:sld>
 </file>
 
@@ -3450,6 +3478,13 @@
   <p:clrMapOvr>
     <a:masterClrMapping/>
   </p:clrMapOvr>
+  <p:timing>
+    <p:tnLst>
+      <p:par>
+        <p:cTn id="1" dur="indefinite" restart="never" nodeType="tmRoot"/>
+      </p:par>
+    </p:tnLst>
+  </p:timing>
 </p:sld>
 </file>
 
@@ -3525,6 +3560,13 @@
   <p:clrMapOvr>
     <a:masterClrMapping/>
   </p:clrMapOvr>
+  <p:timing>
+    <p:tnLst>
+      <p:par>
+        <p:cTn id="1" dur="indefinite" restart="never" nodeType="tmRoot"/>
+      </p:par>
+    </p:tnLst>
+  </p:timing>
 </p:sld>
 </file>
 
@@ -3596,6 +3638,13 @@
   <p:clrMapOvr>
     <a:masterClrMapping/>
   </p:clrMapOvr>
+  <p:timing>
+    <p:tnLst>
+      <p:par>
+        <p:cTn id="1" dur="indefinite" restart="never" nodeType="tmRoot"/>
+      </p:par>
+    </p:tnLst>
+  </p:timing>
 </p:sld>
 </file>
 
@@ -3667,6 +3716,13 @@
   <p:clrMapOvr>
     <a:masterClrMapping/>
   </p:clrMapOvr>
+  <p:timing>
+    <p:tnLst>
+      <p:par>
+        <p:cTn id="1" dur="indefinite" restart="never" nodeType="tmRoot"/>
+      </p:par>
+    </p:tnLst>
+  </p:timing>
 </p:sld>
 </file>
 
@@ -4285,7 +4341,7 @@
             </a:r>
             <a:r>
               <a:rPr lang="en-US" altLang="ko-KR" dirty="0" smtClean="0"/>
-              <a:t>( ) { 	.	.	.</a:t>
+              <a:t>( ) { 	</a:t>
             </a:r>
           </a:p>
           <a:p>
@@ -4319,7 +4375,7 @@
             </a:r>
             <a:r>
               <a:rPr lang="en-US" altLang="ko-KR" dirty="0" smtClean="0"/>
-              <a:t> pos ) {	.	.	.</a:t>
+              <a:t> pos ) {	</a:t>
             </a:r>
           </a:p>
           <a:p>
@@ -4353,7 +4409,7 @@
             </a:r>
             <a:r>
               <a:rPr lang="en-US" altLang="ko-KR" dirty="0" smtClean="0"/>
-              <a:t> pos ) { .	.	.</a:t>
+              <a:t> pos ) { </a:t>
             </a:r>
           </a:p>
           <a:p>
@@ -4379,7 +4435,7 @@
             </a:r>
             <a:r>
               <a:rPr lang="en-US" altLang="ko-KR" dirty="0" smtClean="0"/>
-              <a:t>(	.	.	.</a:t>
+              <a:t>(	</a:t>
             </a:r>
             <a:endParaRPr lang="ko-KR" altLang="en-US" dirty="0" smtClean="0"/>
           </a:p>
@@ -4507,6 +4563,13 @@
   <p:clrMapOvr>
     <a:masterClrMapping/>
   </p:clrMapOvr>
+  <p:timing>
+    <p:tnLst>
+      <p:par>
+        <p:cTn id="1" dur="indefinite" restart="never" nodeType="tmRoot"/>
+      </p:par>
+    </p:tnLst>
+  </p:timing>
 </p:sld>
 </file>
 
@@ -4803,6 +4866,13 @@
   <p:clrMapOvr>
     <a:masterClrMapping/>
   </p:clrMapOvr>
+  <p:timing>
+    <p:tnLst>
+      <p:par>
+        <p:cTn id="1" dur="indefinite" restart="never" nodeType="tmRoot"/>
+      </p:par>
+    </p:tnLst>
+  </p:timing>
 </p:sld>
 </file>
 
@@ -4863,7 +4933,7 @@
         <p:spPr/>
         <p:txBody>
           <a:bodyPr>
-            <a:normAutofit fontScale="92500" lnSpcReduction="10000"/>
+            <a:normAutofit fontScale="92500" lnSpcReduction="20000"/>
           </a:bodyPr>
           <a:lstStyle/>
           <a:p>
@@ -4906,13 +4976,39 @@
             </a:pPr>
             <a:r>
               <a:rPr lang="en-US" altLang="ko-KR" dirty="0" smtClean="0"/>
-              <a:t>	&lt;Gallery . . .</a:t>
-            </a:r>
-          </a:p>
-          <a:p>
-            <a:pPr>
-              <a:buNone/>
-            </a:pPr>
+              <a:t>	&lt;Gallery </a:t>
+            </a:r>
+            <a:endParaRPr lang="en-US" altLang="ko-KR" dirty="0" smtClean="0"/>
+          </a:p>
+          <a:p>
+            <a:pPr>
+              <a:buNone/>
+            </a:pPr>
+            <a:r>
+              <a:rPr lang="en-US" altLang="ko-KR" dirty="0" smtClean="0"/>
+              <a:t>	</a:t>
+            </a:r>
+            <a:r>
+              <a:rPr lang="en-US" altLang="ko-KR" dirty="0" smtClean="0"/>
+              <a:t>	</a:t>
+            </a:r>
+            <a:r>
+              <a:rPr lang="en-US" altLang="ko-KR" dirty="0" smtClean="0"/>
+              <a:t>. </a:t>
+            </a:r>
+            <a:r>
+              <a:rPr lang="en-US" altLang="ko-KR" dirty="0" smtClean="0"/>
+              <a:t>. .</a:t>
+            </a:r>
+          </a:p>
+          <a:p>
+            <a:pPr>
+              <a:buNone/>
+            </a:pPr>
+            <a:r>
+              <a:rPr lang="en-US" altLang="ko-KR" dirty="0" smtClean="0"/>
+              <a:t>	</a:t>
+            </a:r>
             <a:r>
               <a:rPr lang="en-US" altLang="ko-KR" dirty="0" smtClean="0"/>
               <a:t>	</a:t>
@@ -5014,7 +5110,7 @@
         <p:spPr/>
         <p:txBody>
           <a:bodyPr>
-            <a:normAutofit lnSpcReduction="10000"/>
+            <a:normAutofit fontScale="92500"/>
           </a:bodyPr>
           <a:lstStyle/>
           <a:p>
@@ -5119,7 +5215,29 @@
             </a:r>
             <a:r>
               <a:rPr lang="en-US" altLang="ko-KR" dirty="0" smtClean="0"/>
-              <a:t>( .	.	.</a:t>
+              <a:t>( </a:t>
+            </a:r>
+            <a:endParaRPr lang="en-US" altLang="ko-KR" dirty="0" smtClean="0"/>
+          </a:p>
+          <a:p>
+            <a:pPr>
+              <a:buNone/>
+            </a:pPr>
+            <a:r>
+              <a:rPr lang="en-US" altLang="ko-KR" dirty="0" smtClean="0"/>
+              <a:t>	</a:t>
+            </a:r>
+            <a:r>
+              <a:rPr lang="en-US" altLang="ko-KR" dirty="0" smtClean="0"/>
+              <a:t>	</a:t>
+            </a:r>
+            <a:r>
+              <a:rPr lang="en-US" altLang="ko-KR" dirty="0" smtClean="0"/>
+              <a:t>.</a:t>
+            </a:r>
+            <a:r>
+              <a:rPr lang="en-US" altLang="ko-KR" dirty="0" smtClean="0"/>
+              <a:t>	.	.</a:t>
             </a:r>
             <a:endParaRPr lang="ko-KR" altLang="en-US" dirty="0"/>
           </a:p>
@@ -5130,6 +5248,13 @@
   <p:clrMapOvr>
     <a:masterClrMapping/>
   </p:clrMapOvr>
+  <p:timing>
+    <p:tnLst>
+      <p:par>
+        <p:cTn id="1" dur="indefinite" restart="never" nodeType="tmRoot"/>
+      </p:par>
+    </p:tnLst>
+  </p:timing>
 </p:sld>
 </file>
 
@@ -5214,12 +5339,8 @@
               <a:t> </a:t>
             </a:r>
             <a:r>
-              <a:rPr lang="en-US" altLang="ko-KR" dirty="0" err="1" smtClean="0"/>
-              <a:t>extens</a:t>
-            </a:r>
-            <a:r>
-              <a:rPr lang="en-US" altLang="ko-KR" dirty="0" smtClean="0"/>
-              <a:t> </a:t>
+              <a:rPr lang="en-US" altLang="ko-KR" dirty="0" smtClean="0"/>
+              <a:t>extends </a:t>
             </a:r>
             <a:r>
               <a:rPr lang="en-US" altLang="ko-KR" dirty="0" err="1" smtClean="0"/>
@@ -5379,7 +5500,6 @@
               <a:rPr lang="en-US" altLang="ko-KR" dirty="0" smtClean="0"/>
               <a:t>(</a:t>
             </a:r>
-            <a:endParaRPr lang="en-US" altLang="ko-KR" dirty="0" smtClean="0"/>
           </a:p>
           <a:p>
             <a:pPr>
@@ -5423,6 +5543,13 @@
   <p:clrMapOvr>
     <a:masterClrMapping/>
   </p:clrMapOvr>
+  <p:timing>
+    <p:tnLst>
+      <p:par>
+        <p:cTn id="1" dur="indefinite" restart="never" nodeType="tmRoot"/>
+      </p:par>
+    </p:tnLst>
+  </p:timing>
 </p:sld>
 </file>
 
@@ -5481,7 +5608,7 @@
           </p:nvPr>
         </p:nvPicPr>
         <p:blipFill>
-          <a:blip r:embed="rId2"/>
+          <a:blip r:embed="rId2" cstate="print"/>
           <a:stretch>
             <a:fillRect/>
           </a:stretch>
@@ -5532,6 +5659,13 @@
   <p:clrMapOvr>
     <a:masterClrMapping/>
   </p:clrMapOvr>
+  <p:timing>
+    <p:tnLst>
+      <p:par>
+        <p:cTn id="1" dur="indefinite" restart="never" nodeType="tmRoot"/>
+      </p:par>
+    </p:tnLst>
+  </p:timing>
 </p:sld>
 </file>
 
@@ -5731,6 +5865,13 @@
   <p:clrMapOvr>
     <a:masterClrMapping/>
   </p:clrMapOvr>
+  <p:timing>
+    <p:tnLst>
+      <p:par>
+        <p:cTn id="1" dur="indefinite" restart="never" nodeType="tmRoot"/>
+      </p:par>
+    </p:tnLst>
+  </p:timing>
 </p:sld>
 </file>
 
@@ -5814,6 +5955,13 @@
   <p:clrMapOvr>
     <a:masterClrMapping/>
   </p:clrMapOvr>
+  <p:timing>
+    <p:tnLst>
+      <p:par>
+        <p:cTn id="1" dur="indefinite" restart="never" nodeType="tmRoot"/>
+      </p:par>
+    </p:tnLst>
+  </p:timing>
 </p:sld>
 </file>
 
@@ -5948,6 +6096,13 @@
   <p:clrMapOvr>
     <a:masterClrMapping/>
   </p:clrMapOvr>
+  <p:timing>
+    <p:tnLst>
+      <p:par>
+        <p:cTn id="1" dur="indefinite" restart="never" nodeType="tmRoot"/>
+      </p:par>
+    </p:tnLst>
+  </p:timing>
 </p:sld>
 </file>
 
@@ -6021,11 +6176,7 @@
             </a:pPr>
             <a:r>
               <a:rPr lang="en-US" altLang="ko-KR" dirty="0" smtClean="0"/>
-              <a:t>	</a:t>
-            </a:r>
-            <a:r>
-              <a:rPr lang="en-US" altLang="ko-KR" dirty="0" smtClean="0"/>
-              <a:t>&lt;</a:t>
+              <a:t>	&lt;</a:t>
             </a:r>
             <a:r>
               <a:rPr lang="en-US" altLang="ko-KR" dirty="0" err="1" smtClean="0"/>
@@ -6039,24 +6190,16 @@
             </a:pPr>
             <a:r>
               <a:rPr lang="en-US" altLang="ko-KR" dirty="0" smtClean="0"/>
-              <a:t>	</a:t>
-            </a:r>
-            <a:r>
-              <a:rPr lang="en-US" altLang="ko-KR" dirty="0" smtClean="0"/>
-              <a:t>	.	.	.</a:t>
-            </a:r>
-          </a:p>
-          <a:p>
-            <a:pPr>
-              <a:buNone/>
-            </a:pPr>
-            <a:r>
-              <a:rPr lang="en-US" altLang="ko-KR" dirty="0" smtClean="0"/>
-              <a:t>	</a:t>
-            </a:r>
-            <a:r>
-              <a:rPr lang="en-US" altLang="ko-KR" dirty="0" smtClean="0"/>
-              <a:t>	&lt;</a:t>
+              <a:t>		.	.	.</a:t>
+            </a:r>
+          </a:p>
+          <a:p>
+            <a:pPr>
+              <a:buNone/>
+            </a:pPr>
+            <a:r>
+              <a:rPr lang="en-US" altLang="ko-KR" dirty="0" smtClean="0"/>
+              <a:t>		&lt;</a:t>
             </a:r>
             <a:r>
               <a:rPr lang="en-US" altLang="ko-KR" dirty="0" err="1" smtClean="0"/>
@@ -6070,11 +6213,7 @@
             </a:pPr>
             <a:r>
               <a:rPr lang="en-US" altLang="ko-KR" dirty="0" smtClean="0"/>
-              <a:t>	</a:t>
-            </a:r>
-            <a:r>
-              <a:rPr lang="en-US" altLang="ko-KR" dirty="0" smtClean="0"/>
-              <a:t>		</a:t>
+              <a:t>			</a:t>
             </a:r>
             <a:r>
               <a:rPr lang="en-US" altLang="ko-KR" dirty="0" err="1" smtClean="0"/>
@@ -6091,11 +6230,7 @@
             </a:pPr>
             <a:r>
               <a:rPr lang="en-US" altLang="ko-KR" dirty="0" smtClean="0"/>
-              <a:t>	</a:t>
-            </a:r>
-            <a:r>
-              <a:rPr lang="en-US" altLang="ko-KR" dirty="0" smtClean="0"/>
-              <a:t>		.	.	.</a:t>
+              <a:t>			.	.	.</a:t>
             </a:r>
           </a:p>
           <a:p>
@@ -6111,6 +6246,13 @@
   <p:clrMapOvr>
     <a:masterClrMapping/>
   </p:clrMapOvr>
+  <p:timing>
+    <p:tnLst>
+      <p:par>
+        <p:cTn id="1" dur="indefinite" restart="never" nodeType="tmRoot"/>
+      </p:par>
+    </p:tnLst>
+  </p:timing>
 </p:sld>
 </file>
 
@@ -6194,11 +6336,32 @@
             </a:pPr>
             <a:r>
               <a:rPr lang="en-US" altLang="ko-KR" dirty="0" smtClean="0"/>
+              <a:t>	// $Data</a:t>
+            </a:r>
+          </a:p>
+          <a:p>
+            <a:pPr>
+              <a:buNone/>
+            </a:pPr>
+            <a:r>
+              <a:rPr lang="en-US" altLang="ko-KR" dirty="0" smtClean="0"/>
               <a:t>	</a:t>
             </a:r>
             <a:r>
-              <a:rPr lang="en-US" altLang="ko-KR" dirty="0" smtClean="0"/>
-              <a:t>// $Data</a:t>
+              <a:rPr lang="en-US" altLang="ko-KR" dirty="0" err="1" smtClean="0"/>
+              <a:t>ArrayList</a:t>
+            </a:r>
+            <a:r>
+              <a:rPr lang="en-US" altLang="ko-KR" dirty="0" smtClean="0"/>
+              <a:t>&lt;String&gt; list = new </a:t>
+            </a:r>
+            <a:r>
+              <a:rPr lang="en-US" altLang="ko-KR" dirty="0" err="1" smtClean="0"/>
+              <a:t>ArrayList</a:t>
+            </a:r>
+            <a:r>
+              <a:rPr lang="en-US" altLang="ko-KR" dirty="0" smtClean="0"/>
+              <a:t>&lt;String&gt;( ) ;</a:t>
             </a:r>
           </a:p>
           <a:p>
@@ -6211,19 +6374,29 @@
             </a:r>
             <a:r>
               <a:rPr lang="en-US" altLang="ko-KR" dirty="0" err="1" smtClean="0"/>
-              <a:t>ArrayList</a:t>
-            </a:r>
-            <a:r>
-              <a:rPr lang="en-US" altLang="ko-KR" dirty="0" smtClean="0"/>
-              <a:t>&lt;String&gt; list = new </a:t>
-            </a:r>
-            <a:r>
-              <a:rPr lang="en-US" altLang="ko-KR" dirty="0" err="1" smtClean="0"/>
-              <a:t>ArrayList</a:t>
-            </a:r>
-            <a:r>
-              <a:rPr lang="en-US" altLang="ko-KR" dirty="0" smtClean="0"/>
-              <a:t>&lt;String&gt;( ) ;</a:t>
+              <a:t>list.add</a:t>
+            </a:r>
+            <a:r>
+              <a:rPr lang="en-US" altLang="ko-KR" dirty="0" smtClean="0"/>
+              <a:t>( “item1” ) ;</a:t>
+            </a:r>
+          </a:p>
+          <a:p>
+            <a:pPr>
+              <a:buNone/>
+            </a:pPr>
+            <a:r>
+              <a:rPr lang="en-US" altLang="ko-KR" dirty="0" smtClean="0"/>
+              <a:t>	.	.	.</a:t>
+            </a:r>
+          </a:p>
+          <a:p>
+            <a:pPr>
+              <a:buNone/>
+            </a:pPr>
+            <a:r>
+              <a:rPr lang="en-US" altLang="ko-KR" dirty="0" smtClean="0"/>
+              <a:t>	// $Adapter</a:t>
             </a:r>
           </a:p>
           <a:p>
@@ -6236,49 +6409,6 @@
             </a:r>
             <a:r>
               <a:rPr lang="en-US" altLang="ko-KR" dirty="0" err="1" smtClean="0"/>
-              <a:t>list.add</a:t>
-            </a:r>
-            <a:r>
-              <a:rPr lang="en-US" altLang="ko-KR" dirty="0" smtClean="0"/>
-              <a:t>( “item1” ) ;</a:t>
-            </a:r>
-          </a:p>
-          <a:p>
-            <a:pPr>
-              <a:buNone/>
-            </a:pPr>
-            <a:r>
-              <a:rPr lang="en-US" altLang="ko-KR" dirty="0" smtClean="0"/>
-              <a:t>	</a:t>
-            </a:r>
-            <a:r>
-              <a:rPr lang="en-US" altLang="ko-KR" dirty="0" smtClean="0"/>
-              <a:t>.	.	.</a:t>
-            </a:r>
-          </a:p>
-          <a:p>
-            <a:pPr>
-              <a:buNone/>
-            </a:pPr>
-            <a:r>
-              <a:rPr lang="en-US" altLang="ko-KR" dirty="0" smtClean="0"/>
-              <a:t>	</a:t>
-            </a:r>
-            <a:r>
-              <a:rPr lang="en-US" altLang="ko-KR" dirty="0" smtClean="0"/>
-              <a:t>// $Adapter</a:t>
-            </a:r>
-          </a:p>
-          <a:p>
-            <a:pPr>
-              <a:buNone/>
-            </a:pPr>
-            <a:r>
-              <a:rPr lang="en-US" altLang="ko-KR" dirty="0" smtClean="0"/>
-              <a:t>	</a:t>
-            </a:r>
-            <a:r>
-              <a:rPr lang="en-US" altLang="ko-KR" dirty="0" err="1" smtClean="0"/>
               <a:t>ArrayAdapter</a:t>
             </a:r>
             <a:r>
@@ -6292,11 +6422,7 @@
             </a:pPr>
             <a:r>
               <a:rPr lang="en-US" altLang="ko-KR" dirty="0" smtClean="0"/>
-              <a:t>	</a:t>
-            </a:r>
-            <a:r>
-              <a:rPr lang="en-US" altLang="ko-KR" dirty="0" smtClean="0"/>
-              <a:t> new </a:t>
+              <a:t>	 new </a:t>
             </a:r>
             <a:r>
               <a:rPr lang="en-US" altLang="ko-KR" dirty="0" err="1" smtClean="0"/>
@@ -6319,11 +6445,7 @@
             </a:pPr>
             <a:r>
               <a:rPr lang="en-US" altLang="ko-KR" dirty="0" smtClean="0"/>
-              <a:t>	</a:t>
-            </a:r>
-            <a:r>
-              <a:rPr lang="en-US" altLang="ko-KR" dirty="0" smtClean="0"/>
-              <a:t>// Connect $Adapter to $Data</a:t>
+              <a:t>	// Connect $Adapter to $Data</a:t>
             </a:r>
           </a:p>
           <a:p>
@@ -6399,6 +6521,13 @@
   <p:clrMapOvr>
     <a:masterClrMapping/>
   </p:clrMapOvr>
+  <p:timing>
+    <p:tnLst>
+      <p:par>
+        <p:cTn id="1" dur="indefinite" restart="never" nodeType="tmRoot"/>
+      </p:par>
+    </p:tnLst>
+  </p:timing>
 </p:sld>
 </file>
 
@@ -6506,37 +6635,29 @@
             <a:pPr lvl="1"/>
             <a:r>
               <a:rPr lang="en-US" altLang="ko-KR" dirty="0" smtClean="0"/>
+              <a:t> context : Activity</a:t>
+            </a:r>
+          </a:p>
+          <a:p>
+            <a:pPr lvl="1"/>
+            <a:r>
+              <a:rPr lang="en-US" altLang="ko-KR" dirty="0" smtClean="0"/>
               <a:t> </a:t>
             </a:r>
             <a:r>
-              <a:rPr lang="en-US" altLang="ko-KR" dirty="0" smtClean="0"/>
-              <a:t>context : Activity</a:t>
+              <a:rPr lang="en-US" altLang="ko-KR" dirty="0" err="1" smtClean="0"/>
+              <a:t>rcId</a:t>
+            </a:r>
+            <a:r>
+              <a:rPr lang="en-US" altLang="ko-KR" dirty="0" smtClean="0"/>
+              <a:t> : System-defined layout resource ID</a:t>
             </a:r>
           </a:p>
           <a:p>
             <a:pPr lvl="1"/>
             <a:r>
               <a:rPr lang="en-US" altLang="ko-KR" dirty="0" smtClean="0"/>
-              <a:t> </a:t>
-            </a:r>
-            <a:r>
-              <a:rPr lang="en-US" altLang="ko-KR" dirty="0" err="1" smtClean="0"/>
-              <a:t>rcId</a:t>
-            </a:r>
-            <a:r>
-              <a:rPr lang="en-US" altLang="ko-KR" dirty="0" smtClean="0"/>
-              <a:t> : System-defined layout resource ID</a:t>
-            </a:r>
-          </a:p>
-          <a:p>
-            <a:pPr lvl="1"/>
-            <a:r>
-              <a:rPr lang="en-US" altLang="ko-KR" dirty="0" smtClean="0"/>
-              <a:t> </a:t>
-            </a:r>
-            <a:r>
-              <a:rPr lang="en-US" altLang="ko-KR" dirty="0" smtClean="0"/>
-              <a:t>objects : Data</a:t>
+              <a:t> objects : Data</a:t>
             </a:r>
           </a:p>
           <a:p>
@@ -6552,6 +6673,13 @@
   <p:clrMapOvr>
     <a:masterClrMapping/>
   </p:clrMapOvr>
+  <p:timing>
+    <p:tnLst>
+      <p:par>
+        <p:cTn id="1" dur="indefinite" restart="never" nodeType="tmRoot"/>
+      </p:par>
+    </p:tnLst>
+  </p:timing>
 </p:sld>
 </file>
 

--- a/Android/안드로이드 프로그래밍 정복/Chapter12 어댑터뷰.pptx
+++ b/Android/안드로이드 프로그래밍 정복/Chapter12 어댑터뷰.pptx
@@ -18,16 +18,20 @@
     <p:sldId id="278" r:id="rId12"/>
     <p:sldId id="262" r:id="rId13"/>
     <p:sldId id="263" r:id="rId14"/>
-    <p:sldId id="258" r:id="rId15"/>
-    <p:sldId id="259" r:id="rId16"/>
-    <p:sldId id="264" r:id="rId17"/>
-    <p:sldId id="265" r:id="rId18"/>
-    <p:sldId id="267" r:id="rId19"/>
-    <p:sldId id="268" r:id="rId20"/>
-    <p:sldId id="271" r:id="rId21"/>
-    <p:sldId id="266" r:id="rId22"/>
-    <p:sldId id="269" r:id="rId23"/>
-    <p:sldId id="270" r:id="rId24"/>
+    <p:sldId id="279" r:id="rId15"/>
+    <p:sldId id="281" r:id="rId16"/>
+    <p:sldId id="258" r:id="rId17"/>
+    <p:sldId id="280" r:id="rId18"/>
+    <p:sldId id="282" r:id="rId19"/>
+    <p:sldId id="259" r:id="rId20"/>
+    <p:sldId id="264" r:id="rId21"/>
+    <p:sldId id="265" r:id="rId22"/>
+    <p:sldId id="267" r:id="rId23"/>
+    <p:sldId id="268" r:id="rId24"/>
+    <p:sldId id="271" r:id="rId25"/>
+    <p:sldId id="266" r:id="rId26"/>
+    <p:sldId id="269" r:id="rId27"/>
+    <p:sldId id="270" r:id="rId28"/>
   </p:sldIdLst>
   <p:sldSz cx="9144000" cy="6858000" type="screen4x3"/>
   <p:notesSz cx="6858000" cy="9144000"/>
@@ -311,7 +315,7 @@
             <a:fld id="{FB30EDBD-1C2D-4C1E-B459-B60219FAB484}" type="datetimeFigureOut">
               <a:rPr lang="ko-KR" altLang="en-US" smtClean="0"/>
               <a:pPr/>
-              <a:t>2016-12-18</a:t>
+              <a:t>2016-12-19</a:t>
             </a:fld>
             <a:endParaRPr lang="ko-KR" altLang="en-US"/>
           </a:p>
@@ -478,7 +482,7 @@
             <a:fld id="{FB30EDBD-1C2D-4C1E-B459-B60219FAB484}" type="datetimeFigureOut">
               <a:rPr lang="ko-KR" altLang="en-US" smtClean="0"/>
               <a:pPr/>
-              <a:t>2016-12-18</a:t>
+              <a:t>2016-12-19</a:t>
             </a:fld>
             <a:endParaRPr lang="ko-KR" altLang="en-US"/>
           </a:p>
@@ -655,7 +659,7 @@
             <a:fld id="{FB30EDBD-1C2D-4C1E-B459-B60219FAB484}" type="datetimeFigureOut">
               <a:rPr lang="ko-KR" altLang="en-US" smtClean="0"/>
               <a:pPr/>
-              <a:t>2016-12-18</a:t>
+              <a:t>2016-12-19</a:t>
             </a:fld>
             <a:endParaRPr lang="ko-KR" altLang="en-US"/>
           </a:p>
@@ -822,7 +826,7 @@
             <a:fld id="{FB30EDBD-1C2D-4C1E-B459-B60219FAB484}" type="datetimeFigureOut">
               <a:rPr lang="ko-KR" altLang="en-US" smtClean="0"/>
               <a:pPr/>
-              <a:t>2016-12-18</a:t>
+              <a:t>2016-12-19</a:t>
             </a:fld>
             <a:endParaRPr lang="ko-KR" altLang="en-US"/>
           </a:p>
@@ -1065,7 +1069,7 @@
             <a:fld id="{FB30EDBD-1C2D-4C1E-B459-B60219FAB484}" type="datetimeFigureOut">
               <a:rPr lang="ko-KR" altLang="en-US" smtClean="0"/>
               <a:pPr/>
-              <a:t>2016-12-18</a:t>
+              <a:t>2016-12-19</a:t>
             </a:fld>
             <a:endParaRPr lang="ko-KR" altLang="en-US"/>
           </a:p>
@@ -1350,7 +1354,7 @@
             <a:fld id="{FB30EDBD-1C2D-4C1E-B459-B60219FAB484}" type="datetimeFigureOut">
               <a:rPr lang="ko-KR" altLang="en-US" smtClean="0"/>
               <a:pPr/>
-              <a:t>2016-12-18</a:t>
+              <a:t>2016-12-19</a:t>
             </a:fld>
             <a:endParaRPr lang="ko-KR" altLang="en-US"/>
           </a:p>
@@ -1769,7 +1773,7 @@
             <a:fld id="{FB30EDBD-1C2D-4C1E-B459-B60219FAB484}" type="datetimeFigureOut">
               <a:rPr lang="ko-KR" altLang="en-US" smtClean="0"/>
               <a:pPr/>
-              <a:t>2016-12-18</a:t>
+              <a:t>2016-12-19</a:t>
             </a:fld>
             <a:endParaRPr lang="ko-KR" altLang="en-US"/>
           </a:p>
@@ -1884,7 +1888,7 @@
             <a:fld id="{FB30EDBD-1C2D-4C1E-B459-B60219FAB484}" type="datetimeFigureOut">
               <a:rPr lang="ko-KR" altLang="en-US" smtClean="0"/>
               <a:pPr/>
-              <a:t>2016-12-18</a:t>
+              <a:t>2016-12-19</a:t>
             </a:fld>
             <a:endParaRPr lang="ko-KR" altLang="en-US"/>
           </a:p>
@@ -1976,7 +1980,7 @@
             <a:fld id="{FB30EDBD-1C2D-4C1E-B459-B60219FAB484}" type="datetimeFigureOut">
               <a:rPr lang="ko-KR" altLang="en-US" smtClean="0"/>
               <a:pPr/>
-              <a:t>2016-12-18</a:t>
+              <a:t>2016-12-19</a:t>
             </a:fld>
             <a:endParaRPr lang="ko-KR" altLang="en-US"/>
           </a:p>
@@ -2250,7 +2254,7 @@
             <a:fld id="{FB30EDBD-1C2D-4C1E-B459-B60219FAB484}" type="datetimeFigureOut">
               <a:rPr lang="ko-KR" altLang="en-US" smtClean="0"/>
               <a:pPr/>
-              <a:t>2016-12-18</a:t>
+              <a:t>2016-12-19</a:t>
             </a:fld>
             <a:endParaRPr lang="ko-KR" altLang="en-US"/>
           </a:p>
@@ -2500,7 +2504,7 @@
             <a:fld id="{FB30EDBD-1C2D-4C1E-B459-B60219FAB484}" type="datetimeFigureOut">
               <a:rPr lang="ko-KR" altLang="en-US" smtClean="0"/>
               <a:pPr/>
-              <a:t>2016-12-18</a:t>
+              <a:t>2016-12-19</a:t>
             </a:fld>
             <a:endParaRPr lang="ko-KR" altLang="en-US"/>
           </a:p>
@@ -2710,7 +2714,7 @@
             <a:fld id="{FB30EDBD-1C2D-4C1E-B459-B60219FAB484}" type="datetimeFigureOut">
               <a:rPr lang="ko-KR" altLang="en-US" smtClean="0"/>
               <a:pPr/>
-              <a:t>2016-12-18</a:t>
+              <a:t>2016-12-19</a:t>
             </a:fld>
             <a:endParaRPr lang="ko-KR" altLang="en-US"/>
           </a:p>
@@ -3134,12 +3138,47 @@
   <p:clrMapOvr>
     <a:masterClrMapping/>
   </p:clrMapOvr>
+  <p:timing>
+    <p:tnLst>
+      <p:par>
+        <p:cTn id="1" dur="indefinite" restart="never" nodeType="tmRoot"/>
+      </p:par>
+    </p:tnLst>
+  </p:timing>
 </p:sld>
 </file>
 
 <file path=ppt/slides/slide10.xml><?xml version="1.0" encoding="utf-8"?>
 <p:sld xmlns:a="http://schemas.openxmlformats.org/drawingml/2006/main" xmlns:r="http://schemas.openxmlformats.org/officeDocument/2006/relationships" xmlns:p="http://schemas.openxmlformats.org/presentationml/2006/main">
   <p:cSld>
+    <p:bg>
+      <p:bgPr>
+        <a:gradFill>
+          <a:gsLst>
+            <a:gs pos="0">
+              <a:schemeClr val="accent1">
+                <a:tint val="66000"/>
+                <a:satMod val="160000"/>
+              </a:schemeClr>
+            </a:gs>
+            <a:gs pos="50000">
+              <a:schemeClr val="accent1">
+                <a:tint val="44500"/>
+                <a:satMod val="160000"/>
+              </a:schemeClr>
+            </a:gs>
+            <a:gs pos="100000">
+              <a:schemeClr val="accent1">
+                <a:tint val="23500"/>
+                <a:satMod val="160000"/>
+              </a:schemeClr>
+            </a:gs>
+          </a:gsLst>
+          <a:lin ang="5400000" scaled="0"/>
+        </a:gradFill>
+        <a:effectLst/>
+      </p:bgPr>
+    </p:bg>
     <p:spTree>
       <p:nvGrpSpPr>
         <p:cNvPr id="1" name=""/>
@@ -3201,7 +3240,9 @@
         </p:nvSpPr>
         <p:spPr/>
         <p:txBody>
-          <a:bodyPr/>
+          <a:bodyPr>
+            <a:normAutofit fontScale="77500" lnSpcReduction="20000"/>
+          </a:bodyPr>
           <a:lstStyle/>
           <a:p>
             <a:r>
@@ -3210,9 +3251,209 @@
             </a:r>
             <a:r>
               <a:rPr lang="ko-KR" altLang="en-US" dirty="0" smtClean="0"/>
-              <a:t>데이터 읽어오기</a:t>
-            </a:r>
-            <a:endParaRPr lang="ko-KR" altLang="en-US" dirty="0"/>
+              <a:t>데이터 </a:t>
+            </a:r>
+            <a:r>
+              <a:rPr lang="ko-KR" altLang="en-US" dirty="0" smtClean="0"/>
+              <a:t>읽어오기</a:t>
+            </a:r>
+            <a:endParaRPr lang="en-US" altLang="ko-KR" dirty="0" smtClean="0"/>
+          </a:p>
+          <a:p>
+            <a:r>
+              <a:rPr lang="en-US" altLang="ko-KR" dirty="0" smtClean="0"/>
+              <a:t>Resource file</a:t>
+            </a:r>
+          </a:p>
+          <a:p>
+            <a:pPr>
+              <a:buNone/>
+            </a:pPr>
+            <a:r>
+              <a:rPr lang="en-US" altLang="ko-KR" dirty="0" smtClean="0"/>
+              <a:t>&lt;resources&gt;</a:t>
+            </a:r>
+          </a:p>
+          <a:p>
+            <a:pPr>
+              <a:buNone/>
+            </a:pPr>
+            <a:r>
+              <a:rPr lang="en-US" altLang="ko-KR" dirty="0" smtClean="0"/>
+              <a:t>	</a:t>
+            </a:r>
+            <a:r>
+              <a:rPr lang="en-US" altLang="ko-KR" dirty="0" smtClean="0"/>
+              <a:t>&lt;string-array name=“country”&gt;</a:t>
+            </a:r>
+          </a:p>
+          <a:p>
+            <a:pPr>
+              <a:buNone/>
+            </a:pPr>
+            <a:r>
+              <a:rPr lang="en-US" altLang="ko-KR" dirty="0" smtClean="0"/>
+              <a:t>	</a:t>
+            </a:r>
+            <a:r>
+              <a:rPr lang="en-US" altLang="ko-KR" dirty="0" smtClean="0"/>
+              <a:t>	&lt;item&gt;</a:t>
+            </a:r>
+            <a:r>
+              <a:rPr lang="ko-KR" altLang="en-US" dirty="0" smtClean="0"/>
+              <a:t>조선</a:t>
+            </a:r>
+            <a:r>
+              <a:rPr lang="en-US" altLang="ko-KR" dirty="0" smtClean="0"/>
+              <a:t>&lt;/</a:t>
+            </a:r>
+            <a:r>
+              <a:rPr lang="en-US" altLang="ko-KR" dirty="0" smtClean="0"/>
+              <a:t>item&gt;</a:t>
+            </a:r>
+          </a:p>
+          <a:p>
+            <a:pPr>
+              <a:buNone/>
+            </a:pPr>
+            <a:r>
+              <a:rPr lang="en-US" altLang="ko-KR" dirty="0" smtClean="0"/>
+              <a:t>	</a:t>
+            </a:r>
+            <a:r>
+              <a:rPr lang="en-US" altLang="ko-KR" dirty="0" smtClean="0"/>
+              <a:t>		.	.	.</a:t>
+            </a:r>
+          </a:p>
+          <a:p>
+            <a:r>
+              <a:rPr lang="en-US" altLang="ko-KR" dirty="0" smtClean="0"/>
+              <a:t>Code</a:t>
+            </a:r>
+          </a:p>
+          <a:p>
+            <a:pPr>
+              <a:buNone/>
+            </a:pPr>
+            <a:r>
+              <a:rPr lang="en-US" altLang="ko-KR" dirty="0" err="1" smtClean="0"/>
+              <a:t>ArrayAdapter</a:t>
+            </a:r>
+            <a:r>
+              <a:rPr lang="en-US" altLang="ko-KR" dirty="0" smtClean="0"/>
+              <a:t>&lt;</a:t>
+            </a:r>
+            <a:r>
+              <a:rPr lang="en-US" altLang="ko-KR" dirty="0" err="1" smtClean="0"/>
+              <a:t>CharSequence</a:t>
+            </a:r>
+            <a:r>
+              <a:rPr lang="en-US" altLang="ko-KR" dirty="0" smtClean="0"/>
+              <a:t>&gt; adapter=</a:t>
+            </a:r>
+          </a:p>
+          <a:p>
+            <a:pPr>
+              <a:buNone/>
+            </a:pPr>
+            <a:r>
+              <a:rPr lang="en-US" altLang="ko-KR" dirty="0" smtClean="0"/>
+              <a:t> </a:t>
+            </a:r>
+            <a:r>
+              <a:rPr lang="en-US" altLang="ko-KR" dirty="0" err="1" smtClean="0"/>
+              <a:t>ArrayAdapter.</a:t>
+            </a:r>
+            <a:r>
+              <a:rPr lang="en-US" altLang="ko-KR" b="1" i="1" dirty="0" err="1" smtClean="0">
+                <a:solidFill>
+                  <a:schemeClr val="accent5">
+                    <a:lumMod val="50000"/>
+                  </a:schemeClr>
+                </a:solidFill>
+              </a:rPr>
+              <a:t>createFromResource</a:t>
+            </a:r>
+            <a:r>
+              <a:rPr lang="en-US" altLang="ko-KR" dirty="0" smtClean="0"/>
+              <a:t>( this, </a:t>
+            </a:r>
+            <a:r>
+              <a:rPr lang="en-US" altLang="ko-KR" dirty="0" err="1" smtClean="0"/>
+              <a:t>R.array.country</a:t>
+            </a:r>
+            <a:r>
+              <a:rPr lang="en-US" altLang="ko-KR" dirty="0" smtClean="0"/>
+              <a:t>, android.R.layout.simple_list_item_1 ) ;</a:t>
+            </a:r>
+          </a:p>
+          <a:p>
+            <a:pPr>
+              <a:buNone/>
+            </a:pPr>
+            <a:r>
+              <a:rPr lang="en-US" altLang="ko-KR" dirty="0" err="1" smtClean="0"/>
+              <a:t>ListView</a:t>
+            </a:r>
+            <a:r>
+              <a:rPr lang="en-US" altLang="ko-KR" dirty="0" smtClean="0"/>
+              <a:t> </a:t>
+            </a:r>
+            <a:r>
+              <a:rPr lang="en-US" altLang="ko-KR" dirty="0" err="1" smtClean="0"/>
+              <a:t>listView</a:t>
+            </a:r>
+            <a:r>
+              <a:rPr lang="en-US" altLang="ko-KR" dirty="0" smtClean="0"/>
+              <a:t>=(</a:t>
+            </a:r>
+            <a:r>
+              <a:rPr lang="en-US" altLang="ko-KR" dirty="0" err="1" smtClean="0"/>
+              <a:t>ListView</a:t>
+            </a:r>
+            <a:r>
+              <a:rPr lang="en-US" altLang="ko-KR" dirty="0" smtClean="0"/>
+              <a:t>)</a:t>
+            </a:r>
+            <a:r>
+              <a:rPr lang="en-US" altLang="ko-KR" dirty="0" err="1" smtClean="0"/>
+              <a:t>findViewById</a:t>
+            </a:r>
+            <a:r>
+              <a:rPr lang="en-US" altLang="ko-KR" dirty="0" smtClean="0"/>
+              <a:t>(</a:t>
+            </a:r>
+            <a:r>
+              <a:rPr lang="en-US" altLang="ko-KR" dirty="0" err="1" smtClean="0"/>
+              <a:t>R.id.list</a:t>
+            </a:r>
+            <a:r>
+              <a:rPr lang="en-US" altLang="ko-KR" dirty="0" smtClean="0"/>
+              <a:t>) ;</a:t>
+            </a:r>
+          </a:p>
+          <a:p>
+            <a:pPr>
+              <a:buNone/>
+            </a:pPr>
+            <a:r>
+              <a:rPr lang="en-US" altLang="ko-KR" dirty="0" err="1" smtClean="0"/>
+              <a:t>listView.</a:t>
+            </a:r>
+            <a:r>
+              <a:rPr lang="en-US" altLang="ko-KR" b="1" i="1" dirty="0" err="1" smtClean="0">
+                <a:solidFill>
+                  <a:schemeClr val="accent5">
+                    <a:lumMod val="50000"/>
+                  </a:schemeClr>
+                </a:solidFill>
+              </a:rPr>
+              <a:t>setAdapter</a:t>
+            </a:r>
+            <a:r>
+              <a:rPr lang="en-US" altLang="ko-KR" dirty="0" smtClean="0"/>
+              <a:t>( adapter ) ;</a:t>
+            </a:r>
           </a:p>
         </p:txBody>
       </p:sp>
@@ -3221,12 +3462,47 @@
   <p:clrMapOvr>
     <a:masterClrMapping/>
   </p:clrMapOvr>
+  <p:timing>
+    <p:tnLst>
+      <p:par>
+        <p:cTn id="1" dur="indefinite" restart="never" nodeType="tmRoot"/>
+      </p:par>
+    </p:tnLst>
+  </p:timing>
 </p:sld>
 </file>
 
 <file path=ppt/slides/slide11.xml><?xml version="1.0" encoding="utf-8"?>
 <p:sld xmlns:a="http://schemas.openxmlformats.org/drawingml/2006/main" xmlns:r="http://schemas.openxmlformats.org/officeDocument/2006/relationships" xmlns:p="http://schemas.openxmlformats.org/presentationml/2006/main">
   <p:cSld>
+    <p:bg>
+      <p:bgPr>
+        <a:gradFill>
+          <a:gsLst>
+            <a:gs pos="0">
+              <a:schemeClr val="accent1">
+                <a:tint val="66000"/>
+                <a:satMod val="160000"/>
+              </a:schemeClr>
+            </a:gs>
+            <a:gs pos="50000">
+              <a:schemeClr val="accent1">
+                <a:tint val="44500"/>
+                <a:satMod val="160000"/>
+              </a:schemeClr>
+            </a:gs>
+            <a:gs pos="100000">
+              <a:schemeClr val="accent1">
+                <a:tint val="23500"/>
+                <a:satMod val="160000"/>
+              </a:schemeClr>
+            </a:gs>
+          </a:gsLst>
+          <a:lin ang="5400000" scaled="0"/>
+        </a:gradFill>
+        <a:effectLst/>
+      </p:bgPr>
+    </p:bg>
     <p:spTree>
       <p:nvGrpSpPr>
         <p:cNvPr id="1" name=""/>
@@ -3251,7 +3527,12 @@
             <p:ph type="title"/>
           </p:nvPr>
         </p:nvSpPr>
-        <p:spPr/>
+        <p:spPr>
+          <a:xfrm>
+            <a:off x="457200" y="274638"/>
+            <a:ext cx="8229600" cy="796908"/>
+          </a:xfrm>
+        </p:spPr>
         <p:txBody>
           <a:bodyPr/>
           <a:lstStyle/>
@@ -3286,9 +3567,16 @@
             <p:ph idx="1"/>
           </p:nvPr>
         </p:nvSpPr>
-        <p:spPr/>
-        <p:txBody>
-          <a:bodyPr/>
+        <p:spPr>
+          <a:xfrm>
+            <a:off x="457200" y="1000108"/>
+            <a:ext cx="8229600" cy="5500726"/>
+          </a:xfrm>
+        </p:spPr>
+        <p:txBody>
+          <a:bodyPr>
+            <a:normAutofit fontScale="77500" lnSpcReduction="20000"/>
+          </a:bodyPr>
           <a:lstStyle/>
           <a:p>
             <a:r>
@@ -3297,9 +3585,210 @@
             </a:r>
             <a:r>
               <a:rPr lang="ko-KR" altLang="en-US" dirty="0" smtClean="0"/>
-              <a:t> 속성</a:t>
-            </a:r>
-            <a:endParaRPr lang="ko-KR" altLang="en-US" dirty="0"/>
+              <a:t> </a:t>
+            </a:r>
+            <a:r>
+              <a:rPr lang="ko-KR" altLang="en-US" dirty="0" smtClean="0"/>
+              <a:t>속성</a:t>
+            </a:r>
+            <a:endParaRPr lang="en-US" altLang="ko-KR" dirty="0" smtClean="0"/>
+          </a:p>
+          <a:p>
+            <a:pPr lvl="1"/>
+            <a:r>
+              <a:rPr lang="en-US" altLang="ko-KR" dirty="0" err="1" smtClean="0"/>
+              <a:t>choiceMode</a:t>
+            </a:r>
+            <a:r>
+              <a:rPr lang="en-US" altLang="ko-KR" dirty="0" smtClean="0"/>
+              <a:t> </a:t>
+            </a:r>
+            <a:r>
+              <a:rPr lang="en-US" altLang="ko-KR" dirty="0" smtClean="0"/>
+              <a:t>: </a:t>
+            </a:r>
+            <a:r>
+              <a:rPr lang="ko-KR" altLang="en-US" dirty="0" err="1" smtClean="0"/>
+              <a:t>선택가능한</a:t>
+            </a:r>
+            <a:r>
+              <a:rPr lang="ko-KR" altLang="en-US" dirty="0" smtClean="0"/>
+              <a:t> 항목 개수</a:t>
+            </a:r>
+            <a:r>
+              <a:rPr lang="en-US" altLang="ko-KR" dirty="0" smtClean="0"/>
+              <a:t> </a:t>
+            </a:r>
+            <a:r>
+              <a:rPr lang="en-US" altLang="ko-KR" dirty="0" smtClean="0"/>
+              <a:t>	</a:t>
+            </a:r>
+            <a:r>
+              <a:rPr lang="en-US" altLang="ko-KR" dirty="0" smtClean="0"/>
+              <a:t>CHOICE_MODE_NONE, CHOICE_MODE_SINGLE, 	CHOICE_MODE_MULTIPLE</a:t>
+            </a:r>
+            <a:endParaRPr lang="en-US" altLang="ko-KR" dirty="0" smtClean="0"/>
+          </a:p>
+          <a:p>
+            <a:pPr lvl="1"/>
+            <a:r>
+              <a:rPr lang="en-US" altLang="ko-KR" dirty="0" smtClean="0"/>
+              <a:t>divider : </a:t>
+            </a:r>
+            <a:r>
+              <a:rPr lang="ko-KR" altLang="en-US" dirty="0" smtClean="0"/>
+              <a:t>구분선의 색깔 또는 </a:t>
+            </a:r>
+            <a:r>
+              <a:rPr lang="en-US" altLang="ko-KR" dirty="0" err="1" smtClean="0"/>
+              <a:t>drawable</a:t>
+            </a:r>
+            <a:r>
+              <a:rPr lang="en-US" altLang="ko-KR" dirty="0" smtClean="0"/>
+              <a:t> </a:t>
+            </a:r>
+            <a:r>
+              <a:rPr lang="ko-KR" altLang="en-US" dirty="0" smtClean="0"/>
+              <a:t>개체</a:t>
+            </a:r>
+            <a:endParaRPr lang="en-US" altLang="ko-KR" dirty="0" smtClean="0"/>
+          </a:p>
+          <a:p>
+            <a:pPr lvl="1"/>
+            <a:r>
+              <a:rPr lang="en-US" altLang="ko-KR" dirty="0" err="1" smtClean="0"/>
+              <a:t>dividerHeight</a:t>
+            </a:r>
+            <a:r>
+              <a:rPr lang="en-US" altLang="ko-KR" dirty="0" smtClean="0"/>
+              <a:t> : </a:t>
+            </a:r>
+            <a:r>
+              <a:rPr lang="ko-KR" altLang="en-US" dirty="0" smtClean="0"/>
+              <a:t>구분선의 높이</a:t>
+            </a:r>
+            <a:endParaRPr lang="en-US" altLang="ko-KR" dirty="0" smtClean="0"/>
+          </a:p>
+          <a:p>
+            <a:pPr lvl="1"/>
+            <a:r>
+              <a:rPr lang="en-US" altLang="ko-KR" dirty="0" smtClean="0"/>
+              <a:t>entries : </a:t>
+            </a:r>
+            <a:r>
+              <a:rPr lang="ko-KR" altLang="en-US" dirty="0" smtClean="0"/>
+              <a:t>표시할 배열</a:t>
+            </a:r>
+            <a:endParaRPr lang="en-US" altLang="ko-KR" dirty="0" smtClean="0"/>
+          </a:p>
+          <a:p>
+            <a:pPr lvl="1"/>
+            <a:endParaRPr lang="en-US" altLang="ko-KR" dirty="0" smtClean="0"/>
+          </a:p>
+          <a:p>
+            <a:r>
+              <a:rPr lang="en-US" altLang="ko-KR" dirty="0" smtClean="0"/>
+              <a:t>code</a:t>
+            </a:r>
+            <a:endParaRPr lang="en-US" altLang="ko-KR" dirty="0" smtClean="0"/>
+          </a:p>
+          <a:p>
+            <a:pPr>
+              <a:buNone/>
+            </a:pPr>
+            <a:r>
+              <a:rPr lang="en-US" altLang="ko-KR" dirty="0" smtClean="0"/>
+              <a:t>	</a:t>
+            </a:r>
+            <a:r>
+              <a:rPr lang="en-US" altLang="ko-KR" dirty="0" err="1" smtClean="0"/>
+              <a:t>listView.setChoiceMode</a:t>
+            </a:r>
+            <a:r>
+              <a:rPr lang="en-US" altLang="ko-KR" dirty="0" smtClean="0"/>
+              <a:t>(</a:t>
+            </a:r>
+          </a:p>
+          <a:p>
+            <a:pPr>
+              <a:buNone/>
+            </a:pPr>
+            <a:r>
+              <a:rPr lang="en-US" altLang="ko-KR" dirty="0" smtClean="0"/>
+              <a:t>	</a:t>
+            </a:r>
+            <a:r>
+              <a:rPr lang="en-US" altLang="ko-KR" dirty="0" smtClean="0"/>
+              <a:t>	</a:t>
+            </a:r>
+            <a:r>
+              <a:rPr lang="en-US" altLang="ko-KR" dirty="0" err="1" smtClean="0"/>
+              <a:t>ListView.CHOICE_MODE_SINGLE</a:t>
+            </a:r>
+            <a:r>
+              <a:rPr lang="en-US" altLang="ko-KR" dirty="0" smtClean="0"/>
+              <a:t>)</a:t>
+            </a:r>
+          </a:p>
+          <a:p>
+            <a:pPr>
+              <a:buNone/>
+            </a:pPr>
+            <a:r>
+              <a:rPr lang="en-US" altLang="ko-KR" dirty="0" smtClean="0"/>
+              <a:t>	</a:t>
+            </a:r>
+            <a:r>
+              <a:rPr lang="en-US" altLang="ko-KR" dirty="0" err="1" smtClean="0"/>
+              <a:t>listView.setDivider</a:t>
+            </a:r>
+            <a:r>
+              <a:rPr lang="en-US" altLang="ko-KR" dirty="0" smtClean="0"/>
+              <a:t>(new </a:t>
+            </a:r>
+            <a:r>
+              <a:rPr lang="en-US" altLang="ko-KR" dirty="0" err="1" smtClean="0"/>
+              <a:t>ColorDrawable</a:t>
+            </a:r>
+            <a:r>
+              <a:rPr lang="en-US" altLang="ko-KR" dirty="0" smtClean="0"/>
+              <a:t>(</a:t>
+            </a:r>
+            <a:r>
+              <a:rPr lang="en-US" altLang="ko-KR" dirty="0" err="1" smtClean="0"/>
+              <a:t>Color.YELLOW</a:t>
+            </a:r>
+            <a:r>
+              <a:rPr lang="en-US" altLang="ko-KR" dirty="0" smtClean="0"/>
+              <a:t>))</a:t>
+            </a:r>
+          </a:p>
+          <a:p>
+            <a:pPr>
+              <a:buNone/>
+            </a:pPr>
+            <a:r>
+              <a:rPr lang="en-US" altLang="ko-KR" dirty="0" smtClean="0"/>
+              <a:t>	</a:t>
+            </a:r>
+            <a:r>
+              <a:rPr lang="en-US" altLang="ko-KR" dirty="0" err="1" smtClean="0"/>
+              <a:t>listView.setDividerHeight</a:t>
+            </a:r>
+            <a:r>
+              <a:rPr lang="en-US" altLang="ko-KR" dirty="0" smtClean="0"/>
+              <a:t>(5)</a:t>
+            </a:r>
+          </a:p>
+          <a:p>
+            <a:pPr>
+              <a:buNone/>
+            </a:pPr>
+            <a:r>
+              <a:rPr lang="en-US" altLang="ko-KR" dirty="0" smtClean="0"/>
+              <a:t>	</a:t>
+            </a:r>
+            <a:endParaRPr lang="en-US" altLang="ko-KR" dirty="0" smtClean="0"/>
           </a:p>
         </p:txBody>
       </p:sp>
@@ -3308,6 +3797,13 @@
   <p:clrMapOvr>
     <a:masterClrMapping/>
   </p:clrMapOvr>
+  <p:timing>
+    <p:tnLst>
+      <p:par>
+        <p:cTn id="1" dur="indefinite" restart="never" nodeType="tmRoot"/>
+      </p:par>
+    </p:tnLst>
+  </p:timing>
 </p:sld>
 </file>
 
@@ -3367,10 +3863,154 @@
         </p:nvSpPr>
         <p:spPr/>
         <p:txBody>
-          <a:bodyPr/>
-          <a:lstStyle/>
-          <a:p>
-            <a:endParaRPr lang="ko-KR" altLang="en-US"/>
+          <a:bodyPr>
+            <a:normAutofit fontScale="92500" lnSpcReduction="20000"/>
+          </a:bodyPr>
+          <a:lstStyle/>
+          <a:p>
+            <a:r>
+              <a:rPr lang="ko-KR" altLang="en-US" dirty="0" err="1" smtClean="0"/>
+              <a:t>어댑터뷰의</a:t>
+            </a:r>
+            <a:r>
+              <a:rPr lang="ko-KR" altLang="en-US" dirty="0" smtClean="0"/>
+              <a:t> </a:t>
+            </a:r>
+            <a:r>
+              <a:rPr lang="ko-KR" altLang="en-US" dirty="0" smtClean="0"/>
+              <a:t>항목을 클릭 </a:t>
+            </a:r>
+            <a:r>
+              <a:rPr lang="ko-KR" altLang="en-US" dirty="0" err="1" smtClean="0"/>
+              <a:t>메서드</a:t>
+            </a:r>
+            <a:endParaRPr lang="en-US" altLang="ko-KR" dirty="0" smtClean="0"/>
+          </a:p>
+          <a:p>
+            <a:pPr>
+              <a:buNone/>
+            </a:pPr>
+            <a:r>
+              <a:rPr lang="en-US" altLang="ko-KR" dirty="0" smtClean="0"/>
+              <a:t>	</a:t>
+            </a:r>
+            <a:r>
+              <a:rPr lang="en-US" altLang="ko-KR" dirty="0" err="1" smtClean="0"/>
+              <a:t>OnItemClickListener</a:t>
+            </a:r>
+            <a:r>
+              <a:rPr lang="en-US" altLang="ko-KR" dirty="0" smtClean="0"/>
+              <a:t> </a:t>
+            </a:r>
+            <a:r>
+              <a:rPr lang="en-US" altLang="ko-KR" dirty="0" smtClean="0"/>
+              <a:t>{</a:t>
+            </a:r>
+          </a:p>
+          <a:p>
+            <a:pPr>
+              <a:buNone/>
+            </a:pPr>
+            <a:r>
+              <a:rPr lang="en-US" altLang="ko-KR" dirty="0" smtClean="0"/>
+              <a:t>	</a:t>
+            </a:r>
+            <a:r>
+              <a:rPr lang="en-US" altLang="ko-KR" dirty="0" smtClean="0"/>
+              <a:t>	</a:t>
+            </a:r>
+            <a:r>
+              <a:rPr lang="en-US" altLang="ko-KR" b="1" i="1" dirty="0" err="1" smtClean="0">
+                <a:solidFill>
+                  <a:schemeClr val="accent5">
+                    <a:lumMod val="50000"/>
+                  </a:schemeClr>
+                </a:solidFill>
+              </a:rPr>
+              <a:t>onItemClick</a:t>
+            </a:r>
+            <a:r>
+              <a:rPr lang="en-US" altLang="ko-KR" dirty="0" smtClean="0"/>
+              <a:t>( … ) {</a:t>
+            </a:r>
+          </a:p>
+          <a:p>
+            <a:pPr>
+              <a:buNone/>
+            </a:pPr>
+            <a:endParaRPr lang="en-US" altLang="ko-KR" dirty="0" smtClean="0"/>
+          </a:p>
+          <a:p>
+            <a:r>
+              <a:rPr lang="en-US" altLang="ko-KR" dirty="0" smtClean="0"/>
+              <a:t>Item Listeners</a:t>
+            </a:r>
+          </a:p>
+          <a:p>
+            <a:pPr lvl="1"/>
+            <a:r>
+              <a:rPr lang="en-US" altLang="ko-KR" dirty="0" err="1" smtClean="0"/>
+              <a:t>setOnItemClickListener</a:t>
+            </a:r>
+            <a:r>
+              <a:rPr lang="en-US" altLang="ko-KR" dirty="0" smtClean="0"/>
+              <a:t>(</a:t>
+            </a:r>
+            <a:r>
+              <a:rPr lang="en-US" altLang="ko-KR" dirty="0" err="1" smtClean="0"/>
+              <a:t>AdapterView.OnItemClickListener</a:t>
+            </a:r>
+            <a:r>
+              <a:rPr lang="en-US" altLang="ko-KR" dirty="0" smtClean="0"/>
+              <a:t> listener)</a:t>
+            </a:r>
+          </a:p>
+          <a:p>
+            <a:pPr lvl="1"/>
+            <a:r>
+              <a:rPr lang="en-US" altLang="ko-KR" dirty="0" err="1" smtClean="0"/>
+              <a:t>setOnItemLongClickListener</a:t>
+            </a:r>
+            <a:r>
+              <a:rPr lang="en-US" altLang="ko-KR" dirty="0" smtClean="0"/>
+              <a:t>(</a:t>
+            </a:r>
+            <a:r>
+              <a:rPr lang="en-US" altLang="ko-KR" dirty="0" err="1" smtClean="0"/>
+              <a:t>AdapterView.OnItemLongClickListener</a:t>
+            </a:r>
+            <a:r>
+              <a:rPr lang="en-US" altLang="ko-KR" dirty="0" smtClean="0"/>
+              <a:t> </a:t>
+            </a:r>
+            <a:r>
+              <a:rPr lang="en-US" altLang="ko-KR" dirty="0" smtClean="0"/>
+              <a:t>listener)</a:t>
+            </a:r>
+          </a:p>
+          <a:p>
+            <a:pPr lvl="1"/>
+            <a:r>
+              <a:rPr lang="en-US" altLang="ko-KR" dirty="0" err="1" smtClean="0"/>
+              <a:t>setOnItemSelectedListener</a:t>
+            </a:r>
+            <a:r>
+              <a:rPr lang="en-US" altLang="ko-KR" dirty="0" smtClean="0"/>
+              <a:t>(</a:t>
+            </a:r>
+            <a:r>
+              <a:rPr lang="en-US" altLang="ko-KR" dirty="0" err="1" smtClean="0"/>
+              <a:t>AdapterView.OnItemSelectedListener</a:t>
+            </a:r>
+            <a:r>
+              <a:rPr lang="en-US" altLang="ko-KR" dirty="0" smtClean="0"/>
+              <a:t> </a:t>
+            </a:r>
+            <a:r>
+              <a:rPr lang="en-US" altLang="ko-KR" dirty="0" smtClean="0"/>
+              <a:t>listener)</a:t>
+            </a:r>
+            <a:endParaRPr lang="en-US" altLang="ko-KR" dirty="0" smtClean="0"/>
           </a:p>
         </p:txBody>
       </p:sp>
@@ -3379,6 +4019,13 @@
   <p:clrMapOvr>
     <a:masterClrMapping/>
   </p:clrMapOvr>
+  <p:timing>
+    <p:tnLst>
+      <p:par>
+        <p:cTn id="1" dur="indefinite" restart="never" nodeType="tmRoot"/>
+      </p:par>
+    </p:tnLst>
+  </p:timing>
 </p:sld>
 </file>
 
@@ -3438,8 +4085,172 @@
         </p:nvSpPr>
         <p:spPr/>
         <p:txBody>
-          <a:bodyPr/>
-          <a:lstStyle/>
+          <a:bodyPr>
+            <a:normAutofit fontScale="85000" lnSpcReduction="20000"/>
+          </a:bodyPr>
+          <a:lstStyle/>
+          <a:p>
+            <a:r>
+              <a:rPr lang="ko-KR" altLang="en-US" dirty="0" smtClean="0"/>
+              <a:t>실행 중 항목을 편집가능</a:t>
+            </a:r>
+            <a:endParaRPr lang="en-US" altLang="ko-KR" dirty="0" smtClean="0"/>
+          </a:p>
+          <a:p>
+            <a:endParaRPr lang="en-US" altLang="ko-KR" dirty="0" smtClean="0"/>
+          </a:p>
+          <a:p>
+            <a:pPr>
+              <a:buNone/>
+            </a:pPr>
+            <a:r>
+              <a:rPr lang="en-US" altLang="ko-KR" dirty="0" smtClean="0"/>
+              <a:t>	</a:t>
+            </a:r>
+            <a:r>
+              <a:rPr lang="en-US" altLang="ko-KR" dirty="0" err="1" smtClean="0"/>
+              <a:t>d</a:t>
+            </a:r>
+            <a:r>
+              <a:rPr lang="en-US" altLang="ko-KR" dirty="0" err="1" smtClean="0"/>
+              <a:t>ataItems.add</a:t>
+            </a:r>
+            <a:r>
+              <a:rPr lang="en-US" altLang="ko-KR" dirty="0" smtClean="0"/>
+              <a:t>( item ) </a:t>
+            </a:r>
+          </a:p>
+          <a:p>
+            <a:pPr>
+              <a:buNone/>
+            </a:pPr>
+            <a:r>
+              <a:rPr lang="en-US" altLang="ko-KR" dirty="0" smtClean="0"/>
+              <a:t>	</a:t>
+            </a:r>
+            <a:r>
+              <a:rPr lang="en-US" altLang="ko-KR" dirty="0" err="1" smtClean="0"/>
+              <a:t>adapter.notifyDataSetChanged</a:t>
+            </a:r>
+            <a:r>
+              <a:rPr lang="en-US" altLang="ko-KR" dirty="0" smtClean="0"/>
+              <a:t>( ) </a:t>
+            </a:r>
+          </a:p>
+          <a:p>
+            <a:pPr>
+              <a:buNone/>
+            </a:pPr>
+            <a:r>
+              <a:rPr lang="en-US" altLang="ko-KR" dirty="0" smtClean="0"/>
+              <a:t>	</a:t>
+            </a:r>
+          </a:p>
+          <a:p>
+            <a:pPr>
+              <a:buNone/>
+            </a:pPr>
+            <a:r>
+              <a:rPr lang="en-US" altLang="ko-KR" dirty="0" smtClean="0"/>
+              <a:t>	</a:t>
+            </a:r>
+            <a:r>
+              <a:rPr lang="en-US" altLang="ko-KR" dirty="0" smtClean="0"/>
+              <a:t>pos = </a:t>
+            </a:r>
+            <a:r>
+              <a:rPr lang="en-US" altLang="ko-KR" dirty="0" err="1" smtClean="0"/>
+              <a:t>list.getCheckedItemPosition</a:t>
+            </a:r>
+            <a:r>
+              <a:rPr lang="en-US" altLang="ko-KR" dirty="0" smtClean="0"/>
+              <a:t>( )</a:t>
+            </a:r>
+          </a:p>
+          <a:p>
+            <a:pPr>
+              <a:buNone/>
+            </a:pPr>
+            <a:r>
+              <a:rPr lang="en-US" altLang="ko-KR" dirty="0" smtClean="0"/>
+              <a:t>	</a:t>
+            </a:r>
+            <a:r>
+              <a:rPr lang="en-US" altLang="ko-KR" dirty="0" smtClean="0"/>
+              <a:t>if( pos != </a:t>
+            </a:r>
+            <a:r>
+              <a:rPr lang="en-US" altLang="ko-KR" dirty="0" err="1" smtClean="0"/>
+              <a:t>ListView.INVALID_POSITION</a:t>
+            </a:r>
+            <a:r>
+              <a:rPr lang="en-US" altLang="ko-KR" dirty="0" smtClean="0"/>
+              <a:t> ) {</a:t>
+            </a:r>
+            <a:endParaRPr lang="en-US" altLang="ko-KR" dirty="0" smtClean="0"/>
+          </a:p>
+          <a:p>
+            <a:pPr>
+              <a:buNone/>
+            </a:pPr>
+            <a:r>
+              <a:rPr lang="en-US" altLang="ko-KR" dirty="0" smtClean="0"/>
+              <a:t>		</a:t>
+            </a:r>
+            <a:r>
+              <a:rPr lang="en-US" altLang="ko-KR" dirty="0" err="1" smtClean="0"/>
+              <a:t>dataItems.remove</a:t>
+            </a:r>
+            <a:r>
+              <a:rPr lang="en-US" altLang="ko-KR" dirty="0" smtClean="0"/>
+              <a:t>( pos )</a:t>
+            </a:r>
+          </a:p>
+          <a:p>
+            <a:pPr>
+              <a:buNone/>
+            </a:pPr>
+            <a:r>
+              <a:rPr lang="en-US" altLang="ko-KR" dirty="0" smtClean="0"/>
+              <a:t>	</a:t>
+            </a:r>
+            <a:r>
+              <a:rPr lang="en-US" altLang="ko-KR" dirty="0" smtClean="0"/>
+              <a:t>	</a:t>
+            </a:r>
+            <a:r>
+              <a:rPr lang="en-US" altLang="ko-KR" dirty="0" err="1" smtClean="0"/>
+              <a:t>listView.clearChoices</a:t>
+            </a:r>
+            <a:r>
+              <a:rPr lang="en-US" altLang="ko-KR" dirty="0" smtClean="0"/>
+              <a:t>( ) </a:t>
+            </a:r>
+          </a:p>
+          <a:p>
+            <a:pPr>
+              <a:buNone/>
+            </a:pPr>
+            <a:r>
+              <a:rPr lang="en-US" altLang="ko-KR" dirty="0" smtClean="0"/>
+              <a:t>	</a:t>
+            </a:r>
+            <a:r>
+              <a:rPr lang="en-US" altLang="ko-KR" dirty="0" smtClean="0"/>
+              <a:t>	</a:t>
+            </a:r>
+            <a:r>
+              <a:rPr lang="en-US" altLang="ko-KR" dirty="0" err="1" smtClean="0"/>
+              <a:t>adapter.notifyDataSetChanged</a:t>
+            </a:r>
+            <a:r>
+              <a:rPr lang="en-US" altLang="ko-KR" dirty="0" smtClean="0"/>
+              <a:t>( ) </a:t>
+            </a:r>
+          </a:p>
+          <a:p>
+            <a:endParaRPr lang="en-US" altLang="ko-KR" dirty="0" smtClean="0"/>
+          </a:p>
           <a:p>
             <a:endParaRPr lang="ko-KR" altLang="en-US" dirty="0"/>
           </a:p>
@@ -3487,15 +4298,19 @@
           <a:p>
             <a:r>
               <a:rPr lang="en-US" altLang="ko-KR" dirty="0" smtClean="0"/>
-              <a:t>12.2 </a:t>
+              <a:t>12.1.4 </a:t>
             </a:r>
             <a:r>
               <a:rPr lang="ko-KR" altLang="en-US" dirty="0" smtClean="0"/>
               <a:t>항목 </a:t>
             </a:r>
             <a:r>
-              <a:rPr lang="ko-KR" altLang="en-US" dirty="0" err="1" smtClean="0"/>
-              <a:t>뷰</a:t>
+              <a:rPr lang="ko-KR" altLang="en-US" dirty="0" smtClean="0"/>
+              <a:t>편집 </a:t>
+            </a:r>
+            <a:r>
+              <a:rPr lang="en-US" altLang="ko-KR" dirty="0" smtClean="0"/>
+              <a:t>2</a:t>
             </a:r>
             <a:endParaRPr lang="ko-KR" altLang="en-US" dirty="0"/>
           </a:p>
@@ -3513,10 +4328,151 @@
         </p:nvSpPr>
         <p:spPr/>
         <p:txBody>
-          <a:bodyPr/>
-          <a:lstStyle/>
-          <a:p>
-            <a:endParaRPr lang="ko-KR" altLang="en-US"/>
+          <a:bodyPr>
+            <a:normAutofit fontScale="77500" lnSpcReduction="20000"/>
+          </a:bodyPr>
+          <a:lstStyle/>
+          <a:p>
+            <a:r>
+              <a:rPr lang="en-US" altLang="ko-KR" dirty="0" smtClean="0"/>
+              <a:t>Multiple Choices</a:t>
+            </a:r>
+          </a:p>
+          <a:p>
+            <a:endParaRPr lang="en-US" altLang="ko-KR" dirty="0" smtClean="0"/>
+          </a:p>
+          <a:p>
+            <a:pPr>
+              <a:buNone/>
+            </a:pPr>
+            <a:r>
+              <a:rPr lang="en-US" altLang="ko-KR" dirty="0" smtClean="0"/>
+              <a:t>	</a:t>
+            </a:r>
+            <a:r>
+              <a:rPr lang="en-US" altLang="ko-KR" dirty="0" smtClean="0"/>
+              <a:t>adapter = new </a:t>
+            </a:r>
+            <a:r>
+              <a:rPr lang="en-US" altLang="ko-KR" dirty="0" err="1" smtClean="0"/>
+              <a:t>ArrayAdapter</a:t>
+            </a:r>
+            <a:r>
+              <a:rPr lang="en-US" altLang="ko-KR" dirty="0" smtClean="0"/>
+              <a:t>&lt;String&gt;(this, </a:t>
+            </a:r>
+            <a:r>
+              <a:rPr lang="en-US" altLang="ko-KR" dirty="0" err="1" smtClean="0"/>
+              <a:t>android.R.layout.simple_list_item_multiple_choice</a:t>
+            </a:r>
+            <a:r>
+              <a:rPr lang="en-US" altLang="ko-KR" dirty="0" smtClean="0"/>
+              <a:t>, data ) ;</a:t>
+            </a:r>
+          </a:p>
+          <a:p>
+            <a:pPr>
+              <a:buNone/>
+            </a:pPr>
+            <a:r>
+              <a:rPr lang="en-US" altLang="ko-KR" dirty="0" smtClean="0"/>
+              <a:t>	</a:t>
+            </a:r>
+            <a:r>
+              <a:rPr lang="en-US" altLang="ko-KR" dirty="0" smtClean="0"/>
+              <a:t>.	.	.</a:t>
+            </a:r>
+          </a:p>
+          <a:p>
+            <a:pPr>
+              <a:buNone/>
+            </a:pPr>
+            <a:r>
+              <a:rPr lang="en-US" altLang="ko-KR" dirty="0" smtClean="0"/>
+              <a:t>	</a:t>
+            </a:r>
+            <a:r>
+              <a:rPr lang="en-US" altLang="ko-KR" dirty="0" err="1" smtClean="0"/>
+              <a:t>listView.setAdapter</a:t>
+            </a:r>
+            <a:r>
+              <a:rPr lang="en-US" altLang="ko-KR" dirty="0" smtClean="0"/>
+              <a:t>( adapter ) ;</a:t>
+            </a:r>
+          </a:p>
+          <a:p>
+            <a:pPr>
+              <a:buNone/>
+            </a:pPr>
+            <a:r>
+              <a:rPr lang="en-US" altLang="ko-KR" dirty="0" smtClean="0"/>
+              <a:t>	</a:t>
+            </a:r>
+            <a:r>
+              <a:rPr lang="en-US" altLang="ko-KR" dirty="0" err="1" smtClean="0"/>
+              <a:t>listView.setChoiceMode</a:t>
+            </a:r>
+            <a:r>
+              <a:rPr lang="en-US" altLang="ko-KR" dirty="0" smtClean="0"/>
+              <a:t>(</a:t>
+            </a:r>
+            <a:r>
+              <a:rPr lang="en-US" altLang="ko-KR" dirty="0" err="1" smtClean="0"/>
+              <a:t>ListView.CHOICE_MODE_MULTIPLE</a:t>
+            </a:r>
+            <a:r>
+              <a:rPr lang="en-US" altLang="ko-KR" dirty="0" smtClean="0"/>
+              <a:t>)</a:t>
+            </a:r>
+          </a:p>
+          <a:p>
+            <a:pPr>
+              <a:buNone/>
+            </a:pPr>
+            <a:endParaRPr lang="en-US" altLang="ko-KR" dirty="0" smtClean="0"/>
+          </a:p>
+          <a:p>
+            <a:pPr>
+              <a:buNone/>
+            </a:pPr>
+            <a:r>
+              <a:rPr lang="en-US" altLang="ko-KR" dirty="0" smtClean="0"/>
+              <a:t>	</a:t>
+            </a:r>
+            <a:r>
+              <a:rPr lang="en-US" altLang="ko-KR" dirty="0" err="1" smtClean="0"/>
+              <a:t>SparseBooleanArray</a:t>
+            </a:r>
+            <a:r>
+              <a:rPr lang="en-US" altLang="ko-KR" dirty="0" smtClean="0"/>
+              <a:t> </a:t>
+            </a:r>
+            <a:r>
+              <a:rPr lang="en-US" altLang="ko-KR" dirty="0" err="1" smtClean="0"/>
+              <a:t>sb</a:t>
+            </a:r>
+            <a:r>
+              <a:rPr lang="en-US" altLang="ko-KR" dirty="0" smtClean="0"/>
+              <a:t> = 	</a:t>
+            </a:r>
+            <a:r>
+              <a:rPr lang="en-US" altLang="ko-KR" dirty="0" err="1" smtClean="0"/>
+              <a:t>listView.</a:t>
+            </a:r>
+            <a:r>
+              <a:rPr lang="en-US" altLang="ko-KR" b="1" i="1" dirty="0" err="1" smtClean="0">
+                <a:solidFill>
+                  <a:schemeClr val="accent5">
+                    <a:lumMod val="50000"/>
+                  </a:schemeClr>
+                </a:solidFill>
+              </a:rPr>
+              <a:t>getCheckedItemPositions</a:t>
+            </a:r>
+            <a:r>
+              <a:rPr lang="en-US" altLang="ko-KR" dirty="0" smtClean="0"/>
+              <a:t>( )</a:t>
+            </a:r>
           </a:p>
         </p:txBody>
       </p:sp>
@@ -3560,15 +4516,7 @@
           <a:bodyPr/>
           <a:lstStyle/>
           <a:p>
-            <a:r>
-              <a:rPr lang="en-US" altLang="ko-KR" dirty="0" smtClean="0"/>
-              <a:t>12.3 </a:t>
-            </a:r>
-            <a:r>
-              <a:rPr lang="ko-KR" altLang="en-US" dirty="0" err="1" smtClean="0"/>
-              <a:t>어댑터뷰</a:t>
-            </a:r>
-            <a:endParaRPr lang="ko-KR" altLang="en-US" dirty="0"/>
+            <a:endParaRPr lang="ko-KR" altLang="en-US"/>
           </a:p>
         </p:txBody>
       </p:sp>
@@ -3633,11 +4581,23 @@
           <a:p>
             <a:r>
               <a:rPr lang="en-US" altLang="ko-KR" dirty="0" smtClean="0"/>
-              <a:t>12.3.1 </a:t>
+              <a:t>12.2.1 </a:t>
             </a:r>
             <a:r>
               <a:rPr lang="ko-KR" altLang="en-US" dirty="0" err="1" smtClean="0"/>
-              <a:t>스피너</a:t>
+              <a:t>커스텀</a:t>
+            </a:r>
+            <a:r>
+              <a:rPr lang="en-US" altLang="ko-KR" dirty="0" smtClean="0"/>
+              <a:t> </a:t>
+            </a:r>
+            <a:r>
+              <a:rPr lang="ko-KR" altLang="en-US" dirty="0" smtClean="0"/>
+              <a:t>항목 </a:t>
+            </a:r>
+            <a:r>
+              <a:rPr lang="ko-KR" altLang="en-US" dirty="0" err="1" smtClean="0"/>
+              <a:t>뷰</a:t>
             </a:r>
             <a:endParaRPr lang="ko-KR" altLang="en-US" dirty="0"/>
           </a:p>
@@ -3658,7 +4618,45 @@
           <a:bodyPr/>
           <a:lstStyle/>
           <a:p>
-            <a:endParaRPr lang="ko-KR" altLang="en-US"/>
+            <a:r>
+              <a:rPr lang="en-US" altLang="ko-KR" dirty="0" err="1" smtClean="0"/>
+              <a:t>BaseAdapter</a:t>
+            </a:r>
+            <a:r>
+              <a:rPr lang="ko-KR" altLang="en-US" dirty="0" smtClean="0"/>
+              <a:t>를 상속하여 사용자 정의의 </a:t>
+            </a:r>
+            <a:r>
+              <a:rPr lang="ko-KR" altLang="en-US" dirty="0" err="1" smtClean="0"/>
+              <a:t>레이아웃를</a:t>
+            </a:r>
+            <a:r>
+              <a:rPr lang="ko-KR" altLang="en-US" dirty="0" smtClean="0"/>
+              <a:t> </a:t>
+            </a:r>
+            <a:r>
+              <a:rPr lang="ko-KR" altLang="en-US" dirty="0" smtClean="0"/>
+              <a:t>연결하며</a:t>
+            </a:r>
+            <a:r>
+              <a:rPr lang="ko-KR" altLang="en-US" dirty="0" smtClean="0"/>
+              <a:t> </a:t>
+            </a:r>
+            <a:r>
+              <a:rPr lang="en-US" altLang="ko-KR" dirty="0" smtClean="0"/>
+              <a:t>Item View </a:t>
+            </a:r>
+            <a:r>
+              <a:rPr lang="ko-KR" altLang="en-US" dirty="0" smtClean="0"/>
+              <a:t>개체를 생성하여 리턴</a:t>
+            </a:r>
+            <a:r>
+              <a:rPr lang="en-US" altLang="ko-KR" dirty="0" smtClean="0"/>
+              <a:t>.</a:t>
+            </a:r>
+          </a:p>
+          <a:p>
+            <a:endParaRPr lang="ko-KR" altLang="en-US" dirty="0"/>
           </a:p>
         </p:txBody>
       </p:sp>
@@ -3704,11 +4702,31 @@
           <a:p>
             <a:r>
               <a:rPr lang="en-US" altLang="ko-KR" dirty="0" smtClean="0"/>
-              <a:t>12.3.2 </a:t>
+              <a:t>12.2.1 </a:t>
             </a:r>
             <a:r>
               <a:rPr lang="ko-KR" altLang="en-US" dirty="0" err="1" smtClean="0"/>
-              <a:t>그리드뷰</a:t>
+              <a:t>커스텀</a:t>
+            </a:r>
+            <a:r>
+              <a:rPr lang="en-US" altLang="ko-KR" dirty="0" smtClean="0"/>
+              <a:t> </a:t>
+            </a:r>
+            <a:r>
+              <a:rPr lang="ko-KR" altLang="en-US" dirty="0" smtClean="0"/>
+              <a:t>항목 </a:t>
+            </a:r>
+            <a:r>
+              <a:rPr lang="ko-KR" altLang="en-US" dirty="0" err="1" smtClean="0"/>
+              <a:t>뷰</a:t>
+            </a:r>
+            <a:r>
+              <a:rPr lang="ko-KR" altLang="en-US" dirty="0" smtClean="0"/>
+              <a:t> </a:t>
+            </a:r>
+            <a:r>
+              <a:rPr lang="en-US" altLang="ko-KR" dirty="0" smtClean="0"/>
+              <a:t>2</a:t>
             </a:r>
             <a:endParaRPr lang="ko-KR" altLang="en-US" dirty="0"/>
           </a:p>
@@ -3726,181 +4744,100 @@
         </p:nvSpPr>
         <p:spPr/>
         <p:txBody>
-          <a:bodyPr>
-            <a:normAutofit fontScale="92500" lnSpcReduction="10000"/>
-          </a:bodyPr>
-          <a:lstStyle/>
-          <a:p>
-            <a:r>
-              <a:rPr lang="ko-KR" altLang="en-US" dirty="0" smtClean="0"/>
-              <a:t>항목을 </a:t>
-            </a:r>
-            <a:r>
-              <a:rPr lang="en-US" altLang="ko-KR" dirty="0" smtClean="0"/>
-              <a:t>2</a:t>
-            </a:r>
-            <a:r>
-              <a:rPr lang="ko-KR" altLang="en-US" dirty="0" smtClean="0"/>
-              <a:t>차원 표 형태로 출력하는 </a:t>
-            </a:r>
-            <a:r>
-              <a:rPr lang="ko-KR" altLang="en-US" dirty="0" err="1" smtClean="0"/>
-              <a:t>위젯</a:t>
+          <a:bodyPr/>
+          <a:lstStyle/>
+          <a:p>
+            <a:r>
+              <a:rPr lang="en-US" altLang="ko-KR" dirty="0" smtClean="0"/>
+              <a:t>custom_layout.xml</a:t>
+            </a:r>
+          </a:p>
+          <a:p>
+            <a:pPr>
+              <a:buNone/>
+            </a:pPr>
+            <a:r>
+              <a:rPr lang="en-US" altLang="ko-KR" dirty="0" smtClean="0"/>
+              <a:t>&lt;</a:t>
+            </a:r>
+            <a:r>
+              <a:rPr lang="en-US" altLang="ko-KR" dirty="0" err="1" smtClean="0"/>
+              <a:t>XXXLayout</a:t>
             </a:r>
             <a:endParaRPr lang="en-US" altLang="ko-KR" dirty="0" smtClean="0"/>
           </a:p>
           <a:p>
+            <a:pPr>
+              <a:buNone/>
+            </a:pPr>
+            <a:r>
+              <a:rPr lang="en-US" altLang="ko-KR" dirty="0" smtClean="0"/>
+              <a:t>	</a:t>
+            </a:r>
+            <a:r>
+              <a:rPr lang="en-US" altLang="ko-KR" dirty="0" smtClean="0"/>
+              <a:t>&lt;</a:t>
+            </a:r>
+            <a:r>
+              <a:rPr lang="en-US" altLang="ko-KR" dirty="0" err="1" smtClean="0"/>
+              <a:t>XXXView</a:t>
+            </a:r>
             <a:endParaRPr lang="en-US" altLang="ko-KR" dirty="0" smtClean="0"/>
           </a:p>
           <a:p>
-            <a:r>
-              <a:rPr lang="en-US" altLang="ko-KR" dirty="0" smtClean="0"/>
-              <a:t>Layout </a:t>
-            </a:r>
-          </a:p>
-          <a:p>
-            <a:pPr lvl="1"/>
-            <a:r>
-              <a:rPr lang="en-US" altLang="ko-KR" dirty="0" smtClean="0"/>
-              <a:t>&lt;</a:t>
-            </a:r>
-            <a:r>
-              <a:rPr lang="en-US" altLang="ko-KR" b="1" dirty="0" err="1" smtClean="0">
-                <a:solidFill>
-                  <a:schemeClr val="accent6">
-                    <a:lumMod val="75000"/>
-                  </a:schemeClr>
-                </a:solidFill>
-              </a:rPr>
-              <a:t>GridView</a:t>
-            </a:r>
-            <a:r>
-              <a:rPr lang="en-US" altLang="ko-KR" dirty="0" smtClean="0"/>
-              <a:t> . . .</a:t>
-            </a:r>
-          </a:p>
-          <a:p>
-            <a:pPr>
-              <a:buNone/>
-            </a:pPr>
-            <a:r>
-              <a:rPr lang="en-US" altLang="ko-KR" dirty="0" smtClean="0"/>
-              <a:t>		</a:t>
-            </a:r>
-            <a:r>
-              <a:rPr lang="en-US" altLang="ko-KR" dirty="0" err="1" smtClean="0"/>
-              <a:t>android:</a:t>
-            </a:r>
-            <a:r>
-              <a:rPr lang="en-US" altLang="ko-KR" b="1" dirty="0" err="1" smtClean="0">
-                <a:solidFill>
-                  <a:schemeClr val="accent3">
-                    <a:lumMod val="50000"/>
-                  </a:schemeClr>
-                </a:solidFill>
-              </a:rPr>
-              <a:t>numColumns</a:t>
-            </a:r>
-            <a:r>
-              <a:rPr lang="en-US" altLang="ko-KR" dirty="0" smtClean="0"/>
-              <a:t>=“</a:t>
-            </a:r>
-            <a:r>
-              <a:rPr lang="en-US" altLang="ko-KR" dirty="0" err="1" smtClean="0"/>
-              <a:t>auto_fit</a:t>
-            </a:r>
-            <a:r>
-              <a:rPr lang="en-US" altLang="ko-KR" dirty="0" smtClean="0"/>
-              <a:t>”</a:t>
-            </a:r>
-          </a:p>
-          <a:p>
-            <a:pPr>
-              <a:buNone/>
-            </a:pPr>
-            <a:r>
-              <a:rPr lang="en-US" altLang="ko-KR" dirty="0" smtClean="0"/>
-              <a:t>		</a:t>
-            </a:r>
-            <a:r>
-              <a:rPr lang="en-US" altLang="ko-KR" dirty="0" err="1" smtClean="0"/>
-              <a:t>android:</a:t>
-            </a:r>
-            <a:r>
-              <a:rPr lang="en-US" altLang="ko-KR" b="1" dirty="0" err="1" smtClean="0">
-                <a:solidFill>
-                  <a:schemeClr val="accent3">
-                    <a:lumMod val="50000"/>
-                  </a:schemeClr>
-                </a:solidFill>
-              </a:rPr>
-              <a:t>columnWidth</a:t>
-            </a:r>
-            <a:r>
-              <a:rPr lang="en-US" altLang="ko-KR" dirty="0" smtClean="0"/>
-              <a:t>=“72dip”</a:t>
-            </a:r>
-          </a:p>
-          <a:p>
-            <a:pPr>
-              <a:buNone/>
-            </a:pPr>
-            <a:r>
-              <a:rPr lang="en-US" altLang="ko-KR" dirty="0" smtClean="0"/>
-              <a:t>		</a:t>
-            </a:r>
-            <a:r>
-              <a:rPr lang="en-US" altLang="ko-KR" dirty="0" err="1" smtClean="0"/>
-              <a:t>android:</a:t>
-            </a:r>
-            <a:r>
-              <a:rPr lang="en-US" altLang="ko-KR" b="1" dirty="0" err="1" smtClean="0">
-                <a:solidFill>
-                  <a:schemeClr val="accent3">
-                    <a:lumMod val="50000"/>
-                  </a:schemeClr>
-                </a:solidFill>
-              </a:rPr>
-              <a:t>stretchMode</a:t>
-            </a:r>
-            <a:r>
-              <a:rPr lang="en-US" altLang="ko-KR" dirty="0" smtClean="0"/>
-              <a:t>=“</a:t>
-            </a:r>
-            <a:r>
-              <a:rPr lang="en-US" altLang="ko-KR" dirty="0" err="1" smtClean="0"/>
-              <a:t>columnWidth</a:t>
-            </a:r>
-            <a:r>
-              <a:rPr lang="en-US" altLang="ko-KR" dirty="0" smtClean="0"/>
-              <a:t>”</a:t>
-            </a:r>
-          </a:p>
-          <a:p>
-            <a:pPr>
-              <a:buNone/>
-            </a:pPr>
-            <a:r>
-              <a:rPr lang="en-US" altLang="ko-KR" dirty="0" smtClean="0"/>
-              <a:t>		</a:t>
-            </a:r>
-            <a:r>
-              <a:rPr lang="en-US" altLang="ko-KR" dirty="0" err="1" smtClean="0"/>
-              <a:t>android:gravity</a:t>
-            </a:r>
-            <a:r>
-              <a:rPr lang="en-US" altLang="ko-KR" dirty="0" smtClean="0"/>
-              <a:t>=“center”</a:t>
-            </a:r>
-          </a:p>
-          <a:p>
-            <a:pPr>
-              <a:buNone/>
-            </a:pPr>
-            <a:r>
-              <a:rPr lang="en-US" altLang="ko-KR" dirty="0" smtClean="0"/>
-              <a:t>		/&gt;</a:t>
-            </a:r>
+            <a:pPr>
+              <a:buNone/>
+            </a:pPr>
+            <a:endParaRPr lang="en-US" altLang="ko-KR" dirty="0" smtClean="0"/>
+          </a:p>
+          <a:p>
+            <a:r>
+              <a:rPr lang="en-US" altLang="ko-KR" dirty="0" smtClean="0"/>
+              <a:t>code</a:t>
+            </a:r>
+          </a:p>
+          <a:p>
+            <a:pPr>
+              <a:buNone/>
+            </a:pPr>
+            <a:r>
+              <a:rPr lang="en-US" altLang="ko-KR" dirty="0" err="1" smtClean="0"/>
+              <a:t>MyAdapter</a:t>
+            </a:r>
+            <a:r>
+              <a:rPr lang="en-US" altLang="ko-KR" dirty="0" smtClean="0"/>
+              <a:t> </a:t>
+            </a:r>
+            <a:r>
+              <a:rPr lang="en-US" altLang="ko-KR" dirty="0" err="1" smtClean="0"/>
+              <a:t>myAdapter</a:t>
+            </a:r>
+            <a:r>
+              <a:rPr lang="en-US" altLang="ko-KR" dirty="0" smtClean="0"/>
+              <a:t>=new </a:t>
+            </a:r>
+            <a:r>
+              <a:rPr lang="en-US" altLang="ko-KR" dirty="0" err="1" smtClean="0"/>
+              <a:t>MyAdapter</a:t>
+            </a:r>
+            <a:r>
+              <a:rPr lang="en-US" altLang="ko-KR" dirty="0" smtClean="0"/>
+              <a:t>(this, </a:t>
+            </a:r>
+            <a:r>
+              <a:rPr lang="en-US" altLang="ko-KR" dirty="0" err="1" smtClean="0"/>
+              <a:t>R.layout.custom_layout</a:t>
+            </a:r>
+            <a:r>
+              <a:rPr lang="en-US" altLang="ko-KR" dirty="0" smtClean="0"/>
+              <a:t>, data)</a:t>
+            </a:r>
+          </a:p>
+          <a:p>
+            <a:pPr>
+              <a:buNone/>
+            </a:pPr>
+            <a:endParaRPr lang="en-US" altLang="ko-KR" dirty="0" smtClean="0"/>
           </a:p>
         </p:txBody>
       </p:sp>
@@ -3909,13 +4846,6 @@
   <p:clrMapOvr>
     <a:masterClrMapping/>
   </p:clrMapOvr>
-  <p:timing>
-    <p:tnLst>
-      <p:par>
-        <p:cTn id="1" dur="indefinite" restart="never" nodeType="tmRoot"/>
-      </p:par>
-    </p:tnLst>
-  </p:timing>
 </p:sld>
 </file>
 
@@ -3953,19 +4883,15 @@
           <a:p>
             <a:r>
               <a:rPr lang="en-US" altLang="ko-KR" dirty="0" smtClean="0"/>
-              <a:t>13.3.2 </a:t>
+              <a:t>12.2.2 </a:t>
+            </a:r>
+            <a:r>
+              <a:rPr lang="ko-KR" altLang="en-US" smtClean="0"/>
+              <a:t>여러 종류의 항목 </a:t>
             </a:r>
             <a:r>
               <a:rPr lang="ko-KR" altLang="en-US" dirty="0" err="1" smtClean="0"/>
-              <a:t>그리드뷰</a:t>
-            </a:r>
-            <a:r>
-              <a:rPr lang="ko-KR" altLang="en-US" dirty="0" smtClean="0"/>
-              <a:t> </a:t>
-            </a:r>
-            <a:r>
-              <a:rPr lang="en-US" altLang="ko-KR" dirty="0" smtClean="0"/>
-              <a:t>2</a:t>
+              <a:t>뷰</a:t>
             </a:r>
             <a:endParaRPr lang="ko-KR" altLang="en-US" dirty="0"/>
           </a:p>
@@ -3983,183 +4909,10 @@
         </p:nvSpPr>
         <p:spPr/>
         <p:txBody>
-          <a:bodyPr>
-            <a:normAutofit fontScale="85000" lnSpcReduction="20000"/>
-          </a:bodyPr>
-          <a:lstStyle/>
-          <a:p>
-            <a:pPr>
-              <a:buNone/>
-            </a:pPr>
-            <a:r>
-              <a:rPr lang="en-US" altLang="ko-KR" dirty="0" smtClean="0"/>
-              <a:t>	</a:t>
-            </a:r>
-            <a:r>
-              <a:rPr lang="en-US" altLang="ko-KR" dirty="0" err="1" smtClean="0"/>
-              <a:t>GridView</a:t>
-            </a:r>
-            <a:r>
-              <a:rPr lang="en-US" altLang="ko-KR" dirty="0" smtClean="0"/>
-              <a:t> grid=(</a:t>
-            </a:r>
-            <a:r>
-              <a:rPr lang="en-US" altLang="ko-KR" dirty="0" err="1" smtClean="0"/>
-              <a:t>GridView</a:t>
-            </a:r>
-            <a:r>
-              <a:rPr lang="en-US" altLang="ko-KR" dirty="0" smtClean="0"/>
-              <a:t>)</a:t>
-            </a:r>
-            <a:r>
-              <a:rPr lang="en-US" altLang="ko-KR" dirty="0" err="1" smtClean="0"/>
-              <a:t>findViewByID</a:t>
-            </a:r>
-            <a:r>
-              <a:rPr lang="en-US" altLang="ko-KR" dirty="0" smtClean="0"/>
-              <a:t>(…</a:t>
-            </a:r>
-          </a:p>
-          <a:p>
-            <a:pPr>
-              <a:buNone/>
-            </a:pPr>
-            <a:r>
-              <a:rPr lang="en-US" altLang="ko-KR" dirty="0" smtClean="0"/>
-              <a:t>	</a:t>
-            </a:r>
-          </a:p>
-          <a:p>
-            <a:pPr>
-              <a:buNone/>
-            </a:pPr>
-            <a:r>
-              <a:rPr lang="en-US" altLang="ko-KR" dirty="0" smtClean="0"/>
-              <a:t>	</a:t>
-            </a:r>
-            <a:r>
-              <a:rPr lang="en-US" altLang="ko-KR" dirty="0" err="1" smtClean="0"/>
-              <a:t>ImageAdapter</a:t>
-            </a:r>
-            <a:r>
-              <a:rPr lang="en-US" altLang="ko-KR" dirty="0" smtClean="0"/>
-              <a:t> adapter=new </a:t>
-            </a:r>
-            <a:r>
-              <a:rPr lang="en-US" altLang="ko-KR" dirty="0" err="1" smtClean="0"/>
-              <a:t>ImageAdapter</a:t>
-            </a:r>
-            <a:r>
-              <a:rPr lang="en-US" altLang="ko-KR" dirty="0" smtClean="0"/>
-              <a:t>(this)</a:t>
-            </a:r>
-          </a:p>
-          <a:p>
-            <a:pPr>
-              <a:buNone/>
-            </a:pPr>
-            <a:r>
-              <a:rPr lang="en-US" altLang="ko-KR" dirty="0" smtClean="0"/>
-              <a:t>	</a:t>
-            </a:r>
-          </a:p>
-          <a:p>
-            <a:pPr>
-              <a:buNone/>
-            </a:pPr>
-            <a:r>
-              <a:rPr lang="en-US" altLang="ko-KR" dirty="0" smtClean="0"/>
-              <a:t>	</a:t>
-            </a:r>
-            <a:r>
-              <a:rPr lang="en-US" altLang="ko-KR" dirty="0" err="1" smtClean="0"/>
-              <a:t>grid.setAdapter</a:t>
-            </a:r>
-            <a:r>
-              <a:rPr lang="en-US" altLang="ko-KR" dirty="0" smtClean="0"/>
-              <a:t>( adapter )</a:t>
-            </a:r>
-          </a:p>
-          <a:p>
-            <a:pPr>
-              <a:buNone/>
-            </a:pPr>
-            <a:r>
-              <a:rPr lang="en-US" altLang="ko-KR" dirty="0" smtClean="0"/>
-              <a:t>	</a:t>
-            </a:r>
-          </a:p>
-          <a:p>
-            <a:pPr>
-              <a:buNone/>
-            </a:pPr>
-            <a:r>
-              <a:rPr lang="en-US" altLang="ko-KR" dirty="0" smtClean="0"/>
-              <a:t>	</a:t>
-            </a:r>
-            <a:r>
-              <a:rPr lang="en-US" altLang="ko-KR" dirty="0" err="1" smtClean="0"/>
-              <a:t>grid.setOnItemClickListener</a:t>
-            </a:r>
-            <a:r>
-              <a:rPr lang="en-US" altLang="ko-KR" dirty="0" smtClean="0"/>
-              <a:t>(new</a:t>
-            </a:r>
-          </a:p>
-          <a:p>
-            <a:pPr>
-              <a:buNone/>
-            </a:pPr>
-            <a:r>
-              <a:rPr lang="en-US" altLang="ko-KR" dirty="0" smtClean="0"/>
-              <a:t>		</a:t>
-            </a:r>
-            <a:r>
-              <a:rPr lang="en-US" altLang="ko-KR" dirty="0" err="1" smtClean="0"/>
-              <a:t>OnItemClickListener</a:t>
-            </a:r>
-            <a:r>
-              <a:rPr lang="en-US" altLang="ko-KR" dirty="0" smtClean="0"/>
-              <a:t>( ) {</a:t>
-            </a:r>
-          </a:p>
-          <a:p>
-            <a:pPr>
-              <a:buNone/>
-            </a:pPr>
-            <a:r>
-              <a:rPr lang="en-US" altLang="ko-KR" dirty="0" smtClean="0"/>
-              <a:t>			public void </a:t>
-            </a:r>
-            <a:r>
-              <a:rPr lang="en-US" altLang="ko-KR" dirty="0" err="1" smtClean="0"/>
-              <a:t>onItemClick</a:t>
-            </a:r>
-            <a:r>
-              <a:rPr lang="en-US" altLang="ko-KR" dirty="0" smtClean="0"/>
-              <a:t>( . . . ) {</a:t>
-            </a:r>
-          </a:p>
-          <a:p>
-            <a:pPr>
-              <a:buNone/>
-            </a:pPr>
-            <a:r>
-              <a:rPr lang="en-US" altLang="ko-KR" dirty="0" smtClean="0"/>
-              <a:t>			.	.	.</a:t>
-            </a:r>
-          </a:p>
-          <a:p>
-            <a:pPr>
-              <a:buNone/>
-            </a:pPr>
-            <a:endParaRPr lang="en-US" altLang="ko-KR" dirty="0" smtClean="0"/>
-          </a:p>
-          <a:p>
-            <a:pPr>
-              <a:buNone/>
-            </a:pPr>
-            <a:endParaRPr lang="ko-KR" altLang="en-US" dirty="0"/>
+          <a:bodyPr/>
+          <a:lstStyle/>
+          <a:p>
+            <a:endParaRPr lang="ko-KR" altLang="en-US"/>
           </a:p>
         </p:txBody>
       </p:sp>
@@ -4168,13 +4921,6 @@
   <p:clrMapOvr>
     <a:masterClrMapping/>
   </p:clrMapOvr>
-  <p:timing>
-    <p:tnLst>
-      <p:par>
-        <p:cTn id="1" dur="indefinite" restart="never" nodeType="tmRoot"/>
-      </p:par>
-    </p:tnLst>
-  </p:timing>
 </p:sld>
 </file>
 
@@ -4212,19 +4958,11 @@
           <a:p>
             <a:r>
               <a:rPr lang="en-US" altLang="ko-KR" dirty="0" smtClean="0"/>
-              <a:t>13.3.2 </a:t>
+              <a:t>12.3 </a:t>
             </a:r>
             <a:r>
               <a:rPr lang="ko-KR" altLang="en-US" dirty="0" err="1" smtClean="0"/>
-              <a:t>그리드뷰</a:t>
-            </a:r>
-            <a:r>
-              <a:rPr lang="ko-KR" altLang="en-US" dirty="0" smtClean="0"/>
-              <a:t> </a:t>
-            </a:r>
-            <a:r>
-              <a:rPr lang="en-US" altLang="ko-KR" dirty="0" smtClean="0"/>
-              <a:t>3</a:t>
+              <a:t>어댑터뷰</a:t>
             </a:r>
             <a:endParaRPr lang="ko-KR" altLang="en-US" dirty="0"/>
           </a:p>
@@ -4242,146 +4980,10 @@
         </p:nvSpPr>
         <p:spPr/>
         <p:txBody>
-          <a:bodyPr>
-            <a:normAutofit fontScale="92500"/>
-          </a:bodyPr>
-          <a:lstStyle/>
-          <a:p>
-            <a:pPr>
-              <a:buNone/>
-            </a:pPr>
-            <a:r>
-              <a:rPr lang="en-US" altLang="ko-KR" dirty="0" smtClean="0"/>
-              <a:t>	class </a:t>
-            </a:r>
-            <a:r>
-              <a:rPr lang="en-US" altLang="ko-KR" dirty="0" err="1" smtClean="0"/>
-              <a:t>ImageAdapter</a:t>
-            </a:r>
-            <a:r>
-              <a:rPr lang="en-US" altLang="ko-KR" dirty="0" smtClean="0"/>
-              <a:t> extends </a:t>
-            </a:r>
-            <a:r>
-              <a:rPr lang="en-US" altLang="ko-KR" dirty="0" err="1" smtClean="0"/>
-              <a:t>BaseAdapter</a:t>
-            </a:r>
-            <a:r>
-              <a:rPr lang="en-US" altLang="ko-KR" dirty="0" smtClean="0"/>
-              <a:t> {</a:t>
-            </a:r>
-          </a:p>
-          <a:p>
-            <a:pPr>
-              <a:buNone/>
-            </a:pPr>
-            <a:r>
-              <a:rPr lang="en-US" altLang="ko-KR" dirty="0" smtClean="0"/>
-              <a:t>		</a:t>
-            </a:r>
-            <a:r>
-              <a:rPr lang="en-US" altLang="ko-KR" dirty="0" err="1" smtClean="0"/>
-              <a:t>getCount</a:t>
-            </a:r>
-            <a:r>
-              <a:rPr lang="en-US" altLang="ko-KR" dirty="0" smtClean="0"/>
-              <a:t>( ) { 	.	.	.</a:t>
-            </a:r>
-          </a:p>
-          <a:p>
-            <a:pPr>
-              <a:buNone/>
-            </a:pPr>
-            <a:r>
-              <a:rPr lang="en-US" altLang="ko-KR" dirty="0" smtClean="0"/>
-              <a:t>		</a:t>
-            </a:r>
-          </a:p>
-          <a:p>
-            <a:pPr>
-              <a:buNone/>
-            </a:pPr>
-            <a:r>
-              <a:rPr lang="en-US" altLang="ko-KR" dirty="0" smtClean="0"/>
-              <a:t>		</a:t>
-            </a:r>
-            <a:r>
-              <a:rPr lang="en-US" altLang="ko-KR" dirty="0" err="1" smtClean="0"/>
-              <a:t>getItem</a:t>
-            </a:r>
-            <a:r>
-              <a:rPr lang="en-US" altLang="ko-KR" dirty="0" smtClean="0"/>
-              <a:t>( </a:t>
-            </a:r>
-            <a:r>
-              <a:rPr lang="en-US" altLang="ko-KR" dirty="0" err="1" smtClean="0"/>
-              <a:t>int</a:t>
-            </a:r>
-            <a:r>
-              <a:rPr lang="en-US" altLang="ko-KR" dirty="0" smtClean="0"/>
-              <a:t> pos ) {	.	.	.</a:t>
-            </a:r>
-          </a:p>
-          <a:p>
-            <a:pPr>
-              <a:buNone/>
-            </a:pPr>
-            <a:r>
-              <a:rPr lang="en-US" altLang="ko-KR" dirty="0" smtClean="0"/>
-              <a:t>		</a:t>
-            </a:r>
-          </a:p>
-          <a:p>
-            <a:pPr>
-              <a:buNone/>
-            </a:pPr>
-            <a:r>
-              <a:rPr lang="en-US" altLang="ko-KR" dirty="0" smtClean="0"/>
-              <a:t>		</a:t>
-            </a:r>
-            <a:r>
-              <a:rPr lang="en-US" altLang="ko-KR" dirty="0" err="1" smtClean="0"/>
-              <a:t>getItemId</a:t>
-            </a:r>
-            <a:r>
-              <a:rPr lang="en-US" altLang="ko-KR" dirty="0" smtClean="0"/>
-              <a:t>( </a:t>
-            </a:r>
-            <a:r>
-              <a:rPr lang="en-US" altLang="ko-KR" dirty="0" err="1" smtClean="0"/>
-              <a:t>int</a:t>
-            </a:r>
-            <a:r>
-              <a:rPr lang="en-US" altLang="ko-KR" dirty="0" smtClean="0"/>
-              <a:t> pos ) { .	.	.</a:t>
-            </a:r>
-          </a:p>
-          <a:p>
-            <a:pPr>
-              <a:buNone/>
-            </a:pPr>
-            <a:r>
-              <a:rPr lang="en-US" altLang="ko-KR" dirty="0" smtClean="0"/>
-              <a:t>	</a:t>
-            </a:r>
-          </a:p>
-          <a:p>
-            <a:pPr>
-              <a:buNone/>
-            </a:pPr>
-            <a:r>
-              <a:rPr lang="en-US" altLang="ko-KR" dirty="0" smtClean="0"/>
-              <a:t>		</a:t>
-            </a:r>
-            <a:r>
-              <a:rPr lang="en-US" altLang="ko-KR" dirty="0" err="1" smtClean="0"/>
-              <a:t>getView</a:t>
-            </a:r>
-            <a:r>
-              <a:rPr lang="en-US" altLang="ko-KR" dirty="0" smtClean="0"/>
-              <a:t>(	.	.	.</a:t>
-            </a:r>
-            <a:endParaRPr lang="ko-KR" altLang="en-US" dirty="0" smtClean="0"/>
+          <a:bodyPr/>
+          <a:lstStyle/>
+          <a:p>
+            <a:endParaRPr lang="ko-KR" altLang="en-US"/>
           </a:p>
         </p:txBody>
       </p:sp>
@@ -4390,13 +4992,6 @@
   <p:clrMapOvr>
     <a:masterClrMapping/>
   </p:clrMapOvr>
-  <p:timing>
-    <p:tnLst>
-      <p:par>
-        <p:cTn id="1" dur="indefinite" restart="never" nodeType="tmRoot"/>
-      </p:par>
-    </p:tnLst>
-  </p:timing>
 </p:sld>
 </file>
 
@@ -4507,6 +5102,13 @@
   <p:clrMapOvr>
     <a:masterClrMapping/>
   </p:clrMapOvr>
+  <p:timing>
+    <p:tnLst>
+      <p:par>
+        <p:cTn id="1" dur="indefinite" restart="never" nodeType="tmRoot"/>
+      </p:par>
+    </p:tnLst>
+  </p:timing>
 </p:sld>
 </file>
 
@@ -4544,19 +5146,11 @@
           <a:p>
             <a:r>
               <a:rPr lang="en-US" altLang="ko-KR" dirty="0" smtClean="0"/>
-              <a:t>13.3.2 </a:t>
+              <a:t>12.3.1 </a:t>
             </a:r>
             <a:r>
               <a:rPr lang="ko-KR" altLang="en-US" dirty="0" err="1" smtClean="0"/>
-              <a:t>그리드뷰</a:t>
-            </a:r>
-            <a:r>
-              <a:rPr lang="ko-KR" altLang="en-US" dirty="0" smtClean="0"/>
-              <a:t> </a:t>
-            </a:r>
-            <a:r>
-              <a:rPr lang="en-US" altLang="ko-KR" dirty="0" smtClean="0"/>
-              <a:t>4</a:t>
+              <a:t>스피너</a:t>
             </a:r>
             <a:endParaRPr lang="ko-KR" altLang="en-US" dirty="0"/>
           </a:p>
@@ -4574,227 +5168,10 @@
         </p:nvSpPr>
         <p:spPr/>
         <p:txBody>
-          <a:bodyPr>
-            <a:normAutofit fontScale="62500" lnSpcReduction="20000"/>
-          </a:bodyPr>
-          <a:lstStyle/>
-          <a:p>
-            <a:pPr>
-              <a:buNone/>
-            </a:pPr>
-            <a:r>
-              <a:rPr lang="en-US" altLang="ko-KR" dirty="0" err="1" smtClean="0"/>
-              <a:t>ImageAdapter.getView</a:t>
-            </a:r>
-            <a:r>
-              <a:rPr lang="en-US" altLang="ko-KR" dirty="0" smtClean="0"/>
-              <a:t>(</a:t>
-            </a:r>
-          </a:p>
-          <a:p>
-            <a:pPr>
-              <a:buNone/>
-            </a:pPr>
-            <a:r>
-              <a:rPr lang="en-US" altLang="ko-KR" dirty="0" smtClean="0"/>
-              <a:t>	</a:t>
-            </a:r>
-            <a:r>
-              <a:rPr lang="en-US" altLang="ko-KR" dirty="0" err="1" smtClean="0"/>
-              <a:t>int</a:t>
-            </a:r>
-            <a:r>
-              <a:rPr lang="en-US" altLang="ko-KR" dirty="0" smtClean="0"/>
-              <a:t> pos, View </a:t>
-            </a:r>
-            <a:r>
-              <a:rPr lang="en-US" altLang="ko-KR" dirty="0" err="1" smtClean="0"/>
-              <a:t>cv</a:t>
-            </a:r>
-            <a:r>
-              <a:rPr lang="en-US" altLang="ko-KR" dirty="0" smtClean="0"/>
-              <a:t>, </a:t>
-            </a:r>
-            <a:r>
-              <a:rPr lang="en-US" altLang="ko-KR" dirty="0" err="1" smtClean="0"/>
-              <a:t>ViewGroup</a:t>
-            </a:r>
-            <a:r>
-              <a:rPr lang="en-US" altLang="ko-KR" dirty="0" smtClean="0"/>
-              <a:t> vg) {</a:t>
-            </a:r>
-          </a:p>
-          <a:p>
-            <a:pPr>
-              <a:buNone/>
-            </a:pPr>
-            <a:r>
-              <a:rPr lang="en-US" altLang="ko-KR" dirty="0" smtClean="0"/>
-              <a:t>	if(</a:t>
-            </a:r>
-            <a:r>
-              <a:rPr lang="en-US" altLang="ko-KR" dirty="0" err="1" smtClean="0"/>
-              <a:t>cv</a:t>
-            </a:r>
-            <a:r>
-              <a:rPr lang="en-US" altLang="ko-KR" dirty="0" smtClean="0"/>
-              <a:t>==null) {</a:t>
-            </a:r>
-          </a:p>
-          <a:p>
-            <a:pPr>
-              <a:buNone/>
-            </a:pPr>
-            <a:r>
-              <a:rPr lang="en-US" altLang="ko-KR" dirty="0" smtClean="0"/>
-              <a:t>		.	.	.</a:t>
-            </a:r>
-          </a:p>
-          <a:p>
-            <a:pPr>
-              <a:buNone/>
-            </a:pPr>
-            <a:r>
-              <a:rPr lang="en-US" altLang="ko-KR" dirty="0" smtClean="0"/>
-              <a:t>		</a:t>
-            </a:r>
-            <a:r>
-              <a:rPr lang="en-US" altLang="ko-KR" dirty="0" err="1" smtClean="0"/>
-              <a:t>iv.setLayoutParams</a:t>
-            </a:r>
-            <a:r>
-              <a:rPr lang="en-US" altLang="ko-KR" dirty="0" smtClean="0"/>
-              <a:t>(new </a:t>
-            </a:r>
-            <a:r>
-              <a:rPr lang="en-US" altLang="ko-KR" dirty="0" err="1" smtClean="0"/>
-              <a:t>GriedView.LayoutParams</a:t>
-            </a:r>
-            <a:r>
-              <a:rPr lang="en-US" altLang="ko-KR" dirty="0" smtClean="0"/>
-              <a:t>(80,60) ;</a:t>
-            </a:r>
-          </a:p>
-          <a:p>
-            <a:pPr>
-              <a:buNone/>
-            </a:pPr>
-            <a:r>
-              <a:rPr lang="en-US" altLang="ko-KR" dirty="0" smtClean="0"/>
-              <a:t>		</a:t>
-            </a:r>
-            <a:r>
-              <a:rPr lang="en-US" altLang="ko-KR" dirty="0" err="1" smtClean="0"/>
-              <a:t>iv.setAdjustViewBounds</a:t>
-            </a:r>
-            <a:r>
-              <a:rPr lang="en-US" altLang="ko-KR" dirty="0" smtClean="0"/>
-              <a:t>(false) ;	</a:t>
-            </a:r>
-            <a:r>
-              <a:rPr lang="en-US" altLang="ko-KR" dirty="0" err="1" smtClean="0"/>
-              <a:t>iv.setScaleType</a:t>
-            </a:r>
-            <a:r>
-              <a:rPr lang="en-US" altLang="ko-KR" dirty="0" smtClean="0"/>
-              <a:t>(</a:t>
-            </a:r>
-            <a:r>
-              <a:rPr lang="en-US" altLang="ko-KR" dirty="0" err="1" smtClean="0"/>
-              <a:t>ImageView.ScaleType.CENTER_CROP</a:t>
-            </a:r>
-            <a:r>
-              <a:rPr lang="en-US" altLang="ko-KR" dirty="0" smtClean="0"/>
-              <a:t>);</a:t>
-            </a:r>
-          </a:p>
-          <a:p>
-            <a:pPr>
-              <a:buNone/>
-            </a:pPr>
-            <a:r>
-              <a:rPr lang="en-US" altLang="ko-KR" dirty="0" smtClean="0"/>
-              <a:t>	}  else {</a:t>
-            </a:r>
-          </a:p>
-          <a:p>
-            <a:pPr>
-              <a:buNone/>
-            </a:pPr>
-            <a:r>
-              <a:rPr lang="en-US" altLang="ko-KR" dirty="0" smtClean="0"/>
-              <a:t>		iv = (</a:t>
-            </a:r>
-            <a:r>
-              <a:rPr lang="en-US" altLang="ko-KR" dirty="0" err="1" smtClean="0"/>
-              <a:t>ImageView</a:t>
-            </a:r>
-            <a:r>
-              <a:rPr lang="en-US" altLang="ko-KR" dirty="0" smtClean="0"/>
-              <a:t>)</a:t>
-            </a:r>
-            <a:r>
-              <a:rPr lang="en-US" altLang="ko-KR" dirty="0" err="1" smtClean="0"/>
-              <a:t>cv</a:t>
-            </a:r>
-            <a:r>
-              <a:rPr lang="en-US" altLang="ko-KR" dirty="0" smtClean="0"/>
-              <a:t> ; }</a:t>
-            </a:r>
-          </a:p>
-          <a:p>
-            <a:pPr>
-              <a:buNone/>
-            </a:pPr>
-            <a:r>
-              <a:rPr lang="en-US" altLang="ko-KR" dirty="0" smtClean="0"/>
-              <a:t>	</a:t>
-            </a:r>
-          </a:p>
-          <a:p>
-            <a:pPr>
-              <a:buNone/>
-            </a:pPr>
-            <a:r>
-              <a:rPr lang="en-US" altLang="ko-KR" dirty="0" smtClean="0"/>
-              <a:t>	</a:t>
-            </a:r>
-            <a:r>
-              <a:rPr lang="en-US" altLang="ko-KR" dirty="0" err="1" smtClean="0"/>
-              <a:t>iv.setImageResource</a:t>
-            </a:r>
-            <a:r>
-              <a:rPr lang="en-US" altLang="ko-KR" dirty="0" smtClean="0"/>
-              <a:t>(picture[pos % 5 ]) ;</a:t>
-            </a:r>
-          </a:p>
-          <a:p>
-            <a:pPr>
-              <a:buNone/>
-            </a:pPr>
-            <a:r>
-              <a:rPr lang="en-US" altLang="ko-KR" dirty="0" smtClean="0"/>
-              <a:t>	</a:t>
-            </a:r>
-          </a:p>
-          <a:p>
-            <a:pPr>
-              <a:buNone/>
-            </a:pPr>
-            <a:r>
-              <a:rPr lang="en-US" altLang="ko-KR" dirty="0" smtClean="0"/>
-              <a:t>	return iv ;</a:t>
-            </a:r>
-          </a:p>
-          <a:p>
-            <a:pPr>
-              <a:buNone/>
-            </a:pPr>
-            <a:r>
-              <a:rPr lang="en-US" altLang="ko-KR" dirty="0" smtClean="0"/>
-              <a:t>}</a:t>
-            </a:r>
-            <a:endParaRPr lang="ko-KR" altLang="en-US" dirty="0"/>
+          <a:bodyPr/>
+          <a:lstStyle/>
+          <a:p>
+            <a:endParaRPr lang="ko-KR" altLang="en-US"/>
           </a:p>
         </p:txBody>
       </p:sp>
@@ -4840,11 +5217,11 @@
           <a:p>
             <a:r>
               <a:rPr lang="en-US" altLang="ko-KR" dirty="0" smtClean="0"/>
-              <a:t>12.3.3 </a:t>
-            </a:r>
-            <a:r>
-              <a:rPr lang="ko-KR" altLang="en-US" dirty="0" smtClean="0"/>
-              <a:t>갤러리</a:t>
+              <a:t>12.3.2 </a:t>
+            </a:r>
+            <a:r>
+              <a:rPr lang="ko-KR" altLang="en-US" dirty="0" err="1" smtClean="0"/>
+              <a:t>그리드뷰</a:t>
             </a:r>
             <a:endParaRPr lang="ko-KR" altLang="en-US" dirty="0"/>
           </a:p>
@@ -4869,11 +5246,19 @@
           <a:p>
             <a:r>
               <a:rPr lang="ko-KR" altLang="en-US" dirty="0" smtClean="0"/>
-              <a:t>중앙에 고정되며 수평으로 스크롤되는 </a:t>
+              <a:t>항목을 </a:t>
+            </a:r>
+            <a:r>
+              <a:rPr lang="en-US" altLang="ko-KR" dirty="0" smtClean="0"/>
+              <a:t>2</a:t>
+            </a:r>
+            <a:r>
+              <a:rPr lang="ko-KR" altLang="en-US" dirty="0" smtClean="0"/>
+              <a:t>차원 표 형태로 출력하는 </a:t>
             </a:r>
             <a:r>
               <a:rPr lang="ko-KR" altLang="en-US" dirty="0" err="1" smtClean="0"/>
-              <a:t>어댑터뷰</a:t>
+              <a:t>위젯</a:t>
             </a:r>
             <a:endParaRPr lang="en-US" altLang="ko-KR" dirty="0" smtClean="0"/>
           </a:p>
@@ -4882,59 +5267,153 @@
           </a:p>
           <a:p>
             <a:r>
-              <a:rPr lang="ko-KR" altLang="en-US" dirty="0" smtClean="0"/>
-              <a:t>이미지 </a:t>
-            </a:r>
-            <a:r>
-              <a:rPr lang="ko-KR" altLang="en-US" dirty="0" err="1" smtClean="0"/>
-              <a:t>선택기</a:t>
-            </a:r>
-            <a:endParaRPr lang="en-US" altLang="ko-KR" dirty="0" smtClean="0"/>
-          </a:p>
-          <a:p>
-            <a:endParaRPr lang="en-US" altLang="ko-KR" dirty="0" smtClean="0"/>
-          </a:p>
-          <a:p>
-            <a:r>
-              <a:rPr lang="en-US" altLang="ko-KR" dirty="0" smtClean="0"/>
-              <a:t>layout</a:t>
-            </a:r>
-          </a:p>
-          <a:p>
-            <a:pPr>
-              <a:buNone/>
-            </a:pPr>
-            <a:r>
-              <a:rPr lang="en-US" altLang="ko-KR" dirty="0" smtClean="0"/>
-              <a:t>	&lt;Gallery . . .</a:t>
-            </a:r>
-          </a:p>
-          <a:p>
-            <a:pPr>
-              <a:buNone/>
-            </a:pPr>
-            <a:r>
-              <a:rPr lang="en-US" altLang="ko-KR" dirty="0" smtClean="0"/>
-              <a:t>	</a:t>
-            </a:r>
-            <a:r>
-              <a:rPr lang="en-US" altLang="ko-KR" dirty="0" err="1" smtClean="0"/>
-              <a:t>android:animationDuration</a:t>
-            </a:r>
-            <a:r>
-              <a:rPr lang="en-US" altLang="ko-KR" dirty="0" smtClean="0"/>
-              <a:t>=“1500”</a:t>
-            </a:r>
-          </a:p>
-          <a:p>
-            <a:pPr>
-              <a:buNone/>
-            </a:pPr>
-            <a:r>
-              <a:rPr lang="en-US" altLang="ko-KR" dirty="0" smtClean="0"/>
-              <a:t>	/&gt;</a:t>
-            </a:r>
-            <a:endParaRPr lang="ko-KR" altLang="en-US" dirty="0"/>
+              <a:rPr lang="en-US" altLang="ko-KR" dirty="0" smtClean="0"/>
+              <a:t>Layout </a:t>
+            </a:r>
+          </a:p>
+          <a:p>
+            <a:pPr lvl="1"/>
+            <a:r>
+              <a:rPr lang="en-US" altLang="ko-KR" dirty="0" smtClean="0"/>
+              <a:t>&lt;</a:t>
+            </a:r>
+            <a:r>
+              <a:rPr lang="en-US" altLang="ko-KR" b="1" dirty="0" err="1" smtClean="0">
+                <a:solidFill>
+                  <a:schemeClr val="accent6">
+                    <a:lumMod val="75000"/>
+                  </a:schemeClr>
+                </a:solidFill>
+              </a:rPr>
+              <a:t>GridView</a:t>
+            </a:r>
+            <a:r>
+              <a:rPr lang="en-US" altLang="ko-KR" dirty="0" smtClean="0"/>
+              <a:t> . . .</a:t>
+            </a:r>
+          </a:p>
+          <a:p>
+            <a:pPr>
+              <a:buNone/>
+            </a:pPr>
+            <a:r>
+              <a:rPr lang="en-US" altLang="ko-KR" dirty="0" smtClean="0"/>
+              <a:t>		</a:t>
+            </a:r>
+            <a:r>
+              <a:rPr lang="en-US" altLang="ko-KR" dirty="0" err="1" smtClean="0"/>
+              <a:t>android:</a:t>
+            </a:r>
+            <a:r>
+              <a:rPr lang="en-US" altLang="ko-KR" b="1" dirty="0" err="1" smtClean="0">
+                <a:solidFill>
+                  <a:schemeClr val="accent3">
+                    <a:lumMod val="50000"/>
+                  </a:schemeClr>
+                </a:solidFill>
+              </a:rPr>
+              <a:t>numColumns</a:t>
+            </a:r>
+            <a:r>
+              <a:rPr lang="en-US" altLang="ko-KR" dirty="0" smtClean="0"/>
+              <a:t>=“</a:t>
+            </a:r>
+            <a:r>
+              <a:rPr lang="en-US" altLang="ko-KR" dirty="0" err="1" smtClean="0"/>
+              <a:t>auto_fit</a:t>
+            </a:r>
+            <a:r>
+              <a:rPr lang="en-US" altLang="ko-KR" dirty="0" smtClean="0"/>
+              <a:t>”</a:t>
+            </a:r>
+          </a:p>
+          <a:p>
+            <a:pPr>
+              <a:buNone/>
+            </a:pPr>
+            <a:r>
+              <a:rPr lang="en-US" altLang="ko-KR" dirty="0" smtClean="0"/>
+              <a:t>		</a:t>
+            </a:r>
+            <a:r>
+              <a:rPr lang="en-US" altLang="ko-KR" dirty="0" err="1" smtClean="0"/>
+              <a:t>android:</a:t>
+            </a:r>
+            <a:r>
+              <a:rPr lang="en-US" altLang="ko-KR" b="1" dirty="0" err="1" smtClean="0">
+                <a:solidFill>
+                  <a:schemeClr val="accent3">
+                    <a:lumMod val="50000"/>
+                  </a:schemeClr>
+                </a:solidFill>
+              </a:rPr>
+              <a:t>columnWidth</a:t>
+            </a:r>
+            <a:r>
+              <a:rPr lang="en-US" altLang="ko-KR" dirty="0" smtClean="0"/>
+              <a:t>=“72dip”</a:t>
+            </a:r>
+          </a:p>
+          <a:p>
+            <a:pPr>
+              <a:buNone/>
+            </a:pPr>
+            <a:r>
+              <a:rPr lang="en-US" altLang="ko-KR" dirty="0" smtClean="0"/>
+              <a:t>		</a:t>
+            </a:r>
+            <a:r>
+              <a:rPr lang="en-US" altLang="ko-KR" dirty="0" err="1" smtClean="0"/>
+              <a:t>android:</a:t>
+            </a:r>
+            <a:r>
+              <a:rPr lang="en-US" altLang="ko-KR" b="1" dirty="0" err="1" smtClean="0">
+                <a:solidFill>
+                  <a:schemeClr val="accent3">
+                    <a:lumMod val="50000"/>
+                  </a:schemeClr>
+                </a:solidFill>
+              </a:rPr>
+              <a:t>stretchMode</a:t>
+            </a:r>
+            <a:r>
+              <a:rPr lang="en-US" altLang="ko-KR" dirty="0" smtClean="0"/>
+              <a:t>=“</a:t>
+            </a:r>
+            <a:r>
+              <a:rPr lang="en-US" altLang="ko-KR" dirty="0" err="1" smtClean="0"/>
+              <a:t>columnWidth</a:t>
+            </a:r>
+            <a:r>
+              <a:rPr lang="en-US" altLang="ko-KR" dirty="0" smtClean="0"/>
+              <a:t>”</a:t>
+            </a:r>
+          </a:p>
+          <a:p>
+            <a:pPr>
+              <a:buNone/>
+            </a:pPr>
+            <a:r>
+              <a:rPr lang="en-US" altLang="ko-KR" dirty="0" smtClean="0"/>
+              <a:t>		</a:t>
+            </a:r>
+            <a:r>
+              <a:rPr lang="en-US" altLang="ko-KR" dirty="0" err="1" smtClean="0"/>
+              <a:t>android:gravity</a:t>
+            </a:r>
+            <a:r>
+              <a:rPr lang="en-US" altLang="ko-KR" dirty="0" smtClean="0"/>
+              <a:t>=“center”</a:t>
+            </a:r>
+          </a:p>
+          <a:p>
+            <a:pPr>
+              <a:buNone/>
+            </a:pPr>
+            <a:r>
+              <a:rPr lang="en-US" altLang="ko-KR" dirty="0" smtClean="0"/>
+              <a:t>		/&gt;</a:t>
+            </a:r>
           </a:p>
         </p:txBody>
       </p:sp>
@@ -4987,11 +5466,15 @@
           <a:p>
             <a:r>
               <a:rPr lang="en-US" altLang="ko-KR" dirty="0" smtClean="0"/>
-              <a:t>12.3.3 </a:t>
+              <a:t>13.3.2 </a:t>
+            </a:r>
+            <a:r>
+              <a:rPr lang="ko-KR" altLang="en-US" dirty="0" err="1" smtClean="0"/>
+              <a:t>그리드뷰</a:t>
             </a:r>
             <a:r>
               <a:rPr lang="ko-KR" altLang="en-US" dirty="0" smtClean="0"/>
-              <a:t>갤러리 </a:t>
+              <a:t> </a:t>
             </a:r>
             <a:r>
               <a:rPr lang="en-US" altLang="ko-KR" dirty="0" smtClean="0"/>
@@ -5014,7 +5497,7 @@
         <p:spPr/>
         <p:txBody>
           <a:bodyPr>
-            <a:normAutofit lnSpcReduction="10000"/>
+            <a:normAutofit fontScale="85000" lnSpcReduction="20000"/>
           </a:bodyPr>
           <a:lstStyle/>
           <a:p>
@@ -5023,19 +5506,27 @@
             </a:pPr>
             <a:r>
               <a:rPr lang="en-US" altLang="ko-KR" dirty="0" smtClean="0"/>
-              <a:t>Gallery </a:t>
-            </a:r>
-            <a:r>
-              <a:rPr lang="en-US" altLang="ko-KR" dirty="0" err="1" smtClean="0"/>
-              <a:t>gallery</a:t>
-            </a:r>
-            <a:r>
-              <a:rPr lang="en-US" altLang="ko-KR" dirty="0" smtClean="0"/>
-              <a:t>=(Gallery)</a:t>
-            </a:r>
-            <a:r>
-              <a:rPr lang="en-US" altLang="ko-KR" dirty="0" err="1" smtClean="0"/>
-              <a:t>findViewById</a:t>
+              <a:t>	</a:t>
+            </a:r>
+            <a:r>
+              <a:rPr lang="en-US" altLang="ko-KR" dirty="0" err="1" smtClean="0"/>
+              <a:t>GridView</a:t>
+            </a:r>
+            <a:r>
+              <a:rPr lang="en-US" altLang="ko-KR" dirty="0" smtClean="0"/>
+              <a:t> grid=(</a:t>
+            </a:r>
+            <a:r>
+              <a:rPr lang="en-US" altLang="ko-KR" dirty="0" err="1" smtClean="0"/>
+              <a:t>GridView</a:t>
+            </a:r>
+            <a:r>
+              <a:rPr lang="en-US" altLang="ko-KR" dirty="0" smtClean="0"/>
+              <a:t>)</a:t>
+            </a:r>
+            <a:r>
+              <a:rPr lang="en-US" altLang="ko-KR" dirty="0" err="1" smtClean="0"/>
+              <a:t>findViewByID</a:t>
             </a:r>
             <a:r>
               <a:rPr lang="en-US" altLang="ko-KR" dirty="0" smtClean="0"/>
@@ -5046,81 +5537,141 @@
             <a:pPr>
               <a:buNone/>
             </a:pPr>
+            <a:r>
+              <a:rPr lang="en-US" altLang="ko-KR" dirty="0" smtClean="0"/>
+              <a:t>	</a:t>
+            </a:r>
+          </a:p>
+          <a:p>
+            <a:pPr>
+              <a:buNone/>
+            </a:pPr>
+            <a:r>
+              <a:rPr lang="en-US" altLang="ko-KR" dirty="0" smtClean="0"/>
+              <a:t>	</a:t>
+            </a:r>
+            <a:r>
+              <a:rPr lang="en-US" altLang="ko-KR" dirty="0" err="1" smtClean="0"/>
+              <a:t>ImageAdapter</a:t>
+            </a:r>
+            <a:r>
+              <a:rPr lang="en-US" altLang="ko-KR" dirty="0" smtClean="0"/>
+              <a:t> adapter=new </a:t>
+            </a:r>
+            <a:r>
+              <a:rPr lang="en-US" altLang="ko-KR" dirty="0" err="1" smtClean="0"/>
+              <a:t>ImageAdapter</a:t>
+            </a:r>
+            <a:r>
+              <a:rPr lang="en-US" altLang="ko-KR" dirty="0" smtClean="0"/>
+              <a:t>(this)</a:t>
+            </a:r>
+          </a:p>
+          <a:p>
+            <a:pPr>
+              <a:buNone/>
+            </a:pPr>
+            <a:r>
+              <a:rPr lang="en-US" altLang="ko-KR" dirty="0" smtClean="0"/>
+              <a:t>	</a:t>
+            </a:r>
+          </a:p>
+          <a:p>
+            <a:pPr>
+              <a:buNone/>
+            </a:pPr>
+            <a:r>
+              <a:rPr lang="en-US" altLang="ko-KR" dirty="0" smtClean="0"/>
+              <a:t>	</a:t>
+            </a:r>
+            <a:r>
+              <a:rPr lang="en-US" altLang="ko-KR" dirty="0" err="1" smtClean="0"/>
+              <a:t>grid.setAdapter</a:t>
+            </a:r>
+            <a:r>
+              <a:rPr lang="en-US" altLang="ko-KR" dirty="0" smtClean="0"/>
+              <a:t>( adapter )</a:t>
+            </a:r>
+          </a:p>
+          <a:p>
+            <a:pPr>
+              <a:buNone/>
+            </a:pPr>
+            <a:r>
+              <a:rPr lang="en-US" altLang="ko-KR" dirty="0" smtClean="0"/>
+              <a:t>	</a:t>
+            </a:r>
+          </a:p>
+          <a:p>
+            <a:pPr>
+              <a:buNone/>
+            </a:pPr>
+            <a:r>
+              <a:rPr lang="en-US" altLang="ko-KR" dirty="0" smtClean="0"/>
+              <a:t>	</a:t>
+            </a:r>
+            <a:r>
+              <a:rPr lang="en-US" altLang="ko-KR" dirty="0" err="1" smtClean="0"/>
+              <a:t>grid.setOnItemClickListener</a:t>
+            </a:r>
+            <a:r>
+              <a:rPr lang="en-US" altLang="ko-KR" dirty="0" smtClean="0"/>
+              <a:t>(new</a:t>
+            </a:r>
+          </a:p>
+          <a:p>
+            <a:pPr>
+              <a:buNone/>
+            </a:pPr>
+            <a:r>
+              <a:rPr lang="en-US" altLang="ko-KR" dirty="0" smtClean="0"/>
+              <a:t>		</a:t>
+            </a:r>
+            <a:r>
+              <a:rPr lang="en-US" altLang="ko-KR" dirty="0" err="1" smtClean="0"/>
+              <a:t>OnItemClickListener</a:t>
+            </a:r>
+            <a:r>
+              <a:rPr lang="en-US" altLang="ko-KR" dirty="0" smtClean="0"/>
+              <a:t>( ) {</a:t>
+            </a:r>
+          </a:p>
+          <a:p>
+            <a:pPr>
+              <a:buNone/>
+            </a:pPr>
+            <a:r>
+              <a:rPr lang="en-US" altLang="ko-KR" dirty="0" smtClean="0"/>
+              <a:t>			public void </a:t>
+            </a:r>
+            <a:r>
+              <a:rPr lang="en-US" altLang="ko-KR" dirty="0" err="1" smtClean="0"/>
+              <a:t>onItemClick</a:t>
+            </a:r>
+            <a:r>
+              <a:rPr lang="en-US" altLang="ko-KR" dirty="0" smtClean="0"/>
+              <a:t>( . . . ) {</a:t>
+            </a:r>
+          </a:p>
+          <a:p>
+            <a:pPr>
+              <a:buNone/>
+            </a:pPr>
+            <a:r>
+              <a:rPr lang="en-US" altLang="ko-KR" dirty="0" smtClean="0"/>
+              <a:t>			.	.	.</a:t>
+            </a:r>
+          </a:p>
+          <a:p>
+            <a:pPr>
+              <a:buNone/>
+            </a:pPr>
             <a:endParaRPr lang="en-US" altLang="ko-KR" dirty="0" smtClean="0"/>
           </a:p>
           <a:p>
             <a:pPr>
               <a:buNone/>
             </a:pPr>
-            <a:r>
-              <a:rPr lang="en-US" altLang="ko-KR" dirty="0" err="1" smtClean="0"/>
-              <a:t>gallery.setAdapter</a:t>
-            </a:r>
-            <a:r>
-              <a:rPr lang="en-US" altLang="ko-KR" dirty="0" smtClean="0"/>
-              <a:t>(new </a:t>
-            </a:r>
-            <a:r>
-              <a:rPr lang="en-US" altLang="ko-KR" dirty="0" err="1" smtClean="0"/>
-              <a:t>ImageAdapter</a:t>
-            </a:r>
-            <a:r>
-              <a:rPr lang="en-US" altLang="ko-KR" dirty="0" smtClean="0"/>
-              <a:t>(this)) ;</a:t>
-            </a:r>
-          </a:p>
-          <a:p>
-            <a:pPr>
-              <a:buNone/>
-            </a:pPr>
-            <a:endParaRPr lang="en-US" altLang="ko-KR" dirty="0" smtClean="0"/>
-          </a:p>
-          <a:p>
-            <a:pPr>
-              <a:buNone/>
-            </a:pPr>
-            <a:r>
-              <a:rPr lang="en-US" altLang="ko-KR" dirty="0" err="1" smtClean="0"/>
-              <a:t>gallery.setOnItemSelectedListener</a:t>
-            </a:r>
-            <a:r>
-              <a:rPr lang="en-US" altLang="ko-KR" dirty="0" smtClean="0"/>
-              <a:t>(</a:t>
-            </a:r>
-          </a:p>
-          <a:p>
-            <a:pPr>
-              <a:buNone/>
-            </a:pPr>
-            <a:r>
-              <a:rPr lang="en-US" altLang="ko-KR" dirty="0" smtClean="0"/>
-              <a:t> new </a:t>
-            </a:r>
-            <a:r>
-              <a:rPr lang="en-US" altLang="ko-KR" dirty="0" err="1" smtClean="0"/>
-              <a:t>OnItemSelectedListener</a:t>
-            </a:r>
-            <a:r>
-              <a:rPr lang="en-US" altLang="ko-KR" dirty="0" smtClean="0"/>
-              <a:t>( ) {</a:t>
-            </a:r>
-          </a:p>
-          <a:p>
-            <a:pPr>
-              <a:buNone/>
-            </a:pPr>
-            <a:r>
-              <a:rPr lang="en-US" altLang="ko-KR" dirty="0" smtClean="0"/>
-              <a:t>	public void </a:t>
-            </a:r>
-            <a:r>
-              <a:rPr lang="en-US" altLang="ko-KR" dirty="0" err="1" smtClean="0"/>
-              <a:t>onItemSelected</a:t>
-            </a:r>
-            <a:r>
-              <a:rPr lang="en-US" altLang="ko-KR" dirty="0" smtClean="0"/>
-              <a:t>( .	.	.</a:t>
-            </a:r>
             <a:endParaRPr lang="ko-KR" altLang="en-US" dirty="0"/>
           </a:p>
         </p:txBody>
@@ -5130,6 +5681,13 @@
   <p:clrMapOvr>
     <a:masterClrMapping/>
   </p:clrMapOvr>
+  <p:timing>
+    <p:tnLst>
+      <p:par>
+        <p:cTn id="1" dur="indefinite" restart="never" nodeType="tmRoot"/>
+      </p:par>
+    </p:tnLst>
+  </p:timing>
 </p:sld>
 </file>
 
@@ -5167,6 +5725,851 @@
           <a:p>
             <a:r>
               <a:rPr lang="en-US" altLang="ko-KR" dirty="0" smtClean="0"/>
+              <a:t>13.3.2 </a:t>
+            </a:r>
+            <a:r>
+              <a:rPr lang="ko-KR" altLang="en-US" dirty="0" err="1" smtClean="0"/>
+              <a:t>그리드뷰</a:t>
+            </a:r>
+            <a:r>
+              <a:rPr lang="ko-KR" altLang="en-US" dirty="0" smtClean="0"/>
+              <a:t> </a:t>
+            </a:r>
+            <a:r>
+              <a:rPr lang="en-US" altLang="ko-KR" dirty="0" smtClean="0"/>
+              <a:t>3</a:t>
+            </a:r>
+            <a:endParaRPr lang="ko-KR" altLang="en-US" dirty="0"/>
+          </a:p>
+        </p:txBody>
+      </p:sp>
+      <p:sp>
+        <p:nvSpPr>
+          <p:cNvPr id="3" name="내용 개체 틀 2"/>
+          <p:cNvSpPr>
+            <a:spLocks noGrp="1"/>
+          </p:cNvSpPr>
+          <p:nvPr>
+            <p:ph idx="1"/>
+          </p:nvPr>
+        </p:nvSpPr>
+        <p:spPr/>
+        <p:txBody>
+          <a:bodyPr>
+            <a:normAutofit fontScale="92500"/>
+          </a:bodyPr>
+          <a:lstStyle/>
+          <a:p>
+            <a:pPr>
+              <a:buNone/>
+            </a:pPr>
+            <a:r>
+              <a:rPr lang="en-US" altLang="ko-KR" dirty="0" smtClean="0"/>
+              <a:t>	class </a:t>
+            </a:r>
+            <a:r>
+              <a:rPr lang="en-US" altLang="ko-KR" dirty="0" err="1" smtClean="0"/>
+              <a:t>ImageAdapter</a:t>
+            </a:r>
+            <a:r>
+              <a:rPr lang="en-US" altLang="ko-KR" dirty="0" smtClean="0"/>
+              <a:t> extends </a:t>
+            </a:r>
+            <a:r>
+              <a:rPr lang="en-US" altLang="ko-KR" dirty="0" err="1" smtClean="0"/>
+              <a:t>BaseAdapter</a:t>
+            </a:r>
+            <a:r>
+              <a:rPr lang="en-US" altLang="ko-KR" dirty="0" smtClean="0"/>
+              <a:t> {</a:t>
+            </a:r>
+          </a:p>
+          <a:p>
+            <a:pPr>
+              <a:buNone/>
+            </a:pPr>
+            <a:r>
+              <a:rPr lang="en-US" altLang="ko-KR" dirty="0" smtClean="0"/>
+              <a:t>		</a:t>
+            </a:r>
+            <a:r>
+              <a:rPr lang="en-US" altLang="ko-KR" dirty="0" err="1" smtClean="0"/>
+              <a:t>getCount</a:t>
+            </a:r>
+            <a:r>
+              <a:rPr lang="en-US" altLang="ko-KR" dirty="0" smtClean="0"/>
+              <a:t>( ) { 	.	.	.</a:t>
+            </a:r>
+          </a:p>
+          <a:p>
+            <a:pPr>
+              <a:buNone/>
+            </a:pPr>
+            <a:r>
+              <a:rPr lang="en-US" altLang="ko-KR" dirty="0" smtClean="0"/>
+              <a:t>		</a:t>
+            </a:r>
+          </a:p>
+          <a:p>
+            <a:pPr>
+              <a:buNone/>
+            </a:pPr>
+            <a:r>
+              <a:rPr lang="en-US" altLang="ko-KR" dirty="0" smtClean="0"/>
+              <a:t>		</a:t>
+            </a:r>
+            <a:r>
+              <a:rPr lang="en-US" altLang="ko-KR" dirty="0" err="1" smtClean="0"/>
+              <a:t>getItem</a:t>
+            </a:r>
+            <a:r>
+              <a:rPr lang="en-US" altLang="ko-KR" dirty="0" smtClean="0"/>
+              <a:t>( </a:t>
+            </a:r>
+            <a:r>
+              <a:rPr lang="en-US" altLang="ko-KR" dirty="0" err="1" smtClean="0"/>
+              <a:t>int</a:t>
+            </a:r>
+            <a:r>
+              <a:rPr lang="en-US" altLang="ko-KR" dirty="0" smtClean="0"/>
+              <a:t> pos ) {	.	.	.</a:t>
+            </a:r>
+          </a:p>
+          <a:p>
+            <a:pPr>
+              <a:buNone/>
+            </a:pPr>
+            <a:r>
+              <a:rPr lang="en-US" altLang="ko-KR" dirty="0" smtClean="0"/>
+              <a:t>		</a:t>
+            </a:r>
+          </a:p>
+          <a:p>
+            <a:pPr>
+              <a:buNone/>
+            </a:pPr>
+            <a:r>
+              <a:rPr lang="en-US" altLang="ko-KR" dirty="0" smtClean="0"/>
+              <a:t>		</a:t>
+            </a:r>
+            <a:r>
+              <a:rPr lang="en-US" altLang="ko-KR" dirty="0" err="1" smtClean="0"/>
+              <a:t>getItemId</a:t>
+            </a:r>
+            <a:r>
+              <a:rPr lang="en-US" altLang="ko-KR" dirty="0" smtClean="0"/>
+              <a:t>( </a:t>
+            </a:r>
+            <a:r>
+              <a:rPr lang="en-US" altLang="ko-KR" dirty="0" err="1" smtClean="0"/>
+              <a:t>int</a:t>
+            </a:r>
+            <a:r>
+              <a:rPr lang="en-US" altLang="ko-KR" dirty="0" smtClean="0"/>
+              <a:t> pos ) { .	.	.</a:t>
+            </a:r>
+          </a:p>
+          <a:p>
+            <a:pPr>
+              <a:buNone/>
+            </a:pPr>
+            <a:r>
+              <a:rPr lang="en-US" altLang="ko-KR" dirty="0" smtClean="0"/>
+              <a:t>	</a:t>
+            </a:r>
+          </a:p>
+          <a:p>
+            <a:pPr>
+              <a:buNone/>
+            </a:pPr>
+            <a:r>
+              <a:rPr lang="en-US" altLang="ko-KR" dirty="0" smtClean="0"/>
+              <a:t>		</a:t>
+            </a:r>
+            <a:r>
+              <a:rPr lang="en-US" altLang="ko-KR" dirty="0" err="1" smtClean="0"/>
+              <a:t>getView</a:t>
+            </a:r>
+            <a:r>
+              <a:rPr lang="en-US" altLang="ko-KR" dirty="0" smtClean="0"/>
+              <a:t>(	.	.	.</a:t>
+            </a:r>
+            <a:endParaRPr lang="ko-KR" altLang="en-US" dirty="0" smtClean="0"/>
+          </a:p>
+        </p:txBody>
+      </p:sp>
+    </p:spTree>
+  </p:cSld>
+  <p:clrMapOvr>
+    <a:masterClrMapping/>
+  </p:clrMapOvr>
+  <p:timing>
+    <p:tnLst>
+      <p:par>
+        <p:cTn id="1" dur="indefinite" restart="never" nodeType="tmRoot"/>
+      </p:par>
+    </p:tnLst>
+  </p:timing>
+</p:sld>
+</file>
+
+<file path=ppt/slides/slide24.xml><?xml version="1.0" encoding="utf-8"?>
+<p:sld xmlns:a="http://schemas.openxmlformats.org/drawingml/2006/main" xmlns:r="http://schemas.openxmlformats.org/officeDocument/2006/relationships" xmlns:p="http://schemas.openxmlformats.org/presentationml/2006/main">
+  <p:cSld>
+    <p:spTree>
+      <p:nvGrpSpPr>
+        <p:cNvPr id="1" name=""/>
+        <p:cNvGrpSpPr/>
+        <p:nvPr/>
+      </p:nvGrpSpPr>
+      <p:grpSpPr>
+        <a:xfrm>
+          <a:off x="0" y="0"/>
+          <a:ext cx="0" cy="0"/>
+          <a:chOff x="0" y="0"/>
+          <a:chExt cx="0" cy="0"/>
+        </a:xfrm>
+      </p:grpSpPr>
+      <p:sp>
+        <p:nvSpPr>
+          <p:cNvPr id="2" name="제목 1"/>
+          <p:cNvSpPr>
+            <a:spLocks noGrp="1"/>
+          </p:cNvSpPr>
+          <p:nvPr>
+            <p:ph type="title"/>
+          </p:nvPr>
+        </p:nvSpPr>
+        <p:spPr/>
+        <p:txBody>
+          <a:bodyPr/>
+          <a:lstStyle/>
+          <a:p>
+            <a:r>
+              <a:rPr lang="en-US" altLang="ko-KR" dirty="0" smtClean="0"/>
+              <a:t>13.3.2 </a:t>
+            </a:r>
+            <a:r>
+              <a:rPr lang="ko-KR" altLang="en-US" dirty="0" err="1" smtClean="0"/>
+              <a:t>그리드뷰</a:t>
+            </a:r>
+            <a:r>
+              <a:rPr lang="ko-KR" altLang="en-US" dirty="0" smtClean="0"/>
+              <a:t> </a:t>
+            </a:r>
+            <a:r>
+              <a:rPr lang="en-US" altLang="ko-KR" dirty="0" smtClean="0"/>
+              <a:t>4</a:t>
+            </a:r>
+            <a:endParaRPr lang="ko-KR" altLang="en-US" dirty="0"/>
+          </a:p>
+        </p:txBody>
+      </p:sp>
+      <p:sp>
+        <p:nvSpPr>
+          <p:cNvPr id="3" name="내용 개체 틀 2"/>
+          <p:cNvSpPr>
+            <a:spLocks noGrp="1"/>
+          </p:cNvSpPr>
+          <p:nvPr>
+            <p:ph idx="1"/>
+          </p:nvPr>
+        </p:nvSpPr>
+        <p:spPr/>
+        <p:txBody>
+          <a:bodyPr>
+            <a:normAutofit fontScale="62500" lnSpcReduction="20000"/>
+          </a:bodyPr>
+          <a:lstStyle/>
+          <a:p>
+            <a:pPr>
+              <a:buNone/>
+            </a:pPr>
+            <a:r>
+              <a:rPr lang="en-US" altLang="ko-KR" dirty="0" err="1" smtClean="0"/>
+              <a:t>ImageAdapter.getView</a:t>
+            </a:r>
+            <a:r>
+              <a:rPr lang="en-US" altLang="ko-KR" dirty="0" smtClean="0"/>
+              <a:t>(</a:t>
+            </a:r>
+          </a:p>
+          <a:p>
+            <a:pPr>
+              <a:buNone/>
+            </a:pPr>
+            <a:r>
+              <a:rPr lang="en-US" altLang="ko-KR" dirty="0" smtClean="0"/>
+              <a:t>	</a:t>
+            </a:r>
+            <a:r>
+              <a:rPr lang="en-US" altLang="ko-KR" dirty="0" err="1" smtClean="0"/>
+              <a:t>int</a:t>
+            </a:r>
+            <a:r>
+              <a:rPr lang="en-US" altLang="ko-KR" dirty="0" smtClean="0"/>
+              <a:t> pos, View </a:t>
+            </a:r>
+            <a:r>
+              <a:rPr lang="en-US" altLang="ko-KR" dirty="0" err="1" smtClean="0"/>
+              <a:t>cv</a:t>
+            </a:r>
+            <a:r>
+              <a:rPr lang="en-US" altLang="ko-KR" dirty="0" smtClean="0"/>
+              <a:t>, </a:t>
+            </a:r>
+            <a:r>
+              <a:rPr lang="en-US" altLang="ko-KR" dirty="0" err="1" smtClean="0"/>
+              <a:t>ViewGroup</a:t>
+            </a:r>
+            <a:r>
+              <a:rPr lang="en-US" altLang="ko-KR" dirty="0" smtClean="0"/>
+              <a:t> vg) {</a:t>
+            </a:r>
+          </a:p>
+          <a:p>
+            <a:pPr>
+              <a:buNone/>
+            </a:pPr>
+            <a:r>
+              <a:rPr lang="en-US" altLang="ko-KR" dirty="0" smtClean="0"/>
+              <a:t>	if(</a:t>
+            </a:r>
+            <a:r>
+              <a:rPr lang="en-US" altLang="ko-KR" dirty="0" err="1" smtClean="0"/>
+              <a:t>cv</a:t>
+            </a:r>
+            <a:r>
+              <a:rPr lang="en-US" altLang="ko-KR" dirty="0" smtClean="0"/>
+              <a:t>==null) {</a:t>
+            </a:r>
+          </a:p>
+          <a:p>
+            <a:pPr>
+              <a:buNone/>
+            </a:pPr>
+            <a:r>
+              <a:rPr lang="en-US" altLang="ko-KR" dirty="0" smtClean="0"/>
+              <a:t>		.	.	.</a:t>
+            </a:r>
+          </a:p>
+          <a:p>
+            <a:pPr>
+              <a:buNone/>
+            </a:pPr>
+            <a:r>
+              <a:rPr lang="en-US" altLang="ko-KR" dirty="0" smtClean="0"/>
+              <a:t>		</a:t>
+            </a:r>
+            <a:r>
+              <a:rPr lang="en-US" altLang="ko-KR" dirty="0" err="1" smtClean="0"/>
+              <a:t>iv.setLayoutParams</a:t>
+            </a:r>
+            <a:r>
+              <a:rPr lang="en-US" altLang="ko-KR" dirty="0" smtClean="0"/>
+              <a:t>(new </a:t>
+            </a:r>
+            <a:r>
+              <a:rPr lang="en-US" altLang="ko-KR" dirty="0" err="1" smtClean="0"/>
+              <a:t>GriedView.LayoutParams</a:t>
+            </a:r>
+            <a:r>
+              <a:rPr lang="en-US" altLang="ko-KR" dirty="0" smtClean="0"/>
+              <a:t>(80,60) ;</a:t>
+            </a:r>
+          </a:p>
+          <a:p>
+            <a:pPr>
+              <a:buNone/>
+            </a:pPr>
+            <a:r>
+              <a:rPr lang="en-US" altLang="ko-KR" dirty="0" smtClean="0"/>
+              <a:t>		</a:t>
+            </a:r>
+            <a:r>
+              <a:rPr lang="en-US" altLang="ko-KR" dirty="0" err="1" smtClean="0"/>
+              <a:t>iv.setAdjustViewBounds</a:t>
+            </a:r>
+            <a:r>
+              <a:rPr lang="en-US" altLang="ko-KR" dirty="0" smtClean="0"/>
+              <a:t>(false) ;	</a:t>
+            </a:r>
+            <a:r>
+              <a:rPr lang="en-US" altLang="ko-KR" dirty="0" err="1" smtClean="0"/>
+              <a:t>iv.setScaleType</a:t>
+            </a:r>
+            <a:r>
+              <a:rPr lang="en-US" altLang="ko-KR" dirty="0" smtClean="0"/>
+              <a:t>(</a:t>
+            </a:r>
+            <a:r>
+              <a:rPr lang="en-US" altLang="ko-KR" dirty="0" err="1" smtClean="0"/>
+              <a:t>ImageView.ScaleType.CENTER_CROP</a:t>
+            </a:r>
+            <a:r>
+              <a:rPr lang="en-US" altLang="ko-KR" dirty="0" smtClean="0"/>
+              <a:t>);</a:t>
+            </a:r>
+          </a:p>
+          <a:p>
+            <a:pPr>
+              <a:buNone/>
+            </a:pPr>
+            <a:r>
+              <a:rPr lang="en-US" altLang="ko-KR" dirty="0" smtClean="0"/>
+              <a:t>	}  else {</a:t>
+            </a:r>
+          </a:p>
+          <a:p>
+            <a:pPr>
+              <a:buNone/>
+            </a:pPr>
+            <a:r>
+              <a:rPr lang="en-US" altLang="ko-KR" dirty="0" smtClean="0"/>
+              <a:t>		iv = (</a:t>
+            </a:r>
+            <a:r>
+              <a:rPr lang="en-US" altLang="ko-KR" dirty="0" err="1" smtClean="0"/>
+              <a:t>ImageView</a:t>
+            </a:r>
+            <a:r>
+              <a:rPr lang="en-US" altLang="ko-KR" dirty="0" smtClean="0"/>
+              <a:t>)</a:t>
+            </a:r>
+            <a:r>
+              <a:rPr lang="en-US" altLang="ko-KR" dirty="0" err="1" smtClean="0"/>
+              <a:t>cv</a:t>
+            </a:r>
+            <a:r>
+              <a:rPr lang="en-US" altLang="ko-KR" dirty="0" smtClean="0"/>
+              <a:t> ; }</a:t>
+            </a:r>
+          </a:p>
+          <a:p>
+            <a:pPr>
+              <a:buNone/>
+            </a:pPr>
+            <a:r>
+              <a:rPr lang="en-US" altLang="ko-KR" dirty="0" smtClean="0"/>
+              <a:t>	</a:t>
+            </a:r>
+          </a:p>
+          <a:p>
+            <a:pPr>
+              <a:buNone/>
+            </a:pPr>
+            <a:r>
+              <a:rPr lang="en-US" altLang="ko-KR" dirty="0" smtClean="0"/>
+              <a:t>	</a:t>
+            </a:r>
+            <a:r>
+              <a:rPr lang="en-US" altLang="ko-KR" dirty="0" err="1" smtClean="0"/>
+              <a:t>iv.setImageResource</a:t>
+            </a:r>
+            <a:r>
+              <a:rPr lang="en-US" altLang="ko-KR" dirty="0" smtClean="0"/>
+              <a:t>(picture[pos % 5 ]) ;</a:t>
+            </a:r>
+          </a:p>
+          <a:p>
+            <a:pPr>
+              <a:buNone/>
+            </a:pPr>
+            <a:r>
+              <a:rPr lang="en-US" altLang="ko-KR" dirty="0" smtClean="0"/>
+              <a:t>	</a:t>
+            </a:r>
+          </a:p>
+          <a:p>
+            <a:pPr>
+              <a:buNone/>
+            </a:pPr>
+            <a:r>
+              <a:rPr lang="en-US" altLang="ko-KR" dirty="0" smtClean="0"/>
+              <a:t>	return iv ;</a:t>
+            </a:r>
+          </a:p>
+          <a:p>
+            <a:pPr>
+              <a:buNone/>
+            </a:pPr>
+            <a:r>
+              <a:rPr lang="en-US" altLang="ko-KR" dirty="0" smtClean="0"/>
+              <a:t>}</a:t>
+            </a:r>
+            <a:endParaRPr lang="ko-KR" altLang="en-US" dirty="0"/>
+          </a:p>
+        </p:txBody>
+      </p:sp>
+    </p:spTree>
+  </p:cSld>
+  <p:clrMapOvr>
+    <a:masterClrMapping/>
+  </p:clrMapOvr>
+</p:sld>
+</file>
+
+<file path=ppt/slides/slide25.xml><?xml version="1.0" encoding="utf-8"?>
+<p:sld xmlns:a="http://schemas.openxmlformats.org/drawingml/2006/main" xmlns:r="http://schemas.openxmlformats.org/officeDocument/2006/relationships" xmlns:p="http://schemas.openxmlformats.org/presentationml/2006/main">
+  <p:cSld>
+    <p:spTree>
+      <p:nvGrpSpPr>
+        <p:cNvPr id="1" name=""/>
+        <p:cNvGrpSpPr/>
+        <p:nvPr/>
+      </p:nvGrpSpPr>
+      <p:grpSpPr>
+        <a:xfrm>
+          <a:off x="0" y="0"/>
+          <a:ext cx="0" cy="0"/>
+          <a:chOff x="0" y="0"/>
+          <a:chExt cx="0" cy="0"/>
+        </a:xfrm>
+      </p:grpSpPr>
+      <p:sp>
+        <p:nvSpPr>
+          <p:cNvPr id="2" name="제목 1"/>
+          <p:cNvSpPr>
+            <a:spLocks noGrp="1"/>
+          </p:cNvSpPr>
+          <p:nvPr>
+            <p:ph type="title"/>
+          </p:nvPr>
+        </p:nvSpPr>
+        <p:spPr/>
+        <p:txBody>
+          <a:bodyPr/>
+          <a:lstStyle/>
+          <a:p>
+            <a:r>
+              <a:rPr lang="en-US" altLang="ko-KR" dirty="0" smtClean="0"/>
+              <a:t>12.3.3 </a:t>
+            </a:r>
+            <a:r>
+              <a:rPr lang="ko-KR" altLang="en-US" dirty="0" smtClean="0"/>
+              <a:t>갤러리</a:t>
+            </a:r>
+            <a:endParaRPr lang="ko-KR" altLang="en-US" dirty="0"/>
+          </a:p>
+        </p:txBody>
+      </p:sp>
+      <p:sp>
+        <p:nvSpPr>
+          <p:cNvPr id="3" name="내용 개체 틀 2"/>
+          <p:cNvSpPr>
+            <a:spLocks noGrp="1"/>
+          </p:cNvSpPr>
+          <p:nvPr>
+            <p:ph idx="1"/>
+          </p:nvPr>
+        </p:nvSpPr>
+        <p:spPr/>
+        <p:txBody>
+          <a:bodyPr>
+            <a:normAutofit fontScale="92500" lnSpcReduction="10000"/>
+          </a:bodyPr>
+          <a:lstStyle/>
+          <a:p>
+            <a:r>
+              <a:rPr lang="ko-KR" altLang="en-US" dirty="0" smtClean="0"/>
+              <a:t>중앙에 고정되며 수평으로 스크롤되는 </a:t>
+            </a:r>
+            <a:r>
+              <a:rPr lang="ko-KR" altLang="en-US" dirty="0" err="1" smtClean="0"/>
+              <a:t>어댑터뷰</a:t>
+            </a:r>
+            <a:endParaRPr lang="en-US" altLang="ko-KR" dirty="0" smtClean="0"/>
+          </a:p>
+          <a:p>
+            <a:endParaRPr lang="en-US" altLang="ko-KR" dirty="0" smtClean="0"/>
+          </a:p>
+          <a:p>
+            <a:r>
+              <a:rPr lang="ko-KR" altLang="en-US" dirty="0" smtClean="0"/>
+              <a:t>이미지 </a:t>
+            </a:r>
+            <a:r>
+              <a:rPr lang="ko-KR" altLang="en-US" dirty="0" err="1" smtClean="0"/>
+              <a:t>선택기</a:t>
+            </a:r>
+            <a:endParaRPr lang="en-US" altLang="ko-KR" dirty="0" smtClean="0"/>
+          </a:p>
+          <a:p>
+            <a:endParaRPr lang="en-US" altLang="ko-KR" dirty="0" smtClean="0"/>
+          </a:p>
+          <a:p>
+            <a:r>
+              <a:rPr lang="en-US" altLang="ko-KR" dirty="0" smtClean="0"/>
+              <a:t>layout</a:t>
+            </a:r>
+          </a:p>
+          <a:p>
+            <a:pPr>
+              <a:buNone/>
+            </a:pPr>
+            <a:r>
+              <a:rPr lang="en-US" altLang="ko-KR" dirty="0" smtClean="0"/>
+              <a:t>	&lt;Gallery . . .</a:t>
+            </a:r>
+          </a:p>
+          <a:p>
+            <a:pPr>
+              <a:buNone/>
+            </a:pPr>
+            <a:r>
+              <a:rPr lang="en-US" altLang="ko-KR" dirty="0" smtClean="0"/>
+              <a:t>	</a:t>
+            </a:r>
+            <a:r>
+              <a:rPr lang="en-US" altLang="ko-KR" dirty="0" err="1" smtClean="0"/>
+              <a:t>android:animationDuration</a:t>
+            </a:r>
+            <a:r>
+              <a:rPr lang="en-US" altLang="ko-KR" dirty="0" smtClean="0"/>
+              <a:t>=“1500”</a:t>
+            </a:r>
+          </a:p>
+          <a:p>
+            <a:pPr>
+              <a:buNone/>
+            </a:pPr>
+            <a:r>
+              <a:rPr lang="en-US" altLang="ko-KR" dirty="0" smtClean="0"/>
+              <a:t>	/&gt;</a:t>
+            </a:r>
+            <a:endParaRPr lang="ko-KR" altLang="en-US" dirty="0"/>
+          </a:p>
+        </p:txBody>
+      </p:sp>
+    </p:spTree>
+  </p:cSld>
+  <p:clrMapOvr>
+    <a:masterClrMapping/>
+  </p:clrMapOvr>
+  <p:timing>
+    <p:tnLst>
+      <p:par>
+        <p:cTn id="1" dur="indefinite" restart="never" nodeType="tmRoot"/>
+      </p:par>
+    </p:tnLst>
+  </p:timing>
+</p:sld>
+</file>
+
+<file path=ppt/slides/slide26.xml><?xml version="1.0" encoding="utf-8"?>
+<p:sld xmlns:a="http://schemas.openxmlformats.org/drawingml/2006/main" xmlns:r="http://schemas.openxmlformats.org/officeDocument/2006/relationships" xmlns:p="http://schemas.openxmlformats.org/presentationml/2006/main">
+  <p:cSld>
+    <p:spTree>
+      <p:nvGrpSpPr>
+        <p:cNvPr id="1" name=""/>
+        <p:cNvGrpSpPr/>
+        <p:nvPr/>
+      </p:nvGrpSpPr>
+      <p:grpSpPr>
+        <a:xfrm>
+          <a:off x="0" y="0"/>
+          <a:ext cx="0" cy="0"/>
+          <a:chOff x="0" y="0"/>
+          <a:chExt cx="0" cy="0"/>
+        </a:xfrm>
+      </p:grpSpPr>
+      <p:sp>
+        <p:nvSpPr>
+          <p:cNvPr id="2" name="제목 1"/>
+          <p:cNvSpPr>
+            <a:spLocks noGrp="1"/>
+          </p:cNvSpPr>
+          <p:nvPr>
+            <p:ph type="title"/>
+          </p:nvPr>
+        </p:nvSpPr>
+        <p:spPr/>
+        <p:txBody>
+          <a:bodyPr/>
+          <a:lstStyle/>
+          <a:p>
+            <a:r>
+              <a:rPr lang="en-US" altLang="ko-KR" dirty="0" smtClean="0"/>
+              <a:t>12.3.3 </a:t>
+            </a:r>
+            <a:r>
+              <a:rPr lang="ko-KR" altLang="en-US" dirty="0" smtClean="0"/>
+              <a:t>갤러리 </a:t>
+            </a:r>
+            <a:r>
+              <a:rPr lang="en-US" altLang="ko-KR" dirty="0" smtClean="0"/>
+              <a:t>2</a:t>
+            </a:r>
+            <a:endParaRPr lang="ko-KR" altLang="en-US" dirty="0"/>
+          </a:p>
+        </p:txBody>
+      </p:sp>
+      <p:sp>
+        <p:nvSpPr>
+          <p:cNvPr id="3" name="내용 개체 틀 2"/>
+          <p:cNvSpPr>
+            <a:spLocks noGrp="1"/>
+          </p:cNvSpPr>
+          <p:nvPr>
+            <p:ph idx="1"/>
+          </p:nvPr>
+        </p:nvSpPr>
+        <p:spPr/>
+        <p:txBody>
+          <a:bodyPr>
+            <a:normAutofit lnSpcReduction="10000"/>
+          </a:bodyPr>
+          <a:lstStyle/>
+          <a:p>
+            <a:pPr>
+              <a:buNone/>
+            </a:pPr>
+            <a:r>
+              <a:rPr lang="en-US" altLang="ko-KR" dirty="0" smtClean="0"/>
+              <a:t>Gallery </a:t>
+            </a:r>
+            <a:r>
+              <a:rPr lang="en-US" altLang="ko-KR" dirty="0" err="1" smtClean="0"/>
+              <a:t>gallery</a:t>
+            </a:r>
+            <a:r>
+              <a:rPr lang="en-US" altLang="ko-KR" dirty="0" smtClean="0"/>
+              <a:t>=(Gallery)</a:t>
+            </a:r>
+            <a:r>
+              <a:rPr lang="en-US" altLang="ko-KR" dirty="0" err="1" smtClean="0"/>
+              <a:t>findViewById</a:t>
+            </a:r>
+            <a:r>
+              <a:rPr lang="en-US" altLang="ko-KR" dirty="0" smtClean="0"/>
+              <a:t>(…</a:t>
+            </a:r>
+          </a:p>
+          <a:p>
+            <a:pPr>
+              <a:buNone/>
+            </a:pPr>
+            <a:endParaRPr lang="en-US" altLang="ko-KR" dirty="0" smtClean="0"/>
+          </a:p>
+          <a:p>
+            <a:pPr>
+              <a:buNone/>
+            </a:pPr>
+            <a:r>
+              <a:rPr lang="en-US" altLang="ko-KR" dirty="0" err="1" smtClean="0"/>
+              <a:t>gallery.setAdapter</a:t>
+            </a:r>
+            <a:r>
+              <a:rPr lang="en-US" altLang="ko-KR" dirty="0" smtClean="0"/>
+              <a:t>(new </a:t>
+            </a:r>
+            <a:r>
+              <a:rPr lang="en-US" altLang="ko-KR" dirty="0" err="1" smtClean="0"/>
+              <a:t>ImageAdapter</a:t>
+            </a:r>
+            <a:r>
+              <a:rPr lang="en-US" altLang="ko-KR" dirty="0" smtClean="0"/>
+              <a:t>(this)) ;</a:t>
+            </a:r>
+          </a:p>
+          <a:p>
+            <a:pPr>
+              <a:buNone/>
+            </a:pPr>
+            <a:endParaRPr lang="en-US" altLang="ko-KR" dirty="0" smtClean="0"/>
+          </a:p>
+          <a:p>
+            <a:pPr>
+              <a:buNone/>
+            </a:pPr>
+            <a:r>
+              <a:rPr lang="en-US" altLang="ko-KR" dirty="0" err="1" smtClean="0"/>
+              <a:t>gallery.setOnItemSelectedListener</a:t>
+            </a:r>
+            <a:r>
+              <a:rPr lang="en-US" altLang="ko-KR" dirty="0" smtClean="0"/>
+              <a:t>(</a:t>
+            </a:r>
+          </a:p>
+          <a:p>
+            <a:pPr>
+              <a:buNone/>
+            </a:pPr>
+            <a:r>
+              <a:rPr lang="en-US" altLang="ko-KR" dirty="0" smtClean="0"/>
+              <a:t> new </a:t>
+            </a:r>
+            <a:r>
+              <a:rPr lang="en-US" altLang="ko-KR" dirty="0" err="1" smtClean="0"/>
+              <a:t>OnItemSelectedListener</a:t>
+            </a:r>
+            <a:r>
+              <a:rPr lang="en-US" altLang="ko-KR" dirty="0" smtClean="0"/>
+              <a:t>( ) {</a:t>
+            </a:r>
+          </a:p>
+          <a:p>
+            <a:pPr>
+              <a:buNone/>
+            </a:pPr>
+            <a:r>
+              <a:rPr lang="en-US" altLang="ko-KR" dirty="0" smtClean="0"/>
+              <a:t>	public void </a:t>
+            </a:r>
+            <a:r>
+              <a:rPr lang="en-US" altLang="ko-KR" dirty="0" err="1" smtClean="0"/>
+              <a:t>onItemSelected</a:t>
+            </a:r>
+            <a:r>
+              <a:rPr lang="en-US" altLang="ko-KR" dirty="0" smtClean="0"/>
+              <a:t>( .	.	.</a:t>
+            </a:r>
+            <a:endParaRPr lang="ko-KR" altLang="en-US" dirty="0"/>
+          </a:p>
+        </p:txBody>
+      </p:sp>
+    </p:spTree>
+  </p:cSld>
+  <p:clrMapOvr>
+    <a:masterClrMapping/>
+  </p:clrMapOvr>
+</p:sld>
+</file>
+
+<file path=ppt/slides/slide27.xml><?xml version="1.0" encoding="utf-8"?>
+<p:sld xmlns:a="http://schemas.openxmlformats.org/drawingml/2006/main" xmlns:r="http://schemas.openxmlformats.org/officeDocument/2006/relationships" xmlns:p="http://schemas.openxmlformats.org/presentationml/2006/main">
+  <p:cSld>
+    <p:spTree>
+      <p:nvGrpSpPr>
+        <p:cNvPr id="1" name=""/>
+        <p:cNvGrpSpPr/>
+        <p:nvPr/>
+      </p:nvGrpSpPr>
+      <p:grpSpPr>
+        <a:xfrm>
+          <a:off x="0" y="0"/>
+          <a:ext cx="0" cy="0"/>
+          <a:chOff x="0" y="0"/>
+          <a:chExt cx="0" cy="0"/>
+        </a:xfrm>
+      </p:grpSpPr>
+      <p:sp>
+        <p:nvSpPr>
+          <p:cNvPr id="2" name="제목 1"/>
+          <p:cNvSpPr>
+            <a:spLocks noGrp="1"/>
+          </p:cNvSpPr>
+          <p:nvPr>
+            <p:ph type="title"/>
+          </p:nvPr>
+        </p:nvSpPr>
+        <p:spPr/>
+        <p:txBody>
+          <a:bodyPr/>
+          <a:lstStyle/>
+          <a:p>
+            <a:r>
+              <a:rPr lang="en-US" altLang="ko-KR" dirty="0" smtClean="0"/>
               <a:t>12.3.3 </a:t>
             </a:r>
             <a:r>
@@ -5379,7 +6782,6 @@
               <a:rPr lang="en-US" altLang="ko-KR" dirty="0" smtClean="0"/>
               <a:t>(</a:t>
             </a:r>
-            <a:endParaRPr lang="en-US" altLang="ko-KR" dirty="0" smtClean="0"/>
           </a:p>
           <a:p>
             <a:pPr>
@@ -5532,6 +6934,13 @@
   <p:clrMapOvr>
     <a:masterClrMapping/>
   </p:clrMapOvr>
+  <p:timing>
+    <p:tnLst>
+      <p:par>
+        <p:cTn id="1" dur="indefinite" restart="never" nodeType="tmRoot"/>
+      </p:par>
+    </p:tnLst>
+  </p:timing>
 </p:sld>
 </file>
 
@@ -5731,6 +7140,13 @@
   <p:clrMapOvr>
     <a:masterClrMapping/>
   </p:clrMapOvr>
+  <p:timing>
+    <p:tnLst>
+      <p:par>
+        <p:cTn id="1" dur="indefinite" restart="never" nodeType="tmRoot"/>
+      </p:par>
+    </p:tnLst>
+  </p:timing>
 </p:sld>
 </file>
 
@@ -5814,6 +7230,13 @@
   <p:clrMapOvr>
     <a:masterClrMapping/>
   </p:clrMapOvr>
+  <p:timing>
+    <p:tnLst>
+      <p:par>
+        <p:cTn id="1" dur="indefinite" restart="never" nodeType="tmRoot"/>
+      </p:par>
+    </p:tnLst>
+  </p:timing>
 </p:sld>
 </file>
 
@@ -5948,12 +7371,47 @@
   <p:clrMapOvr>
     <a:masterClrMapping/>
   </p:clrMapOvr>
+  <p:timing>
+    <p:tnLst>
+      <p:par>
+        <p:cTn id="1" dur="indefinite" restart="never" nodeType="tmRoot"/>
+      </p:par>
+    </p:tnLst>
+  </p:timing>
 </p:sld>
 </file>
 
 <file path=ppt/slides/slide7.xml><?xml version="1.0" encoding="utf-8"?>
 <p:sld xmlns:a="http://schemas.openxmlformats.org/drawingml/2006/main" xmlns:r="http://schemas.openxmlformats.org/officeDocument/2006/relationships" xmlns:p="http://schemas.openxmlformats.org/presentationml/2006/main">
   <p:cSld>
+    <p:bg>
+      <p:bgPr>
+        <a:gradFill>
+          <a:gsLst>
+            <a:gs pos="0">
+              <a:schemeClr val="accent1">
+                <a:tint val="66000"/>
+                <a:satMod val="160000"/>
+              </a:schemeClr>
+            </a:gs>
+            <a:gs pos="50000">
+              <a:schemeClr val="accent1">
+                <a:tint val="44500"/>
+                <a:satMod val="160000"/>
+              </a:schemeClr>
+            </a:gs>
+            <a:gs pos="100000">
+              <a:schemeClr val="accent1">
+                <a:tint val="23500"/>
+                <a:satMod val="160000"/>
+              </a:schemeClr>
+            </a:gs>
+          </a:gsLst>
+          <a:lin ang="5400000" scaled="0"/>
+        </a:gradFill>
+        <a:effectLst/>
+      </p:bgPr>
+    </p:bg>
     <p:spTree>
       <p:nvGrpSpPr>
         <p:cNvPr id="1" name=""/>
@@ -6021,11 +7479,7 @@
             </a:pPr>
             <a:r>
               <a:rPr lang="en-US" altLang="ko-KR" dirty="0" smtClean="0"/>
-              <a:t>	</a:t>
-            </a:r>
-            <a:r>
-              <a:rPr lang="en-US" altLang="ko-KR" dirty="0" smtClean="0"/>
-              <a:t>&lt;</a:t>
+              <a:t>	&lt;</a:t>
             </a:r>
             <a:r>
               <a:rPr lang="en-US" altLang="ko-KR" dirty="0" err="1" smtClean="0"/>
@@ -6039,24 +7493,16 @@
             </a:pPr>
             <a:r>
               <a:rPr lang="en-US" altLang="ko-KR" dirty="0" smtClean="0"/>
-              <a:t>	</a:t>
-            </a:r>
-            <a:r>
-              <a:rPr lang="en-US" altLang="ko-KR" dirty="0" smtClean="0"/>
-              <a:t>	.	.	.</a:t>
-            </a:r>
-          </a:p>
-          <a:p>
-            <a:pPr>
-              <a:buNone/>
-            </a:pPr>
-            <a:r>
-              <a:rPr lang="en-US" altLang="ko-KR" dirty="0" smtClean="0"/>
-              <a:t>	</a:t>
-            </a:r>
-            <a:r>
-              <a:rPr lang="en-US" altLang="ko-KR" dirty="0" smtClean="0"/>
-              <a:t>	&lt;</a:t>
+              <a:t>		.	.	.</a:t>
+            </a:r>
+          </a:p>
+          <a:p>
+            <a:pPr>
+              <a:buNone/>
+            </a:pPr>
+            <a:r>
+              <a:rPr lang="en-US" altLang="ko-KR" dirty="0" smtClean="0"/>
+              <a:t>		&lt;</a:t>
             </a:r>
             <a:r>
               <a:rPr lang="en-US" altLang="ko-KR" dirty="0" err="1" smtClean="0"/>
@@ -6070,11 +7516,7 @@
             </a:pPr>
             <a:r>
               <a:rPr lang="en-US" altLang="ko-KR" dirty="0" smtClean="0"/>
-              <a:t>	</a:t>
-            </a:r>
-            <a:r>
-              <a:rPr lang="en-US" altLang="ko-KR" dirty="0" smtClean="0"/>
-              <a:t>		</a:t>
+              <a:t>			</a:t>
             </a:r>
             <a:r>
               <a:rPr lang="en-US" altLang="ko-KR" dirty="0" err="1" smtClean="0"/>
@@ -6091,11 +7533,7 @@
             </a:pPr>
             <a:r>
               <a:rPr lang="en-US" altLang="ko-KR" dirty="0" smtClean="0"/>
-              <a:t>	</a:t>
-            </a:r>
-            <a:r>
-              <a:rPr lang="en-US" altLang="ko-KR" dirty="0" smtClean="0"/>
-              <a:t>		.	.	.</a:t>
+              <a:t>			.	.	.</a:t>
             </a:r>
           </a:p>
           <a:p>
@@ -6111,12 +7549,47 @@
   <p:clrMapOvr>
     <a:masterClrMapping/>
   </p:clrMapOvr>
+  <p:timing>
+    <p:tnLst>
+      <p:par>
+        <p:cTn id="1" dur="indefinite" restart="never" nodeType="tmRoot"/>
+      </p:par>
+    </p:tnLst>
+  </p:timing>
 </p:sld>
 </file>
 
 <file path=ppt/slides/slide8.xml><?xml version="1.0" encoding="utf-8"?>
 <p:sld xmlns:a="http://schemas.openxmlformats.org/drawingml/2006/main" xmlns:r="http://schemas.openxmlformats.org/officeDocument/2006/relationships" xmlns:p="http://schemas.openxmlformats.org/presentationml/2006/main">
   <p:cSld>
+    <p:bg>
+      <p:bgPr>
+        <a:gradFill>
+          <a:gsLst>
+            <a:gs pos="0">
+              <a:schemeClr val="accent1">
+                <a:tint val="66000"/>
+                <a:satMod val="160000"/>
+              </a:schemeClr>
+            </a:gs>
+            <a:gs pos="50000">
+              <a:schemeClr val="accent1">
+                <a:tint val="44500"/>
+                <a:satMod val="160000"/>
+              </a:schemeClr>
+            </a:gs>
+            <a:gs pos="100000">
+              <a:schemeClr val="accent1">
+                <a:tint val="23500"/>
+                <a:satMod val="160000"/>
+              </a:schemeClr>
+            </a:gs>
+          </a:gsLst>
+          <a:lin ang="5400000" scaled="0"/>
+        </a:gradFill>
+        <a:effectLst/>
+      </p:bgPr>
+    </p:bg>
     <p:spTree>
       <p:nvGrpSpPr>
         <p:cNvPr id="1" name=""/>
@@ -6194,11 +7667,48 @@
             </a:pPr>
             <a:r>
               <a:rPr lang="en-US" altLang="ko-KR" dirty="0" smtClean="0"/>
+              <a:t>	// $Data</a:t>
+            </a:r>
+          </a:p>
+          <a:p>
+            <a:pPr>
+              <a:buNone/>
+            </a:pPr>
+            <a:r>
+              <a:rPr lang="en-US" altLang="ko-KR" dirty="0" smtClean="0"/>
               <a:t>	</a:t>
             </a:r>
             <a:r>
-              <a:rPr lang="en-US" altLang="ko-KR" dirty="0" smtClean="0"/>
-              <a:t>// $Data</a:t>
+              <a:rPr lang="en-US" altLang="ko-KR" b="1" dirty="0" err="1" smtClean="0">
+                <a:solidFill>
+                  <a:schemeClr val="accent6">
+                    <a:lumMod val="75000"/>
+                  </a:schemeClr>
+                </a:solidFill>
+              </a:rPr>
+              <a:t>ArrayList</a:t>
+            </a:r>
+            <a:r>
+              <a:rPr lang="en-US" altLang="ko-KR" b="1" dirty="0" smtClean="0">
+                <a:solidFill>
+                  <a:schemeClr val="accent6">
+                    <a:lumMod val="75000"/>
+                  </a:schemeClr>
+                </a:solidFill>
+              </a:rPr>
+              <a:t>&lt;String&gt;</a:t>
+            </a:r>
+            <a:r>
+              <a:rPr lang="en-US" altLang="ko-KR" dirty="0" smtClean="0"/>
+              <a:t> list = new </a:t>
+            </a:r>
+            <a:r>
+              <a:rPr lang="en-US" altLang="ko-KR" dirty="0" err="1" smtClean="0"/>
+              <a:t>ArrayList</a:t>
+            </a:r>
+            <a:r>
+              <a:rPr lang="en-US" altLang="ko-KR" dirty="0" smtClean="0"/>
+              <a:t>&lt;String&gt;( ) ;</a:t>
             </a:r>
           </a:p>
           <a:p>
@@ -6211,19 +7721,29 @@
             </a:r>
             <a:r>
               <a:rPr lang="en-US" altLang="ko-KR" dirty="0" err="1" smtClean="0"/>
-              <a:t>ArrayList</a:t>
-            </a:r>
-            <a:r>
-              <a:rPr lang="en-US" altLang="ko-KR" dirty="0" smtClean="0"/>
-              <a:t>&lt;String&gt; list = new </a:t>
-            </a:r>
-            <a:r>
-              <a:rPr lang="en-US" altLang="ko-KR" dirty="0" err="1" smtClean="0"/>
-              <a:t>ArrayList</a:t>
-            </a:r>
-            <a:r>
-              <a:rPr lang="en-US" altLang="ko-KR" dirty="0" smtClean="0"/>
-              <a:t>&lt;String&gt;( ) ;</a:t>
+              <a:t>list.add</a:t>
+            </a:r>
+            <a:r>
+              <a:rPr lang="en-US" altLang="ko-KR" dirty="0" smtClean="0"/>
+              <a:t>( “item1” ) ;</a:t>
+            </a:r>
+          </a:p>
+          <a:p>
+            <a:pPr>
+              <a:buNone/>
+            </a:pPr>
+            <a:r>
+              <a:rPr lang="en-US" altLang="ko-KR" dirty="0" smtClean="0"/>
+              <a:t>	.	.	.</a:t>
+            </a:r>
+          </a:p>
+          <a:p>
+            <a:pPr>
+              <a:buNone/>
+            </a:pPr>
+            <a:r>
+              <a:rPr lang="en-US" altLang="ko-KR" dirty="0" smtClean="0"/>
+              <a:t>	// $Adapter</a:t>
             </a:r>
           </a:p>
           <a:p>
@@ -6235,12 +7755,74 @@
               <a:t>	</a:t>
             </a:r>
             <a:r>
-              <a:rPr lang="en-US" altLang="ko-KR" dirty="0" err="1" smtClean="0"/>
-              <a:t>list.add</a:t>
-            </a:r>
-            <a:r>
-              <a:rPr lang="en-US" altLang="ko-KR" dirty="0" smtClean="0"/>
-              <a:t>( “item1” ) ;</a:t>
+              <a:rPr lang="en-US" altLang="ko-KR" b="1" dirty="0" err="1" smtClean="0">
+                <a:solidFill>
+                  <a:schemeClr val="accent6">
+                    <a:lumMod val="75000"/>
+                  </a:schemeClr>
+                </a:solidFill>
+              </a:rPr>
+              <a:t>ArrayAdapter</a:t>
+            </a:r>
+            <a:r>
+              <a:rPr lang="en-US" altLang="ko-KR" b="1" dirty="0" smtClean="0">
+                <a:solidFill>
+                  <a:schemeClr val="accent6">
+                    <a:lumMod val="75000"/>
+                  </a:schemeClr>
+                </a:solidFill>
+              </a:rPr>
+              <a:t>&lt;String&gt;</a:t>
+            </a:r>
+            <a:r>
+              <a:rPr lang="en-US" altLang="ko-KR" dirty="0" smtClean="0"/>
+              <a:t> adapter =</a:t>
+            </a:r>
+          </a:p>
+          <a:p>
+            <a:pPr>
+              <a:buNone/>
+            </a:pPr>
+            <a:r>
+              <a:rPr lang="en-US" altLang="ko-KR" dirty="0" smtClean="0"/>
+              <a:t>	 new </a:t>
+            </a:r>
+            <a:r>
+              <a:rPr lang="en-US" altLang="ko-KR" dirty="0" err="1" smtClean="0"/>
+              <a:t>ArrayAdapter</a:t>
+            </a:r>
+            <a:r>
+              <a:rPr lang="en-US" altLang="ko-KR" dirty="0" smtClean="0"/>
+              <a:t>&lt;String&gt;( this, 	</a:t>
+            </a:r>
+            <a:r>
+              <a:rPr lang="en-US" altLang="ko-KR" b="1" dirty="0" smtClean="0">
+                <a:solidFill>
+                  <a:schemeClr val="accent3">
+                    <a:lumMod val="50000"/>
+                  </a:schemeClr>
+                </a:solidFill>
+              </a:rPr>
+              <a:t>Android.R.layout.simple_list_item_1</a:t>
+            </a:r>
+            <a:r>
+              <a:rPr lang="en-US" altLang="ko-KR" dirty="0" smtClean="0"/>
+              <a:t>, list ) ;</a:t>
+            </a:r>
+          </a:p>
+          <a:p>
+            <a:pPr>
+              <a:buNone/>
+            </a:pPr>
+            <a:endParaRPr lang="en-US" altLang="ko-KR" dirty="0" smtClean="0"/>
+          </a:p>
+          <a:p>
+            <a:pPr>
+              <a:buNone/>
+            </a:pPr>
+            <a:r>
+              <a:rPr lang="en-US" altLang="ko-KR" dirty="0" smtClean="0"/>
+              <a:t>	// Connect $Adapter to $Data</a:t>
             </a:r>
           </a:p>
           <a:p>
@@ -6252,8 +7834,50 @@
               <a:t>	</a:t>
             </a:r>
             <a:r>
-              <a:rPr lang="en-US" altLang="ko-KR" dirty="0" smtClean="0"/>
-              <a:t>.	.	.</a:t>
+              <a:rPr lang="en-US" altLang="ko-KR" b="1" dirty="0" err="1" smtClean="0">
+                <a:solidFill>
+                  <a:schemeClr val="accent6">
+                    <a:lumMod val="75000"/>
+                  </a:schemeClr>
+                </a:solidFill>
+              </a:rPr>
+              <a:t>ListView</a:t>
+            </a:r>
+            <a:r>
+              <a:rPr lang="en-US" altLang="ko-KR" dirty="0" smtClean="0"/>
+              <a:t> </a:t>
+            </a:r>
+            <a:r>
+              <a:rPr lang="en-US" altLang="ko-KR" dirty="0" err="1" smtClean="0"/>
+              <a:t>listView</a:t>
+            </a:r>
+            <a:r>
+              <a:rPr lang="en-US" altLang="ko-KR" dirty="0" smtClean="0"/>
+              <a:t>=(</a:t>
+            </a:r>
+            <a:r>
+              <a:rPr lang="en-US" altLang="ko-KR" dirty="0" err="1" smtClean="0"/>
+              <a:t>ListView</a:t>
+            </a:r>
+            <a:r>
+              <a:rPr lang="en-US" altLang="ko-KR" dirty="0" smtClean="0"/>
+              <a:t>)</a:t>
+            </a:r>
+            <a:r>
+              <a:rPr lang="en-US" altLang="ko-KR" dirty="0" err="1" smtClean="0"/>
+              <a:t>findViewById</a:t>
+            </a:r>
+            <a:r>
+              <a:rPr lang="en-US" altLang="ko-KR" dirty="0" smtClean="0"/>
+              <a:t>(</a:t>
+            </a:r>
+            <a:r>
+              <a:rPr lang="en-US" altLang="ko-KR" dirty="0" err="1" smtClean="0"/>
+              <a:t>R.id.list</a:t>
+            </a:r>
+            <a:r>
+              <a:rPr lang="en-US" altLang="ko-KR" dirty="0" smtClean="0"/>
+              <a:t>);</a:t>
             </a:r>
           </a:p>
           <a:p>
@@ -6265,127 +7889,18 @@
               <a:t>	</a:t>
             </a:r>
             <a:r>
-              <a:rPr lang="en-US" altLang="ko-KR" dirty="0" smtClean="0"/>
-              <a:t>// $Adapter</a:t>
-            </a:r>
-          </a:p>
-          <a:p>
-            <a:pPr>
-              <a:buNone/>
-            </a:pPr>
-            <a:r>
-              <a:rPr lang="en-US" altLang="ko-KR" dirty="0" smtClean="0"/>
-              <a:t>	</a:t>
-            </a:r>
-            <a:r>
-              <a:rPr lang="en-US" altLang="ko-KR" dirty="0" err="1" smtClean="0"/>
-              <a:t>ArrayAdapter</a:t>
-            </a:r>
-            <a:r>
-              <a:rPr lang="en-US" altLang="ko-KR" dirty="0" smtClean="0"/>
-              <a:t>&lt;String&gt; adapter =</a:t>
-            </a:r>
-          </a:p>
-          <a:p>
-            <a:pPr>
-              <a:buNone/>
-            </a:pPr>
-            <a:r>
-              <a:rPr lang="en-US" altLang="ko-KR" dirty="0" smtClean="0"/>
-              <a:t>	</a:t>
-            </a:r>
-            <a:r>
-              <a:rPr lang="en-US" altLang="ko-KR" dirty="0" smtClean="0"/>
-              <a:t> new </a:t>
-            </a:r>
-            <a:r>
-              <a:rPr lang="en-US" altLang="ko-KR" dirty="0" err="1" smtClean="0"/>
-              <a:t>ArrayAdapter</a:t>
-            </a:r>
-            <a:r>
-              <a:rPr lang="en-US" altLang="ko-KR" dirty="0" smtClean="0"/>
-              <a:t>&lt;String&gt;( this, 	Android.R.layout.simple_list_item_1, list ) ;</a:t>
-            </a:r>
-          </a:p>
-          <a:p>
-            <a:pPr>
-              <a:buNone/>
-            </a:pPr>
-            <a:endParaRPr lang="en-US" altLang="ko-KR" dirty="0" smtClean="0"/>
-          </a:p>
-          <a:p>
-            <a:pPr>
-              <a:buNone/>
-            </a:pPr>
-            <a:r>
-              <a:rPr lang="en-US" altLang="ko-KR" dirty="0" smtClean="0"/>
-              <a:t>	</a:t>
-            </a:r>
-            <a:r>
-              <a:rPr lang="en-US" altLang="ko-KR" dirty="0" smtClean="0"/>
-              <a:t>// Connect $Adapter to $Data</a:t>
-            </a:r>
-          </a:p>
-          <a:p>
-            <a:pPr>
-              <a:buNone/>
-            </a:pPr>
-            <a:r>
-              <a:rPr lang="en-US" altLang="ko-KR" dirty="0" smtClean="0"/>
-              <a:t>	</a:t>
-            </a:r>
-            <a:r>
-              <a:rPr lang="en-US" altLang="ko-KR" dirty="0" err="1" smtClean="0"/>
-              <a:t>ListView</a:t>
-            </a:r>
-            <a:r>
-              <a:rPr lang="en-US" altLang="ko-KR" dirty="0" smtClean="0"/>
-              <a:t> </a:t>
-            </a:r>
-            <a:r>
-              <a:rPr lang="en-US" altLang="ko-KR" dirty="0" err="1" smtClean="0"/>
-              <a:t>listView</a:t>
-            </a:r>
-            <a:r>
-              <a:rPr lang="en-US" altLang="ko-KR" dirty="0" smtClean="0"/>
-              <a:t>=(</a:t>
-            </a:r>
-            <a:r>
-              <a:rPr lang="en-US" altLang="ko-KR" dirty="0" err="1" smtClean="0"/>
-              <a:t>ListView</a:t>
-            </a:r>
-            <a:r>
-              <a:rPr lang="en-US" altLang="ko-KR" dirty="0" smtClean="0"/>
-              <a:t>)</a:t>
-            </a:r>
-            <a:r>
-              <a:rPr lang="en-US" altLang="ko-KR" dirty="0" err="1" smtClean="0"/>
-              <a:t>findViewById</a:t>
-            </a:r>
-            <a:r>
-              <a:rPr lang="en-US" altLang="ko-KR" dirty="0" smtClean="0"/>
-              <a:t>(</a:t>
-            </a:r>
-            <a:r>
-              <a:rPr lang="en-US" altLang="ko-KR" dirty="0" err="1" smtClean="0"/>
-              <a:t>R.id.list</a:t>
-            </a:r>
-            <a:r>
-              <a:rPr lang="en-US" altLang="ko-KR" dirty="0" smtClean="0"/>
-              <a:t>);</a:t>
-            </a:r>
-          </a:p>
-          <a:p>
-            <a:pPr>
-              <a:buNone/>
-            </a:pPr>
-            <a:r>
-              <a:rPr lang="en-US" altLang="ko-KR" dirty="0" smtClean="0"/>
-              <a:t>	</a:t>
-            </a:r>
-            <a:r>
-              <a:rPr lang="en-US" altLang="ko-KR" dirty="0" err="1" smtClean="0"/>
-              <a:t>listView.setAdapter</a:t>
+              <a:rPr lang="en-US" altLang="ko-KR" dirty="0" err="1" smtClean="0"/>
+              <a:t>listView.</a:t>
+            </a:r>
+            <a:r>
+              <a:rPr lang="en-US" altLang="ko-KR" b="1" i="1" dirty="0" err="1" smtClean="0">
+                <a:solidFill>
+                  <a:schemeClr val="accent5">
+                    <a:lumMod val="50000"/>
+                  </a:schemeClr>
+                </a:solidFill>
+              </a:rPr>
+              <a:t>setAdapter</a:t>
             </a:r>
             <a:r>
               <a:rPr lang="en-US" altLang="ko-KR" dirty="0" smtClean="0"/>
@@ -6399,12 +7914,47 @@
   <p:clrMapOvr>
     <a:masterClrMapping/>
   </p:clrMapOvr>
+  <p:timing>
+    <p:tnLst>
+      <p:par>
+        <p:cTn id="1" dur="indefinite" restart="never" nodeType="tmRoot"/>
+      </p:par>
+    </p:tnLst>
+  </p:timing>
 </p:sld>
 </file>
 
 <file path=ppt/slides/slide9.xml><?xml version="1.0" encoding="utf-8"?>
 <p:sld xmlns:a="http://schemas.openxmlformats.org/drawingml/2006/main" xmlns:r="http://schemas.openxmlformats.org/officeDocument/2006/relationships" xmlns:p="http://schemas.openxmlformats.org/presentationml/2006/main">
   <p:cSld>
+    <p:bg>
+      <p:bgPr>
+        <a:gradFill>
+          <a:gsLst>
+            <a:gs pos="0">
+              <a:schemeClr val="accent1">
+                <a:tint val="66000"/>
+                <a:satMod val="160000"/>
+              </a:schemeClr>
+            </a:gs>
+            <a:gs pos="50000">
+              <a:schemeClr val="accent1">
+                <a:tint val="44500"/>
+                <a:satMod val="160000"/>
+              </a:schemeClr>
+            </a:gs>
+            <a:gs pos="100000">
+              <a:schemeClr val="accent1">
+                <a:tint val="23500"/>
+                <a:satMod val="160000"/>
+              </a:schemeClr>
+            </a:gs>
+          </a:gsLst>
+          <a:lin ang="5400000" scaled="0"/>
+        </a:gradFill>
+        <a:effectLst/>
+      </p:bgPr>
+    </p:bg>
     <p:spTree>
       <p:nvGrpSpPr>
         <p:cNvPr id="1" name=""/>
@@ -6506,37 +8056,29 @@
             <a:pPr lvl="1"/>
             <a:r>
               <a:rPr lang="en-US" altLang="ko-KR" dirty="0" smtClean="0"/>
+              <a:t> context : Activity</a:t>
+            </a:r>
+          </a:p>
+          <a:p>
+            <a:pPr lvl="1"/>
+            <a:r>
+              <a:rPr lang="en-US" altLang="ko-KR" dirty="0" smtClean="0"/>
               <a:t> </a:t>
             </a:r>
             <a:r>
-              <a:rPr lang="en-US" altLang="ko-KR" dirty="0" smtClean="0"/>
-              <a:t>context : Activity</a:t>
+              <a:rPr lang="en-US" altLang="ko-KR" dirty="0" err="1" smtClean="0"/>
+              <a:t>rcId</a:t>
+            </a:r>
+            <a:r>
+              <a:rPr lang="en-US" altLang="ko-KR" dirty="0" smtClean="0"/>
+              <a:t> : System-defined layout resource ID</a:t>
             </a:r>
           </a:p>
           <a:p>
             <a:pPr lvl="1"/>
             <a:r>
               <a:rPr lang="en-US" altLang="ko-KR" dirty="0" smtClean="0"/>
-              <a:t> </a:t>
-            </a:r>
-            <a:r>
-              <a:rPr lang="en-US" altLang="ko-KR" dirty="0" err="1" smtClean="0"/>
-              <a:t>rcId</a:t>
-            </a:r>
-            <a:r>
-              <a:rPr lang="en-US" altLang="ko-KR" dirty="0" smtClean="0"/>
-              <a:t> : System-defined layout resource ID</a:t>
-            </a:r>
-          </a:p>
-          <a:p>
-            <a:pPr lvl="1"/>
-            <a:r>
-              <a:rPr lang="en-US" altLang="ko-KR" dirty="0" smtClean="0"/>
-              <a:t> </a:t>
-            </a:r>
-            <a:r>
-              <a:rPr lang="en-US" altLang="ko-KR" dirty="0" smtClean="0"/>
-              <a:t>objects : Data</a:t>
+              <a:t> objects : Data</a:t>
             </a:r>
           </a:p>
           <a:p>
@@ -6552,6 +8094,13 @@
   <p:clrMapOvr>
     <a:masterClrMapping/>
   </p:clrMapOvr>
+  <p:timing>
+    <p:tnLst>
+      <p:par>
+        <p:cTn id="1" dur="indefinite" restart="never" nodeType="tmRoot"/>
+      </p:par>
+    </p:tnLst>
+  </p:timing>
 </p:sld>
 </file>
 

--- a/Android/안드로이드 프로그래밍 정복/Chapter12 어댑터뷰.pptx
+++ b/Android/안드로이드 프로그래밍 정복/Chapter12 어댑터뷰.pptx
@@ -19,19 +19,20 @@
     <p:sldId id="262" r:id="rId13"/>
     <p:sldId id="263" r:id="rId14"/>
     <p:sldId id="279" r:id="rId15"/>
-    <p:sldId id="281" r:id="rId16"/>
-    <p:sldId id="258" r:id="rId17"/>
-    <p:sldId id="280" r:id="rId18"/>
-    <p:sldId id="282" r:id="rId19"/>
-    <p:sldId id="259" r:id="rId20"/>
-    <p:sldId id="264" r:id="rId21"/>
-    <p:sldId id="265" r:id="rId22"/>
-    <p:sldId id="267" r:id="rId23"/>
-    <p:sldId id="268" r:id="rId24"/>
-    <p:sldId id="271" r:id="rId25"/>
-    <p:sldId id="266" r:id="rId26"/>
-    <p:sldId id="269" r:id="rId27"/>
-    <p:sldId id="270" r:id="rId28"/>
+    <p:sldId id="258" r:id="rId16"/>
+    <p:sldId id="280" r:id="rId17"/>
+    <p:sldId id="282" r:id="rId18"/>
+    <p:sldId id="259" r:id="rId19"/>
+    <p:sldId id="283" r:id="rId20"/>
+    <p:sldId id="284" r:id="rId21"/>
+    <p:sldId id="264" r:id="rId22"/>
+    <p:sldId id="265" r:id="rId23"/>
+    <p:sldId id="267" r:id="rId24"/>
+    <p:sldId id="268" r:id="rId25"/>
+    <p:sldId id="271" r:id="rId26"/>
+    <p:sldId id="266" r:id="rId27"/>
+    <p:sldId id="269" r:id="rId28"/>
+    <p:sldId id="270" r:id="rId29"/>
   </p:sldIdLst>
   <p:sldSz cx="9144000" cy="6858000" type="screen4x3"/>
   <p:notesSz cx="6858000" cy="9144000"/>
@@ -3251,11 +3252,7 @@
             </a:r>
             <a:r>
               <a:rPr lang="ko-KR" altLang="en-US" dirty="0" smtClean="0"/>
-              <a:t>데이터 </a:t>
-            </a:r>
-            <a:r>
-              <a:rPr lang="ko-KR" altLang="en-US" dirty="0" smtClean="0"/>
-              <a:t>읽어오기</a:t>
+              <a:t>데이터 읽어오기</a:t>
             </a:r>
             <a:endParaRPr lang="en-US" altLang="ko-KR" dirty="0" smtClean="0"/>
           </a:p>
@@ -3280,24 +3277,16 @@
             </a:pPr>
             <a:r>
               <a:rPr lang="en-US" altLang="ko-KR" dirty="0" smtClean="0"/>
-              <a:t>	</a:t>
-            </a:r>
-            <a:r>
-              <a:rPr lang="en-US" altLang="ko-KR" dirty="0" smtClean="0"/>
-              <a:t>&lt;string-array name=“country”&gt;</a:t>
-            </a:r>
-          </a:p>
-          <a:p>
-            <a:pPr>
-              <a:buNone/>
-            </a:pPr>
-            <a:r>
-              <a:rPr lang="en-US" altLang="ko-KR" dirty="0" smtClean="0"/>
-              <a:t>	</a:t>
-            </a:r>
-            <a:r>
-              <a:rPr lang="en-US" altLang="ko-KR" dirty="0" smtClean="0"/>
-              <a:t>	&lt;item&gt;</a:t>
+              <a:t>	&lt;string-array name=“country”&gt;</a:t>
+            </a:r>
+          </a:p>
+          <a:p>
+            <a:pPr>
+              <a:buNone/>
+            </a:pPr>
+            <a:r>
+              <a:rPr lang="en-US" altLang="ko-KR" dirty="0" smtClean="0"/>
+              <a:t>		&lt;item&gt;</a:t>
             </a:r>
             <a:r>
               <a:rPr lang="ko-KR" altLang="en-US" dirty="0" smtClean="0"/>
@@ -3305,24 +3294,16 @@
             </a:r>
             <a:r>
               <a:rPr lang="en-US" altLang="ko-KR" dirty="0" smtClean="0"/>
-              <a:t>&lt;/</a:t>
-            </a:r>
-            <a:r>
-              <a:rPr lang="en-US" altLang="ko-KR" dirty="0" smtClean="0"/>
-              <a:t>item&gt;</a:t>
-            </a:r>
-          </a:p>
-          <a:p>
-            <a:pPr>
-              <a:buNone/>
-            </a:pPr>
-            <a:r>
-              <a:rPr lang="en-US" altLang="ko-KR" dirty="0" smtClean="0"/>
-              <a:t>	</a:t>
-            </a:r>
-            <a:r>
-              <a:rPr lang="en-US" altLang="ko-KR" dirty="0" smtClean="0"/>
-              <a:t>		.	.	.</a:t>
+              <a:t>&lt;/item&gt;</a:t>
+            </a:r>
+          </a:p>
+          <a:p>
+            <a:pPr>
+              <a:buNone/>
+            </a:pPr>
+            <a:r>
+              <a:rPr lang="en-US" altLang="ko-KR" dirty="0" smtClean="0"/>
+              <a:t>			.	.	.</a:t>
             </a:r>
           </a:p>
           <a:p>
@@ -3585,11 +3566,7 @@
             </a:r>
             <a:r>
               <a:rPr lang="ko-KR" altLang="en-US" dirty="0" smtClean="0"/>
-              <a:t> </a:t>
-            </a:r>
-            <a:r>
-              <a:rPr lang="ko-KR" altLang="en-US" dirty="0" smtClean="0"/>
-              <a:t>속성</a:t>
+              <a:t> 속성</a:t>
             </a:r>
             <a:endParaRPr lang="en-US" altLang="ko-KR" dirty="0" smtClean="0"/>
           </a:p>
@@ -3601,11 +3578,7 @@
             </a:r>
             <a:r>
               <a:rPr lang="en-US" altLang="ko-KR" dirty="0" smtClean="0"/>
-              <a:t> </a:t>
-            </a:r>
-            <a:r>
-              <a:rPr lang="en-US" altLang="ko-KR" dirty="0" smtClean="0"/>
-              <a:t>: </a:t>
+              <a:t> : </a:t>
             </a:r>
             <a:r>
               <a:rPr lang="ko-KR" altLang="en-US" dirty="0" err="1" smtClean="0"/>
@@ -3617,17 +3590,8 @@
             </a:r>
             <a:r>
               <a:rPr lang="en-US" altLang="ko-KR" dirty="0" smtClean="0"/>
-              <a:t> </a:t>
-            </a:r>
-            <a:r>
-              <a:rPr lang="en-US" altLang="ko-KR" dirty="0" smtClean="0"/>
-              <a:t>	</a:t>
-            </a:r>
-            <a:r>
-              <a:rPr lang="en-US" altLang="ko-KR" dirty="0" smtClean="0"/>
-              <a:t>CHOICE_MODE_NONE, CHOICE_MODE_SINGLE, 	CHOICE_MODE_MULTIPLE</a:t>
-            </a:r>
-            <a:endParaRPr lang="en-US" altLang="ko-KR" dirty="0" smtClean="0"/>
+              <a:t> 	CHOICE_MODE_NONE, CHOICE_MODE_SINGLE, 	CHOICE_MODE_MULTIPLE</a:t>
+            </a:r>
           </a:p>
           <a:p>
             <a:pPr lvl="1"/>
@@ -3690,7 +3654,6 @@
               <a:rPr lang="en-US" altLang="ko-KR" dirty="0" smtClean="0"/>
               <a:t>code</a:t>
             </a:r>
-            <a:endParaRPr lang="en-US" altLang="ko-KR" dirty="0" smtClean="0"/>
           </a:p>
           <a:p>
             <a:pPr>
@@ -3715,19 +3678,65 @@
             </a:pPr>
             <a:r>
               <a:rPr lang="en-US" altLang="ko-KR" dirty="0" smtClean="0"/>
+              <a:t>		</a:t>
+            </a:r>
+            <a:r>
+              <a:rPr lang="en-US" altLang="ko-KR" dirty="0" err="1" smtClean="0"/>
+              <a:t>ListView.CHOICE_MODE_SINGLE</a:t>
+            </a:r>
+            <a:r>
+              <a:rPr lang="en-US" altLang="ko-KR" dirty="0" smtClean="0"/>
+              <a:t>)</a:t>
+            </a:r>
+          </a:p>
+          <a:p>
+            <a:pPr>
+              <a:buNone/>
+            </a:pPr>
+            <a:r>
+              <a:rPr lang="en-US" altLang="ko-KR" dirty="0" smtClean="0"/>
               <a:t>	</a:t>
             </a:r>
             <a:r>
+              <a:rPr lang="en-US" altLang="ko-KR" dirty="0" err="1" smtClean="0"/>
+              <a:t>listView.setDivider</a:t>
+            </a:r>
+            <a:r>
+              <a:rPr lang="en-US" altLang="ko-KR" dirty="0" smtClean="0"/>
+              <a:t>(new </a:t>
+            </a:r>
+            <a:r>
+              <a:rPr lang="en-US" altLang="ko-KR" dirty="0" err="1" smtClean="0"/>
+              <a:t>ColorDrawable</a:t>
+            </a:r>
+            <a:r>
+              <a:rPr lang="en-US" altLang="ko-KR" dirty="0" smtClean="0"/>
+              <a:t>(</a:t>
+            </a:r>
+            <a:r>
+              <a:rPr lang="en-US" altLang="ko-KR" dirty="0" err="1" smtClean="0"/>
+              <a:t>Color.YELLOW</a:t>
+            </a:r>
+            <a:r>
+              <a:rPr lang="en-US" altLang="ko-KR" dirty="0" smtClean="0"/>
+              <a:t>))</a:t>
+            </a:r>
+          </a:p>
+          <a:p>
+            <a:pPr>
+              <a:buNone/>
+            </a:pPr>
+            <a:r>
               <a:rPr lang="en-US" altLang="ko-KR" dirty="0" smtClean="0"/>
               <a:t>	</a:t>
             </a:r>
             <a:r>
               <a:rPr lang="en-US" altLang="ko-KR" dirty="0" err="1" smtClean="0"/>
-              <a:t>ListView.CHOICE_MODE_SINGLE</a:t>
-            </a:r>
-            <a:r>
-              <a:rPr lang="en-US" altLang="ko-KR" dirty="0" smtClean="0"/>
-              <a:t>)</a:t>
+              <a:t>listView.setDividerHeight</a:t>
+            </a:r>
+            <a:r>
+              <a:rPr lang="en-US" altLang="ko-KR" dirty="0" smtClean="0"/>
+              <a:t>(5)</a:t>
             </a:r>
           </a:p>
           <a:p>
@@ -3738,57 +3747,6 @@
               <a:rPr lang="en-US" altLang="ko-KR" dirty="0" smtClean="0"/>
               <a:t>	</a:t>
             </a:r>
-            <a:r>
-              <a:rPr lang="en-US" altLang="ko-KR" dirty="0" err="1" smtClean="0"/>
-              <a:t>listView.setDivider</a:t>
-            </a:r>
-            <a:r>
-              <a:rPr lang="en-US" altLang="ko-KR" dirty="0" smtClean="0"/>
-              <a:t>(new </a:t>
-            </a:r>
-            <a:r>
-              <a:rPr lang="en-US" altLang="ko-KR" dirty="0" err="1" smtClean="0"/>
-              <a:t>ColorDrawable</a:t>
-            </a:r>
-            <a:r>
-              <a:rPr lang="en-US" altLang="ko-KR" dirty="0" smtClean="0"/>
-              <a:t>(</a:t>
-            </a:r>
-            <a:r>
-              <a:rPr lang="en-US" altLang="ko-KR" dirty="0" err="1" smtClean="0"/>
-              <a:t>Color.YELLOW</a:t>
-            </a:r>
-            <a:r>
-              <a:rPr lang="en-US" altLang="ko-KR" dirty="0" smtClean="0"/>
-              <a:t>))</a:t>
-            </a:r>
-          </a:p>
-          <a:p>
-            <a:pPr>
-              <a:buNone/>
-            </a:pPr>
-            <a:r>
-              <a:rPr lang="en-US" altLang="ko-KR" dirty="0" smtClean="0"/>
-              <a:t>	</a:t>
-            </a:r>
-            <a:r>
-              <a:rPr lang="en-US" altLang="ko-KR" dirty="0" err="1" smtClean="0"/>
-              <a:t>listView.setDividerHeight</a:t>
-            </a:r>
-            <a:r>
-              <a:rPr lang="en-US" altLang="ko-KR" dirty="0" smtClean="0"/>
-              <a:t>(5)</a:t>
-            </a:r>
-          </a:p>
-          <a:p>
-            <a:pPr>
-              <a:buNone/>
-            </a:pPr>
-            <a:r>
-              <a:rPr lang="en-US" altLang="ko-KR" dirty="0" smtClean="0"/>
-              <a:t>	</a:t>
-            </a:r>
-            <a:endParaRPr lang="en-US" altLang="ko-KR" dirty="0" smtClean="0"/>
           </a:p>
         </p:txBody>
       </p:sp>
@@ -3874,11 +3832,7 @@
             </a:r>
             <a:r>
               <a:rPr lang="ko-KR" altLang="en-US" dirty="0" smtClean="0"/>
-              <a:t> </a:t>
-            </a:r>
-            <a:r>
-              <a:rPr lang="ko-KR" altLang="en-US" dirty="0" smtClean="0"/>
-              <a:t>항목을 클릭 </a:t>
+              <a:t> 항목을 클릭 </a:t>
             </a:r>
             <a:r>
               <a:rPr lang="ko-KR" altLang="en-US" dirty="0" err="1" smtClean="0"/>
@@ -3900,24 +3854,16 @@
             </a:r>
             <a:r>
               <a:rPr lang="en-US" altLang="ko-KR" dirty="0" smtClean="0"/>
-              <a:t> </a:t>
-            </a:r>
-            <a:r>
-              <a:rPr lang="en-US" altLang="ko-KR" dirty="0" smtClean="0"/>
-              <a:t>{</a:t>
-            </a:r>
-          </a:p>
-          <a:p>
-            <a:pPr>
-              <a:buNone/>
-            </a:pPr>
-            <a:r>
-              <a:rPr lang="en-US" altLang="ko-KR" dirty="0" smtClean="0"/>
-              <a:t>	</a:t>
-            </a:r>
-            <a:r>
-              <a:rPr lang="en-US" altLang="ko-KR" dirty="0" smtClean="0"/>
-              <a:t>	</a:t>
+              <a:t> {</a:t>
+            </a:r>
+          </a:p>
+          <a:p>
+            <a:pPr>
+              <a:buNone/>
+            </a:pPr>
+            <a:r>
+              <a:rPr lang="en-US" altLang="ko-KR" dirty="0" smtClean="0"/>
+              <a:t>		</a:t>
             </a:r>
             <a:r>
               <a:rPr lang="en-US" altLang="ko-KR" b="1" i="1" dirty="0" err="1" smtClean="0">
@@ -3981,11 +3927,7 @@
             </a:r>
             <a:r>
               <a:rPr lang="en-US" altLang="ko-KR" dirty="0" smtClean="0"/>
-              <a:t> </a:t>
-            </a:r>
-            <a:r>
-              <a:rPr lang="en-US" altLang="ko-KR" dirty="0" smtClean="0"/>
-              <a:t>listener)</a:t>
+              <a:t> listener)</a:t>
             </a:r>
           </a:p>
           <a:p>
@@ -4004,13 +3946,8 @@
             </a:r>
             <a:r>
               <a:rPr lang="en-US" altLang="ko-KR" dirty="0" smtClean="0"/>
-              <a:t> </a:t>
-            </a:r>
-            <a:r>
-              <a:rPr lang="en-US" altLang="ko-KR" dirty="0" smtClean="0"/>
-              <a:t>listener)</a:t>
-            </a:r>
-            <a:endParaRPr lang="en-US" altLang="ko-KR" dirty="0" smtClean="0"/>
+              <a:t> listener)</a:t>
+            </a:r>
           </a:p>
         </p:txBody>
       </p:sp>
@@ -4109,11 +4046,7 @@
             </a:r>
             <a:r>
               <a:rPr lang="en-US" altLang="ko-KR" dirty="0" err="1" smtClean="0"/>
-              <a:t>d</a:t>
-            </a:r>
-            <a:r>
-              <a:rPr lang="en-US" altLang="ko-KR" dirty="0" err="1" smtClean="0"/>
-              <a:t>ataItems.add</a:t>
+              <a:t>dataItems.add</a:t>
             </a:r>
             <a:r>
               <a:rPr lang="en-US" altLang="ko-KR" dirty="0" smtClean="0"/>
@@ -4152,11 +4085,7 @@
             </a:pPr>
             <a:r>
               <a:rPr lang="en-US" altLang="ko-KR" dirty="0" smtClean="0"/>
-              <a:t>	</a:t>
-            </a:r>
-            <a:r>
-              <a:rPr lang="en-US" altLang="ko-KR" dirty="0" smtClean="0"/>
-              <a:t>pos = </a:t>
+              <a:t>	pos = </a:t>
             </a:r>
             <a:r>
               <a:rPr lang="en-US" altLang="ko-KR" dirty="0" err="1" smtClean="0"/>
@@ -4173,11 +4102,7 @@
             </a:pPr>
             <a:r>
               <a:rPr lang="en-US" altLang="ko-KR" dirty="0" smtClean="0"/>
-              <a:t>	</a:t>
-            </a:r>
-            <a:r>
-              <a:rPr lang="en-US" altLang="ko-KR" dirty="0" smtClean="0"/>
-              <a:t>if( pos != </a:t>
+              <a:t>	if( pos != </a:t>
             </a:r>
             <a:r>
               <a:rPr lang="en-US" altLang="ko-KR" dirty="0" err="1" smtClean="0"/>
@@ -4187,7 +4112,6 @@
               <a:rPr lang="en-US" altLang="ko-KR" dirty="0" smtClean="0"/>
               <a:t> ) {</a:t>
             </a:r>
-            <a:endParaRPr lang="en-US" altLang="ko-KR" dirty="0" smtClean="0"/>
           </a:p>
           <a:p>
             <a:pPr>
@@ -4212,11 +4136,7 @@
             </a:pPr>
             <a:r>
               <a:rPr lang="en-US" altLang="ko-KR" dirty="0" smtClean="0"/>
-              <a:t>	</a:t>
-            </a:r>
-            <a:r>
-              <a:rPr lang="en-US" altLang="ko-KR" dirty="0" smtClean="0"/>
-              <a:t>	</a:t>
+              <a:t>		</a:t>
             </a:r>
             <a:r>
               <a:rPr lang="en-US" altLang="ko-KR" dirty="0" err="1" smtClean="0"/>
@@ -4233,11 +4153,7 @@
             </a:pPr>
             <a:r>
               <a:rPr lang="en-US" altLang="ko-KR" dirty="0" smtClean="0"/>
-              <a:t>	</a:t>
-            </a:r>
-            <a:r>
-              <a:rPr lang="en-US" altLang="ko-KR" dirty="0" smtClean="0"/>
-              <a:t>	</a:t>
+              <a:t>		</a:t>
             </a:r>
             <a:r>
               <a:rPr lang="en-US" altLang="ko-KR" dirty="0" err="1" smtClean="0"/>
@@ -4302,11 +4218,7 @@
             </a:r>
             <a:r>
               <a:rPr lang="ko-KR" altLang="en-US" dirty="0" smtClean="0"/>
-              <a:t>항목 </a:t>
-            </a:r>
-            <a:r>
-              <a:rPr lang="ko-KR" altLang="en-US" dirty="0" smtClean="0"/>
-              <a:t>편집 </a:t>
+              <a:t>항목 편집 </a:t>
             </a:r>
             <a:r>
               <a:rPr lang="en-US" altLang="ko-KR" dirty="0" smtClean="0"/>
@@ -4347,11 +4259,7 @@
             </a:pPr>
             <a:r>
               <a:rPr lang="en-US" altLang="ko-KR" dirty="0" smtClean="0"/>
-              <a:t>	</a:t>
-            </a:r>
-            <a:r>
-              <a:rPr lang="en-US" altLang="ko-KR" dirty="0" smtClean="0"/>
-              <a:t>adapter = new </a:t>
+              <a:t>	adapter = new </a:t>
             </a:r>
             <a:r>
               <a:rPr lang="en-US" altLang="ko-KR" dirty="0" err="1" smtClean="0"/>
@@ -4376,11 +4284,7 @@
             </a:pPr>
             <a:r>
               <a:rPr lang="en-US" altLang="ko-KR" dirty="0" smtClean="0"/>
-              <a:t>	</a:t>
-            </a:r>
-            <a:r>
-              <a:rPr lang="en-US" altLang="ko-KR" dirty="0" smtClean="0"/>
-              <a:t>.	.	.</a:t>
+              <a:t>	.	.	.</a:t>
             </a:r>
           </a:p>
           <a:p>
@@ -4516,7 +4420,27 @@
           <a:bodyPr/>
           <a:lstStyle/>
           <a:p>
-            <a:endParaRPr lang="ko-KR" altLang="en-US"/>
+            <a:r>
+              <a:rPr lang="en-US" altLang="ko-KR" dirty="0" smtClean="0"/>
+              <a:t>12.2.1 </a:t>
+            </a:r>
+            <a:r>
+              <a:rPr lang="ko-KR" altLang="en-US" dirty="0" err="1" smtClean="0"/>
+              <a:t>커스텀</a:t>
+            </a:r>
+            <a:r>
+              <a:rPr lang="en-US" altLang="ko-KR" dirty="0" smtClean="0"/>
+              <a:t> </a:t>
+            </a:r>
+            <a:r>
+              <a:rPr lang="ko-KR" altLang="en-US" dirty="0" smtClean="0"/>
+              <a:t>항목 </a:t>
+            </a:r>
+            <a:r>
+              <a:rPr lang="ko-KR" altLang="en-US" dirty="0" err="1" smtClean="0"/>
+              <a:t>뷰</a:t>
+            </a:r>
+            <a:endParaRPr lang="ko-KR" altLang="en-US" dirty="0"/>
           </a:p>
         </p:txBody>
       </p:sp>
@@ -4535,7 +4459,37 @@
           <a:bodyPr/>
           <a:lstStyle/>
           <a:p>
-            <a:endParaRPr lang="ko-KR" altLang="en-US"/>
+            <a:r>
+              <a:rPr lang="en-US" altLang="ko-KR" dirty="0" err="1" smtClean="0"/>
+              <a:t>BaseAdapter</a:t>
+            </a:r>
+            <a:r>
+              <a:rPr lang="ko-KR" altLang="en-US" dirty="0" smtClean="0"/>
+              <a:t>를 상속하여 사용자 정의의 </a:t>
+            </a:r>
+            <a:r>
+              <a:rPr lang="ko-KR" altLang="en-US" dirty="0" err="1" smtClean="0"/>
+              <a:t>레이아웃를</a:t>
+            </a:r>
+            <a:r>
+              <a:rPr lang="ko-KR" altLang="en-US" dirty="0" smtClean="0"/>
+              <a:t> 연결하며 </a:t>
+            </a:r>
+            <a:r>
+              <a:rPr lang="en-US" altLang="ko-KR" dirty="0" smtClean="0"/>
+              <a:t>Item View </a:t>
+            </a:r>
+            <a:r>
+              <a:rPr lang="ko-KR" altLang="en-US" dirty="0" smtClean="0"/>
+              <a:t>개체를 생성하여 리턴</a:t>
+            </a:r>
+            <a:r>
+              <a:rPr lang="en-US" altLang="ko-KR" dirty="0" smtClean="0"/>
+              <a:t>.</a:t>
+            </a:r>
+          </a:p>
+          <a:p>
+            <a:endParaRPr lang="ko-KR" altLang="en-US" dirty="0"/>
           </a:p>
         </p:txBody>
       </p:sp>
@@ -4599,64 +4553,120 @@
               <a:rPr lang="ko-KR" altLang="en-US" dirty="0" err="1" smtClean="0"/>
               <a:t>뷰</a:t>
             </a:r>
-            <a:endParaRPr lang="ko-KR" altLang="en-US" dirty="0"/>
-          </a:p>
-        </p:txBody>
-      </p:sp>
-      <p:sp>
-        <p:nvSpPr>
-          <p:cNvPr id="3" name="내용 개체 틀 2"/>
-          <p:cNvSpPr>
-            <a:spLocks noGrp="1"/>
-          </p:cNvSpPr>
-          <p:nvPr>
-            <p:ph idx="1"/>
-          </p:nvPr>
-        </p:nvSpPr>
-        <p:spPr/>
-        <p:txBody>
-          <a:bodyPr/>
-          <a:lstStyle/>
-          <a:p>
-            <a:r>
-              <a:rPr lang="en-US" altLang="ko-KR" dirty="0" err="1" smtClean="0"/>
-              <a:t>BaseAdapter</a:t>
-            </a:r>
-            <a:r>
-              <a:rPr lang="ko-KR" altLang="en-US" dirty="0" smtClean="0"/>
-              <a:t>를 상속하여 사용자 정의의 </a:t>
-            </a:r>
-            <a:r>
-              <a:rPr lang="ko-KR" altLang="en-US" dirty="0" err="1" smtClean="0"/>
-              <a:t>레이아웃를</a:t>
-            </a:r>
             <a:r>
               <a:rPr lang="ko-KR" altLang="en-US" dirty="0" smtClean="0"/>
               <a:t> </a:t>
             </a:r>
             <a:r>
-              <a:rPr lang="ko-KR" altLang="en-US" dirty="0" smtClean="0"/>
-              <a:t>연결하며</a:t>
-            </a:r>
-            <a:r>
-              <a:rPr lang="ko-KR" altLang="en-US" dirty="0" smtClean="0"/>
+              <a:rPr lang="en-US" altLang="ko-KR" dirty="0" smtClean="0"/>
+              <a:t>2</a:t>
+            </a:r>
+            <a:endParaRPr lang="ko-KR" altLang="en-US" dirty="0"/>
+          </a:p>
+        </p:txBody>
+      </p:sp>
+      <p:sp>
+        <p:nvSpPr>
+          <p:cNvPr id="3" name="내용 개체 틀 2"/>
+          <p:cNvSpPr>
+            <a:spLocks noGrp="1"/>
+          </p:cNvSpPr>
+          <p:nvPr>
+            <p:ph idx="1"/>
+          </p:nvPr>
+        </p:nvSpPr>
+        <p:spPr/>
+        <p:txBody>
+          <a:bodyPr/>
+          <a:lstStyle/>
+          <a:p>
+            <a:r>
+              <a:rPr lang="en-US" altLang="ko-KR" dirty="0" smtClean="0"/>
+              <a:t>custom_layout.xml</a:t>
+            </a:r>
+          </a:p>
+          <a:p>
+            <a:pPr>
+              <a:buNone/>
+            </a:pPr>
+            <a:r>
+              <a:rPr lang="en-US" altLang="ko-KR" dirty="0" smtClean="0"/>
+              <a:t>&lt;</a:t>
+            </a:r>
+            <a:r>
+              <a:rPr lang="en-US" altLang="ko-KR" dirty="0" err="1" smtClean="0"/>
+              <a:t>XXXLayout</a:t>
+            </a:r>
+            <a:endParaRPr lang="en-US" altLang="ko-KR" dirty="0" smtClean="0"/>
+          </a:p>
+          <a:p>
+            <a:pPr>
+              <a:buNone/>
+            </a:pPr>
+            <a:r>
+              <a:rPr lang="en-US" altLang="ko-KR" dirty="0" smtClean="0"/>
+              <a:t>	&lt;</a:t>
+            </a:r>
+            <a:r>
+              <a:rPr lang="en-US" altLang="ko-KR" dirty="0" err="1" smtClean="0"/>
+              <a:t>XXXView</a:t>
+            </a:r>
+            <a:endParaRPr lang="en-US" altLang="ko-KR" dirty="0" smtClean="0"/>
+          </a:p>
+          <a:p>
+            <a:pPr>
+              <a:buNone/>
+            </a:pPr>
+            <a:endParaRPr lang="en-US" altLang="ko-KR" dirty="0" smtClean="0"/>
+          </a:p>
+          <a:p>
+            <a:r>
+              <a:rPr lang="en-US" altLang="ko-KR" dirty="0" smtClean="0"/>
+              <a:t>code</a:t>
+            </a:r>
+          </a:p>
+          <a:p>
+            <a:pPr>
+              <a:buNone/>
+            </a:pPr>
+            <a:r>
+              <a:rPr lang="en-US" altLang="ko-KR" dirty="0" err="1" smtClean="0"/>
+              <a:t>MyAdapter</a:t>
+            </a:r>
+            <a:r>
+              <a:rPr lang="en-US" altLang="ko-KR" dirty="0" smtClean="0"/>
               <a:t> </a:t>
             </a:r>
             <a:r>
-              <a:rPr lang="en-US" altLang="ko-KR" dirty="0" smtClean="0"/>
-              <a:t>Item View </a:t>
-            </a:r>
-            <a:r>
-              <a:rPr lang="ko-KR" altLang="en-US" dirty="0" smtClean="0"/>
-              <a:t>개체를 생성하여 리턴</a:t>
-            </a:r>
-            <a:r>
-              <a:rPr lang="en-US" altLang="ko-KR" dirty="0" smtClean="0"/>
-              <a:t>.</a:t>
-            </a:r>
-          </a:p>
-          <a:p>
-            <a:endParaRPr lang="ko-KR" altLang="en-US" dirty="0"/>
+              <a:rPr lang="en-US" altLang="ko-KR" dirty="0" err="1" smtClean="0"/>
+              <a:t>myAdapter</a:t>
+            </a:r>
+            <a:r>
+              <a:rPr lang="en-US" altLang="ko-KR" dirty="0" smtClean="0"/>
+              <a:t>=new </a:t>
+            </a:r>
+            <a:r>
+              <a:rPr lang="en-US" altLang="ko-KR" dirty="0" err="1" smtClean="0"/>
+              <a:t>MyAdapter</a:t>
+            </a:r>
+            <a:r>
+              <a:rPr lang="en-US" altLang="ko-KR" dirty="0" smtClean="0"/>
+              <a:t>(this, </a:t>
+            </a:r>
+            <a:r>
+              <a:rPr lang="en-US" altLang="ko-KR" dirty="0" err="1" smtClean="0"/>
+              <a:t>R.layout.custom_layout</a:t>
+            </a:r>
+            <a:r>
+              <a:rPr lang="en-US" altLang="ko-KR" dirty="0" smtClean="0"/>
+              <a:t>, data)</a:t>
+            </a:r>
+          </a:p>
+          <a:p>
+            <a:pPr>
+              <a:buNone/>
+            </a:pPr>
+            <a:endParaRPr lang="en-US" altLang="ko-KR" dirty="0" smtClean="0"/>
           </a:p>
         </p:txBody>
       </p:sp>
@@ -4702,32 +4712,16 @@
           <a:p>
             <a:r>
               <a:rPr lang="en-US" altLang="ko-KR" dirty="0" smtClean="0"/>
-              <a:t>12.2.1 </a:t>
-            </a:r>
-            <a:r>
-              <a:rPr lang="ko-KR" altLang="en-US" dirty="0" err="1" smtClean="0"/>
-              <a:t>커스텀</a:t>
-            </a:r>
-            <a:r>
-              <a:rPr lang="en-US" altLang="ko-KR" dirty="0" smtClean="0"/>
-              <a:t> </a:t>
-            </a:r>
-            <a:r>
-              <a:rPr lang="ko-KR" altLang="en-US" dirty="0" smtClean="0"/>
-              <a:t>항목 </a:t>
+              <a:t>12.2.2 </a:t>
+            </a:r>
+            <a:r>
+              <a:rPr lang="ko-KR" altLang="en-US" smtClean="0"/>
+              <a:t>여러 종류의 항목 </a:t>
             </a:r>
             <a:r>
               <a:rPr lang="ko-KR" altLang="en-US" dirty="0" err="1" smtClean="0"/>
               <a:t>뷰</a:t>
             </a:r>
-            <a:r>
-              <a:rPr lang="ko-KR" altLang="en-US" dirty="0" smtClean="0"/>
-              <a:t> </a:t>
-            </a:r>
-            <a:r>
-              <a:rPr lang="en-US" altLang="ko-KR" dirty="0" smtClean="0"/>
-              <a:t>2</a:t>
-            </a:r>
             <a:endParaRPr lang="ko-KR" altLang="en-US" dirty="0"/>
           </a:p>
         </p:txBody>
@@ -4747,97 +4741,7 @@
           <a:bodyPr/>
           <a:lstStyle/>
           <a:p>
-            <a:r>
-              <a:rPr lang="en-US" altLang="ko-KR" dirty="0" smtClean="0"/>
-              <a:t>custom_layout.xml</a:t>
-            </a:r>
-          </a:p>
-          <a:p>
-            <a:pPr>
-              <a:buNone/>
-            </a:pPr>
-            <a:r>
-              <a:rPr lang="en-US" altLang="ko-KR" dirty="0" smtClean="0"/>
-              <a:t>&lt;</a:t>
-            </a:r>
-            <a:r>
-              <a:rPr lang="en-US" altLang="ko-KR" dirty="0" err="1" smtClean="0"/>
-              <a:t>XXXLayout</a:t>
-            </a:r>
-            <a:endParaRPr lang="en-US" altLang="ko-KR" dirty="0" smtClean="0"/>
-          </a:p>
-          <a:p>
-            <a:pPr>
-              <a:buNone/>
-            </a:pPr>
-            <a:r>
-              <a:rPr lang="en-US" altLang="ko-KR" dirty="0" smtClean="0"/>
-              <a:t>	</a:t>
-            </a:r>
-            <a:r>
-              <a:rPr lang="en-US" altLang="ko-KR" dirty="0" smtClean="0"/>
-              <a:t>&lt;</a:t>
-            </a:r>
-            <a:r>
-              <a:rPr lang="en-US" altLang="ko-KR" dirty="0" err="1" smtClean="0"/>
-              <a:t>XXXView</a:t>
-            </a:r>
-            <a:endParaRPr lang="en-US" altLang="ko-KR" dirty="0" smtClean="0"/>
-          </a:p>
-          <a:p>
-            <a:pPr>
-              <a:buNone/>
-            </a:pPr>
-            <a:endParaRPr lang="en-US" altLang="ko-KR" dirty="0" smtClean="0"/>
-          </a:p>
-          <a:p>
-            <a:r>
-              <a:rPr lang="en-US" altLang="ko-KR" dirty="0" smtClean="0"/>
-              <a:t>code</a:t>
-            </a:r>
-          </a:p>
-          <a:p>
-            <a:pPr>
-              <a:buNone/>
-            </a:pPr>
-            <a:r>
-              <a:rPr lang="en-US" altLang="ko-KR" dirty="0" err="1" smtClean="0"/>
-              <a:t>MyAdapter</a:t>
-            </a:r>
-            <a:r>
-              <a:rPr lang="en-US" altLang="ko-KR" dirty="0" smtClean="0"/>
-              <a:t> </a:t>
-            </a:r>
-            <a:r>
-              <a:rPr lang="en-US" altLang="ko-KR" dirty="0" err="1" smtClean="0"/>
-              <a:t>myAdapter</a:t>
-            </a:r>
-            <a:r>
-              <a:rPr lang="en-US" altLang="ko-KR" dirty="0" smtClean="0"/>
-              <a:t>=new </a:t>
-            </a:r>
-            <a:r>
-              <a:rPr lang="en-US" altLang="ko-KR" dirty="0" err="1" smtClean="0"/>
-              <a:t>MyAdapter</a:t>
-            </a:r>
-            <a:r>
-              <a:rPr lang="en-US" altLang="ko-KR" dirty="0" smtClean="0"/>
-              <a:t>(this, </a:t>
-            </a:r>
-            <a:r>
-              <a:rPr lang="en-US" altLang="ko-KR" dirty="0" err="1" smtClean="0"/>
-              <a:t>R.layout.custom_layout</a:t>
-            </a:r>
-            <a:r>
-              <a:rPr lang="en-US" altLang="ko-KR" dirty="0" smtClean="0"/>
-              <a:t>, data)</a:t>
-            </a:r>
-          </a:p>
-          <a:p>
-            <a:pPr>
-              <a:buNone/>
-            </a:pPr>
-            <a:endParaRPr lang="en-US" altLang="ko-KR" dirty="0" smtClean="0"/>
+            <a:endParaRPr lang="ko-KR" altLang="en-US"/>
           </a:p>
         </p:txBody>
       </p:sp>
@@ -4883,36 +4787,97 @@
           <a:p>
             <a:r>
               <a:rPr lang="en-US" altLang="ko-KR" dirty="0" smtClean="0"/>
-              <a:t>12.2.2 </a:t>
-            </a:r>
-            <a:r>
-              <a:rPr lang="ko-KR" altLang="en-US" smtClean="0"/>
-              <a:t>여러 종류의 항목 </a:t>
-            </a:r>
+              <a:t>12.2.3 </a:t>
+            </a:r>
+            <a:r>
+              <a:rPr lang="ko-KR" altLang="en-US" dirty="0" smtClean="0"/>
+              <a:t>대용량 항목 표시</a:t>
+            </a:r>
+            <a:endParaRPr lang="ko-KR" altLang="en-US" dirty="0"/>
+          </a:p>
+        </p:txBody>
+      </p:sp>
+      <p:sp>
+        <p:nvSpPr>
+          <p:cNvPr id="3" name="내용 개체 틀 2"/>
+          <p:cNvSpPr>
+            <a:spLocks noGrp="1"/>
+          </p:cNvSpPr>
+          <p:nvPr>
+            <p:ph idx="1"/>
+          </p:nvPr>
+        </p:nvSpPr>
+        <p:spPr/>
+        <p:txBody>
+          <a:bodyPr/>
+          <a:lstStyle/>
+          <a:p>
             <a:r>
               <a:rPr lang="ko-KR" altLang="en-US" dirty="0" err="1" smtClean="0"/>
-              <a:t>뷰</a:t>
-            </a:r>
+              <a:t>어덥터와</a:t>
+            </a:r>
+            <a:r>
+              <a:rPr lang="ko-KR" altLang="en-US" dirty="0" smtClean="0"/>
+              <a:t> </a:t>
+            </a:r>
+            <a:r>
+              <a:rPr lang="ko-KR" altLang="en-US" dirty="0" err="1" smtClean="0"/>
+              <a:t>리스트뷰는</a:t>
+            </a:r>
+            <a:r>
+              <a:rPr lang="ko-KR" altLang="en-US" dirty="0" smtClean="0"/>
+              <a:t> 필요한 항목의 </a:t>
+            </a:r>
+            <a:r>
+              <a:rPr lang="ko-KR" altLang="en-US" dirty="0" err="1" smtClean="0"/>
+              <a:t>뷰만큼을</a:t>
+            </a:r>
+            <a:r>
+              <a:rPr lang="ko-KR" altLang="en-US" dirty="0" smtClean="0"/>
+              <a:t> 생성하고 재활용한다</a:t>
+            </a:r>
+            <a:r>
+              <a:rPr lang="en-US" altLang="ko-KR" dirty="0" smtClean="0"/>
+              <a:t>.</a:t>
+            </a:r>
+          </a:p>
+          <a:p>
+            <a:endParaRPr lang="en-US" altLang="ko-KR" dirty="0" smtClean="0"/>
+          </a:p>
+          <a:p>
+            <a:r>
+              <a:rPr lang="en-US" altLang="ko-KR" dirty="0" err="1" smtClean="0"/>
+              <a:t>getView</a:t>
+            </a:r>
+            <a:r>
+              <a:rPr lang="en-US" altLang="ko-KR" dirty="0" smtClean="0"/>
+              <a:t>( )</a:t>
+            </a:r>
+            <a:r>
+              <a:rPr lang="ko-KR" altLang="en-US" dirty="0" smtClean="0"/>
+              <a:t>의 인수 </a:t>
+            </a:r>
+            <a:r>
+              <a:rPr lang="en-US" altLang="ko-KR" dirty="0" err="1" smtClean="0"/>
+              <a:t>covertView</a:t>
+            </a:r>
+            <a:r>
+              <a:rPr lang="ko-KR" altLang="en-US" dirty="0" smtClean="0"/>
+              <a:t>로 전달하여 재활용</a:t>
+            </a:r>
+            <a:r>
+              <a:rPr lang="en-US" altLang="ko-KR" dirty="0" smtClean="0"/>
+              <a:t>.</a:t>
+            </a:r>
+          </a:p>
+          <a:p>
+            <a:endParaRPr lang="en-US" altLang="ko-KR" dirty="0" smtClean="0"/>
+          </a:p>
+          <a:p>
+            <a:pPr>
+              <a:buNone/>
+            </a:pPr>
             <a:endParaRPr lang="ko-KR" altLang="en-US" dirty="0"/>
-          </a:p>
-        </p:txBody>
-      </p:sp>
-      <p:sp>
-        <p:nvSpPr>
-          <p:cNvPr id="3" name="내용 개체 틀 2"/>
-          <p:cNvSpPr>
-            <a:spLocks noGrp="1"/>
-          </p:cNvSpPr>
-          <p:nvPr>
-            <p:ph idx="1"/>
-          </p:nvPr>
-        </p:nvSpPr>
-        <p:spPr/>
-        <p:txBody>
-          <a:bodyPr/>
-          <a:lstStyle/>
-          <a:p>
-            <a:endParaRPr lang="ko-KR" altLang="en-US"/>
           </a:p>
         </p:txBody>
       </p:sp>
@@ -4958,11 +4923,15 @@
           <a:p>
             <a:r>
               <a:rPr lang="en-US" altLang="ko-KR" dirty="0" smtClean="0"/>
-              <a:t>12.3 </a:t>
+              <a:t>12.2.4 </a:t>
+            </a:r>
+            <a:r>
+              <a:rPr lang="ko-KR" altLang="en-US" dirty="0" smtClean="0"/>
+              <a:t>확장 </a:t>
             </a:r>
             <a:r>
               <a:rPr lang="ko-KR" altLang="en-US" dirty="0" err="1" smtClean="0"/>
-              <a:t>어댑터뷰</a:t>
+              <a:t>리스트뷰</a:t>
             </a:r>
             <a:endParaRPr lang="ko-KR" altLang="en-US" dirty="0"/>
           </a:p>
@@ -4983,7 +4952,45 @@
           <a:bodyPr/>
           <a:lstStyle/>
           <a:p>
-            <a:endParaRPr lang="ko-KR" altLang="en-US"/>
+            <a:r>
+              <a:rPr lang="en-US" altLang="ko-KR" dirty="0" err="1" smtClean="0"/>
+              <a:t>ExpandableListView</a:t>
+            </a:r>
+            <a:r>
+              <a:rPr lang="en-US" altLang="ko-KR" dirty="0" smtClean="0"/>
+              <a:t> </a:t>
+            </a:r>
+          </a:p>
+          <a:p>
+            <a:pPr lvl="1"/>
+            <a:r>
+              <a:rPr lang="en-US" altLang="ko-KR" dirty="0" smtClean="0"/>
+              <a:t> </a:t>
+            </a:r>
+            <a:r>
+              <a:rPr lang="en-US" altLang="ko-KR" dirty="0" smtClean="0"/>
+              <a:t>2</a:t>
+            </a:r>
+            <a:r>
+              <a:rPr lang="ko-KR" altLang="en-US" dirty="0" smtClean="0"/>
+              <a:t>차원 형태로 항목을 표시</a:t>
+            </a:r>
+            <a:endParaRPr lang="en-US" altLang="ko-KR" dirty="0" smtClean="0"/>
+          </a:p>
+          <a:p>
+            <a:pPr lvl="1"/>
+            <a:r>
+              <a:rPr lang="en-US" altLang="ko-KR" dirty="0" smtClean="0"/>
+              <a:t> </a:t>
+            </a:r>
+            <a:r>
+              <a:rPr lang="ko-KR" altLang="en-US" dirty="0" smtClean="0"/>
+              <a:t>그룹을 배열로 표시하고 각 그룹의 자식 항목을 정의</a:t>
+            </a:r>
+            <a:endParaRPr lang="en-US" altLang="ko-KR" dirty="0" smtClean="0"/>
+          </a:p>
+          <a:p>
+            <a:endParaRPr lang="en-US" altLang="ko-KR" dirty="0" smtClean="0"/>
           </a:p>
         </p:txBody>
       </p:sp>
@@ -5146,32 +5153,144 @@
           <a:p>
             <a:r>
               <a:rPr lang="en-US" altLang="ko-KR" dirty="0" smtClean="0"/>
-              <a:t>12.3.1 </a:t>
+              <a:t>12.2.5 </a:t>
+            </a:r>
+            <a:r>
+              <a:rPr lang="en-US" altLang="ko-KR" dirty="0" err="1" smtClean="0"/>
+              <a:t>ListActivity</a:t>
+            </a:r>
+            <a:endParaRPr lang="ko-KR" altLang="en-US" dirty="0"/>
+          </a:p>
+        </p:txBody>
+      </p:sp>
+      <p:sp>
+        <p:nvSpPr>
+          <p:cNvPr id="3" name="내용 개체 틀 2"/>
+          <p:cNvSpPr>
+            <a:spLocks noGrp="1"/>
+          </p:cNvSpPr>
+          <p:nvPr>
+            <p:ph idx="1"/>
+          </p:nvPr>
+        </p:nvSpPr>
+        <p:spPr/>
+        <p:txBody>
+          <a:bodyPr/>
+          <a:lstStyle/>
+          <a:p>
+            <a:r>
+              <a:rPr lang="ko-KR" altLang="en-US" dirty="0" smtClean="0"/>
+              <a:t>별도의 레이아웃을 갖지 않고 시스템에서 </a:t>
             </a:r>
             <a:r>
               <a:rPr lang="ko-KR" altLang="en-US" dirty="0" err="1" smtClean="0"/>
-              <a:t>스피너</a:t>
+              <a:t>리스트뷰만으로</a:t>
+            </a:r>
+            <a:r>
+              <a:rPr lang="ko-KR" altLang="en-US" dirty="0" smtClean="0"/>
+              <a:t> 구성된 </a:t>
+            </a:r>
+            <a:r>
+              <a:rPr lang="ko-KR" altLang="en-US" dirty="0" err="1" smtClean="0"/>
+              <a:t>액티비티를</a:t>
+            </a:r>
+            <a:r>
+              <a:rPr lang="ko-KR" altLang="en-US" dirty="0" smtClean="0"/>
+              <a:t> 제공</a:t>
+            </a:r>
+            <a:endParaRPr lang="en-US" altLang="ko-KR" dirty="0" smtClean="0"/>
+          </a:p>
+          <a:p>
+            <a:endParaRPr lang="en-US" altLang="ko-KR" dirty="0" smtClean="0"/>
+          </a:p>
+          <a:p>
+            <a:r>
+              <a:rPr lang="ko-KR" altLang="en-US" dirty="0" smtClean="0"/>
+              <a:t>멤버</a:t>
+            </a:r>
+            <a:endParaRPr lang="en-US" altLang="ko-KR" dirty="0" smtClean="0"/>
+          </a:p>
+          <a:p>
+            <a:pPr lvl="1"/>
+            <a:r>
+              <a:rPr lang="en-US" altLang="ko-KR" dirty="0" smtClean="0"/>
+              <a:t> </a:t>
+            </a:r>
+            <a:r>
+              <a:rPr lang="en-US" altLang="ko-KR" dirty="0" err="1" smtClean="0"/>
+              <a:t>getListView</a:t>
+            </a:r>
+            <a:r>
+              <a:rPr lang="en-US" altLang="ko-KR" dirty="0" smtClean="0"/>
+              <a:t>( )</a:t>
+            </a:r>
+          </a:p>
+          <a:p>
+            <a:pPr lvl="1"/>
+            <a:r>
+              <a:rPr lang="en-US" altLang="ko-KR" dirty="0" smtClean="0"/>
+              <a:t> </a:t>
+            </a:r>
+            <a:r>
+              <a:rPr lang="en-US" altLang="ko-KR" dirty="0" err="1" smtClean="0"/>
+              <a:t>setListAdapter</a:t>
+            </a:r>
+            <a:r>
+              <a:rPr lang="en-US" altLang="ko-KR" dirty="0" smtClean="0"/>
+              <a:t>( </a:t>
+            </a:r>
+            <a:r>
+              <a:rPr lang="en-US" altLang="ko-KR" dirty="0" err="1" smtClean="0"/>
+              <a:t>ListAdapter</a:t>
+            </a:r>
+            <a:r>
+              <a:rPr lang="en-US" altLang="ko-KR" dirty="0" smtClean="0"/>
+              <a:t> adapter )</a:t>
+            </a:r>
+          </a:p>
+          <a:p>
+            <a:pPr lvl="1"/>
+            <a:r>
+              <a:rPr lang="en-US" altLang="ko-KR" dirty="0" smtClean="0"/>
+              <a:t> </a:t>
+            </a:r>
+            <a:r>
+              <a:rPr lang="en-US" altLang="ko-KR" dirty="0" err="1" smtClean="0"/>
+              <a:t>onListItemClick</a:t>
+            </a:r>
+            <a:r>
+              <a:rPr lang="en-US" altLang="ko-KR" dirty="0" smtClean="0"/>
+              <a:t>( </a:t>
+            </a:r>
+            <a:r>
+              <a:rPr lang="en-US" altLang="ko-KR" dirty="0" err="1" smtClean="0"/>
+              <a:t>ListView</a:t>
+            </a:r>
+            <a:r>
+              <a:rPr lang="en-US" altLang="ko-KR" dirty="0" smtClean="0"/>
+              <a:t> </a:t>
+            </a:r>
+            <a:r>
+              <a:rPr lang="en-US" altLang="ko-KR" dirty="0" err="1" smtClean="0"/>
+              <a:t>lv</a:t>
+            </a:r>
+            <a:r>
+              <a:rPr lang="en-US" altLang="ko-KR" dirty="0" smtClean="0"/>
+              <a:t>, View v, </a:t>
+            </a:r>
+            <a:r>
+              <a:rPr lang="en-US" altLang="ko-KR" dirty="0" err="1" smtClean="0"/>
+              <a:t>int</a:t>
+            </a:r>
+            <a:r>
+              <a:rPr lang="en-US" altLang="ko-KR" dirty="0" smtClean="0"/>
+              <a:t> </a:t>
+            </a:r>
+            <a:r>
+              <a:rPr lang="en-US" altLang="ko-KR" dirty="0" smtClean="0"/>
+              <a:t>pos, long id )</a:t>
             </a:r>
             <a:endParaRPr lang="ko-KR" altLang="en-US" dirty="0"/>
-          </a:p>
-        </p:txBody>
-      </p:sp>
-      <p:sp>
-        <p:nvSpPr>
-          <p:cNvPr id="3" name="내용 개체 틀 2"/>
-          <p:cNvSpPr>
-            <a:spLocks noGrp="1"/>
-          </p:cNvSpPr>
-          <p:nvPr>
-            <p:ph idx="1"/>
-          </p:nvPr>
-        </p:nvSpPr>
-        <p:spPr/>
-        <p:txBody>
-          <a:bodyPr/>
-          <a:lstStyle/>
-          <a:p>
-            <a:endParaRPr lang="ko-KR" altLang="en-US"/>
           </a:p>
         </p:txBody>
       </p:sp>
@@ -5217,11 +5336,11 @@
           <a:p>
             <a:r>
               <a:rPr lang="en-US" altLang="ko-KR" dirty="0" smtClean="0"/>
-              <a:t>12.3.2 </a:t>
+              <a:t>12.3.1 </a:t>
             </a:r>
             <a:r>
               <a:rPr lang="ko-KR" altLang="en-US" dirty="0" err="1" smtClean="0"/>
-              <a:t>그리드뷰</a:t>
+              <a:t>스피너</a:t>
             </a:r>
             <a:endParaRPr lang="ko-KR" altLang="en-US" dirty="0"/>
           </a:p>
@@ -5239,26 +5358,12 @@
         </p:nvSpPr>
         <p:spPr/>
         <p:txBody>
-          <a:bodyPr>
-            <a:normAutofit fontScale="92500" lnSpcReduction="10000"/>
-          </a:bodyPr>
-          <a:lstStyle/>
-          <a:p>
-            <a:r>
-              <a:rPr lang="ko-KR" altLang="en-US" dirty="0" smtClean="0"/>
-              <a:t>항목을 </a:t>
-            </a:r>
-            <a:r>
-              <a:rPr lang="en-US" altLang="ko-KR" dirty="0" smtClean="0"/>
-              <a:t>2</a:t>
-            </a:r>
-            <a:r>
-              <a:rPr lang="ko-KR" altLang="en-US" dirty="0" smtClean="0"/>
-              <a:t>차원 표 형태로 출력하는 </a:t>
-            </a:r>
-            <a:r>
-              <a:rPr lang="ko-KR" altLang="en-US" dirty="0" err="1" smtClean="0"/>
-              <a:t>위젯</a:t>
+          <a:bodyPr/>
+          <a:lstStyle/>
+          <a:p>
+            <a:r>
+              <a:rPr lang="en-US" altLang="ko-KR" dirty="0" err="1" smtClean="0"/>
+              <a:t>ComboBox</a:t>
             </a:r>
             <a:endParaRPr lang="en-US" altLang="ko-KR" dirty="0" smtClean="0"/>
           </a:p>
@@ -5266,154 +5371,7 @@
             <a:endParaRPr lang="en-US" altLang="ko-KR" dirty="0" smtClean="0"/>
           </a:p>
           <a:p>
-            <a:r>
-              <a:rPr lang="en-US" altLang="ko-KR" dirty="0" smtClean="0"/>
-              <a:t>Layout </a:t>
-            </a:r>
-          </a:p>
-          <a:p>
-            <a:pPr lvl="1"/>
-            <a:r>
-              <a:rPr lang="en-US" altLang="ko-KR" dirty="0" smtClean="0"/>
-              <a:t>&lt;</a:t>
-            </a:r>
-            <a:r>
-              <a:rPr lang="en-US" altLang="ko-KR" b="1" dirty="0" err="1" smtClean="0">
-                <a:solidFill>
-                  <a:schemeClr val="accent6">
-                    <a:lumMod val="75000"/>
-                  </a:schemeClr>
-                </a:solidFill>
-              </a:rPr>
-              <a:t>GridView</a:t>
-            </a:r>
-            <a:r>
-              <a:rPr lang="en-US" altLang="ko-KR" dirty="0" smtClean="0"/>
-              <a:t> . . .</a:t>
-            </a:r>
-          </a:p>
-          <a:p>
-            <a:pPr>
-              <a:buNone/>
-            </a:pPr>
-            <a:r>
-              <a:rPr lang="en-US" altLang="ko-KR" dirty="0" smtClean="0"/>
-              <a:t>		</a:t>
-            </a:r>
-            <a:r>
-              <a:rPr lang="en-US" altLang="ko-KR" dirty="0" err="1" smtClean="0"/>
-              <a:t>android:</a:t>
-            </a:r>
-            <a:r>
-              <a:rPr lang="en-US" altLang="ko-KR" b="1" dirty="0" err="1" smtClean="0">
-                <a:solidFill>
-                  <a:schemeClr val="accent3">
-                    <a:lumMod val="50000"/>
-                  </a:schemeClr>
-                </a:solidFill>
-              </a:rPr>
-              <a:t>numColumns</a:t>
-            </a:r>
-            <a:r>
-              <a:rPr lang="en-US" altLang="ko-KR" dirty="0" smtClean="0"/>
-              <a:t>=“</a:t>
-            </a:r>
-            <a:r>
-              <a:rPr lang="en-US" altLang="ko-KR" dirty="0" err="1" smtClean="0"/>
-              <a:t>auto_fit</a:t>
-            </a:r>
-            <a:r>
-              <a:rPr lang="en-US" altLang="ko-KR" dirty="0" smtClean="0"/>
-              <a:t>”</a:t>
-            </a:r>
-          </a:p>
-          <a:p>
-            <a:pPr>
-              <a:buNone/>
-            </a:pPr>
-            <a:r>
-              <a:rPr lang="en-US" altLang="ko-KR" dirty="0" smtClean="0"/>
-              <a:t>		</a:t>
-            </a:r>
-            <a:r>
-              <a:rPr lang="en-US" altLang="ko-KR" dirty="0" err="1" smtClean="0"/>
-              <a:t>android:</a:t>
-            </a:r>
-            <a:r>
-              <a:rPr lang="en-US" altLang="ko-KR" b="1" dirty="0" err="1" smtClean="0">
-                <a:solidFill>
-                  <a:schemeClr val="accent3">
-                    <a:lumMod val="50000"/>
-                  </a:schemeClr>
-                </a:solidFill>
-              </a:rPr>
-              <a:t>columnWidth</a:t>
-            </a:r>
-            <a:r>
-              <a:rPr lang="en-US" altLang="ko-KR" dirty="0" smtClean="0"/>
-              <a:t>=“72dip”</a:t>
-            </a:r>
-          </a:p>
-          <a:p>
-            <a:pPr>
-              <a:buNone/>
-            </a:pPr>
-            <a:r>
-              <a:rPr lang="en-US" altLang="ko-KR" dirty="0" smtClean="0"/>
-              <a:t>		</a:t>
-            </a:r>
-            <a:r>
-              <a:rPr lang="en-US" altLang="ko-KR" dirty="0" err="1" smtClean="0"/>
-              <a:t>android:</a:t>
-            </a:r>
-            <a:r>
-              <a:rPr lang="en-US" altLang="ko-KR" b="1" dirty="0" err="1" smtClean="0">
-                <a:solidFill>
-                  <a:schemeClr val="accent3">
-                    <a:lumMod val="50000"/>
-                  </a:schemeClr>
-                </a:solidFill>
-              </a:rPr>
-              <a:t>stretchMode</a:t>
-            </a:r>
-            <a:r>
-              <a:rPr lang="en-US" altLang="ko-KR" dirty="0" smtClean="0"/>
-              <a:t>=“</a:t>
-            </a:r>
-            <a:r>
-              <a:rPr lang="en-US" altLang="ko-KR" dirty="0" err="1" smtClean="0"/>
-              <a:t>columnWidth</a:t>
-            </a:r>
-            <a:r>
-              <a:rPr lang="en-US" altLang="ko-KR" dirty="0" smtClean="0"/>
-              <a:t>”</a:t>
-            </a:r>
-          </a:p>
-          <a:p>
-            <a:pPr>
-              <a:buNone/>
-            </a:pPr>
-            <a:r>
-              <a:rPr lang="en-US" altLang="ko-KR" dirty="0" smtClean="0"/>
-              <a:t>		</a:t>
-            </a:r>
-            <a:r>
-              <a:rPr lang="en-US" altLang="ko-KR" dirty="0" err="1" smtClean="0"/>
-              <a:t>android:gravity</a:t>
-            </a:r>
-            <a:r>
-              <a:rPr lang="en-US" altLang="ko-KR" dirty="0" smtClean="0"/>
-              <a:t>=“center”</a:t>
-            </a:r>
-          </a:p>
-          <a:p>
-            <a:pPr>
-              <a:buNone/>
-            </a:pPr>
-            <a:r>
-              <a:rPr lang="en-US" altLang="ko-KR" dirty="0" smtClean="0"/>
-              <a:t>		/&gt;</a:t>
-            </a:r>
+            <a:endParaRPr lang="ko-KR" altLang="en-US" dirty="0"/>
           </a:p>
         </p:txBody>
       </p:sp>
@@ -5422,19 +5380,40 @@
   <p:clrMapOvr>
     <a:masterClrMapping/>
   </p:clrMapOvr>
-  <p:timing>
-    <p:tnLst>
-      <p:par>
-        <p:cTn id="1" dur="indefinite" restart="never" nodeType="tmRoot"/>
-      </p:par>
-    </p:tnLst>
-  </p:timing>
 </p:sld>
 </file>
 
 <file path=ppt/slides/slide22.xml><?xml version="1.0" encoding="utf-8"?>
 <p:sld xmlns:a="http://schemas.openxmlformats.org/drawingml/2006/main" xmlns:r="http://schemas.openxmlformats.org/officeDocument/2006/relationships" xmlns:p="http://schemas.openxmlformats.org/presentationml/2006/main">
   <p:cSld>
+    <p:bg>
+      <p:bgPr>
+        <a:gradFill>
+          <a:gsLst>
+            <a:gs pos="0">
+              <a:srgbClr val="FFFFFF"/>
+            </a:gs>
+            <a:gs pos="7001">
+              <a:srgbClr val="E6E6E6"/>
+            </a:gs>
+            <a:gs pos="32001">
+              <a:srgbClr val="7D8496"/>
+            </a:gs>
+            <a:gs pos="47000">
+              <a:srgbClr val="E6E6E6"/>
+            </a:gs>
+            <a:gs pos="85001">
+              <a:srgbClr val="7D8496"/>
+            </a:gs>
+            <a:gs pos="100000">
+              <a:srgbClr val="E6E6E6"/>
+            </a:gs>
+          </a:gsLst>
+          <a:lin ang="5400000" scaled="0"/>
+        </a:gradFill>
+        <a:effectLst/>
+      </p:bgPr>
+    </p:bg>
     <p:spTree>
       <p:nvGrpSpPr>
         <p:cNvPr id="1" name=""/>
@@ -5466,157 +5445,79 @@
           <a:p>
             <a:r>
               <a:rPr lang="en-US" altLang="ko-KR" dirty="0" smtClean="0"/>
-              <a:t>13.3.2 </a:t>
+              <a:t>12.3.2 </a:t>
             </a:r>
             <a:r>
               <a:rPr lang="ko-KR" altLang="en-US" dirty="0" err="1" smtClean="0"/>
               <a:t>그리드뷰</a:t>
             </a:r>
+            <a:endParaRPr lang="ko-KR" altLang="en-US" dirty="0"/>
+          </a:p>
+        </p:txBody>
+      </p:sp>
+      <p:sp>
+        <p:nvSpPr>
+          <p:cNvPr id="3" name="내용 개체 틀 2"/>
+          <p:cNvSpPr>
+            <a:spLocks noGrp="1"/>
+          </p:cNvSpPr>
+          <p:nvPr>
+            <p:ph idx="1"/>
+          </p:nvPr>
+        </p:nvSpPr>
+        <p:spPr/>
+        <p:txBody>
+          <a:bodyPr>
+            <a:normAutofit fontScale="92500" lnSpcReduction="10000"/>
+          </a:bodyPr>
+          <a:lstStyle/>
+          <a:p>
             <a:r>
               <a:rPr lang="ko-KR" altLang="en-US" dirty="0" smtClean="0"/>
-              <a:t> </a:t>
+              <a:t>항목을 </a:t>
             </a:r>
             <a:r>
               <a:rPr lang="en-US" altLang="ko-KR" dirty="0" smtClean="0"/>
               <a:t>2</a:t>
             </a:r>
-            <a:endParaRPr lang="ko-KR" altLang="en-US" dirty="0"/>
-          </a:p>
-        </p:txBody>
-      </p:sp>
-      <p:sp>
-        <p:nvSpPr>
-          <p:cNvPr id="3" name="내용 개체 틀 2"/>
-          <p:cNvSpPr>
-            <a:spLocks noGrp="1"/>
-          </p:cNvSpPr>
-          <p:nvPr>
-            <p:ph idx="1"/>
-          </p:nvPr>
-        </p:nvSpPr>
-        <p:spPr/>
-        <p:txBody>
-          <a:bodyPr>
-            <a:normAutofit fontScale="85000" lnSpcReduction="20000"/>
-          </a:bodyPr>
-          <a:lstStyle/>
-          <a:p>
-            <a:pPr>
-              <a:buNone/>
-            </a:pPr>
-            <a:r>
-              <a:rPr lang="en-US" altLang="ko-KR" dirty="0" smtClean="0"/>
-              <a:t>	</a:t>
-            </a:r>
-            <a:r>
-              <a:rPr lang="en-US" altLang="ko-KR" dirty="0" err="1" smtClean="0"/>
+            <a:r>
+              <a:rPr lang="ko-KR" altLang="en-US" dirty="0" smtClean="0"/>
+              <a:t>차원 표 형태로 출력하는 </a:t>
+            </a:r>
+            <a:r>
+              <a:rPr lang="ko-KR" altLang="en-US" dirty="0" err="1" smtClean="0"/>
+              <a:t>위젯</a:t>
+            </a:r>
+            <a:endParaRPr lang="en-US" altLang="ko-KR" dirty="0" smtClean="0"/>
+          </a:p>
+          <a:p>
+            <a:endParaRPr lang="en-US" altLang="ko-KR" dirty="0" smtClean="0"/>
+          </a:p>
+          <a:p>
+            <a:r>
+              <a:rPr lang="en-US" altLang="ko-KR" dirty="0" smtClean="0"/>
+              <a:t>Layout </a:t>
+            </a:r>
+          </a:p>
+          <a:p>
+            <a:pPr lvl="1"/>
+            <a:r>
+              <a:rPr lang="en-US" altLang="ko-KR" dirty="0" smtClean="0"/>
+              <a:t>&lt;</a:t>
+            </a:r>
+            <a:r>
+              <a:rPr lang="en-US" altLang="ko-KR" b="1" dirty="0" err="1" smtClean="0">
+                <a:solidFill>
+                  <a:schemeClr val="accent6">
+                    <a:lumMod val="75000"/>
+                  </a:schemeClr>
+                </a:solidFill>
+              </a:rPr>
               <a:t>GridView</a:t>
             </a:r>
             <a:r>
               <a:rPr lang="en-US" altLang="ko-KR" dirty="0" smtClean="0"/>
-              <a:t> grid=(</a:t>
-            </a:r>
-            <a:r>
-              <a:rPr lang="en-US" altLang="ko-KR" dirty="0" err="1" smtClean="0"/>
-              <a:t>GridView</a:t>
-            </a:r>
-            <a:r>
-              <a:rPr lang="en-US" altLang="ko-KR" dirty="0" smtClean="0"/>
-              <a:t>)</a:t>
-            </a:r>
-            <a:r>
-              <a:rPr lang="en-US" altLang="ko-KR" dirty="0" err="1" smtClean="0"/>
-              <a:t>findViewByID</a:t>
-            </a:r>
-            <a:r>
-              <a:rPr lang="en-US" altLang="ko-KR" dirty="0" smtClean="0"/>
-              <a:t>(…</a:t>
-            </a:r>
-          </a:p>
-          <a:p>
-            <a:pPr>
-              <a:buNone/>
-            </a:pPr>
-            <a:r>
-              <a:rPr lang="en-US" altLang="ko-KR" dirty="0" smtClean="0"/>
-              <a:t>	</a:t>
-            </a:r>
-          </a:p>
-          <a:p>
-            <a:pPr>
-              <a:buNone/>
-            </a:pPr>
-            <a:r>
-              <a:rPr lang="en-US" altLang="ko-KR" dirty="0" smtClean="0"/>
-              <a:t>	</a:t>
-            </a:r>
-            <a:r>
-              <a:rPr lang="en-US" altLang="ko-KR" dirty="0" err="1" smtClean="0"/>
-              <a:t>ImageAdapter</a:t>
-            </a:r>
-            <a:r>
-              <a:rPr lang="en-US" altLang="ko-KR" dirty="0" smtClean="0"/>
-              <a:t> adapter=new </a:t>
-            </a:r>
-            <a:r>
-              <a:rPr lang="en-US" altLang="ko-KR" dirty="0" err="1" smtClean="0"/>
-              <a:t>ImageAdapter</a:t>
-            </a:r>
-            <a:r>
-              <a:rPr lang="en-US" altLang="ko-KR" dirty="0" smtClean="0"/>
-              <a:t>(this)</a:t>
-            </a:r>
-          </a:p>
-          <a:p>
-            <a:pPr>
-              <a:buNone/>
-            </a:pPr>
-            <a:r>
-              <a:rPr lang="en-US" altLang="ko-KR" dirty="0" smtClean="0"/>
-              <a:t>	</a:t>
-            </a:r>
-          </a:p>
-          <a:p>
-            <a:pPr>
-              <a:buNone/>
-            </a:pPr>
-            <a:r>
-              <a:rPr lang="en-US" altLang="ko-KR" dirty="0" smtClean="0"/>
-              <a:t>	</a:t>
-            </a:r>
-            <a:r>
-              <a:rPr lang="en-US" altLang="ko-KR" dirty="0" err="1" smtClean="0"/>
-              <a:t>grid.setAdapter</a:t>
-            </a:r>
-            <a:r>
-              <a:rPr lang="en-US" altLang="ko-KR" dirty="0" smtClean="0"/>
-              <a:t>( adapter )</a:t>
-            </a:r>
-          </a:p>
-          <a:p>
-            <a:pPr>
-              <a:buNone/>
-            </a:pPr>
-            <a:r>
-              <a:rPr lang="en-US" altLang="ko-KR" dirty="0" smtClean="0"/>
-              <a:t>	</a:t>
-            </a:r>
-          </a:p>
-          <a:p>
-            <a:pPr>
-              <a:buNone/>
-            </a:pPr>
-            <a:r>
-              <a:rPr lang="en-US" altLang="ko-KR" dirty="0" smtClean="0"/>
-              <a:t>	</a:t>
-            </a:r>
-            <a:r>
-              <a:rPr lang="en-US" altLang="ko-KR" dirty="0" err="1" smtClean="0"/>
-              <a:t>grid.setOnItemClickListener</a:t>
-            </a:r>
-            <a:r>
-              <a:rPr lang="en-US" altLang="ko-KR" dirty="0" smtClean="0"/>
-              <a:t>(new</a:t>
+              <a:t> . . .</a:t>
             </a:r>
           </a:p>
           <a:p>
@@ -5629,50 +5530,118 @@
             </a:r>
             <a:r>
               <a:rPr lang="en-US" altLang="ko-KR" dirty="0" err="1" smtClean="0"/>
-              <a:t>OnItemClickListener</a:t>
-            </a:r>
-            <a:r>
-              <a:rPr lang="en-US" altLang="ko-KR" dirty="0" smtClean="0"/>
-              <a:t>( ) {</a:t>
-            </a:r>
-          </a:p>
-          <a:p>
-            <a:pPr>
-              <a:buNone/>
-            </a:pPr>
-            <a:r>
-              <a:rPr lang="en-US" altLang="ko-KR" dirty="0" smtClean="0"/>
-              <a:t>			public void </a:t>
-            </a:r>
-            <a:r>
-              <a:rPr lang="en-US" altLang="ko-KR" dirty="0" err="1" smtClean="0"/>
-              <a:t>onItemClick</a:t>
-            </a:r>
-            <a:r>
-              <a:rPr lang="en-US" altLang="ko-KR" dirty="0" smtClean="0"/>
-              <a:t>( . . . ) {</a:t>
-            </a:r>
-          </a:p>
-          <a:p>
-            <a:pPr>
-              <a:buNone/>
-            </a:pPr>
-            <a:r>
-              <a:rPr lang="en-US" altLang="ko-KR" dirty="0" smtClean="0"/>
-              <a:t>			.	.	.</a:t>
-            </a:r>
-          </a:p>
-          <a:p>
-            <a:pPr>
-              <a:buNone/>
-            </a:pPr>
-            <a:endParaRPr lang="en-US" altLang="ko-KR" dirty="0" smtClean="0"/>
-          </a:p>
-          <a:p>
-            <a:pPr>
-              <a:buNone/>
-            </a:pPr>
-            <a:endParaRPr lang="ko-KR" altLang="en-US" dirty="0"/>
+              <a:t>android:</a:t>
+            </a:r>
+            <a:r>
+              <a:rPr lang="en-US" altLang="ko-KR" b="1" dirty="0" err="1" smtClean="0">
+                <a:solidFill>
+                  <a:schemeClr val="accent3">
+                    <a:lumMod val="50000"/>
+                  </a:schemeClr>
+                </a:solidFill>
+              </a:rPr>
+              <a:t>numColumns</a:t>
+            </a:r>
+            <a:r>
+              <a:rPr lang="en-US" altLang="ko-KR" dirty="0" smtClean="0"/>
+              <a:t>=“</a:t>
+            </a:r>
+            <a:r>
+              <a:rPr lang="en-US" altLang="ko-KR" dirty="0" err="1" smtClean="0"/>
+              <a:t>auto_fit</a:t>
+            </a:r>
+            <a:r>
+              <a:rPr lang="en-US" altLang="ko-KR" dirty="0" smtClean="0"/>
+              <a:t>”</a:t>
+            </a:r>
+          </a:p>
+          <a:p>
+            <a:pPr>
+              <a:buNone/>
+            </a:pPr>
+            <a:r>
+              <a:rPr lang="en-US" altLang="ko-KR" dirty="0" smtClean="0"/>
+              <a:t>		</a:t>
+            </a:r>
+            <a:r>
+              <a:rPr lang="en-US" altLang="ko-KR" dirty="0" err="1" smtClean="0"/>
+              <a:t>android:</a:t>
+            </a:r>
+            <a:r>
+              <a:rPr lang="en-US" altLang="ko-KR" b="1" dirty="0" err="1" smtClean="0">
+                <a:solidFill>
+                  <a:schemeClr val="accent3">
+                    <a:lumMod val="50000"/>
+                  </a:schemeClr>
+                </a:solidFill>
+              </a:rPr>
+              <a:t>columnWidth</a:t>
+            </a:r>
+            <a:r>
+              <a:rPr lang="en-US" altLang="ko-KR" dirty="0" smtClean="0"/>
+              <a:t>=“72dip”</a:t>
+            </a:r>
+          </a:p>
+          <a:p>
+            <a:pPr>
+              <a:buNone/>
+            </a:pPr>
+            <a:r>
+              <a:rPr lang="en-US" altLang="ko-KR" dirty="0" smtClean="0"/>
+              <a:t>		</a:t>
+            </a:r>
+            <a:r>
+              <a:rPr lang="en-US" altLang="ko-KR" dirty="0" err="1" smtClean="0"/>
+              <a:t>android:</a:t>
+            </a:r>
+            <a:r>
+              <a:rPr lang="en-US" altLang="ko-KR" b="1" dirty="0" err="1" smtClean="0">
+                <a:solidFill>
+                  <a:schemeClr val="accent3">
+                    <a:lumMod val="50000"/>
+                  </a:schemeClr>
+                </a:solidFill>
+              </a:rPr>
+              <a:t>stretchMode</a:t>
+            </a:r>
+            <a:r>
+              <a:rPr lang="en-US" altLang="ko-KR" dirty="0" smtClean="0"/>
+              <a:t>=“</a:t>
+            </a:r>
+            <a:r>
+              <a:rPr lang="en-US" altLang="ko-KR" dirty="0" err="1" smtClean="0"/>
+              <a:t>columnWidth</a:t>
+            </a:r>
+            <a:r>
+              <a:rPr lang="en-US" altLang="ko-KR" dirty="0" smtClean="0"/>
+              <a:t>”</a:t>
+            </a:r>
+          </a:p>
+          <a:p>
+            <a:pPr>
+              <a:buNone/>
+            </a:pPr>
+            <a:r>
+              <a:rPr lang="en-US" altLang="ko-KR" dirty="0" smtClean="0"/>
+              <a:t>		</a:t>
+            </a:r>
+            <a:r>
+              <a:rPr lang="en-US" altLang="ko-KR" dirty="0" err="1" smtClean="0"/>
+              <a:t>android:gravity</a:t>
+            </a:r>
+            <a:r>
+              <a:rPr lang="en-US" altLang="ko-KR" dirty="0" smtClean="0"/>
+              <a:t>=“center”</a:t>
+            </a:r>
+          </a:p>
+          <a:p>
+            <a:pPr>
+              <a:buNone/>
+            </a:pPr>
+            <a:r>
+              <a:rPr lang="en-US" altLang="ko-KR" dirty="0" smtClean="0"/>
+              <a:t>		/&gt;</a:t>
+            </a:r>
           </a:p>
         </p:txBody>
       </p:sp>
@@ -5694,6 +5663,34 @@
 <file path=ppt/slides/slide23.xml><?xml version="1.0" encoding="utf-8"?>
 <p:sld xmlns:a="http://schemas.openxmlformats.org/drawingml/2006/main" xmlns:r="http://schemas.openxmlformats.org/officeDocument/2006/relationships" xmlns:p="http://schemas.openxmlformats.org/presentationml/2006/main">
   <p:cSld>
+    <p:bg>
+      <p:bgPr>
+        <a:gradFill>
+          <a:gsLst>
+            <a:gs pos="0">
+              <a:srgbClr val="FFFFFF"/>
+            </a:gs>
+            <a:gs pos="7001">
+              <a:srgbClr val="E6E6E6"/>
+            </a:gs>
+            <a:gs pos="32001">
+              <a:srgbClr val="7D8496"/>
+            </a:gs>
+            <a:gs pos="47000">
+              <a:srgbClr val="E6E6E6"/>
+            </a:gs>
+            <a:gs pos="85001">
+              <a:srgbClr val="7D8496"/>
+            </a:gs>
+            <a:gs pos="100000">
+              <a:srgbClr val="E6E6E6"/>
+            </a:gs>
+          </a:gsLst>
+          <a:lin ang="5400000" scaled="0"/>
+        </a:gradFill>
+        <a:effectLst/>
+      </p:bgPr>
+    </p:bg>
     <p:spTree>
       <p:nvGrpSpPr>
         <p:cNvPr id="1" name=""/>
@@ -5737,7 +5734,7 @@
             </a:r>
             <a:r>
               <a:rPr lang="en-US" altLang="ko-KR" dirty="0" smtClean="0"/>
-              <a:t>3</a:t>
+              <a:t>2</a:t>
             </a:r>
             <a:endParaRPr lang="ko-KR" altLang="en-US" dirty="0"/>
           </a:p>
@@ -5756,7 +5753,7 @@
         <p:spPr/>
         <p:txBody>
           <a:bodyPr>
-            <a:normAutofit fontScale="92500"/>
+            <a:normAutofit fontScale="85000" lnSpcReduction="20000"/>
           </a:bodyPr>
           <a:lstStyle/>
           <a:p>
@@ -5765,7 +5762,49 @@
             </a:pPr>
             <a:r>
               <a:rPr lang="en-US" altLang="ko-KR" dirty="0" smtClean="0"/>
-              <a:t>	class </a:t>
+              <a:t>	</a:t>
+            </a:r>
+            <a:r>
+              <a:rPr lang="en-US" altLang="ko-KR" dirty="0" err="1" smtClean="0"/>
+              <a:t>GridView</a:t>
+            </a:r>
+            <a:r>
+              <a:rPr lang="en-US" altLang="ko-KR" dirty="0" smtClean="0"/>
+              <a:t> grid=(</a:t>
+            </a:r>
+            <a:r>
+              <a:rPr lang="en-US" altLang="ko-KR" dirty="0" err="1" smtClean="0"/>
+              <a:t>GridView</a:t>
+            </a:r>
+            <a:r>
+              <a:rPr lang="en-US" altLang="ko-KR" dirty="0" smtClean="0"/>
+              <a:t>)</a:t>
+            </a:r>
+            <a:r>
+              <a:rPr lang="en-US" altLang="ko-KR" dirty="0" err="1" smtClean="0"/>
+              <a:t>findViewByID</a:t>
+            </a:r>
+            <a:r>
+              <a:rPr lang="en-US" altLang="ko-KR" dirty="0" smtClean="0"/>
+              <a:t>(…</a:t>
+            </a:r>
+          </a:p>
+          <a:p>
+            <a:pPr>
+              <a:buNone/>
+            </a:pPr>
+            <a:r>
+              <a:rPr lang="en-US" altLang="ko-KR" dirty="0" smtClean="0"/>
+              <a:t>	</a:t>
+            </a:r>
+          </a:p>
+          <a:p>
+            <a:pPr>
+              <a:buNone/>
+            </a:pPr>
+            <a:r>
+              <a:rPr lang="en-US" altLang="ko-KR" dirty="0" smtClean="0"/>
+              <a:t>	</a:t>
             </a:r>
             <a:r>
               <a:rPr lang="en-US" altLang="ko-KR" dirty="0" err="1" smtClean="0"/>
@@ -5773,15 +5812,67 @@
             </a:r>
             <a:r>
               <a:rPr lang="en-US" altLang="ko-KR" dirty="0" smtClean="0"/>
-              <a:t> extends </a:t>
-            </a:r>
-            <a:r>
-              <a:rPr lang="en-US" altLang="ko-KR" dirty="0" err="1" smtClean="0"/>
-              <a:t>BaseAdapter</a:t>
-            </a:r>
-            <a:r>
-              <a:rPr lang="en-US" altLang="ko-KR" dirty="0" smtClean="0"/>
-              <a:t> {</a:t>
+              <a:t> adapter=new </a:t>
+            </a:r>
+            <a:r>
+              <a:rPr lang="en-US" altLang="ko-KR" dirty="0" err="1" smtClean="0"/>
+              <a:t>ImageAdapter</a:t>
+            </a:r>
+            <a:r>
+              <a:rPr lang="en-US" altLang="ko-KR" dirty="0" smtClean="0"/>
+              <a:t>(this)</a:t>
+            </a:r>
+          </a:p>
+          <a:p>
+            <a:pPr>
+              <a:buNone/>
+            </a:pPr>
+            <a:r>
+              <a:rPr lang="en-US" altLang="ko-KR" dirty="0" smtClean="0"/>
+              <a:t>	</a:t>
+            </a:r>
+          </a:p>
+          <a:p>
+            <a:pPr>
+              <a:buNone/>
+            </a:pPr>
+            <a:r>
+              <a:rPr lang="en-US" altLang="ko-KR" dirty="0" smtClean="0"/>
+              <a:t>	</a:t>
+            </a:r>
+            <a:r>
+              <a:rPr lang="en-US" altLang="ko-KR" dirty="0" err="1" smtClean="0"/>
+              <a:t>grid.setAdapter</a:t>
+            </a:r>
+            <a:r>
+              <a:rPr lang="en-US" altLang="ko-KR" dirty="0" smtClean="0"/>
+              <a:t>( adapter )</a:t>
+            </a:r>
+          </a:p>
+          <a:p>
+            <a:pPr>
+              <a:buNone/>
+            </a:pPr>
+            <a:r>
+              <a:rPr lang="en-US" altLang="ko-KR" dirty="0" smtClean="0"/>
+              <a:t>	</a:t>
+            </a:r>
+          </a:p>
+          <a:p>
+            <a:pPr>
+              <a:buNone/>
+            </a:pPr>
+            <a:r>
+              <a:rPr lang="en-US" altLang="ko-KR" dirty="0" smtClean="0"/>
+              <a:t>	</a:t>
+            </a:r>
+            <a:r>
+              <a:rPr lang="en-US" altLang="ko-KR" dirty="0" err="1" smtClean="0"/>
+              <a:t>grid.setOnItemClickListener</a:t>
+            </a:r>
+            <a:r>
+              <a:rPr lang="en-US" altLang="ko-KR" dirty="0" smtClean="0"/>
+              <a:t>(new</a:t>
             </a:r>
           </a:p>
           <a:p>
@@ -5794,107 +5885,50 @@
             </a:r>
             <a:r>
               <a:rPr lang="en-US" altLang="ko-KR" dirty="0" err="1" smtClean="0"/>
-              <a:t>getCount</a:t>
-            </a:r>
-            <a:r>
-              <a:rPr lang="en-US" altLang="ko-KR" dirty="0" smtClean="0"/>
-              <a:t>( ) { 	.	.	.</a:t>
-            </a:r>
-          </a:p>
-          <a:p>
-            <a:pPr>
-              <a:buNone/>
-            </a:pPr>
-            <a:r>
-              <a:rPr lang="en-US" altLang="ko-KR" dirty="0" smtClean="0"/>
-              <a:t>		</a:t>
-            </a:r>
-          </a:p>
-          <a:p>
-            <a:pPr>
-              <a:buNone/>
-            </a:pPr>
-            <a:r>
-              <a:rPr lang="en-US" altLang="ko-KR" dirty="0" smtClean="0"/>
-              <a:t>		</a:t>
-            </a:r>
-            <a:r>
-              <a:rPr lang="en-US" altLang="ko-KR" dirty="0" err="1" smtClean="0"/>
-              <a:t>getItem</a:t>
-            </a:r>
-            <a:r>
-              <a:rPr lang="en-US" altLang="ko-KR" dirty="0" smtClean="0"/>
-              <a:t>( </a:t>
-            </a:r>
-            <a:r>
-              <a:rPr lang="en-US" altLang="ko-KR" dirty="0" err="1" smtClean="0"/>
-              <a:t>int</a:t>
-            </a:r>
-            <a:r>
-              <a:rPr lang="en-US" altLang="ko-KR" dirty="0" smtClean="0"/>
-              <a:t> pos ) {	.	.	.</a:t>
-            </a:r>
-          </a:p>
-          <a:p>
-            <a:pPr>
-              <a:buNone/>
-            </a:pPr>
-            <a:r>
-              <a:rPr lang="en-US" altLang="ko-KR" dirty="0" smtClean="0"/>
-              <a:t>		</a:t>
-            </a:r>
-          </a:p>
-          <a:p>
-            <a:pPr>
-              <a:buNone/>
-            </a:pPr>
-            <a:r>
-              <a:rPr lang="en-US" altLang="ko-KR" dirty="0" smtClean="0"/>
-              <a:t>		</a:t>
-            </a:r>
-            <a:r>
-              <a:rPr lang="en-US" altLang="ko-KR" dirty="0" err="1" smtClean="0"/>
-              <a:t>getItemId</a:t>
-            </a:r>
-            <a:r>
-              <a:rPr lang="en-US" altLang="ko-KR" dirty="0" smtClean="0"/>
-              <a:t>( </a:t>
-            </a:r>
-            <a:r>
-              <a:rPr lang="en-US" altLang="ko-KR" dirty="0" err="1" smtClean="0"/>
-              <a:t>int</a:t>
-            </a:r>
-            <a:r>
-              <a:rPr lang="en-US" altLang="ko-KR" dirty="0" smtClean="0"/>
-              <a:t> pos ) { .	.	.</a:t>
-            </a:r>
-          </a:p>
-          <a:p>
-            <a:pPr>
-              <a:buNone/>
-            </a:pPr>
-            <a:r>
-              <a:rPr lang="en-US" altLang="ko-KR" dirty="0" smtClean="0"/>
-              <a:t>	</a:t>
-            </a:r>
-          </a:p>
-          <a:p>
-            <a:pPr>
-              <a:buNone/>
-            </a:pPr>
-            <a:r>
-              <a:rPr lang="en-US" altLang="ko-KR" dirty="0" smtClean="0"/>
-              <a:t>		</a:t>
-            </a:r>
-            <a:r>
-              <a:rPr lang="en-US" altLang="ko-KR" dirty="0" err="1" smtClean="0"/>
-              <a:t>getView</a:t>
-            </a:r>
-            <a:r>
-              <a:rPr lang="en-US" altLang="ko-KR" dirty="0" smtClean="0"/>
-              <a:t>(	.	.	.</a:t>
-            </a:r>
-            <a:endParaRPr lang="ko-KR" altLang="en-US" dirty="0" smtClean="0"/>
+              <a:t>OnItemClickListener</a:t>
+            </a:r>
+            <a:r>
+              <a:rPr lang="en-US" altLang="ko-KR" dirty="0" smtClean="0"/>
+              <a:t>( ) {</a:t>
+            </a:r>
+          </a:p>
+          <a:p>
+            <a:pPr>
+              <a:buNone/>
+            </a:pPr>
+            <a:r>
+              <a:rPr lang="en-US" altLang="ko-KR" dirty="0" smtClean="0"/>
+              <a:t>			public void </a:t>
+            </a:r>
+            <a:r>
+              <a:rPr lang="en-US" altLang="ko-KR" dirty="0" err="1" smtClean="0"/>
+              <a:t>onItemClick</a:t>
+            </a:r>
+            <a:r>
+              <a:rPr lang="en-US" altLang="ko-KR" dirty="0" smtClean="0"/>
+              <a:t>( . . . ) {</a:t>
+            </a:r>
+          </a:p>
+          <a:p>
+            <a:pPr>
+              <a:buNone/>
+            </a:pPr>
+            <a:r>
+              <a:rPr lang="en-US" altLang="ko-KR" dirty="0" smtClean="0"/>
+              <a:t>			.	.	.</a:t>
+            </a:r>
+          </a:p>
+          <a:p>
+            <a:pPr>
+              <a:buNone/>
+            </a:pPr>
+            <a:endParaRPr lang="en-US" altLang="ko-KR" dirty="0" smtClean="0"/>
+          </a:p>
+          <a:p>
+            <a:pPr>
+              <a:buNone/>
+            </a:pPr>
+            <a:endParaRPr lang="ko-KR" altLang="en-US" dirty="0"/>
           </a:p>
         </p:txBody>
       </p:sp>
@@ -5916,6 +5950,34 @@
 <file path=ppt/slides/slide24.xml><?xml version="1.0" encoding="utf-8"?>
 <p:sld xmlns:a="http://schemas.openxmlformats.org/drawingml/2006/main" xmlns:r="http://schemas.openxmlformats.org/officeDocument/2006/relationships" xmlns:p="http://schemas.openxmlformats.org/presentationml/2006/main">
   <p:cSld>
+    <p:bg>
+      <p:bgPr>
+        <a:gradFill>
+          <a:gsLst>
+            <a:gs pos="0">
+              <a:srgbClr val="FFFFFF"/>
+            </a:gs>
+            <a:gs pos="7001">
+              <a:srgbClr val="E6E6E6"/>
+            </a:gs>
+            <a:gs pos="32001">
+              <a:srgbClr val="7D8496"/>
+            </a:gs>
+            <a:gs pos="47000">
+              <a:srgbClr val="E6E6E6"/>
+            </a:gs>
+            <a:gs pos="85001">
+              <a:srgbClr val="7D8496"/>
+            </a:gs>
+            <a:gs pos="100000">
+              <a:srgbClr val="E6E6E6"/>
+            </a:gs>
+          </a:gsLst>
+          <a:lin ang="5400000" scaled="0"/>
+        </a:gradFill>
+        <a:effectLst/>
+      </p:bgPr>
+    </p:bg>
     <p:spTree>
       <p:nvGrpSpPr>
         <p:cNvPr id="1" name=""/>
@@ -5959,7 +6021,7 @@
             </a:r>
             <a:r>
               <a:rPr lang="en-US" altLang="ko-KR" dirty="0" smtClean="0"/>
-              <a:t>4</a:t>
+              <a:t>3</a:t>
             </a:r>
             <a:endParaRPr lang="ko-KR" altLang="en-US" dirty="0"/>
           </a:p>
@@ -5978,7 +6040,7 @@
         <p:spPr/>
         <p:txBody>
           <a:bodyPr>
-            <a:normAutofit fontScale="62500" lnSpcReduction="20000"/>
+            <a:normAutofit fontScale="92500"/>
           </a:bodyPr>
           <a:lstStyle/>
           <a:p>
@@ -5986,12 +6048,109 @@
               <a:buNone/>
             </a:pPr>
             <a:r>
-              <a:rPr lang="en-US" altLang="ko-KR" dirty="0" err="1" smtClean="0"/>
-              <a:t>ImageAdapter.getView</a:t>
-            </a:r>
-            <a:r>
-              <a:rPr lang="en-US" altLang="ko-KR" dirty="0" smtClean="0"/>
-              <a:t>(</a:t>
+              <a:rPr lang="en-US" altLang="ko-KR" dirty="0" smtClean="0"/>
+              <a:t>	class </a:t>
+            </a:r>
+            <a:r>
+              <a:rPr lang="en-US" altLang="ko-KR" dirty="0" err="1" smtClean="0"/>
+              <a:t>ImageAdapter</a:t>
+            </a:r>
+            <a:r>
+              <a:rPr lang="en-US" altLang="ko-KR" dirty="0" smtClean="0"/>
+              <a:t> extends </a:t>
+            </a:r>
+            <a:r>
+              <a:rPr lang="en-US" altLang="ko-KR" dirty="0" err="1" smtClean="0"/>
+              <a:t>BaseAdapter</a:t>
+            </a:r>
+            <a:r>
+              <a:rPr lang="en-US" altLang="ko-KR" dirty="0" smtClean="0"/>
+              <a:t> {</a:t>
+            </a:r>
+          </a:p>
+          <a:p>
+            <a:pPr>
+              <a:buNone/>
+            </a:pPr>
+            <a:r>
+              <a:rPr lang="en-US" altLang="ko-KR" dirty="0" smtClean="0"/>
+              <a:t>		</a:t>
+            </a:r>
+            <a:r>
+              <a:rPr lang="en-US" altLang="ko-KR" dirty="0" err="1" smtClean="0"/>
+              <a:t>getCount</a:t>
+            </a:r>
+            <a:r>
+              <a:rPr lang="en-US" altLang="ko-KR" dirty="0" smtClean="0"/>
+              <a:t>( ) { 	.	.	.</a:t>
+            </a:r>
+          </a:p>
+          <a:p>
+            <a:pPr>
+              <a:buNone/>
+            </a:pPr>
+            <a:r>
+              <a:rPr lang="en-US" altLang="ko-KR" dirty="0" smtClean="0"/>
+              <a:t>		</a:t>
+            </a:r>
+          </a:p>
+          <a:p>
+            <a:pPr>
+              <a:buNone/>
+            </a:pPr>
+            <a:r>
+              <a:rPr lang="en-US" altLang="ko-KR" dirty="0" smtClean="0"/>
+              <a:t>		</a:t>
+            </a:r>
+            <a:r>
+              <a:rPr lang="en-US" altLang="ko-KR" dirty="0" err="1" smtClean="0"/>
+              <a:t>getItem</a:t>
+            </a:r>
+            <a:r>
+              <a:rPr lang="en-US" altLang="ko-KR" dirty="0" smtClean="0"/>
+              <a:t>( </a:t>
+            </a:r>
+            <a:r>
+              <a:rPr lang="en-US" altLang="ko-KR" dirty="0" err="1" smtClean="0"/>
+              <a:t>int</a:t>
+            </a:r>
+            <a:r>
+              <a:rPr lang="en-US" altLang="ko-KR" dirty="0" smtClean="0"/>
+              <a:t> pos ) {	.	.	.</a:t>
+            </a:r>
+          </a:p>
+          <a:p>
+            <a:pPr>
+              <a:buNone/>
+            </a:pPr>
+            <a:r>
+              <a:rPr lang="en-US" altLang="ko-KR" dirty="0" smtClean="0"/>
+              <a:t>		</a:t>
+            </a:r>
+          </a:p>
+          <a:p>
+            <a:pPr>
+              <a:buNone/>
+            </a:pPr>
+            <a:r>
+              <a:rPr lang="en-US" altLang="ko-KR" dirty="0" smtClean="0"/>
+              <a:t>		</a:t>
+            </a:r>
+            <a:r>
+              <a:rPr lang="en-US" altLang="ko-KR" dirty="0" err="1" smtClean="0"/>
+              <a:t>getItemId</a:t>
+            </a:r>
+            <a:r>
+              <a:rPr lang="en-US" altLang="ko-KR" dirty="0" smtClean="0"/>
+              <a:t>( </a:t>
+            </a:r>
+            <a:r>
+              <a:rPr lang="en-US" altLang="ko-KR" dirty="0" err="1" smtClean="0"/>
+              <a:t>int</a:t>
+            </a:r>
+            <a:r>
+              <a:rPr lang="en-US" altLang="ko-KR" dirty="0" smtClean="0"/>
+              <a:t> pos ) { .	.	.</a:t>
             </a:r>
           </a:p>
           <a:p>
@@ -6002,56 +6161,6 @@
               <a:rPr lang="en-US" altLang="ko-KR" dirty="0" smtClean="0"/>
               <a:t>	</a:t>
             </a:r>
-            <a:r>
-              <a:rPr lang="en-US" altLang="ko-KR" dirty="0" err="1" smtClean="0"/>
-              <a:t>int</a:t>
-            </a:r>
-            <a:r>
-              <a:rPr lang="en-US" altLang="ko-KR" dirty="0" smtClean="0"/>
-              <a:t> pos, View </a:t>
-            </a:r>
-            <a:r>
-              <a:rPr lang="en-US" altLang="ko-KR" dirty="0" err="1" smtClean="0"/>
-              <a:t>cv</a:t>
-            </a:r>
-            <a:r>
-              <a:rPr lang="en-US" altLang="ko-KR" dirty="0" smtClean="0"/>
-              <a:t>, </a:t>
-            </a:r>
-            <a:r>
-              <a:rPr lang="en-US" altLang="ko-KR" dirty="0" err="1" smtClean="0"/>
-              <a:t>ViewGroup</a:t>
-            </a:r>
-            <a:r>
-              <a:rPr lang="en-US" altLang="ko-KR" dirty="0" smtClean="0"/>
-              <a:t> vg) {</a:t>
-            </a:r>
-          </a:p>
-          <a:p>
-            <a:pPr>
-              <a:buNone/>
-            </a:pPr>
-            <a:r>
-              <a:rPr lang="en-US" altLang="ko-KR" dirty="0" smtClean="0"/>
-              <a:t>	if(</a:t>
-            </a:r>
-            <a:r>
-              <a:rPr lang="en-US" altLang="ko-KR" dirty="0" err="1" smtClean="0"/>
-              <a:t>cv</a:t>
-            </a:r>
-            <a:r>
-              <a:rPr lang="en-US" altLang="ko-KR" dirty="0" smtClean="0"/>
-              <a:t>==null) {</a:t>
-            </a:r>
-          </a:p>
-          <a:p>
-            <a:pPr>
-              <a:buNone/>
-            </a:pPr>
-            <a:r>
-              <a:rPr lang="en-US" altLang="ko-KR" dirty="0" smtClean="0"/>
-              <a:t>		.	.	.</a:t>
-            </a:r>
           </a:p>
           <a:p>
             <a:pPr>
@@ -6063,141 +6172,13 @@
             </a:r>
             <a:r>
               <a:rPr lang="en-US" altLang="ko-KR" dirty="0" err="1" smtClean="0"/>
-              <a:t>iv.setLayoutParams</a:t>
-            </a:r>
-            <a:r>
-              <a:rPr lang="en-US" altLang="ko-KR" dirty="0" smtClean="0"/>
-              <a:t>(new </a:t>
-            </a:r>
-            <a:r>
-              <a:rPr lang="en-US" altLang="ko-KR" dirty="0" err="1" smtClean="0"/>
-              <a:t>GriedView.LayoutParams</a:t>
-            </a:r>
-            <a:r>
-              <a:rPr lang="en-US" altLang="ko-KR" dirty="0" smtClean="0"/>
-              <a:t>(80,60) ;</a:t>
-            </a:r>
-          </a:p>
-          <a:p>
-            <a:pPr>
-              <a:buNone/>
-            </a:pPr>
-            <a:r>
-              <a:rPr lang="en-US" altLang="ko-KR" dirty="0" smtClean="0"/>
-              <a:t>		</a:t>
-            </a:r>
-            <a:r>
-              <a:rPr lang="en-US" altLang="ko-KR" dirty="0" err="1" smtClean="0"/>
-              <a:t>iv.setAdjustViewBounds</a:t>
-            </a:r>
-            <a:r>
-              <a:rPr lang="en-US" altLang="ko-KR" dirty="0" smtClean="0"/>
-              <a:t>(false) ;	</a:t>
-            </a:r>
-            <a:r>
-              <a:rPr lang="en-US" altLang="ko-KR" dirty="0" err="1" smtClean="0"/>
-              <a:t>iv.setScaleType</a:t>
-            </a:r>
-            <a:r>
-              <a:rPr lang="en-US" altLang="ko-KR" dirty="0" smtClean="0"/>
-              <a:t>(</a:t>
-            </a:r>
-            <a:r>
-              <a:rPr lang="en-US" altLang="ko-KR" dirty="0" err="1" smtClean="0"/>
-              <a:t>ImageView.ScaleType.CENTER_CROP</a:t>
-            </a:r>
-            <a:r>
-              <a:rPr lang="en-US" altLang="ko-KR" dirty="0" smtClean="0"/>
-              <a:t>);</a:t>
-            </a:r>
-          </a:p>
-          <a:p>
-            <a:pPr>
-              <a:buNone/>
-            </a:pPr>
-            <a:r>
-              <a:rPr lang="en-US" altLang="ko-KR" dirty="0" smtClean="0"/>
-              <a:t>	}  else {</a:t>
-            </a:r>
-          </a:p>
-          <a:p>
-            <a:pPr>
-              <a:buNone/>
-            </a:pPr>
-            <a:r>
-              <a:rPr lang="en-US" altLang="ko-KR" dirty="0" smtClean="0"/>
-              <a:t>		iv = (</a:t>
-            </a:r>
-            <a:r>
-              <a:rPr lang="en-US" altLang="ko-KR" dirty="0" err="1" smtClean="0"/>
-              <a:t>ImageView</a:t>
-            </a:r>
-            <a:r>
-              <a:rPr lang="en-US" altLang="ko-KR" dirty="0" smtClean="0"/>
-              <a:t>)</a:t>
-            </a:r>
-            <a:r>
-              <a:rPr lang="en-US" altLang="ko-KR" dirty="0" err="1" smtClean="0"/>
-              <a:t>cv</a:t>
-            </a:r>
-            <a:r>
-              <a:rPr lang="en-US" altLang="ko-KR" dirty="0" smtClean="0"/>
-              <a:t> ; }</a:t>
-            </a:r>
-          </a:p>
-          <a:p>
-            <a:pPr>
-              <a:buNone/>
-            </a:pPr>
-            <a:r>
-              <a:rPr lang="en-US" altLang="ko-KR" dirty="0" smtClean="0"/>
-              <a:t>	</a:t>
-            </a:r>
-          </a:p>
-          <a:p>
-            <a:pPr>
-              <a:buNone/>
-            </a:pPr>
-            <a:r>
-              <a:rPr lang="en-US" altLang="ko-KR" dirty="0" smtClean="0"/>
-              <a:t>	</a:t>
-            </a:r>
-            <a:r>
-              <a:rPr lang="en-US" altLang="ko-KR" dirty="0" err="1" smtClean="0"/>
-              <a:t>iv.setImageResource</a:t>
-            </a:r>
-            <a:r>
-              <a:rPr lang="en-US" altLang="ko-KR" dirty="0" smtClean="0"/>
-              <a:t>(picture[pos % 5 ]) ;</a:t>
-            </a:r>
-          </a:p>
-          <a:p>
-            <a:pPr>
-              <a:buNone/>
-            </a:pPr>
-            <a:r>
-              <a:rPr lang="en-US" altLang="ko-KR" dirty="0" smtClean="0"/>
-              <a:t>	</a:t>
-            </a:r>
-          </a:p>
-          <a:p>
-            <a:pPr>
-              <a:buNone/>
-            </a:pPr>
-            <a:r>
-              <a:rPr lang="en-US" altLang="ko-KR" dirty="0" smtClean="0"/>
-              <a:t>	return iv ;</a:t>
-            </a:r>
-          </a:p>
-          <a:p>
-            <a:pPr>
-              <a:buNone/>
-            </a:pPr>
-            <a:r>
-              <a:rPr lang="en-US" altLang="ko-KR" dirty="0" smtClean="0"/>
-              <a:t>}</a:t>
-            </a:r>
-            <a:endParaRPr lang="ko-KR" altLang="en-US" dirty="0"/>
+              <a:t>getView</a:t>
+            </a:r>
+            <a:r>
+              <a:rPr lang="en-US" altLang="ko-KR" dirty="0" smtClean="0"/>
+              <a:t>(	.	.	.</a:t>
+            </a:r>
+            <a:endParaRPr lang="ko-KR" altLang="en-US" dirty="0" smtClean="0"/>
           </a:p>
         </p:txBody>
       </p:sp>
@@ -6206,12 +6187,47 @@
   <p:clrMapOvr>
     <a:masterClrMapping/>
   </p:clrMapOvr>
+  <p:timing>
+    <p:tnLst>
+      <p:par>
+        <p:cTn id="1" dur="indefinite" restart="never" nodeType="tmRoot"/>
+      </p:par>
+    </p:tnLst>
+  </p:timing>
 </p:sld>
 </file>
 
 <file path=ppt/slides/slide25.xml><?xml version="1.0" encoding="utf-8"?>
 <p:sld xmlns:a="http://schemas.openxmlformats.org/drawingml/2006/main" xmlns:r="http://schemas.openxmlformats.org/officeDocument/2006/relationships" xmlns:p="http://schemas.openxmlformats.org/presentationml/2006/main">
   <p:cSld>
+    <p:bg>
+      <p:bgPr>
+        <a:gradFill>
+          <a:gsLst>
+            <a:gs pos="0">
+              <a:srgbClr val="FFFFFF"/>
+            </a:gs>
+            <a:gs pos="7001">
+              <a:srgbClr val="E6E6E6"/>
+            </a:gs>
+            <a:gs pos="32001">
+              <a:srgbClr val="7D8496"/>
+            </a:gs>
+            <a:gs pos="47000">
+              <a:srgbClr val="E6E6E6"/>
+            </a:gs>
+            <a:gs pos="85001">
+              <a:srgbClr val="7D8496"/>
+            </a:gs>
+            <a:gs pos="100000">
+              <a:srgbClr val="E6E6E6"/>
+            </a:gs>
+          </a:gsLst>
+          <a:lin ang="5400000" scaled="0"/>
+        </a:gradFill>
+        <a:effectLst/>
+      </p:bgPr>
+    </p:bg>
     <p:spTree>
       <p:nvGrpSpPr>
         <p:cNvPr id="1" name=""/>
@@ -6243,11 +6259,19 @@
           <a:p>
             <a:r>
               <a:rPr lang="en-US" altLang="ko-KR" dirty="0" smtClean="0"/>
-              <a:t>12.3.3 </a:t>
+              <a:t>13.3.2 </a:t>
+            </a:r>
+            <a:r>
+              <a:rPr lang="ko-KR" altLang="en-US" dirty="0" err="1" smtClean="0"/>
+              <a:t>그리드뷰</a:t>
             </a:r>
             <a:r>
               <a:rPr lang="ko-KR" altLang="en-US" dirty="0" smtClean="0"/>
-              <a:t>갤러리</a:t>
+              <a:t> </a:t>
+            </a:r>
+            <a:r>
+              <a:rPr lang="en-US" altLang="ko-KR" dirty="0" smtClean="0"/>
+              <a:t>4</a:t>
             </a:r>
             <a:endParaRPr lang="ko-KR" altLang="en-US" dirty="0"/>
           </a:p>
@@ -6266,50 +6290,20 @@
         <p:spPr/>
         <p:txBody>
           <a:bodyPr>
-            <a:normAutofit fontScale="92500" lnSpcReduction="10000"/>
+            <a:normAutofit fontScale="62500" lnSpcReduction="20000"/>
           </a:bodyPr>
           <a:lstStyle/>
           <a:p>
-            <a:r>
-              <a:rPr lang="ko-KR" altLang="en-US" dirty="0" smtClean="0"/>
-              <a:t>중앙에 고정되며 수평으로 스크롤되는 </a:t>
-            </a:r>
-            <a:r>
-              <a:rPr lang="ko-KR" altLang="en-US" dirty="0" err="1" smtClean="0"/>
-              <a:t>어댑터뷰</a:t>
-            </a:r>
-            <a:endParaRPr lang="en-US" altLang="ko-KR" dirty="0" smtClean="0"/>
-          </a:p>
-          <a:p>
-            <a:endParaRPr lang="en-US" altLang="ko-KR" dirty="0" smtClean="0"/>
-          </a:p>
-          <a:p>
-            <a:r>
-              <a:rPr lang="ko-KR" altLang="en-US" dirty="0" smtClean="0"/>
-              <a:t>이미지 </a:t>
-            </a:r>
-            <a:r>
-              <a:rPr lang="ko-KR" altLang="en-US" dirty="0" err="1" smtClean="0"/>
-              <a:t>선택기</a:t>
-            </a:r>
-            <a:endParaRPr lang="en-US" altLang="ko-KR" dirty="0" smtClean="0"/>
-          </a:p>
-          <a:p>
-            <a:endParaRPr lang="en-US" altLang="ko-KR" dirty="0" smtClean="0"/>
-          </a:p>
-          <a:p>
-            <a:r>
-              <a:rPr lang="en-US" altLang="ko-KR" dirty="0" smtClean="0"/>
-              <a:t>layout</a:t>
-            </a:r>
-          </a:p>
-          <a:p>
-            <a:pPr>
-              <a:buNone/>
-            </a:pPr>
-            <a:r>
-              <a:rPr lang="en-US" altLang="ko-KR" dirty="0" smtClean="0"/>
-              <a:t>	&lt;Gallery . . .</a:t>
+            <a:pPr>
+              <a:buNone/>
+            </a:pPr>
+            <a:r>
+              <a:rPr lang="en-US" altLang="ko-KR" dirty="0" err="1" smtClean="0"/>
+              <a:t>ImageAdapter.getView</a:t>
+            </a:r>
+            <a:r>
+              <a:rPr lang="en-US" altLang="ko-KR" dirty="0" smtClean="0"/>
+              <a:t>(</a:t>
             </a:r>
           </a:p>
           <a:p>
@@ -6322,20 +6316,198 @@
             </a:r>
             <a:r>
               <a:rPr lang="en-US" altLang="ko-KR" dirty="0" err="1" smtClean="0"/>
-              <a:t>android:animationDuration</a:t>
-            </a:r>
-            <a:r>
-              <a:rPr lang="en-US" altLang="ko-KR" dirty="0" smtClean="0"/>
-              <a:t>=“1500”</a:t>
-            </a:r>
-          </a:p>
-          <a:p>
-            <a:pPr>
-              <a:buNone/>
-            </a:pPr>
-            <a:r>
-              <a:rPr lang="en-US" altLang="ko-KR" dirty="0" smtClean="0"/>
-              <a:t>	/&gt;</a:t>
+              <a:t>int</a:t>
+            </a:r>
+            <a:r>
+              <a:rPr lang="en-US" altLang="ko-KR" dirty="0" smtClean="0"/>
+              <a:t> pos, View </a:t>
+            </a:r>
+            <a:r>
+              <a:rPr lang="en-US" altLang="ko-KR" dirty="0" err="1" smtClean="0"/>
+              <a:t>cv</a:t>
+            </a:r>
+            <a:r>
+              <a:rPr lang="en-US" altLang="ko-KR" dirty="0" smtClean="0"/>
+              <a:t>, </a:t>
+            </a:r>
+            <a:r>
+              <a:rPr lang="en-US" altLang="ko-KR" dirty="0" err="1" smtClean="0"/>
+              <a:t>ViewGroup</a:t>
+            </a:r>
+            <a:r>
+              <a:rPr lang="en-US" altLang="ko-KR" dirty="0" smtClean="0"/>
+              <a:t> vg) {</a:t>
+            </a:r>
+          </a:p>
+          <a:p>
+            <a:pPr>
+              <a:buNone/>
+            </a:pPr>
+            <a:r>
+              <a:rPr lang="en-US" altLang="ko-KR" dirty="0" smtClean="0"/>
+              <a:t>	if(</a:t>
+            </a:r>
+            <a:r>
+              <a:rPr lang="en-US" altLang="ko-KR" dirty="0" err="1" smtClean="0"/>
+              <a:t>cv</a:t>
+            </a:r>
+            <a:r>
+              <a:rPr lang="en-US" altLang="ko-KR" dirty="0" smtClean="0"/>
+              <a:t>==null) {</a:t>
+            </a:r>
+          </a:p>
+          <a:p>
+            <a:pPr>
+              <a:buNone/>
+            </a:pPr>
+            <a:r>
+              <a:rPr lang="en-US" altLang="ko-KR" dirty="0" smtClean="0"/>
+              <a:t>		.	.	.</a:t>
+            </a:r>
+          </a:p>
+          <a:p>
+            <a:pPr>
+              <a:buNone/>
+            </a:pPr>
+            <a:r>
+              <a:rPr lang="en-US" altLang="ko-KR" dirty="0" smtClean="0"/>
+              <a:t>		</a:t>
+            </a:r>
+            <a:r>
+              <a:rPr lang="en-US" altLang="ko-KR" dirty="0" err="1" smtClean="0"/>
+              <a:t>iv.setLayoutParams</a:t>
+            </a:r>
+            <a:r>
+              <a:rPr lang="en-US" altLang="ko-KR" dirty="0" smtClean="0"/>
+              <a:t>(new </a:t>
+            </a:r>
+            <a:r>
+              <a:rPr lang="en-US" altLang="ko-KR" dirty="0" err="1" smtClean="0"/>
+              <a:t>GriedView.LayoutParams</a:t>
+            </a:r>
+            <a:r>
+              <a:rPr lang="en-US" altLang="ko-KR" dirty="0" smtClean="0"/>
+              <a:t>(80,60) ;</a:t>
+            </a:r>
+          </a:p>
+          <a:p>
+            <a:pPr>
+              <a:buNone/>
+            </a:pPr>
+            <a:r>
+              <a:rPr lang="en-US" altLang="ko-KR" dirty="0" smtClean="0"/>
+              <a:t>		</a:t>
+            </a:r>
+            <a:r>
+              <a:rPr lang="en-US" altLang="ko-KR" dirty="0" err="1" smtClean="0"/>
+              <a:t>iv.setAdjustViewBounds</a:t>
+            </a:r>
+            <a:r>
+              <a:rPr lang="en-US" altLang="ko-KR" dirty="0" smtClean="0"/>
+              <a:t>(false) ;	</a:t>
+            </a:r>
+            <a:r>
+              <a:rPr lang="en-US" altLang="ko-KR" dirty="0" err="1" smtClean="0"/>
+              <a:t>iv.setScaleType</a:t>
+            </a:r>
+            <a:r>
+              <a:rPr lang="en-US" altLang="ko-KR" dirty="0" smtClean="0"/>
+              <a:t>(</a:t>
+            </a:r>
+            <a:r>
+              <a:rPr lang="en-US" altLang="ko-KR" dirty="0" err="1" smtClean="0"/>
+              <a:t>ImageView.ScaleType.CENTER_CROP</a:t>
+            </a:r>
+            <a:r>
+              <a:rPr lang="en-US" altLang="ko-KR" dirty="0" smtClean="0"/>
+              <a:t>);</a:t>
+            </a:r>
+          </a:p>
+          <a:p>
+            <a:pPr>
+              <a:buNone/>
+            </a:pPr>
+            <a:r>
+              <a:rPr lang="en-US" altLang="ko-KR" dirty="0" smtClean="0"/>
+              <a:t>	}  else {</a:t>
+            </a:r>
+          </a:p>
+          <a:p>
+            <a:pPr>
+              <a:buNone/>
+            </a:pPr>
+            <a:r>
+              <a:rPr lang="en-US" altLang="ko-KR" dirty="0" smtClean="0"/>
+              <a:t>		iv = (</a:t>
+            </a:r>
+            <a:r>
+              <a:rPr lang="en-US" altLang="ko-KR" dirty="0" err="1" smtClean="0"/>
+              <a:t>ImageView</a:t>
+            </a:r>
+            <a:r>
+              <a:rPr lang="en-US" altLang="ko-KR" dirty="0" smtClean="0"/>
+              <a:t>)</a:t>
+            </a:r>
+            <a:r>
+              <a:rPr lang="en-US" altLang="ko-KR" dirty="0" err="1" smtClean="0"/>
+              <a:t>cv</a:t>
+            </a:r>
+            <a:r>
+              <a:rPr lang="en-US" altLang="ko-KR" dirty="0" smtClean="0"/>
+              <a:t> ; }</a:t>
+            </a:r>
+          </a:p>
+          <a:p>
+            <a:pPr>
+              <a:buNone/>
+            </a:pPr>
+            <a:r>
+              <a:rPr lang="en-US" altLang="ko-KR" dirty="0" smtClean="0"/>
+              <a:t>	</a:t>
+            </a:r>
+          </a:p>
+          <a:p>
+            <a:pPr>
+              <a:buNone/>
+            </a:pPr>
+            <a:r>
+              <a:rPr lang="en-US" altLang="ko-KR" dirty="0" smtClean="0"/>
+              <a:t>	</a:t>
+            </a:r>
+            <a:r>
+              <a:rPr lang="en-US" altLang="ko-KR" dirty="0" err="1" smtClean="0"/>
+              <a:t>iv.setImageResource</a:t>
+            </a:r>
+            <a:r>
+              <a:rPr lang="en-US" altLang="ko-KR" dirty="0" smtClean="0"/>
+              <a:t>(picture[pos % 5 ]) ;</a:t>
+            </a:r>
+          </a:p>
+          <a:p>
+            <a:pPr>
+              <a:buNone/>
+            </a:pPr>
+            <a:r>
+              <a:rPr lang="en-US" altLang="ko-KR" dirty="0" smtClean="0"/>
+              <a:t>	</a:t>
+            </a:r>
+          </a:p>
+          <a:p>
+            <a:pPr>
+              <a:buNone/>
+            </a:pPr>
+            <a:r>
+              <a:rPr lang="en-US" altLang="ko-KR" dirty="0" smtClean="0"/>
+              <a:t>	return iv ;</a:t>
+            </a:r>
+          </a:p>
+          <a:p>
+            <a:pPr>
+              <a:buNone/>
+            </a:pPr>
+            <a:r>
+              <a:rPr lang="en-US" altLang="ko-KR" dirty="0" smtClean="0"/>
+              <a:t>}</a:t>
             </a:r>
             <a:endParaRPr lang="ko-KR" altLang="en-US" dirty="0"/>
           </a:p>
@@ -6359,6 +6531,28 @@
 <file path=ppt/slides/slide26.xml><?xml version="1.0" encoding="utf-8"?>
 <p:sld xmlns:a="http://schemas.openxmlformats.org/drawingml/2006/main" xmlns:r="http://schemas.openxmlformats.org/officeDocument/2006/relationships" xmlns:p="http://schemas.openxmlformats.org/presentationml/2006/main">
   <p:cSld>
+    <p:bg>
+      <p:bgPr>
+        <a:gradFill>
+          <a:gsLst>
+            <a:gs pos="0">
+              <a:srgbClr val="5E9EFF"/>
+            </a:gs>
+            <a:gs pos="39999">
+              <a:srgbClr val="85C2FF"/>
+            </a:gs>
+            <a:gs pos="70000">
+              <a:srgbClr val="C4D6EB"/>
+            </a:gs>
+            <a:gs pos="100000">
+              <a:srgbClr val="FFEBFA"/>
+            </a:gs>
+          </a:gsLst>
+          <a:lin ang="5400000" scaled="0"/>
+        </a:gradFill>
+        <a:effectLst/>
+      </p:bgPr>
+    </p:bg>
     <p:spTree>
       <p:nvGrpSpPr>
         <p:cNvPr id="1" name=""/>
@@ -6394,11 +6588,7 @@
             </a:r>
             <a:r>
               <a:rPr lang="ko-KR" altLang="en-US" dirty="0" smtClean="0"/>
-              <a:t>갤러리 </a:t>
-            </a:r>
-            <a:r>
-              <a:rPr lang="en-US" altLang="ko-KR" dirty="0" smtClean="0"/>
-              <a:t>2</a:t>
+              <a:t>갤러리</a:t>
             </a:r>
             <a:endParaRPr lang="ko-KR" altLang="en-US" dirty="0"/>
           </a:p>
@@ -6417,112 +6607,76 @@
         <p:spPr/>
         <p:txBody>
           <a:bodyPr>
-            <a:normAutofit lnSpcReduction="10000"/>
+            <a:normAutofit fontScale="92500" lnSpcReduction="10000"/>
           </a:bodyPr>
           <a:lstStyle/>
           <a:p>
-            <a:pPr>
-              <a:buNone/>
-            </a:pPr>
-            <a:r>
-              <a:rPr lang="en-US" altLang="ko-KR" dirty="0" smtClean="0"/>
-              <a:t>Gallery </a:t>
-            </a:r>
-            <a:r>
-              <a:rPr lang="en-US" altLang="ko-KR" dirty="0" err="1" smtClean="0"/>
-              <a:t>gallery</a:t>
-            </a:r>
-            <a:r>
-              <a:rPr lang="en-US" altLang="ko-KR" dirty="0" smtClean="0"/>
-              <a:t>=(Gallery)</a:t>
-            </a:r>
-            <a:r>
-              <a:rPr lang="en-US" altLang="ko-KR" dirty="0" err="1" smtClean="0"/>
-              <a:t>findViewById</a:t>
-            </a:r>
-            <a:r>
-              <a:rPr lang="en-US" altLang="ko-KR" dirty="0" smtClean="0"/>
-              <a:t>(…</a:t>
-            </a:r>
-          </a:p>
-          <a:p>
-            <a:pPr>
-              <a:buNone/>
-            </a:pPr>
+            <a:r>
+              <a:rPr lang="ko-KR" altLang="en-US" dirty="0" smtClean="0"/>
+              <a:t>중앙에 고정되며 수평으로 스크롤되는 </a:t>
+            </a:r>
+            <a:r>
+              <a:rPr lang="ko-KR" altLang="en-US" dirty="0" err="1" smtClean="0"/>
+              <a:t>어댑터뷰</a:t>
+            </a:r>
             <a:endParaRPr lang="en-US" altLang="ko-KR" dirty="0" smtClean="0"/>
           </a:p>
           <a:p>
-            <a:pPr>
-              <a:buNone/>
-            </a:pPr>
-            <a:r>
-              <a:rPr lang="en-US" altLang="ko-KR" dirty="0" err="1" smtClean="0"/>
-              <a:t>gallery.setAdapter</a:t>
-            </a:r>
-            <a:r>
-              <a:rPr lang="en-US" altLang="ko-KR" dirty="0" smtClean="0"/>
-              <a:t>(new </a:t>
-            </a:r>
-            <a:r>
-              <a:rPr lang="en-US" altLang="ko-KR" dirty="0" err="1" smtClean="0"/>
-              <a:t>ImageAdapter</a:t>
-            </a:r>
-            <a:r>
-              <a:rPr lang="en-US" altLang="ko-KR" dirty="0" smtClean="0"/>
-              <a:t>(this)) ;</a:t>
-            </a:r>
-          </a:p>
-          <a:p>
-            <a:pPr>
-              <a:buNone/>
-            </a:pPr>
             <a:endParaRPr lang="en-US" altLang="ko-KR" dirty="0" smtClean="0"/>
           </a:p>
           <a:p>
-            <a:pPr>
-              <a:buNone/>
-            </a:pPr>
-            <a:r>
-              <a:rPr lang="en-US" altLang="ko-KR" dirty="0" err="1" smtClean="0"/>
-              <a:t>gallery.setOnItemSelectedListener</a:t>
-            </a:r>
-            <a:r>
-              <a:rPr lang="en-US" altLang="ko-KR" dirty="0" smtClean="0"/>
-              <a:t>(</a:t>
-            </a:r>
-          </a:p>
-          <a:p>
-            <a:pPr>
-              <a:buNone/>
-            </a:pPr>
-            <a:r>
-              <a:rPr lang="en-US" altLang="ko-KR" dirty="0" smtClean="0"/>
-              <a:t> new </a:t>
-            </a:r>
-            <a:r>
-              <a:rPr lang="en-US" altLang="ko-KR" dirty="0" err="1" smtClean="0"/>
-              <a:t>OnItemSelectedListener</a:t>
-            </a:r>
-            <a:r>
-              <a:rPr lang="en-US" altLang="ko-KR" dirty="0" smtClean="0"/>
-              <a:t>( ) {</a:t>
-            </a:r>
-          </a:p>
-          <a:p>
-            <a:pPr>
-              <a:buNone/>
-            </a:pPr>
-            <a:r>
-              <a:rPr lang="en-US" altLang="ko-KR" dirty="0" smtClean="0"/>
-              <a:t>	public void </a:t>
-            </a:r>
-            <a:r>
-              <a:rPr lang="en-US" altLang="ko-KR" dirty="0" err="1" smtClean="0"/>
-              <a:t>onItemSelected</a:t>
-            </a:r>
-            <a:r>
-              <a:rPr lang="en-US" altLang="ko-KR" dirty="0" smtClean="0"/>
-              <a:t>( .	.	.</a:t>
+            <a:r>
+              <a:rPr lang="ko-KR" altLang="en-US" dirty="0" smtClean="0"/>
+              <a:t>이미지 </a:t>
+            </a:r>
+            <a:r>
+              <a:rPr lang="ko-KR" altLang="en-US" dirty="0" err="1" smtClean="0"/>
+              <a:t>선택기</a:t>
+            </a:r>
+            <a:endParaRPr lang="en-US" altLang="ko-KR" dirty="0" smtClean="0"/>
+          </a:p>
+          <a:p>
+            <a:endParaRPr lang="en-US" altLang="ko-KR" dirty="0" smtClean="0"/>
+          </a:p>
+          <a:p>
+            <a:r>
+              <a:rPr lang="en-US" altLang="ko-KR" dirty="0" smtClean="0"/>
+              <a:t>layout</a:t>
+            </a:r>
+          </a:p>
+          <a:p>
+            <a:pPr>
+              <a:buNone/>
+            </a:pPr>
+            <a:r>
+              <a:rPr lang="en-US" altLang="ko-KR" dirty="0" smtClean="0"/>
+              <a:t>	&lt;Gallery . . .</a:t>
+            </a:r>
+          </a:p>
+          <a:p>
+            <a:pPr>
+              <a:buNone/>
+            </a:pPr>
+            <a:r>
+              <a:rPr lang="en-US" altLang="ko-KR" dirty="0" smtClean="0"/>
+              <a:t>	</a:t>
+            </a:r>
+            <a:r>
+              <a:rPr lang="en-US" altLang="ko-KR" dirty="0" err="1" smtClean="0"/>
+              <a:t>android:animationDuration</a:t>
+            </a:r>
+            <a:r>
+              <a:rPr lang="en-US" altLang="ko-KR" dirty="0" smtClean="0"/>
+              <a:t>=“1500”</a:t>
+            </a:r>
+          </a:p>
+          <a:p>
+            <a:pPr>
+              <a:buNone/>
+            </a:pPr>
+            <a:r>
+              <a:rPr lang="en-US" altLang="ko-KR" dirty="0" smtClean="0"/>
+              <a:t>	/&gt;</a:t>
             </a:r>
             <a:endParaRPr lang="ko-KR" altLang="en-US" dirty="0"/>
           </a:p>
@@ -6533,12 +6687,41 @@
   <p:clrMapOvr>
     <a:masterClrMapping/>
   </p:clrMapOvr>
+  <p:timing>
+    <p:tnLst>
+      <p:par>
+        <p:cTn id="1" dur="indefinite" restart="never" nodeType="tmRoot"/>
+      </p:par>
+    </p:tnLst>
+  </p:timing>
 </p:sld>
 </file>
 
 <file path=ppt/slides/slide27.xml><?xml version="1.0" encoding="utf-8"?>
 <p:sld xmlns:a="http://schemas.openxmlformats.org/drawingml/2006/main" xmlns:r="http://schemas.openxmlformats.org/officeDocument/2006/relationships" xmlns:p="http://schemas.openxmlformats.org/presentationml/2006/main">
   <p:cSld>
+    <p:bg>
+      <p:bgPr>
+        <a:gradFill>
+          <a:gsLst>
+            <a:gs pos="0">
+              <a:srgbClr val="5E9EFF"/>
+            </a:gs>
+            <a:gs pos="39999">
+              <a:srgbClr val="85C2FF"/>
+            </a:gs>
+            <a:gs pos="70000">
+              <a:srgbClr val="C4D6EB"/>
+            </a:gs>
+            <a:gs pos="100000">
+              <a:srgbClr val="FFEBFA"/>
+            </a:gs>
+          </a:gsLst>
+          <a:lin ang="5400000" scaled="0"/>
+        </a:gradFill>
+        <a:effectLst/>
+      </p:bgPr>
+    </p:bg>
     <p:spTree>
       <p:nvGrpSpPr>
         <p:cNvPr id="1" name=""/>
@@ -6578,7 +6761,7 @@
             </a:r>
             <a:r>
               <a:rPr lang="en-US" altLang="ko-KR" dirty="0" smtClean="0"/>
-              <a:t>3</a:t>
+              <a:t>2</a:t>
             </a:r>
             <a:endParaRPr lang="ko-KR" altLang="en-US" dirty="0"/>
           </a:p>
@@ -6597,7 +6780,7 @@
         <p:spPr/>
         <p:txBody>
           <a:bodyPr>
-            <a:normAutofit fontScale="70000" lnSpcReduction="20000"/>
+            <a:normAutofit lnSpcReduction="10000"/>
           </a:bodyPr>
           <a:lstStyle/>
           <a:p>
@@ -6606,7 +6789,42 @@
             </a:pPr>
             <a:r>
               <a:rPr lang="en-US" altLang="ko-KR" dirty="0" smtClean="0"/>
-              <a:t>Class </a:t>
+              <a:t>Gallery </a:t>
+            </a:r>
+            <a:r>
+              <a:rPr lang="en-US" altLang="ko-KR" dirty="0" err="1" smtClean="0"/>
+              <a:t>gallery</a:t>
+            </a:r>
+            <a:r>
+              <a:rPr lang="en-US" altLang="ko-KR" dirty="0" smtClean="0"/>
+              <a:t>=(Gallery)</a:t>
+            </a:r>
+            <a:r>
+              <a:rPr lang="en-US" altLang="ko-KR" dirty="0" err="1" smtClean="0"/>
+              <a:t>findViewById</a:t>
+            </a:r>
+            <a:r>
+              <a:rPr lang="en-US" altLang="ko-KR" dirty="0" smtClean="0"/>
+              <a:t>(…</a:t>
+            </a:r>
+          </a:p>
+          <a:p>
+            <a:pPr>
+              <a:buNone/>
+            </a:pPr>
+            <a:endParaRPr lang="en-US" altLang="ko-KR" dirty="0" smtClean="0"/>
+          </a:p>
+          <a:p>
+            <a:pPr>
+              <a:buNone/>
+            </a:pPr>
+            <a:r>
+              <a:rPr lang="en-US" altLang="ko-KR" dirty="0" err="1" smtClean="0"/>
+              <a:t>gallery.setAdapter</a:t>
+            </a:r>
+            <a:r>
+              <a:rPr lang="en-US" altLang="ko-KR" dirty="0" smtClean="0"/>
+              <a:t>(new </a:t>
             </a:r>
             <a:r>
               <a:rPr lang="en-US" altLang="ko-KR" dirty="0" err="1" smtClean="0"/>
@@ -6614,207 +6832,60 @@
             </a:r>
             <a:r>
               <a:rPr lang="en-US" altLang="ko-KR" dirty="0" smtClean="0"/>
-              <a:t> </a:t>
-            </a:r>
-            <a:r>
-              <a:rPr lang="en-US" altLang="ko-KR" dirty="0" err="1" smtClean="0"/>
-              <a:t>extens</a:t>
-            </a:r>
-            <a:r>
-              <a:rPr lang="en-US" altLang="ko-KR" dirty="0" smtClean="0"/>
-              <a:t> </a:t>
-            </a:r>
-            <a:r>
-              <a:rPr lang="en-US" altLang="ko-KR" dirty="0" err="1" smtClean="0"/>
-              <a:t>BaseAdapter</a:t>
-            </a:r>
-            <a:r>
-              <a:rPr lang="en-US" altLang="ko-KR" dirty="0" smtClean="0"/>
-              <a:t> {</a:t>
-            </a:r>
-          </a:p>
-          <a:p>
-            <a:pPr>
-              <a:buNone/>
-            </a:pPr>
-            <a:r>
-              <a:rPr lang="en-US" altLang="ko-KR" dirty="0" smtClean="0"/>
-              <a:t>	</a:t>
-            </a:r>
-            <a:r>
-              <a:rPr lang="en-US" altLang="ko-KR" dirty="0" err="1" smtClean="0"/>
-              <a:t>getCount</a:t>
-            </a:r>
-            <a:r>
-              <a:rPr lang="en-US" altLang="ko-KR" dirty="0" smtClean="0"/>
-              <a:t>( ) { </a:t>
-            </a:r>
-          </a:p>
-          <a:p>
-            <a:pPr>
-              <a:buNone/>
-            </a:pPr>
-            <a:r>
-              <a:rPr lang="en-US" altLang="ko-KR" dirty="0" smtClean="0"/>
-              <a:t>	</a:t>
-            </a:r>
-          </a:p>
-          <a:p>
-            <a:pPr>
-              <a:buNone/>
-            </a:pPr>
-            <a:r>
-              <a:rPr lang="en-US" altLang="ko-KR" dirty="0" smtClean="0"/>
-              <a:t>	</a:t>
-            </a:r>
-            <a:r>
-              <a:rPr lang="en-US" altLang="ko-KR" dirty="0" err="1" smtClean="0"/>
-              <a:t>getItem</a:t>
+              <a:t>(this)) ;</a:t>
+            </a:r>
+          </a:p>
+          <a:p>
+            <a:pPr>
+              <a:buNone/>
+            </a:pPr>
+            <a:endParaRPr lang="en-US" altLang="ko-KR" dirty="0" smtClean="0"/>
+          </a:p>
+          <a:p>
+            <a:pPr>
+              <a:buNone/>
+            </a:pPr>
+            <a:r>
+              <a:rPr lang="en-US" altLang="ko-KR" dirty="0" err="1" smtClean="0"/>
+              <a:t>gallery.setOnItemSelectedListener</a:t>
             </a:r>
             <a:r>
               <a:rPr lang="en-US" altLang="ko-KR" dirty="0" smtClean="0"/>
               <a:t>(</a:t>
             </a:r>
-            <a:r>
-              <a:rPr lang="en-US" altLang="ko-KR" dirty="0" err="1" smtClean="0"/>
-              <a:t>int</a:t>
-            </a:r>
-            <a:r>
-              <a:rPr lang="en-US" altLang="ko-KR" dirty="0" smtClean="0"/>
-              <a:t> pos) {	</a:t>
-            </a:r>
-          </a:p>
-          <a:p>
-            <a:pPr>
-              <a:buNone/>
-            </a:pPr>
-            <a:r>
-              <a:rPr lang="en-US" altLang="ko-KR" dirty="0" smtClean="0"/>
-              <a:t>	</a:t>
-            </a:r>
-          </a:p>
-          <a:p>
-            <a:pPr>
-              <a:buNone/>
-            </a:pPr>
-            <a:r>
-              <a:rPr lang="en-US" altLang="ko-KR" dirty="0" smtClean="0"/>
-              <a:t>	</a:t>
-            </a:r>
-            <a:r>
-              <a:rPr lang="en-US" altLang="ko-KR" dirty="0" err="1" smtClean="0"/>
-              <a:t>getItemId</a:t>
-            </a:r>
-            <a:r>
-              <a:rPr lang="en-US" altLang="ko-KR" dirty="0" smtClean="0"/>
-              <a:t>(</a:t>
-            </a:r>
-            <a:r>
-              <a:rPr lang="en-US" altLang="ko-KR" dirty="0" err="1" smtClean="0"/>
-              <a:t>int</a:t>
-            </a:r>
-            <a:r>
-              <a:rPr lang="en-US" altLang="ko-KR" dirty="0" smtClean="0"/>
-              <a:t> pos) { </a:t>
-            </a:r>
-          </a:p>
-          <a:p>
-            <a:pPr>
-              <a:buNone/>
-            </a:pPr>
-            <a:endParaRPr lang="en-US" altLang="ko-KR" dirty="0" smtClean="0"/>
-          </a:p>
-          <a:p>
-            <a:pPr>
-              <a:buNone/>
-            </a:pPr>
-            <a:r>
-              <a:rPr lang="en-US" altLang="ko-KR" dirty="0" smtClean="0"/>
-              <a:t>	</a:t>
-            </a:r>
-            <a:r>
-              <a:rPr lang="en-US" altLang="ko-KR" dirty="0" err="1" smtClean="0"/>
-              <a:t>getView</a:t>
-            </a:r>
-            <a:r>
-              <a:rPr lang="en-US" altLang="ko-KR" dirty="0" smtClean="0"/>
-              <a:t>(</a:t>
-            </a:r>
-            <a:r>
-              <a:rPr lang="en-US" altLang="ko-KR" dirty="0" err="1" smtClean="0"/>
-              <a:t>int</a:t>
-            </a:r>
-            <a:r>
-              <a:rPr lang="en-US" altLang="ko-KR" dirty="0" smtClean="0"/>
-              <a:t> p, View v, </a:t>
-            </a:r>
-            <a:r>
-              <a:rPr lang="en-US" altLang="ko-KR" dirty="0" err="1" smtClean="0"/>
-              <a:t>ViewGroup</a:t>
-            </a:r>
-            <a:r>
-              <a:rPr lang="en-US" altLang="ko-KR" dirty="0" smtClean="0"/>
-              <a:t> vg){</a:t>
-            </a:r>
-          </a:p>
-          <a:p>
-            <a:pPr>
-              <a:buNone/>
-            </a:pPr>
-            <a:r>
-              <a:rPr lang="en-US" altLang="ko-KR" dirty="0" smtClean="0"/>
-              <a:t>		.	.	.</a:t>
-            </a:r>
-          </a:p>
-          <a:p>
-            <a:pPr>
-              <a:buNone/>
-            </a:pPr>
-            <a:r>
-              <a:rPr lang="en-US" altLang="ko-KR" dirty="0" smtClean="0"/>
-              <a:t>		</a:t>
-            </a:r>
-            <a:r>
-              <a:rPr lang="en-US" altLang="ko-KR" dirty="0" err="1" smtClean="0"/>
-              <a:t>iv.setImageResource</a:t>
-            </a:r>
-            <a:r>
-              <a:rPr lang="en-US" altLang="ko-KR" dirty="0" smtClean="0"/>
-              <a:t>(</a:t>
-            </a:r>
-          </a:p>
-          <a:p>
-            <a:pPr>
-              <a:buNone/>
-            </a:pPr>
-            <a:r>
-              <a:rPr lang="en-US" altLang="ko-KR" dirty="0" smtClean="0"/>
-              <a:t>		</a:t>
-            </a:r>
-            <a:r>
-              <a:rPr lang="en-US" altLang="ko-KR" dirty="0" err="1" smtClean="0"/>
-              <a:t>iv.setScaleType</a:t>
-            </a:r>
-            <a:r>
-              <a:rPr lang="en-US" altLang="ko-KR" dirty="0" smtClean="0"/>
-              <a:t>(	</a:t>
-            </a:r>
-          </a:p>
-          <a:p>
-            <a:pPr>
-              <a:buNone/>
-            </a:pPr>
-            <a:r>
-              <a:rPr lang="en-US" altLang="ko-KR" dirty="0" smtClean="0"/>
-              <a:t>		</a:t>
-            </a:r>
-            <a:r>
-              <a:rPr lang="en-US" altLang="ko-KR" dirty="0" err="1" smtClean="0"/>
-              <a:t>iv.setLayoutParams</a:t>
-            </a:r>
-            <a:r>
-              <a:rPr lang="en-US" altLang="ko-KR" dirty="0" smtClean="0"/>
-              <a:t>(	</a:t>
+          </a:p>
+          <a:p>
+            <a:pPr>
+              <a:buNone/>
+            </a:pPr>
+            <a:r>
+              <a:rPr lang="en-US" altLang="ko-KR" dirty="0" smtClean="0"/>
+              <a:t> new </a:t>
+            </a:r>
+            <a:r>
+              <a:rPr lang="en-US" altLang="ko-KR" dirty="0" err="1" smtClean="0"/>
+              <a:t>OnItemSelectedListener</a:t>
+            </a:r>
+            <a:r>
+              <a:rPr lang="en-US" altLang="ko-KR" dirty="0" smtClean="0"/>
+              <a:t>( ) {</a:t>
+            </a:r>
+          </a:p>
+          <a:p>
+            <a:pPr>
+              <a:buNone/>
+            </a:pPr>
+            <a:r>
+              <a:rPr lang="en-US" altLang="ko-KR" dirty="0" smtClean="0"/>
+              <a:t>	public void </a:t>
+            </a:r>
+            <a:r>
+              <a:rPr lang="en-US" altLang="ko-KR" dirty="0" err="1" smtClean="0"/>
+              <a:t>onItemSelected</a:t>
+            </a:r>
+            <a:r>
+              <a:rPr lang="en-US" altLang="ko-KR" dirty="0" smtClean="0"/>
+              <a:t>( .	.	.</a:t>
             </a:r>
             <a:endParaRPr lang="ko-KR" altLang="en-US" dirty="0"/>
           </a:p>
@@ -6825,6 +6896,338 @@
   <p:clrMapOvr>
     <a:masterClrMapping/>
   </p:clrMapOvr>
+  <p:timing>
+    <p:tnLst>
+      <p:par>
+        <p:cTn id="1" dur="indefinite" restart="never" nodeType="tmRoot"/>
+      </p:par>
+    </p:tnLst>
+  </p:timing>
+</p:sld>
+</file>
+
+<file path=ppt/slides/slide28.xml><?xml version="1.0" encoding="utf-8"?>
+<p:sld xmlns:a="http://schemas.openxmlformats.org/drawingml/2006/main" xmlns:r="http://schemas.openxmlformats.org/officeDocument/2006/relationships" xmlns:p="http://schemas.openxmlformats.org/presentationml/2006/main">
+  <p:cSld>
+    <p:bg>
+      <p:bgPr>
+        <a:gradFill>
+          <a:gsLst>
+            <a:gs pos="0">
+              <a:srgbClr val="5E9EFF"/>
+            </a:gs>
+            <a:gs pos="39999">
+              <a:srgbClr val="85C2FF"/>
+            </a:gs>
+            <a:gs pos="70000">
+              <a:srgbClr val="C4D6EB"/>
+            </a:gs>
+            <a:gs pos="100000">
+              <a:srgbClr val="FFEBFA"/>
+            </a:gs>
+          </a:gsLst>
+          <a:lin ang="5400000" scaled="0"/>
+        </a:gradFill>
+        <a:effectLst/>
+      </p:bgPr>
+    </p:bg>
+    <p:spTree>
+      <p:nvGrpSpPr>
+        <p:cNvPr id="1" name=""/>
+        <p:cNvGrpSpPr/>
+        <p:nvPr/>
+      </p:nvGrpSpPr>
+      <p:grpSpPr>
+        <a:xfrm>
+          <a:off x="0" y="0"/>
+          <a:ext cx="0" cy="0"/>
+          <a:chOff x="0" y="0"/>
+          <a:chExt cx="0" cy="0"/>
+        </a:xfrm>
+      </p:grpSpPr>
+      <p:sp>
+        <p:nvSpPr>
+          <p:cNvPr id="2" name="제목 1"/>
+          <p:cNvSpPr>
+            <a:spLocks noGrp="1"/>
+          </p:cNvSpPr>
+          <p:nvPr>
+            <p:ph type="title"/>
+          </p:nvPr>
+        </p:nvSpPr>
+        <p:spPr/>
+        <p:txBody>
+          <a:bodyPr/>
+          <a:lstStyle/>
+          <a:p>
+            <a:r>
+              <a:rPr lang="en-US" altLang="ko-KR" dirty="0" smtClean="0"/>
+              <a:t>12.3.3 </a:t>
+            </a:r>
+            <a:r>
+              <a:rPr lang="ko-KR" altLang="en-US" dirty="0" smtClean="0"/>
+              <a:t>갤러리 </a:t>
+            </a:r>
+            <a:r>
+              <a:rPr lang="en-US" altLang="ko-KR" dirty="0" smtClean="0"/>
+              <a:t>3</a:t>
+            </a:r>
+            <a:endParaRPr lang="ko-KR" altLang="en-US" dirty="0"/>
+          </a:p>
+        </p:txBody>
+      </p:sp>
+      <p:sp>
+        <p:nvSpPr>
+          <p:cNvPr id="3" name="내용 개체 틀 2"/>
+          <p:cNvSpPr>
+            <a:spLocks noGrp="1"/>
+          </p:cNvSpPr>
+          <p:nvPr>
+            <p:ph idx="1"/>
+          </p:nvPr>
+        </p:nvSpPr>
+        <p:spPr/>
+        <p:txBody>
+          <a:bodyPr>
+            <a:normAutofit fontScale="70000" lnSpcReduction="20000"/>
+          </a:bodyPr>
+          <a:lstStyle/>
+          <a:p>
+            <a:pPr>
+              <a:buNone/>
+            </a:pPr>
+            <a:r>
+              <a:rPr lang="en-US" altLang="ko-KR" dirty="0" smtClean="0"/>
+              <a:t>Class </a:t>
+            </a:r>
+            <a:r>
+              <a:rPr lang="en-US" altLang="ko-KR" dirty="0" err="1" smtClean="0"/>
+              <a:t>ImageAdapter</a:t>
+            </a:r>
+            <a:r>
+              <a:rPr lang="en-US" altLang="ko-KR" dirty="0" smtClean="0"/>
+              <a:t> </a:t>
+            </a:r>
+            <a:r>
+              <a:rPr lang="en-US" altLang="ko-KR" dirty="0" smtClean="0"/>
+              <a:t>extends </a:t>
+            </a:r>
+            <a:r>
+              <a:rPr lang="en-US" altLang="ko-KR" dirty="0" err="1" smtClean="0"/>
+              <a:t>BaseAdapter</a:t>
+            </a:r>
+            <a:r>
+              <a:rPr lang="en-US" altLang="ko-KR" dirty="0" smtClean="0"/>
+              <a:t> {</a:t>
+            </a:r>
+          </a:p>
+          <a:p>
+            <a:pPr>
+              <a:buNone/>
+            </a:pPr>
+            <a:r>
+              <a:rPr lang="en-US" altLang="ko-KR" dirty="0" smtClean="0"/>
+              <a:t>	</a:t>
+            </a:r>
+            <a:r>
+              <a:rPr lang="en-US" altLang="ko-KR" dirty="0" err="1" smtClean="0"/>
+              <a:t>getCount</a:t>
+            </a:r>
+            <a:r>
+              <a:rPr lang="en-US" altLang="ko-KR" dirty="0" smtClean="0"/>
+              <a:t>( ) { </a:t>
+            </a:r>
+          </a:p>
+          <a:p>
+            <a:pPr>
+              <a:buNone/>
+            </a:pPr>
+            <a:r>
+              <a:rPr lang="en-US" altLang="ko-KR" dirty="0" smtClean="0"/>
+              <a:t>	</a:t>
+            </a:r>
+          </a:p>
+          <a:p>
+            <a:pPr>
+              <a:buNone/>
+            </a:pPr>
+            <a:r>
+              <a:rPr lang="en-US" altLang="ko-KR" dirty="0" smtClean="0"/>
+              <a:t>	</a:t>
+            </a:r>
+            <a:r>
+              <a:rPr lang="en-US" altLang="ko-KR" dirty="0" err="1" smtClean="0"/>
+              <a:t>getItem</a:t>
+            </a:r>
+            <a:r>
+              <a:rPr lang="en-US" altLang="ko-KR" dirty="0" smtClean="0"/>
+              <a:t>(</a:t>
+            </a:r>
+            <a:r>
+              <a:rPr lang="en-US" altLang="ko-KR" dirty="0" err="1" smtClean="0"/>
+              <a:t>int</a:t>
+            </a:r>
+            <a:r>
+              <a:rPr lang="en-US" altLang="ko-KR" dirty="0" smtClean="0"/>
+              <a:t> pos) {	</a:t>
+            </a:r>
+          </a:p>
+          <a:p>
+            <a:pPr>
+              <a:buNone/>
+            </a:pPr>
+            <a:r>
+              <a:rPr lang="en-US" altLang="ko-KR" dirty="0" smtClean="0"/>
+              <a:t>	</a:t>
+            </a:r>
+          </a:p>
+          <a:p>
+            <a:pPr>
+              <a:buNone/>
+            </a:pPr>
+            <a:r>
+              <a:rPr lang="en-US" altLang="ko-KR" dirty="0" smtClean="0"/>
+              <a:t>	</a:t>
+            </a:r>
+            <a:r>
+              <a:rPr lang="en-US" altLang="ko-KR" dirty="0" err="1" smtClean="0"/>
+              <a:t>getItemId</a:t>
+            </a:r>
+            <a:r>
+              <a:rPr lang="en-US" altLang="ko-KR" dirty="0" smtClean="0"/>
+              <a:t>(</a:t>
+            </a:r>
+            <a:r>
+              <a:rPr lang="en-US" altLang="ko-KR" dirty="0" err="1" smtClean="0"/>
+              <a:t>int</a:t>
+            </a:r>
+            <a:r>
+              <a:rPr lang="en-US" altLang="ko-KR" dirty="0" smtClean="0"/>
+              <a:t> pos) { </a:t>
+            </a:r>
+          </a:p>
+          <a:p>
+            <a:pPr>
+              <a:buNone/>
+            </a:pPr>
+            <a:endParaRPr lang="en-US" altLang="ko-KR" dirty="0" smtClean="0"/>
+          </a:p>
+          <a:p>
+            <a:pPr>
+              <a:buNone/>
+            </a:pPr>
+            <a:r>
+              <a:rPr lang="en-US" altLang="ko-KR" dirty="0" smtClean="0"/>
+              <a:t>	</a:t>
+            </a:r>
+            <a:r>
+              <a:rPr lang="en-US" altLang="ko-KR" dirty="0" err="1" smtClean="0"/>
+              <a:t>getView</a:t>
+            </a:r>
+            <a:r>
+              <a:rPr lang="en-US" altLang="ko-KR" dirty="0" smtClean="0"/>
+              <a:t>(</a:t>
+            </a:r>
+            <a:r>
+              <a:rPr lang="en-US" altLang="ko-KR" dirty="0" err="1" smtClean="0"/>
+              <a:t>int</a:t>
+            </a:r>
+            <a:r>
+              <a:rPr lang="en-US" altLang="ko-KR" dirty="0" smtClean="0"/>
+              <a:t> p, View </a:t>
+            </a:r>
+            <a:r>
+              <a:rPr lang="en-US" altLang="ko-KR" dirty="0" err="1" smtClean="0"/>
+              <a:t>cv</a:t>
+            </a:r>
+            <a:r>
+              <a:rPr lang="en-US" altLang="ko-KR" dirty="0" smtClean="0"/>
+              <a:t>, </a:t>
+            </a:r>
+            <a:r>
+              <a:rPr lang="en-US" altLang="ko-KR" dirty="0" err="1" smtClean="0"/>
+              <a:t>ViewGroup</a:t>
+            </a:r>
+            <a:r>
+              <a:rPr lang="en-US" altLang="ko-KR" dirty="0" smtClean="0"/>
+              <a:t> vg){</a:t>
+            </a:r>
+          </a:p>
+          <a:p>
+            <a:pPr>
+              <a:buNone/>
+            </a:pPr>
+            <a:r>
+              <a:rPr lang="en-US" altLang="ko-KR" dirty="0" smtClean="0"/>
+              <a:t>		.	.	.</a:t>
+            </a:r>
+          </a:p>
+          <a:p>
+            <a:pPr>
+              <a:buNone/>
+            </a:pPr>
+            <a:r>
+              <a:rPr lang="en-US" altLang="ko-KR" dirty="0" smtClean="0"/>
+              <a:t>		</a:t>
+            </a:r>
+            <a:r>
+              <a:rPr lang="en-US" altLang="ko-KR" dirty="0" err="1" smtClean="0"/>
+              <a:t>iv.setImageResource</a:t>
+            </a:r>
+            <a:r>
+              <a:rPr lang="en-US" altLang="ko-KR" dirty="0" smtClean="0"/>
+              <a:t>(</a:t>
+            </a:r>
+          </a:p>
+          <a:p>
+            <a:pPr>
+              <a:buNone/>
+            </a:pPr>
+            <a:r>
+              <a:rPr lang="en-US" altLang="ko-KR" dirty="0" smtClean="0"/>
+              <a:t>		</a:t>
+            </a:r>
+            <a:r>
+              <a:rPr lang="en-US" altLang="ko-KR" dirty="0" err="1" smtClean="0"/>
+              <a:t>iv.setScaleType</a:t>
+            </a:r>
+            <a:r>
+              <a:rPr lang="en-US" altLang="ko-KR" dirty="0" smtClean="0"/>
+              <a:t>(	</a:t>
+            </a:r>
+          </a:p>
+          <a:p>
+            <a:pPr>
+              <a:buNone/>
+            </a:pPr>
+            <a:r>
+              <a:rPr lang="en-US" altLang="ko-KR" dirty="0" smtClean="0"/>
+              <a:t>		</a:t>
+            </a:r>
+            <a:r>
+              <a:rPr lang="en-US" altLang="ko-KR" dirty="0" err="1" smtClean="0"/>
+              <a:t>iv.setLayoutParams</a:t>
+            </a:r>
+            <a:r>
+              <a:rPr lang="en-US" altLang="ko-KR" dirty="0" smtClean="0"/>
+              <a:t>(	</a:t>
+            </a:r>
+            <a:endParaRPr lang="ko-KR" altLang="en-US" dirty="0"/>
+          </a:p>
+        </p:txBody>
+      </p:sp>
+    </p:spTree>
+  </p:cSld>
+  <p:clrMapOvr>
+    <a:masterClrMapping/>
+  </p:clrMapOvr>
+  <p:timing>
+    <p:tnLst>
+      <p:par>
+        <p:cTn id="1" dur="indefinite" restart="never" nodeType="tmRoot"/>
+      </p:par>
+    </p:tnLst>
+  </p:timing>
 </p:sld>
 </file>
 
